--- a/Prezentare_Hosszu_Zsolt.pptx
+++ b/Prezentare_Hosszu_Zsolt.pptx
@@ -7,8 +7,16 @@
   <p:sldIdLst>
     <p:sldId id="256" r:id="rId2"/>
     <p:sldId id="257" r:id="rId3"/>
-    <p:sldId id="258" r:id="rId4"/>
-    <p:sldId id="259" r:id="rId5"/>
+    <p:sldId id="260" r:id="rId4"/>
+    <p:sldId id="261" r:id="rId5"/>
+    <p:sldId id="262" r:id="rId6"/>
+    <p:sldId id="264" r:id="rId7"/>
+    <p:sldId id="263" r:id="rId8"/>
+    <p:sldId id="265" r:id="rId9"/>
+    <p:sldId id="266" r:id="rId10"/>
+    <p:sldId id="267" r:id="rId11"/>
+    <p:sldId id="269" r:id="rId12"/>
+    <p:sldId id="268" r:id="rId13"/>
   </p:sldIdLst>
   <p:sldSz cx="9144000" cy="6858000" type="screen4x3"/>
   <p:notesSz cx="6858000" cy="9144000"/>
@@ -3720,7 +3728,7 @@
         <p:spPr>
           <a:xfrm>
             <a:off x="863588" y="908720"/>
-            <a:ext cx="6696744" cy="1754326"/>
+            <a:ext cx="6696744" cy="1631216"/>
           </a:xfrm>
           <a:prstGeom prst="rect">
             <a:avLst/>
@@ -3743,105 +3751,112 @@
               <a:rPr lang="en-US" sz="3600" dirty="0">
                 <a:latin typeface="UT Sans Bold" pitchFamily="50" charset="0"/>
               </a:rPr>
-              <a:t> -  </a:t>
-            </a:r>
-            <a:r>
-              <a:rPr lang="en-US" sz="3600" dirty="0" err="1">
+              <a:t> </a:t>
+            </a:r>
+          </a:p>
+          <a:p>
+            <a:endParaRPr lang="en-US" sz="1200" dirty="0">
+              <a:latin typeface="UT Sans Bold" pitchFamily="50" charset="0"/>
+            </a:endParaRPr>
+          </a:p>
+          <a:p>
+            <a:r>
+              <a:rPr lang="en-US" sz="2400" dirty="0" err="1">
                 <a:latin typeface="UT Sans Bold" pitchFamily="50" charset="0"/>
               </a:rPr>
               <a:t>Aplicație</a:t>
             </a:r>
             <a:r>
-              <a:rPr lang="en-US" sz="3600" dirty="0">
+              <a:rPr lang="en-US" sz="2400" dirty="0">
                 <a:latin typeface="UT Sans Bold" pitchFamily="50" charset="0"/>
               </a:rPr>
               <a:t> web </a:t>
             </a:r>
             <a:r>
-              <a:rPr lang="en-US" sz="3600" dirty="0" err="1">
+              <a:rPr lang="en-US" sz="2400" dirty="0" err="1">
                 <a:latin typeface="UT Sans Bold" pitchFamily="50" charset="0"/>
               </a:rPr>
               <a:t>pentru</a:t>
             </a:r>
             <a:r>
-              <a:rPr lang="en-US" sz="3600" dirty="0">
+              <a:rPr lang="en-US" sz="2400" dirty="0">
                 <a:latin typeface="UT Sans Bold" pitchFamily="50" charset="0"/>
               </a:rPr>
               <a:t> </a:t>
             </a:r>
             <a:r>
-              <a:rPr lang="ro-RO" sz="3600" dirty="0">
+              <a:rPr lang="ro-RO" sz="2400" dirty="0">
                 <a:latin typeface="UT Sans Bold" pitchFamily="50" charset="0"/>
               </a:rPr>
               <a:t>emiterea</a:t>
             </a:r>
             <a:r>
-              <a:rPr lang="en-US" sz="3600" dirty="0">
+              <a:rPr lang="en-US" sz="2400" dirty="0">
                 <a:latin typeface="UT Sans Bold" pitchFamily="50" charset="0"/>
               </a:rPr>
               <a:t> </a:t>
             </a:r>
             <a:r>
-              <a:rPr lang="en-US" sz="3600" dirty="0" err="1">
+              <a:rPr lang="en-US" sz="2400" dirty="0" err="1">
                 <a:latin typeface="UT Sans Bold" pitchFamily="50" charset="0"/>
               </a:rPr>
               <a:t>și</a:t>
             </a:r>
             <a:r>
-              <a:rPr lang="en-US" sz="3600" dirty="0">
+              <a:rPr lang="en-US" sz="2400" dirty="0">
                 <a:latin typeface="UT Sans Bold" pitchFamily="50" charset="0"/>
               </a:rPr>
               <a:t> </a:t>
             </a:r>
             <a:r>
-              <a:rPr lang="en-US" sz="3600" dirty="0" err="1">
+              <a:rPr lang="ro-RO" sz="2400" dirty="0">
                 <a:latin typeface="UT Sans Bold" pitchFamily="50" charset="0"/>
               </a:rPr>
               <a:t>gestionarea</a:t>
             </a:r>
             <a:r>
-              <a:rPr lang="en-US" sz="3600" dirty="0">
+              <a:rPr lang="en-US" sz="2400" dirty="0">
                 <a:latin typeface="UT Sans Bold" pitchFamily="50" charset="0"/>
               </a:rPr>
               <a:t> </a:t>
             </a:r>
             <a:r>
-              <a:rPr lang="en-US" sz="3600" dirty="0" err="1">
+              <a:rPr lang="en-US" sz="2400" dirty="0" err="1">
                 <a:latin typeface="UT Sans Bold" pitchFamily="50" charset="0"/>
               </a:rPr>
               <a:t>facturilor</a:t>
             </a:r>
             <a:r>
-              <a:rPr lang="en-US" sz="3600" dirty="0">
+              <a:rPr lang="en-US" sz="2400" dirty="0">
                 <a:latin typeface="UT Sans Bold" pitchFamily="50" charset="0"/>
               </a:rPr>
               <a:t> </a:t>
             </a:r>
             <a:r>
-              <a:rPr lang="en-US" sz="3600" dirty="0" err="1">
+              <a:rPr lang="en-US" sz="2400" dirty="0" err="1">
                 <a:latin typeface="UT Sans Bold" pitchFamily="50" charset="0"/>
               </a:rPr>
               <a:t>între</a:t>
             </a:r>
             <a:r>
-              <a:rPr lang="en-US" sz="3600" dirty="0">
+              <a:rPr lang="en-US" sz="2400" dirty="0">
                 <a:latin typeface="UT Sans Bold" pitchFamily="50" charset="0"/>
               </a:rPr>
               <a:t> </a:t>
             </a:r>
             <a:r>
-              <a:rPr lang="en-US" sz="3600" dirty="0" err="1">
+              <a:rPr lang="en-US" sz="2400" dirty="0" err="1">
                 <a:latin typeface="UT Sans Bold" pitchFamily="50" charset="0"/>
               </a:rPr>
               <a:t>firme</a:t>
             </a:r>
             <a:r>
-              <a:rPr lang="en-US" sz="3600" dirty="0">
+              <a:rPr lang="en-US" sz="2400" dirty="0">
                 <a:latin typeface="UT Sans Bold" pitchFamily="50" charset="0"/>
               </a:rPr>
               <a:t>  </a:t>
             </a:r>
-            <a:endParaRPr lang="en-US" sz="3600" dirty="0"/>
+            <a:endParaRPr lang="en-US" sz="2400" dirty="0"/>
           </a:p>
         </p:txBody>
       </p:sp>
@@ -3853,7 +3868,7 @@
         </p:nvSpPr>
         <p:spPr>
           <a:xfrm>
-            <a:off x="863588" y="3123126"/>
+            <a:off x="863588" y="3429000"/>
             <a:ext cx="3600400" cy="461665"/>
           </a:xfrm>
           <a:prstGeom prst="rect">
@@ -3886,12 +3901,12 @@
               <a:t> </a:t>
             </a:r>
             <a:r>
-              <a:rPr lang="en-US" sz="2400" dirty="0" err="1">
+              <a:rPr lang="hu-HU" sz="2400" dirty="0">
                 <a:latin typeface="UT Sans Bold" pitchFamily="50" charset="0"/>
               </a:rPr>
               <a:t>Zsolt</a:t>
             </a:r>
-            <a:endParaRPr lang="en-US" sz="1200" dirty="0"/>
+            <a:endParaRPr lang="hu-HU" sz="1200" dirty="0"/>
           </a:p>
         </p:txBody>
       </p:sp>
@@ -3899,6 +3914,717 @@
     <p:extLst>
       <p:ext uri="{BB962C8B-B14F-4D97-AF65-F5344CB8AC3E}">
         <p14:creationId xmlns:p14="http://schemas.microsoft.com/office/powerpoint/2010/main" val="495011795"/>
+      </p:ext>
+    </p:extLst>
+  </p:cSld>
+  <p:clrMapOvr>
+    <a:masterClrMapping/>
+  </p:clrMapOvr>
+</p:sld>
+</file>
+
+<file path=ppt/slides/slide10.xml><?xml version="1.0" encoding="utf-8"?>
+<p:sld xmlns:a="http://schemas.openxmlformats.org/drawingml/2006/main" xmlns:r="http://schemas.openxmlformats.org/officeDocument/2006/relationships" xmlns:p="http://schemas.openxmlformats.org/presentationml/2006/main">
+  <p:cSld>
+    <p:spTree>
+      <p:nvGrpSpPr>
+        <p:cNvPr id="1" name=""/>
+        <p:cNvGrpSpPr/>
+        <p:nvPr/>
+      </p:nvGrpSpPr>
+      <p:grpSpPr>
+        <a:xfrm>
+          <a:off x="0" y="0"/>
+          <a:ext cx="0" cy="0"/>
+          <a:chOff x="0" y="0"/>
+          <a:chExt cx="0" cy="0"/>
+        </a:xfrm>
+      </p:grpSpPr>
+      <p:grpSp>
+        <p:nvGrpSpPr>
+          <p:cNvPr id="4" name="Group 3"/>
+          <p:cNvGrpSpPr/>
+          <p:nvPr/>
+        </p:nvGrpSpPr>
+        <p:grpSpPr>
+          <a:xfrm>
+            <a:off x="8460432" y="6237312"/>
+            <a:ext cx="216000" cy="216000"/>
+            <a:chOff x="2772000" y="1932221"/>
+            <a:chExt cx="2340000" cy="2340000"/>
+          </a:xfrm>
+        </p:grpSpPr>
+        <p:sp>
+          <p:nvSpPr>
+            <p:cNvPr id="5" name="Rectangle 4"/>
+            <p:cNvSpPr/>
+            <p:nvPr/>
+          </p:nvSpPr>
+          <p:spPr>
+            <a:xfrm>
+              <a:off x="2772000" y="1932221"/>
+              <a:ext cx="2340000" cy="2340000"/>
+            </a:xfrm>
+            <a:prstGeom prst="rect">
+              <a:avLst/>
+            </a:prstGeom>
+            <a:solidFill>
+              <a:schemeClr val="bg1">
+                <a:lumMod val="75000"/>
+              </a:schemeClr>
+            </a:solidFill>
+            <a:ln>
+              <a:noFill/>
+            </a:ln>
+          </p:spPr>
+          <p:style>
+            <a:lnRef idx="2">
+              <a:schemeClr val="accent1">
+                <a:shade val="50000"/>
+              </a:schemeClr>
+            </a:lnRef>
+            <a:fillRef idx="1">
+              <a:schemeClr val="accent1"/>
+            </a:fillRef>
+            <a:effectRef idx="0">
+              <a:schemeClr val="accent1"/>
+            </a:effectRef>
+            <a:fontRef idx="minor">
+              <a:schemeClr val="lt1"/>
+            </a:fontRef>
+          </p:style>
+          <p:txBody>
+            <a:bodyPr rtlCol="0" anchor="ctr"/>
+            <a:lstStyle/>
+            <a:p>
+              <a:pPr algn="ctr"/>
+              <a:endParaRPr lang="en-US">
+                <a:ln>
+                  <a:solidFill>
+                    <a:schemeClr val="bg2">
+                      <a:lumMod val="75000"/>
+                    </a:schemeClr>
+                  </a:solidFill>
+                </a:ln>
+                <a:solidFill>
+                  <a:schemeClr val="tx1"/>
+                </a:solidFill>
+              </a:endParaRPr>
+            </a:p>
+          </p:txBody>
+        </p:sp>
+        <p:sp>
+          <p:nvSpPr>
+            <p:cNvPr id="6" name="Rectangle 5"/>
+            <p:cNvSpPr/>
+            <p:nvPr/>
+          </p:nvSpPr>
+          <p:spPr>
+            <a:xfrm>
+              <a:off x="3546000" y="2706221"/>
+              <a:ext cx="792000" cy="792000"/>
+            </a:xfrm>
+            <a:prstGeom prst="rect">
+              <a:avLst/>
+            </a:prstGeom>
+            <a:solidFill>
+              <a:schemeClr val="bg1"/>
+            </a:solidFill>
+            <a:ln>
+              <a:noFill/>
+            </a:ln>
+          </p:spPr>
+          <p:style>
+            <a:lnRef idx="2">
+              <a:schemeClr val="accent1">
+                <a:shade val="50000"/>
+              </a:schemeClr>
+            </a:lnRef>
+            <a:fillRef idx="1">
+              <a:schemeClr val="accent1"/>
+            </a:fillRef>
+            <a:effectRef idx="0">
+              <a:schemeClr val="accent1"/>
+            </a:effectRef>
+            <a:fontRef idx="minor">
+              <a:schemeClr val="lt1"/>
+            </a:fontRef>
+          </p:style>
+          <p:txBody>
+            <a:bodyPr rtlCol="0" anchor="ctr"/>
+            <a:lstStyle/>
+            <a:p>
+              <a:pPr algn="ctr"/>
+              <a:endParaRPr lang="en-US">
+                <a:ln>
+                  <a:solidFill>
+                    <a:schemeClr val="bg2">
+                      <a:lumMod val="75000"/>
+                    </a:schemeClr>
+                  </a:solidFill>
+                </a:ln>
+                <a:solidFill>
+                  <a:schemeClr val="tx1"/>
+                </a:solidFill>
+              </a:endParaRPr>
+            </a:p>
+          </p:txBody>
+        </p:sp>
+      </p:grpSp>
+      <p:pic>
+        <p:nvPicPr>
+          <p:cNvPr id="2" name="Picture 1"/>
+          <p:cNvPicPr>
+            <a:picLocks noChangeAspect="1"/>
+          </p:cNvPicPr>
+          <p:nvPr/>
+        </p:nvPicPr>
+        <p:blipFill>
+          <a:blip r:embed="rId2" cstate="print">
+            <a:extLst>
+              <a:ext uri="{28A0092B-C50C-407E-A947-70E740481C1C}">
+                <a14:useLocalDpi xmlns:a14="http://schemas.microsoft.com/office/drawing/2010/main" val="0"/>
+              </a:ext>
+            </a:extLst>
+          </a:blip>
+          <a:stretch>
+            <a:fillRect/>
+          </a:stretch>
+        </p:blipFill>
+        <p:spPr>
+          <a:xfrm>
+            <a:off x="287524" y="260648"/>
+            <a:ext cx="1692188" cy="600822"/>
+          </a:xfrm>
+          <a:prstGeom prst="rect">
+            <a:avLst/>
+          </a:prstGeom>
+        </p:spPr>
+      </p:pic>
+      <p:sp>
+        <p:nvSpPr>
+          <p:cNvPr id="13" name="TextBox 12">
+            <a:extLst>
+              <a:ext uri="{FF2B5EF4-FFF2-40B4-BE49-F238E27FC236}">
+                <a16:creationId xmlns:a16="http://schemas.microsoft.com/office/drawing/2014/main" id="{649ECE41-5C33-D26B-835E-7DB29D4E17B8}"/>
+              </a:ext>
+            </a:extLst>
+          </p:cNvPr>
+          <p:cNvSpPr txBox="1"/>
+          <p:nvPr/>
+        </p:nvSpPr>
+        <p:spPr>
+          <a:xfrm>
+            <a:off x="3167844" y="2888940"/>
+            <a:ext cx="2986587" cy="646331"/>
+          </a:xfrm>
+          <a:prstGeom prst="rect">
+            <a:avLst/>
+          </a:prstGeom>
+          <a:noFill/>
+        </p:spPr>
+        <p:txBody>
+          <a:bodyPr wrap="none" rtlCol="0">
+            <a:spAutoFit/>
+          </a:bodyPr>
+          <a:lstStyle/>
+          <a:p>
+            <a:r>
+              <a:rPr lang="ro-RO" sz="3600" dirty="0">
+                <a:latin typeface="UT Sans"/>
+              </a:rPr>
+              <a:t>Demo aplicație</a:t>
+            </a:r>
+            <a:endParaRPr lang="en-US" sz="3600" dirty="0">
+              <a:latin typeface="UT Sans"/>
+            </a:endParaRPr>
+          </a:p>
+        </p:txBody>
+      </p:sp>
+    </p:spTree>
+    <p:extLst>
+      <p:ext uri="{BB962C8B-B14F-4D97-AF65-F5344CB8AC3E}">
+        <p14:creationId xmlns:p14="http://schemas.microsoft.com/office/powerpoint/2010/main" val="1655485592"/>
+      </p:ext>
+    </p:extLst>
+  </p:cSld>
+  <p:clrMapOvr>
+    <a:masterClrMapping/>
+  </p:clrMapOvr>
+</p:sld>
+</file>
+
+<file path=ppt/slides/slide11.xml><?xml version="1.0" encoding="utf-8"?>
+<p:sld xmlns:a="http://schemas.openxmlformats.org/drawingml/2006/main" xmlns:r="http://schemas.openxmlformats.org/officeDocument/2006/relationships" xmlns:p="http://schemas.openxmlformats.org/presentationml/2006/main">
+  <p:cSld>
+    <p:spTree>
+      <p:nvGrpSpPr>
+        <p:cNvPr id="1" name=""/>
+        <p:cNvGrpSpPr/>
+        <p:nvPr/>
+      </p:nvGrpSpPr>
+      <p:grpSpPr>
+        <a:xfrm>
+          <a:off x="0" y="0"/>
+          <a:ext cx="0" cy="0"/>
+          <a:chOff x="0" y="0"/>
+          <a:chExt cx="0" cy="0"/>
+        </a:xfrm>
+      </p:grpSpPr>
+      <p:grpSp>
+        <p:nvGrpSpPr>
+          <p:cNvPr id="4" name="Group 3"/>
+          <p:cNvGrpSpPr/>
+          <p:nvPr/>
+        </p:nvGrpSpPr>
+        <p:grpSpPr>
+          <a:xfrm>
+            <a:off x="8460432" y="6237312"/>
+            <a:ext cx="216000" cy="216000"/>
+            <a:chOff x="2772000" y="1932221"/>
+            <a:chExt cx="2340000" cy="2340000"/>
+          </a:xfrm>
+        </p:grpSpPr>
+        <p:sp>
+          <p:nvSpPr>
+            <p:cNvPr id="5" name="Rectangle 4"/>
+            <p:cNvSpPr/>
+            <p:nvPr/>
+          </p:nvSpPr>
+          <p:spPr>
+            <a:xfrm>
+              <a:off x="2772000" y="1932221"/>
+              <a:ext cx="2340000" cy="2340000"/>
+            </a:xfrm>
+            <a:prstGeom prst="rect">
+              <a:avLst/>
+            </a:prstGeom>
+            <a:solidFill>
+              <a:schemeClr val="bg1">
+                <a:lumMod val="75000"/>
+              </a:schemeClr>
+            </a:solidFill>
+            <a:ln>
+              <a:noFill/>
+            </a:ln>
+          </p:spPr>
+          <p:style>
+            <a:lnRef idx="2">
+              <a:schemeClr val="accent1">
+                <a:shade val="50000"/>
+              </a:schemeClr>
+            </a:lnRef>
+            <a:fillRef idx="1">
+              <a:schemeClr val="accent1"/>
+            </a:fillRef>
+            <a:effectRef idx="0">
+              <a:schemeClr val="accent1"/>
+            </a:effectRef>
+            <a:fontRef idx="minor">
+              <a:schemeClr val="lt1"/>
+            </a:fontRef>
+          </p:style>
+          <p:txBody>
+            <a:bodyPr rtlCol="0" anchor="ctr"/>
+            <a:lstStyle/>
+            <a:p>
+              <a:pPr algn="ctr"/>
+              <a:endParaRPr lang="en-US">
+                <a:ln>
+                  <a:solidFill>
+                    <a:schemeClr val="bg2">
+                      <a:lumMod val="75000"/>
+                    </a:schemeClr>
+                  </a:solidFill>
+                </a:ln>
+                <a:solidFill>
+                  <a:schemeClr val="tx1"/>
+                </a:solidFill>
+              </a:endParaRPr>
+            </a:p>
+          </p:txBody>
+        </p:sp>
+        <p:sp>
+          <p:nvSpPr>
+            <p:cNvPr id="6" name="Rectangle 5"/>
+            <p:cNvSpPr/>
+            <p:nvPr/>
+          </p:nvSpPr>
+          <p:spPr>
+            <a:xfrm>
+              <a:off x="3546000" y="2706221"/>
+              <a:ext cx="792000" cy="792000"/>
+            </a:xfrm>
+            <a:prstGeom prst="rect">
+              <a:avLst/>
+            </a:prstGeom>
+            <a:solidFill>
+              <a:schemeClr val="bg1"/>
+            </a:solidFill>
+            <a:ln>
+              <a:noFill/>
+            </a:ln>
+          </p:spPr>
+          <p:style>
+            <a:lnRef idx="2">
+              <a:schemeClr val="accent1">
+                <a:shade val="50000"/>
+              </a:schemeClr>
+            </a:lnRef>
+            <a:fillRef idx="1">
+              <a:schemeClr val="accent1"/>
+            </a:fillRef>
+            <a:effectRef idx="0">
+              <a:schemeClr val="accent1"/>
+            </a:effectRef>
+            <a:fontRef idx="minor">
+              <a:schemeClr val="lt1"/>
+            </a:fontRef>
+          </p:style>
+          <p:txBody>
+            <a:bodyPr rtlCol="0" anchor="ctr"/>
+            <a:lstStyle/>
+            <a:p>
+              <a:pPr algn="ctr"/>
+              <a:endParaRPr lang="en-US">
+                <a:ln>
+                  <a:solidFill>
+                    <a:schemeClr val="bg2">
+                      <a:lumMod val="75000"/>
+                    </a:schemeClr>
+                  </a:solidFill>
+                </a:ln>
+                <a:solidFill>
+                  <a:schemeClr val="tx1"/>
+                </a:solidFill>
+              </a:endParaRPr>
+            </a:p>
+          </p:txBody>
+        </p:sp>
+      </p:grpSp>
+      <p:pic>
+        <p:nvPicPr>
+          <p:cNvPr id="2" name="Picture 1"/>
+          <p:cNvPicPr>
+            <a:picLocks noChangeAspect="1"/>
+          </p:cNvPicPr>
+          <p:nvPr/>
+        </p:nvPicPr>
+        <p:blipFill>
+          <a:blip r:embed="rId2" cstate="print">
+            <a:extLst>
+              <a:ext uri="{28A0092B-C50C-407E-A947-70E740481C1C}">
+                <a14:useLocalDpi xmlns:a14="http://schemas.microsoft.com/office/drawing/2010/main" val="0"/>
+              </a:ext>
+            </a:extLst>
+          </a:blip>
+          <a:stretch>
+            <a:fillRect/>
+          </a:stretch>
+        </p:blipFill>
+        <p:spPr>
+          <a:xfrm>
+            <a:off x="287524" y="260648"/>
+            <a:ext cx="1692188" cy="600822"/>
+          </a:xfrm>
+          <a:prstGeom prst="rect">
+            <a:avLst/>
+          </a:prstGeom>
+        </p:spPr>
+      </p:pic>
+      <p:sp>
+        <p:nvSpPr>
+          <p:cNvPr id="13" name="TextBox 12">
+            <a:extLst>
+              <a:ext uri="{FF2B5EF4-FFF2-40B4-BE49-F238E27FC236}">
+                <a16:creationId xmlns:a16="http://schemas.microsoft.com/office/drawing/2014/main" id="{649ECE41-5C33-D26B-835E-7DB29D4E17B8}"/>
+              </a:ext>
+            </a:extLst>
+          </p:cNvPr>
+          <p:cNvSpPr txBox="1"/>
+          <p:nvPr/>
+        </p:nvSpPr>
+        <p:spPr>
+          <a:xfrm>
+            <a:off x="2123728" y="2996952"/>
+            <a:ext cx="5243551" cy="646331"/>
+          </a:xfrm>
+          <a:prstGeom prst="rect">
+            <a:avLst/>
+          </a:prstGeom>
+          <a:noFill/>
+        </p:spPr>
+        <p:txBody>
+          <a:bodyPr wrap="none" rtlCol="0">
+            <a:spAutoFit/>
+          </a:bodyPr>
+          <a:lstStyle/>
+          <a:p>
+            <a:r>
+              <a:rPr lang="ro-RO" sz="3600" dirty="0">
+                <a:latin typeface="UT Sans"/>
+              </a:rPr>
+              <a:t>Mulțumesc pentru atenție!</a:t>
+            </a:r>
+            <a:endParaRPr lang="en-US" sz="3600" dirty="0">
+              <a:latin typeface="UT Sans"/>
+            </a:endParaRPr>
+          </a:p>
+        </p:txBody>
+      </p:sp>
+    </p:spTree>
+    <p:extLst>
+      <p:ext uri="{BB962C8B-B14F-4D97-AF65-F5344CB8AC3E}">
+        <p14:creationId xmlns:p14="http://schemas.microsoft.com/office/powerpoint/2010/main" val="1743779115"/>
+      </p:ext>
+    </p:extLst>
+  </p:cSld>
+  <p:clrMapOvr>
+    <a:masterClrMapping/>
+  </p:clrMapOvr>
+</p:sld>
+</file>
+
+<file path=ppt/slides/slide12.xml><?xml version="1.0" encoding="utf-8"?>
+<p:sld xmlns:a="http://schemas.openxmlformats.org/drawingml/2006/main" xmlns:r="http://schemas.openxmlformats.org/officeDocument/2006/relationships" xmlns:p="http://schemas.openxmlformats.org/presentationml/2006/main">
+  <p:cSld>
+    <p:spTree>
+      <p:nvGrpSpPr>
+        <p:cNvPr id="1" name=""/>
+        <p:cNvGrpSpPr/>
+        <p:nvPr/>
+      </p:nvGrpSpPr>
+      <p:grpSpPr>
+        <a:xfrm>
+          <a:off x="0" y="0"/>
+          <a:ext cx="0" cy="0"/>
+          <a:chOff x="0" y="0"/>
+          <a:chExt cx="0" cy="0"/>
+        </a:xfrm>
+      </p:grpSpPr>
+      <p:grpSp>
+        <p:nvGrpSpPr>
+          <p:cNvPr id="4" name="Group 3"/>
+          <p:cNvGrpSpPr/>
+          <p:nvPr/>
+        </p:nvGrpSpPr>
+        <p:grpSpPr>
+          <a:xfrm>
+            <a:off x="8460432" y="6237312"/>
+            <a:ext cx="216000" cy="216000"/>
+            <a:chOff x="2772000" y="1932221"/>
+            <a:chExt cx="2340000" cy="2340000"/>
+          </a:xfrm>
+        </p:grpSpPr>
+        <p:sp>
+          <p:nvSpPr>
+            <p:cNvPr id="5" name="Rectangle 4"/>
+            <p:cNvSpPr/>
+            <p:nvPr/>
+          </p:nvSpPr>
+          <p:spPr>
+            <a:xfrm>
+              <a:off x="2772000" y="1932221"/>
+              <a:ext cx="2340000" cy="2340000"/>
+            </a:xfrm>
+            <a:prstGeom prst="rect">
+              <a:avLst/>
+            </a:prstGeom>
+            <a:solidFill>
+              <a:schemeClr val="bg1">
+                <a:lumMod val="75000"/>
+              </a:schemeClr>
+            </a:solidFill>
+            <a:ln>
+              <a:noFill/>
+            </a:ln>
+          </p:spPr>
+          <p:style>
+            <a:lnRef idx="2">
+              <a:schemeClr val="accent1">
+                <a:shade val="50000"/>
+              </a:schemeClr>
+            </a:lnRef>
+            <a:fillRef idx="1">
+              <a:schemeClr val="accent1"/>
+            </a:fillRef>
+            <a:effectRef idx="0">
+              <a:schemeClr val="accent1"/>
+            </a:effectRef>
+            <a:fontRef idx="minor">
+              <a:schemeClr val="lt1"/>
+            </a:fontRef>
+          </p:style>
+          <p:txBody>
+            <a:bodyPr rtlCol="0" anchor="ctr"/>
+            <a:lstStyle/>
+            <a:p>
+              <a:pPr algn="ctr"/>
+              <a:endParaRPr lang="en-US">
+                <a:ln>
+                  <a:solidFill>
+                    <a:schemeClr val="bg2">
+                      <a:lumMod val="75000"/>
+                    </a:schemeClr>
+                  </a:solidFill>
+                </a:ln>
+                <a:solidFill>
+                  <a:schemeClr val="tx1"/>
+                </a:solidFill>
+              </a:endParaRPr>
+            </a:p>
+          </p:txBody>
+        </p:sp>
+        <p:sp>
+          <p:nvSpPr>
+            <p:cNvPr id="6" name="Rectangle 5"/>
+            <p:cNvSpPr/>
+            <p:nvPr/>
+          </p:nvSpPr>
+          <p:spPr>
+            <a:xfrm>
+              <a:off x="3546000" y="2706221"/>
+              <a:ext cx="792000" cy="792000"/>
+            </a:xfrm>
+            <a:prstGeom prst="rect">
+              <a:avLst/>
+            </a:prstGeom>
+            <a:solidFill>
+              <a:schemeClr val="bg1"/>
+            </a:solidFill>
+            <a:ln>
+              <a:noFill/>
+            </a:ln>
+          </p:spPr>
+          <p:style>
+            <a:lnRef idx="2">
+              <a:schemeClr val="accent1">
+                <a:shade val="50000"/>
+              </a:schemeClr>
+            </a:lnRef>
+            <a:fillRef idx="1">
+              <a:schemeClr val="accent1"/>
+            </a:fillRef>
+            <a:effectRef idx="0">
+              <a:schemeClr val="accent1"/>
+            </a:effectRef>
+            <a:fontRef idx="minor">
+              <a:schemeClr val="lt1"/>
+            </a:fontRef>
+          </p:style>
+          <p:txBody>
+            <a:bodyPr rtlCol="0" anchor="ctr"/>
+            <a:lstStyle/>
+            <a:p>
+              <a:pPr algn="ctr"/>
+              <a:endParaRPr lang="en-US">
+                <a:ln>
+                  <a:solidFill>
+                    <a:schemeClr val="bg2">
+                      <a:lumMod val="75000"/>
+                    </a:schemeClr>
+                  </a:solidFill>
+                </a:ln>
+                <a:solidFill>
+                  <a:schemeClr val="tx1"/>
+                </a:solidFill>
+              </a:endParaRPr>
+            </a:p>
+          </p:txBody>
+        </p:sp>
+      </p:grpSp>
+      <p:pic>
+        <p:nvPicPr>
+          <p:cNvPr id="2" name="Picture 1"/>
+          <p:cNvPicPr>
+            <a:picLocks noChangeAspect="1"/>
+          </p:cNvPicPr>
+          <p:nvPr/>
+        </p:nvPicPr>
+        <p:blipFill>
+          <a:blip r:embed="rId2" cstate="print">
+            <a:extLst>
+              <a:ext uri="{28A0092B-C50C-407E-A947-70E740481C1C}">
+                <a14:useLocalDpi xmlns:a14="http://schemas.microsoft.com/office/drawing/2010/main" val="0"/>
+              </a:ext>
+            </a:extLst>
+          </a:blip>
+          <a:stretch>
+            <a:fillRect/>
+          </a:stretch>
+        </p:blipFill>
+        <p:spPr>
+          <a:xfrm>
+            <a:off x="287524" y="260648"/>
+            <a:ext cx="1692188" cy="600822"/>
+          </a:xfrm>
+          <a:prstGeom prst="rect">
+            <a:avLst/>
+          </a:prstGeom>
+        </p:spPr>
+      </p:pic>
+      <p:sp>
+        <p:nvSpPr>
+          <p:cNvPr id="13" name="TextBox 12">
+            <a:extLst>
+              <a:ext uri="{FF2B5EF4-FFF2-40B4-BE49-F238E27FC236}">
+                <a16:creationId xmlns:a16="http://schemas.microsoft.com/office/drawing/2014/main" id="{649ECE41-5C33-D26B-835E-7DB29D4E17B8}"/>
+              </a:ext>
+            </a:extLst>
+          </p:cNvPr>
+          <p:cNvSpPr txBox="1"/>
+          <p:nvPr/>
+        </p:nvSpPr>
+        <p:spPr>
+          <a:xfrm>
+            <a:off x="2591780" y="3032956"/>
+            <a:ext cx="4270080" cy="646331"/>
+          </a:xfrm>
+          <a:prstGeom prst="rect">
+            <a:avLst/>
+          </a:prstGeom>
+          <a:noFill/>
+        </p:spPr>
+        <p:txBody>
+          <a:bodyPr wrap="none" rtlCol="0">
+            <a:spAutoFit/>
+          </a:bodyPr>
+          <a:lstStyle/>
+          <a:p>
+            <a:r>
+              <a:rPr lang="en-US" sz="3600" dirty="0" err="1"/>
+              <a:t>Întrebări</a:t>
+            </a:r>
+            <a:r>
+              <a:rPr lang="en-US" sz="3600" dirty="0"/>
+              <a:t> </a:t>
+            </a:r>
+            <a:r>
+              <a:rPr lang="en-US" sz="3600" dirty="0" err="1"/>
+              <a:t>și</a:t>
+            </a:r>
+            <a:r>
+              <a:rPr lang="en-US" sz="3600" dirty="0"/>
+              <a:t> </a:t>
+            </a:r>
+            <a:r>
+              <a:rPr lang="ro-RO" sz="3600" dirty="0"/>
+              <a:t>r</a:t>
+            </a:r>
+            <a:r>
+              <a:rPr lang="en-US" sz="3600" dirty="0" err="1"/>
+              <a:t>ăspunsuri</a:t>
+            </a:r>
+            <a:endParaRPr lang="en-US" sz="3600" dirty="0">
+              <a:latin typeface="UT Sans"/>
+            </a:endParaRPr>
+          </a:p>
+        </p:txBody>
+      </p:sp>
+    </p:spTree>
+    <p:extLst>
+      <p:ext uri="{BB962C8B-B14F-4D97-AF65-F5344CB8AC3E}">
+        <p14:creationId xmlns:p14="http://schemas.microsoft.com/office/powerpoint/2010/main" val="995617451"/>
       </p:ext>
     </p:extLst>
   </p:cSld>
@@ -4064,8 +4790,8 @@
         </p:nvSpPr>
         <p:spPr>
           <a:xfrm>
-            <a:off x="611560" y="1152031"/>
-            <a:ext cx="8064872" cy="4401205"/>
+            <a:off x="457740" y="1988840"/>
+            <a:ext cx="8064872" cy="3970318"/>
           </a:xfrm>
           <a:prstGeom prst="rect">
             <a:avLst/>
@@ -4084,126 +4810,26 @@
               </a:buBlip>
             </a:pPr>
             <a:r>
-              <a:rPr lang="en-US" sz="2000" dirty="0">
-                <a:latin typeface="UT Sans" pitchFamily="50" charset="0"/>
-              </a:rPr>
-              <a:t>Lorem ipsum dolor sit </a:t>
-            </a:r>
-            <a:r>
-              <a:rPr lang="en-US" sz="2000" dirty="0" err="1">
-                <a:latin typeface="UT Sans" pitchFamily="50" charset="0"/>
-              </a:rPr>
-              <a:t>amet</a:t>
-            </a:r>
-            <a:r>
-              <a:rPr lang="en-US" sz="2000" dirty="0">
-                <a:latin typeface="UT Sans" pitchFamily="50" charset="0"/>
-              </a:rPr>
-              <a:t>, </a:t>
-            </a:r>
-            <a:r>
-              <a:rPr lang="en-US" sz="2000" dirty="0" err="1">
-                <a:latin typeface="UT Sans" pitchFamily="50" charset="0"/>
-              </a:rPr>
-              <a:t>consectetur</a:t>
-            </a:r>
-            <a:r>
-              <a:rPr lang="en-US" sz="2000" dirty="0">
-                <a:latin typeface="UT Sans" pitchFamily="50" charset="0"/>
-              </a:rPr>
-              <a:t> </a:t>
-            </a:r>
-            <a:r>
-              <a:rPr lang="en-US" sz="2000" dirty="0" err="1">
-                <a:latin typeface="UT Sans" pitchFamily="50" charset="0"/>
-              </a:rPr>
-              <a:t>adipiscing</a:t>
-            </a:r>
-            <a:r>
-              <a:rPr lang="en-US" sz="2000" dirty="0">
-                <a:latin typeface="UT Sans" pitchFamily="50" charset="0"/>
-              </a:rPr>
-              <a:t> </a:t>
-            </a:r>
-            <a:r>
-              <a:rPr lang="en-US" sz="2000" dirty="0" err="1">
-                <a:latin typeface="UT Sans" pitchFamily="50" charset="0"/>
-              </a:rPr>
-              <a:t>elit</a:t>
-            </a:r>
-            <a:r>
-              <a:rPr lang="en-US" sz="2000" dirty="0">
-                <a:latin typeface="UT Sans" pitchFamily="50" charset="0"/>
-              </a:rPr>
-              <a:t>. </a:t>
-            </a:r>
-            <a:r>
-              <a:rPr lang="en-US" sz="2000" dirty="0" err="1">
-                <a:latin typeface="UT Sans" pitchFamily="50" charset="0"/>
-              </a:rPr>
-              <a:t>Nulla</a:t>
-            </a:r>
-            <a:r>
-              <a:rPr lang="en-US" sz="2000" dirty="0">
-                <a:latin typeface="UT Sans" pitchFamily="50" charset="0"/>
-              </a:rPr>
-              <a:t> </a:t>
-            </a:r>
-            <a:r>
-              <a:rPr lang="en-US" sz="2000" dirty="0" err="1">
-                <a:latin typeface="UT Sans" pitchFamily="50" charset="0"/>
-              </a:rPr>
-              <a:t>massa</a:t>
-            </a:r>
-            <a:r>
-              <a:rPr lang="en-US" sz="2000" dirty="0">
-                <a:latin typeface="UT Sans" pitchFamily="50" charset="0"/>
-              </a:rPr>
-              <a:t> </a:t>
-            </a:r>
-            <a:r>
-              <a:rPr lang="en-US" sz="2000" dirty="0" err="1">
-                <a:latin typeface="UT Sans" pitchFamily="50" charset="0"/>
-              </a:rPr>
-              <a:t>nulla</a:t>
-            </a:r>
-            <a:r>
-              <a:rPr lang="en-US" sz="2000" dirty="0">
-                <a:latin typeface="UT Sans" pitchFamily="50" charset="0"/>
-              </a:rPr>
-              <a:t> Lorem ipsum dolor </a:t>
-            </a:r>
-          </a:p>
-          <a:p>
-            <a:pPr marL="800100" lvl="1" indent="-342900" algn="just">
-              <a:buFont typeface=".AppleSystemUIFont" charset="-120"/>
-              <a:buChar char="-"/>
-            </a:pPr>
-            <a:r>
-              <a:rPr lang="en-US" sz="2000" dirty="0">
-                <a:latin typeface="UT Sans" pitchFamily="50" charset="0"/>
-              </a:rPr>
-              <a:t>Lorem ipsum dolor </a:t>
-            </a:r>
-          </a:p>
-          <a:p>
-            <a:pPr marL="1257300" lvl="2" indent="-342900" algn="just">
-              <a:buFont typeface="Wingdings" charset="2"/>
-              <a:buChar char="§"/>
-            </a:pPr>
-            <a:r>
-              <a:rPr lang="en-US" sz="2000" dirty="0">
-                <a:latin typeface="UT Sans" pitchFamily="50" charset="0"/>
-              </a:rPr>
-              <a:t>Lorem ipsum dolor</a:t>
+              <a:rPr lang="pt-BR" dirty="0">
+                <a:latin typeface="UT Sans"/>
+              </a:rPr>
+              <a:t>InvoiceJet este o aplicație de </a:t>
+            </a:r>
+            <a:r>
+              <a:rPr lang="ro-RO" dirty="0"/>
+              <a:t>emitere</a:t>
+            </a:r>
+            <a:r>
+              <a:rPr lang="pt-BR" dirty="0">
+                <a:latin typeface="UT Sans"/>
+              </a:rPr>
+              <a:t> a facturilor destinată companiilor de dimensiuni mici/medii.</a:t>
             </a:r>
           </a:p>
           <a:p>
             <a:pPr algn="just"/>
-            <a:endParaRPr lang="ro-RO" sz="2000" dirty="0">
-              <a:latin typeface="UT Symbols" charset="0"/>
-              <a:ea typeface="UT Symbols" charset="0"/>
-              <a:cs typeface="UT Symbols" charset="0"/>
+            <a:endParaRPr lang="pt-BR" dirty="0">
+              <a:latin typeface="UT Sans"/>
             </a:endParaRPr>
           </a:p>
           <a:p>
@@ -4213,157 +4839,156 @@
               </a:buBlip>
             </a:pPr>
             <a:r>
-              <a:rPr lang="en-US" sz="2000" dirty="0">
-                <a:latin typeface="UT Sans" pitchFamily="50" charset="0"/>
-              </a:rPr>
-              <a:t>Nam </a:t>
-            </a:r>
-            <a:r>
-              <a:rPr lang="en-US" sz="2000" dirty="0" err="1">
-                <a:latin typeface="UT Sans" pitchFamily="50" charset="0"/>
-              </a:rPr>
-              <a:t>pellentesque</a:t>
-            </a:r>
-            <a:r>
-              <a:rPr lang="en-US" sz="2000" dirty="0">
-                <a:latin typeface="UT Sans" pitchFamily="50" charset="0"/>
-              </a:rPr>
-              <a:t>, </a:t>
-            </a:r>
-            <a:r>
-              <a:rPr lang="en-US" sz="2000" dirty="0" err="1">
-                <a:latin typeface="UT Sans" pitchFamily="50" charset="0"/>
-              </a:rPr>
-              <a:t>nulla</a:t>
-            </a:r>
-            <a:r>
-              <a:rPr lang="en-US" sz="2000" dirty="0">
-                <a:latin typeface="UT Sans" pitchFamily="50" charset="0"/>
+              <a:rPr lang="en-US" dirty="0" err="1">
+                <a:latin typeface="UT Sans"/>
+              </a:rPr>
+              <a:t>Scopul</a:t>
+            </a:r>
+            <a:r>
+              <a:rPr lang="en-US" dirty="0">
+                <a:latin typeface="UT Sans"/>
+              </a:rPr>
+              <a:t> principal al </a:t>
+            </a:r>
+            <a:r>
+              <a:rPr lang="en-US" dirty="0" err="1">
+                <a:latin typeface="UT Sans"/>
+              </a:rPr>
+              <a:t>aplicației</a:t>
+            </a:r>
+            <a:r>
+              <a:rPr lang="en-US" dirty="0">
+                <a:latin typeface="UT Sans"/>
+              </a:rPr>
+              <a:t> </a:t>
+            </a:r>
+            <a:r>
+              <a:rPr lang="en-US" dirty="0" err="1">
+                <a:latin typeface="UT Sans"/>
+              </a:rPr>
+              <a:t>este</a:t>
+            </a:r>
+            <a:r>
+              <a:rPr lang="en-US" dirty="0">
+                <a:latin typeface="UT Sans"/>
+              </a:rPr>
+              <a:t> de a </a:t>
+            </a:r>
+            <a:r>
+              <a:rPr lang="en-US" dirty="0" err="1">
+                <a:latin typeface="UT Sans"/>
+              </a:rPr>
+              <a:t>simplifica</a:t>
+            </a:r>
+            <a:r>
+              <a:rPr lang="en-US" dirty="0">
+                <a:latin typeface="UT Sans"/>
+              </a:rPr>
+              <a:t> </a:t>
+            </a:r>
+            <a:r>
+              <a:rPr lang="en-US" dirty="0" err="1">
+                <a:latin typeface="UT Sans"/>
+              </a:rPr>
+              <a:t>procesul</a:t>
+            </a:r>
+            <a:r>
+              <a:rPr lang="en-US" dirty="0">
+                <a:latin typeface="UT Sans"/>
+              </a:rPr>
+              <a:t> de </a:t>
+            </a:r>
+            <a:r>
+              <a:rPr lang="en-US" dirty="0" err="1">
+                <a:latin typeface="UT Sans"/>
+              </a:rPr>
+              <a:t>facturare</a:t>
+            </a:r>
+            <a:r>
+              <a:rPr lang="en-US" dirty="0">
+                <a:latin typeface="UT Sans"/>
+              </a:rPr>
+              <a:t> </a:t>
+            </a:r>
+            <a:r>
+              <a:rPr lang="en-US" dirty="0" err="1">
+                <a:latin typeface="UT Sans"/>
+              </a:rPr>
+              <a:t>și</a:t>
+            </a:r>
+            <a:r>
+              <a:rPr lang="en-US" dirty="0">
+                <a:latin typeface="UT Sans"/>
+              </a:rPr>
+              <a:t> de a </a:t>
+            </a:r>
+            <a:r>
+              <a:rPr lang="en-US" dirty="0" err="1">
+                <a:latin typeface="UT Sans"/>
+              </a:rPr>
+              <a:t>asigura</a:t>
+            </a:r>
+            <a:r>
+              <a:rPr lang="en-US" dirty="0">
+                <a:latin typeface="UT Sans"/>
+              </a:rPr>
+              <a:t> o </a:t>
+            </a:r>
+            <a:r>
+              <a:rPr lang="en-US" dirty="0" err="1">
+                <a:latin typeface="UT Sans"/>
+              </a:rPr>
+              <a:t>gestionare</a:t>
+            </a:r>
+            <a:r>
+              <a:rPr lang="en-US" dirty="0">
+                <a:latin typeface="UT Sans"/>
+              </a:rPr>
+              <a:t> </a:t>
+            </a:r>
+            <a:r>
+              <a:rPr lang="en-US" dirty="0" err="1">
+                <a:latin typeface="UT Sans"/>
+              </a:rPr>
+              <a:t>eficientă</a:t>
+            </a:r>
+            <a:r>
+              <a:rPr lang="en-US" dirty="0">
+                <a:latin typeface="UT Sans"/>
               </a:rPr>
               <a:t> a </a:t>
             </a:r>
             <a:r>
-              <a:rPr lang="en-US" sz="2000" dirty="0" err="1">
-                <a:latin typeface="UT Sans" pitchFamily="50" charset="0"/>
-              </a:rPr>
-              <a:t>feugiat</a:t>
-            </a:r>
-            <a:r>
-              <a:rPr lang="en-US" sz="2000" dirty="0">
-                <a:latin typeface="UT Sans" pitchFamily="50" charset="0"/>
+              <a:rPr lang="en-US" dirty="0" err="1">
+                <a:latin typeface="UT Sans"/>
+              </a:rPr>
+              <a:t>documentelor</a:t>
+            </a:r>
+            <a:r>
+              <a:rPr lang="en-US" dirty="0">
+                <a:latin typeface="UT Sans"/>
               </a:rPr>
               <a:t> </a:t>
             </a:r>
             <a:r>
-              <a:rPr lang="en-US" sz="2000" dirty="0" err="1">
-                <a:latin typeface="UT Sans" pitchFamily="50" charset="0"/>
-              </a:rPr>
-              <a:t>condimentum</a:t>
-            </a:r>
-            <a:r>
-              <a:rPr lang="en-US" sz="2000" dirty="0">
-                <a:latin typeface="UT Sans" pitchFamily="50" charset="0"/>
-              </a:rPr>
-              <a:t>, </a:t>
-            </a:r>
-            <a:r>
-              <a:rPr lang="en-US" sz="2000" dirty="0" err="1">
-                <a:latin typeface="UT Sans" pitchFamily="50" charset="0"/>
-              </a:rPr>
-              <a:t>erat</a:t>
-            </a:r>
-            <a:r>
-              <a:rPr lang="en-US" sz="2000" dirty="0">
-                <a:latin typeface="UT Sans" pitchFamily="50" charset="0"/>
-              </a:rPr>
-              <a:t> </a:t>
-            </a:r>
-            <a:r>
-              <a:rPr lang="en-US" sz="2000" dirty="0" err="1">
-                <a:latin typeface="UT Sans" pitchFamily="50" charset="0"/>
-              </a:rPr>
-              <a:t>lectus</a:t>
-            </a:r>
-            <a:r>
-              <a:rPr lang="en-US" sz="2000" dirty="0">
-                <a:latin typeface="UT Sans" pitchFamily="50" charset="0"/>
-              </a:rPr>
-              <a:t> </a:t>
-            </a:r>
-            <a:r>
-              <a:rPr lang="en-US" sz="2000" dirty="0" err="1">
-                <a:latin typeface="UT Sans" pitchFamily="50" charset="0"/>
-              </a:rPr>
-              <a:t>vulputate</a:t>
-            </a:r>
-            <a:r>
-              <a:rPr lang="en-US" sz="2000" dirty="0">
-                <a:latin typeface="UT Sans" pitchFamily="50" charset="0"/>
-              </a:rPr>
-              <a:t> magna, Lorem ipsum dolor ac </a:t>
-            </a:r>
-            <a:r>
-              <a:rPr lang="en-US" sz="2000" dirty="0" err="1">
-                <a:latin typeface="UT Sans" pitchFamily="50" charset="0"/>
-              </a:rPr>
-              <a:t>sollicitudin</a:t>
-            </a:r>
-            <a:r>
-              <a:rPr lang="en-US" sz="2000" dirty="0">
-                <a:latin typeface="UT Sans" pitchFamily="50" charset="0"/>
-              </a:rPr>
-              <a:t>. </a:t>
-            </a:r>
-            <a:r>
-              <a:rPr lang="en-US" sz="2000" dirty="0" err="1">
-                <a:latin typeface="UT Sans" pitchFamily="50" charset="0"/>
-              </a:rPr>
-              <a:t>Morbi</a:t>
-            </a:r>
-            <a:r>
-              <a:rPr lang="en-US" sz="2000" dirty="0">
-                <a:latin typeface="UT Sans" pitchFamily="50" charset="0"/>
-              </a:rPr>
-              <a:t> </a:t>
-            </a:r>
-            <a:r>
-              <a:rPr lang="en-US" sz="2000" dirty="0" err="1">
-                <a:latin typeface="UT Sans" pitchFamily="50" charset="0"/>
-              </a:rPr>
-              <a:t>blandit</a:t>
-            </a:r>
-            <a:r>
-              <a:rPr lang="en-US" sz="2000" dirty="0">
-                <a:latin typeface="UT Sans" pitchFamily="50" charset="0"/>
-              </a:rPr>
-              <a:t> </a:t>
-            </a:r>
-            <a:r>
-              <a:rPr lang="en-US" sz="2000" dirty="0" err="1">
-                <a:latin typeface="UT Sans" pitchFamily="50" charset="0"/>
-              </a:rPr>
-              <a:t>posuere</a:t>
-            </a:r>
-            <a:r>
-              <a:rPr lang="en-US" sz="2000" dirty="0">
-                <a:latin typeface="UT Sans" pitchFamily="50" charset="0"/>
-              </a:rPr>
-              <a:t> </a:t>
-            </a:r>
-            <a:r>
-              <a:rPr lang="en-US" sz="2000" dirty="0" err="1">
-                <a:latin typeface="UT Sans" pitchFamily="50" charset="0"/>
-              </a:rPr>
-              <a:t>facilisis</a:t>
-            </a:r>
-            <a:r>
-              <a:rPr lang="en-US" sz="2000" dirty="0">
-                <a:latin typeface="UT Sans" pitchFamily="50" charset="0"/>
+              <a:rPr lang="en-US" dirty="0" err="1">
+                <a:latin typeface="UT Sans"/>
+              </a:rPr>
+              <a:t>financiare</a:t>
+            </a:r>
+            <a:r>
+              <a:rPr lang="en-US" dirty="0">
+                <a:latin typeface="UT Sans"/>
               </a:rPr>
               <a:t>.</a:t>
             </a:r>
-            <a:endParaRPr lang="ro-RO" sz="2000" dirty="0">
-              <a:latin typeface="UT Sans" pitchFamily="50" charset="0"/>
+          </a:p>
+          <a:p>
+            <a:pPr algn="just"/>
+            <a:endParaRPr lang="ro-RO" dirty="0">
+              <a:latin typeface="UT Symbols" charset="0"/>
+              <a:ea typeface="UT Symbols" charset="0"/>
+              <a:cs typeface="UT Symbols" charset="0"/>
             </a:endParaRPr>
           </a:p>
           <a:p>
@@ -4372,388 +4997,273 @@
                 <a:blip r:embed="rId2"/>
               </a:buBlip>
             </a:pPr>
-            <a:endParaRPr lang="ro-RO" sz="2000" dirty="0">
-              <a:latin typeface="UT Sans" pitchFamily="50" charset="0"/>
+            <a:r>
+              <a:rPr lang="en-US" dirty="0" err="1">
+                <a:latin typeface="UT Sans"/>
+              </a:rPr>
+              <a:t>Func</a:t>
+            </a:r>
+            <a:r>
+              <a:rPr lang="ro-RO" dirty="0">
+                <a:latin typeface="UT Sans" pitchFamily="50" charset="0"/>
+              </a:rPr>
+              <a:t>ționalități principale</a:t>
+            </a:r>
+            <a:r>
+              <a:rPr lang="en-US" dirty="0">
+                <a:latin typeface="UT Sans"/>
+              </a:rPr>
+              <a:t>:</a:t>
+            </a:r>
+            <a:endParaRPr lang="ro-RO" dirty="0">
+              <a:latin typeface="UT Sans"/>
             </a:endParaRPr>
           </a:p>
           <a:p>
-            <a:pPr marL="342900" indent="-342900" algn="just">
-              <a:buBlip>
-                <a:blip r:embed="rId2"/>
-              </a:buBlip>
+            <a:pPr algn="just"/>
+            <a:endParaRPr lang="en-US" dirty="0">
+              <a:latin typeface="UT Sans"/>
+            </a:endParaRPr>
+          </a:p>
+          <a:p>
+            <a:pPr marL="1257300" marR="0" lvl="2" indent="-342900" algn="just" defTabSz="914400" rtl="0" eaLnBrk="1" fontAlgn="auto" latinLnBrk="0" hangingPunct="1">
+              <a:lnSpc>
+                <a:spcPct val="100000"/>
+              </a:lnSpc>
+              <a:spcBef>
+                <a:spcPts val="0"/>
+              </a:spcBef>
+              <a:spcAft>
+                <a:spcPts val="0"/>
+              </a:spcAft>
+              <a:buClrTx/>
+              <a:buSzTx/>
+              <a:buFont typeface="Wingdings" charset="2"/>
+              <a:buChar char="§"/>
+              <a:tabLst/>
+              <a:defRPr/>
             </a:pPr>
             <a:r>
-              <a:rPr lang="en-US" sz="2000" dirty="0" err="1">
+              <a:rPr kumimoji="0" lang="en-US" b="0" i="0" u="none" strike="noStrike" kern="1200" cap="none" spc="0" normalizeH="0" baseline="0" noProof="0" dirty="0" err="1">
+                <a:ln>
+                  <a:noFill/>
+                </a:ln>
+                <a:solidFill>
+                  <a:prstClr val="black"/>
+                </a:solidFill>
+                <a:effectLst/>
+                <a:uLnTx/>
+                <a:uFillTx/>
+                <a:latin typeface="UT Sans"/>
+              </a:rPr>
+              <a:t>Crearea</a:t>
+            </a:r>
+            <a:r>
+              <a:rPr kumimoji="0" lang="en-US" b="0" i="0" u="none" strike="noStrike" kern="1200" cap="none" spc="0" normalizeH="0" baseline="0" noProof="0" dirty="0">
+                <a:ln>
+                  <a:noFill/>
+                </a:ln>
+                <a:solidFill>
+                  <a:prstClr val="black"/>
+                </a:solidFill>
+                <a:effectLst/>
+                <a:uLnTx/>
+                <a:uFillTx/>
+                <a:latin typeface="UT Sans"/>
+              </a:rPr>
+              <a:t> </a:t>
+            </a:r>
+            <a:r>
+              <a:rPr kumimoji="0" lang="ro-RO" b="0" i="0" u="none" strike="noStrike" kern="1200" cap="none" spc="0" normalizeH="0" baseline="0" noProof="0" dirty="0">
+                <a:ln>
+                  <a:noFill/>
+                </a:ln>
+                <a:solidFill>
+                  <a:prstClr val="black"/>
+                </a:solidFill>
+                <a:effectLst/>
+                <a:uLnTx/>
+                <a:uFillTx/>
                 <a:latin typeface="UT Sans" pitchFamily="50" charset="0"/>
               </a:rPr>
-              <a:t>Cras</a:t>
-            </a:r>
-            <a:r>
-              <a:rPr lang="en-US" sz="2000" dirty="0">
+              <a:t>și gestionarea documentelor financiare, precum</a:t>
+            </a:r>
+            <a:r>
+              <a:rPr kumimoji="0" lang="en-US" b="0" i="0" u="none" strike="noStrike" kern="1200" cap="none" spc="0" normalizeH="0" baseline="0" noProof="0" dirty="0">
+                <a:ln>
+                  <a:noFill/>
+                </a:ln>
+                <a:solidFill>
+                  <a:prstClr val="black"/>
+                </a:solidFill>
+                <a:effectLst/>
+                <a:uLnTx/>
+                <a:uFillTx/>
+                <a:latin typeface="UT Sans"/>
+              </a:rPr>
+              <a:t>:</a:t>
+            </a:r>
+          </a:p>
+          <a:p>
+            <a:pPr marR="0" lvl="2" algn="just" defTabSz="914400" rtl="0" eaLnBrk="1" fontAlgn="auto" latinLnBrk="0" hangingPunct="1">
+              <a:lnSpc>
+                <a:spcPct val="100000"/>
+              </a:lnSpc>
+              <a:spcBef>
+                <a:spcPts val="0"/>
+              </a:spcBef>
+              <a:spcAft>
+                <a:spcPts val="0"/>
+              </a:spcAft>
+              <a:buClrTx/>
+              <a:buSzTx/>
+              <a:tabLst/>
+              <a:defRPr/>
+            </a:pPr>
+            <a:r>
+              <a:rPr lang="ro-RO" dirty="0">
+                <a:solidFill>
+                  <a:prstClr val="black"/>
+                </a:solidFill>
                 <a:latin typeface="UT Sans" pitchFamily="50" charset="0"/>
               </a:rPr>
-              <a:t> dictum dui a </a:t>
-            </a:r>
-            <a:r>
-              <a:rPr lang="en-US" sz="2000" dirty="0" err="1">
+              <a:t>       facturi, facturi proforme și facturi storno</a:t>
+            </a:r>
+          </a:p>
+          <a:p>
+            <a:pPr marL="1257300" marR="0" lvl="2" indent="-342900" algn="just" defTabSz="914400" rtl="0" eaLnBrk="1" fontAlgn="auto" latinLnBrk="0" hangingPunct="1">
+              <a:lnSpc>
+                <a:spcPct val="100000"/>
+              </a:lnSpc>
+              <a:spcBef>
+                <a:spcPts val="0"/>
+              </a:spcBef>
+              <a:spcAft>
+                <a:spcPts val="0"/>
+              </a:spcAft>
+              <a:buClrTx/>
+              <a:buSzTx/>
+              <a:buFont typeface="Wingdings" charset="2"/>
+              <a:buChar char="§"/>
+              <a:tabLst/>
+              <a:defRPr/>
+            </a:pPr>
+            <a:r>
+              <a:rPr lang="ro-RO" dirty="0">
+                <a:solidFill>
+                  <a:prstClr val="black"/>
+                </a:solidFill>
                 <a:latin typeface="UT Sans" pitchFamily="50" charset="0"/>
               </a:rPr>
-              <a:t>consectetur</a:t>
-            </a:r>
-            <a:r>
-              <a:rPr lang="en-US" sz="2000" dirty="0">
+              <a:t>Rapoarte și statistici financiare</a:t>
+            </a:r>
+          </a:p>
+          <a:p>
+            <a:pPr marL="1257300" marR="0" lvl="2" indent="-342900" algn="just" defTabSz="914400" rtl="0" eaLnBrk="1" fontAlgn="auto" latinLnBrk="0" hangingPunct="1">
+              <a:lnSpc>
+                <a:spcPct val="100000"/>
+              </a:lnSpc>
+              <a:spcBef>
+                <a:spcPts val="0"/>
+              </a:spcBef>
+              <a:spcAft>
+                <a:spcPts val="0"/>
+              </a:spcAft>
+              <a:buClrTx/>
+              <a:buSzTx/>
+              <a:buFont typeface="Wingdings" charset="2"/>
+              <a:buChar char="§"/>
+              <a:tabLst/>
+              <a:defRPr/>
+            </a:pPr>
+            <a:r>
+              <a:rPr kumimoji="0" lang="ro-RO" b="0" i="0" u="none" strike="noStrike" kern="1200" cap="none" spc="0" normalizeH="0" baseline="0" noProof="0" dirty="0">
+                <a:ln>
+                  <a:noFill/>
+                </a:ln>
+                <a:solidFill>
+                  <a:prstClr val="black"/>
+                </a:solidFill>
+                <a:effectLst/>
+                <a:uLnTx/>
+                <a:uFillTx/>
                 <a:latin typeface="UT Sans" pitchFamily="50" charset="0"/>
               </a:rPr>
+              <a:t>Generare/export de documente în format PDF</a:t>
+            </a:r>
+          </a:p>
+          <a:p>
+            <a:pPr marL="1257300" marR="0" lvl="2" indent="-342900" algn="just" defTabSz="914400" rtl="0" eaLnBrk="1" fontAlgn="auto" latinLnBrk="0" hangingPunct="1">
+              <a:lnSpc>
+                <a:spcPct val="100000"/>
+              </a:lnSpc>
+              <a:spcBef>
+                <a:spcPts val="0"/>
+              </a:spcBef>
+              <a:spcAft>
+                <a:spcPts val="0"/>
+              </a:spcAft>
+              <a:buClrTx/>
+              <a:buSzTx/>
+              <a:buFont typeface="Wingdings" charset="2"/>
+              <a:buChar char="§"/>
+              <a:tabLst/>
+              <a:defRPr/>
+            </a:pPr>
+            <a:r>
+              <a:rPr kumimoji="0" lang="ro-RO" b="0" i="0" u="none" strike="noStrike" kern="1200" cap="none" spc="0" normalizeH="0" baseline="0" noProof="0" dirty="0">
+                <a:ln>
+                  <a:noFill/>
+                </a:ln>
+                <a:solidFill>
+                  <a:prstClr val="black"/>
+                </a:solidFill>
+                <a:effectLst/>
+                <a:uLnTx/>
+                <a:uFillTx/>
+                <a:latin typeface="UT Sans" pitchFamily="50" charset="0"/>
+              </a:rPr>
+              <a:t>Salvarea clienților, conturilor bancare, </a:t>
+            </a:r>
+            <a:r>
+              <a:rPr lang="ro-RO" dirty="0">
+                <a:solidFill>
+                  <a:prstClr val="black"/>
+                </a:solidFill>
+                <a:latin typeface="UT Sans" pitchFamily="50" charset="0"/>
+              </a:rPr>
+              <a:t>seriilor de documente</a:t>
+            </a:r>
+            <a:r>
+              <a:rPr lang="en-US" dirty="0">
+                <a:solidFill>
+                  <a:prstClr val="black"/>
+                </a:solidFill>
+                <a:latin typeface="UT Sans" pitchFamily="50" charset="0"/>
+              </a:rPr>
               <a:t> </a:t>
             </a:r>
             <a:r>
-              <a:rPr lang="en-US" sz="2000" dirty="0" err="1">
+              <a:rPr lang="ro-RO" dirty="0">
+                <a:solidFill>
+                  <a:prstClr val="black"/>
+                </a:solidFill>
                 <a:latin typeface="UT Sans" pitchFamily="50" charset="0"/>
               </a:rPr>
-              <a:t>sodales</a:t>
-            </a:r>
-            <a:r>
-              <a:rPr lang="en-US" sz="2000" dirty="0">
-                <a:latin typeface="UT Sans" pitchFamily="50" charset="0"/>
-              </a:rPr>
-              <a:t>. </a:t>
-            </a:r>
-            <a:r>
-              <a:rPr lang="en-US" sz="2000" dirty="0" err="1">
-                <a:latin typeface="UT Sans" pitchFamily="50" charset="0"/>
-              </a:rPr>
-              <a:t>Curabitur</a:t>
-            </a:r>
-            <a:r>
-              <a:rPr lang="en-US" sz="2000" dirty="0">
-                <a:latin typeface="UT Sans" pitchFamily="50" charset="0"/>
-              </a:rPr>
-              <a:t> </a:t>
-            </a:r>
-            <a:r>
-              <a:rPr lang="en-US" sz="2000" dirty="0" err="1">
-                <a:latin typeface="UT Sans" pitchFamily="50" charset="0"/>
-              </a:rPr>
-              <a:t>feugiat</a:t>
-            </a:r>
-            <a:r>
-              <a:rPr lang="en-US" sz="2000" dirty="0">
-                <a:latin typeface="UT Sans" pitchFamily="50" charset="0"/>
-              </a:rPr>
-              <a:t> </a:t>
-            </a:r>
-            <a:r>
-              <a:rPr lang="en-US" sz="2000" dirty="0" err="1">
-                <a:latin typeface="UT Sans" pitchFamily="50" charset="0"/>
-              </a:rPr>
-              <a:t>nulla</a:t>
-            </a:r>
-            <a:r>
-              <a:rPr lang="en-US" sz="2000" dirty="0">
-                <a:latin typeface="UT Sans" pitchFamily="50" charset="0"/>
-              </a:rPr>
-              <a:t> at </a:t>
-            </a:r>
-            <a:r>
-              <a:rPr lang="en-US" sz="2000" dirty="0" err="1">
-                <a:latin typeface="UT Sans" pitchFamily="50" charset="0"/>
-              </a:rPr>
-              <a:t>bibendum</a:t>
-            </a:r>
-            <a:r>
-              <a:rPr lang="en-US" sz="2000" dirty="0">
-                <a:latin typeface="UT Sans" pitchFamily="50" charset="0"/>
-              </a:rPr>
-              <a:t> </a:t>
-            </a:r>
-            <a:r>
-              <a:rPr lang="en-US" sz="2000" dirty="0" err="1">
-                <a:latin typeface="UT Sans" pitchFamily="50" charset="0"/>
-              </a:rPr>
-              <a:t>consequat</a:t>
-            </a:r>
-            <a:r>
-              <a:rPr lang="en-US" sz="2000" dirty="0">
-                <a:latin typeface="UT Sans" pitchFamily="50" charset="0"/>
-              </a:rPr>
-              <a:t>. </a:t>
-            </a:r>
-            <a:r>
-              <a:rPr lang="en-US" sz="2000" dirty="0" err="1">
-                <a:latin typeface="UT Sans" pitchFamily="50" charset="0"/>
-              </a:rPr>
-              <a:t>Proin</a:t>
-            </a:r>
-            <a:r>
-              <a:rPr lang="en-US" sz="2000" dirty="0">
-                <a:latin typeface="UT Sans" pitchFamily="50" charset="0"/>
-              </a:rPr>
-              <a:t> </a:t>
-            </a:r>
-            <a:r>
-              <a:rPr lang="en-US" sz="2000" dirty="0" err="1">
-                <a:latin typeface="UT Sans" pitchFamily="50" charset="0"/>
-              </a:rPr>
-              <a:t>egestas</a:t>
-            </a:r>
-            <a:r>
-              <a:rPr lang="en-US" sz="2000" dirty="0">
-                <a:latin typeface="UT Sans" pitchFamily="50" charset="0"/>
-              </a:rPr>
-              <a:t> </a:t>
-            </a:r>
-            <a:r>
-              <a:rPr lang="en-US" sz="2000" dirty="0" err="1">
-                <a:latin typeface="UT Sans" pitchFamily="50" charset="0"/>
-              </a:rPr>
-              <a:t>est</a:t>
-            </a:r>
-            <a:r>
-              <a:rPr lang="en-US" sz="2000" dirty="0">
-                <a:latin typeface="UT Sans" pitchFamily="50" charset="0"/>
-              </a:rPr>
-              <a:t> a </a:t>
-            </a:r>
-            <a:r>
-              <a:rPr lang="en-US" sz="2000" dirty="0" err="1">
-                <a:latin typeface="UT Sans" pitchFamily="50" charset="0"/>
-              </a:rPr>
-              <a:t>tellus</a:t>
-            </a:r>
-            <a:r>
-              <a:rPr lang="en-US" sz="2000" dirty="0">
-                <a:latin typeface="UT Sans" pitchFamily="50" charset="0"/>
-              </a:rPr>
-              <a:t> </a:t>
-            </a:r>
-            <a:r>
-              <a:rPr lang="en-US" sz="2000" dirty="0" err="1">
-                <a:latin typeface="UT Sans" pitchFamily="50" charset="0"/>
-              </a:rPr>
-              <a:t>tincidunt</a:t>
-            </a:r>
-            <a:r>
-              <a:rPr lang="en-US" sz="2000" dirty="0">
-                <a:latin typeface="UT Sans" pitchFamily="50" charset="0"/>
-              </a:rPr>
-              <a:t>, </a:t>
-            </a:r>
-            <a:r>
-              <a:rPr lang="en-US" sz="2000" dirty="0" err="1">
-                <a:latin typeface="UT Sans" pitchFamily="50" charset="0"/>
-              </a:rPr>
-              <a:t>sed</a:t>
-            </a:r>
-            <a:r>
-              <a:rPr lang="en-US" sz="2000" dirty="0">
-                <a:latin typeface="UT Sans" pitchFamily="50" charset="0"/>
-              </a:rPr>
-              <a:t> </a:t>
-            </a:r>
-            <a:r>
-              <a:rPr lang="en-US" sz="2000" dirty="0" err="1">
-                <a:latin typeface="UT Sans" pitchFamily="50" charset="0"/>
-              </a:rPr>
-              <a:t>tincidunt</a:t>
-            </a:r>
-            <a:r>
-              <a:rPr lang="en-US" sz="2000" dirty="0">
-                <a:latin typeface="UT Sans" pitchFamily="50" charset="0"/>
-              </a:rPr>
-              <a:t> dolor </a:t>
-            </a:r>
-            <a:r>
-              <a:rPr lang="en-US" sz="2000" dirty="0" err="1">
-                <a:latin typeface="UT Sans" pitchFamily="50" charset="0"/>
-              </a:rPr>
-              <a:t>laoreet</a:t>
-            </a:r>
-            <a:r>
-              <a:rPr lang="en-US" sz="2000" dirty="0">
-                <a:latin typeface="UT Sans" pitchFamily="50" charset="0"/>
-              </a:rPr>
-              <a:t>. </a:t>
-            </a:r>
-            <a:r>
-              <a:rPr lang="en-US" sz="2000" dirty="0" err="1">
-                <a:latin typeface="UT Sans" pitchFamily="50" charset="0"/>
-              </a:rPr>
-              <a:t>Fusce</a:t>
-            </a:r>
-            <a:r>
-              <a:rPr lang="en-US" sz="2000" dirty="0">
-                <a:latin typeface="UT Sans" pitchFamily="50" charset="0"/>
-              </a:rPr>
-              <a:t> id </a:t>
-            </a:r>
-            <a:r>
-              <a:rPr lang="en-US" sz="2000" dirty="0" err="1">
-                <a:latin typeface="UT Sans" pitchFamily="50" charset="0"/>
-              </a:rPr>
-              <a:t>augue</a:t>
-            </a:r>
-            <a:r>
-              <a:rPr lang="en-US" sz="2000" dirty="0">
-                <a:latin typeface="UT Sans" pitchFamily="50" charset="0"/>
-              </a:rPr>
-              <a:t> </a:t>
-            </a:r>
-            <a:r>
-              <a:rPr lang="en-US" sz="2000" dirty="0" err="1">
-                <a:latin typeface="UT Sans" pitchFamily="50" charset="0"/>
-              </a:rPr>
-              <a:t>augue</a:t>
-            </a:r>
-            <a:r>
-              <a:rPr lang="en-US" sz="2000" dirty="0">
-                <a:latin typeface="UT Sans" pitchFamily="50" charset="0"/>
-              </a:rPr>
-              <a:t>. Maecenas </a:t>
-            </a:r>
-            <a:r>
-              <a:rPr lang="en-US" sz="2000" dirty="0" err="1">
-                <a:latin typeface="UT Sans" pitchFamily="50" charset="0"/>
-              </a:rPr>
-              <a:t>eget</a:t>
-            </a:r>
-            <a:r>
-              <a:rPr lang="en-US" sz="2000" dirty="0">
-                <a:latin typeface="UT Sans" pitchFamily="50" charset="0"/>
-              </a:rPr>
-              <a:t> </a:t>
-            </a:r>
-            <a:r>
-              <a:rPr lang="en-US" sz="2000" dirty="0" err="1">
-                <a:latin typeface="UT Sans" pitchFamily="50" charset="0"/>
-              </a:rPr>
-              <a:t>purus</a:t>
-            </a:r>
-            <a:r>
-              <a:rPr lang="en-US" sz="2000" dirty="0">
-                <a:latin typeface="UT Sans" pitchFamily="50" charset="0"/>
-              </a:rPr>
-              <a:t> </a:t>
-            </a:r>
-            <a:r>
-              <a:rPr lang="en-US" sz="2000" dirty="0" err="1">
-                <a:latin typeface="UT Sans" pitchFamily="50" charset="0"/>
-              </a:rPr>
-              <a:t>orci</a:t>
-            </a:r>
-            <a:r>
-              <a:rPr lang="en-US" sz="2000" dirty="0">
-                <a:latin typeface="UT Sans" pitchFamily="50" charset="0"/>
-              </a:rPr>
-              <a:t>. </a:t>
-            </a:r>
-            <a:r>
-              <a:rPr lang="en-US" sz="2000" dirty="0" err="1">
-                <a:latin typeface="UT Sans" pitchFamily="50" charset="0"/>
-              </a:rPr>
-              <a:t>Donec</a:t>
-            </a:r>
-            <a:r>
-              <a:rPr lang="en-US" sz="2000" dirty="0">
-                <a:latin typeface="UT Sans" pitchFamily="50" charset="0"/>
-              </a:rPr>
-              <a:t> tempus </a:t>
-            </a:r>
-            <a:r>
-              <a:rPr lang="en-US" sz="2000" dirty="0" err="1">
-                <a:latin typeface="UT Sans" pitchFamily="50" charset="0"/>
-              </a:rPr>
-              <a:t>aliquet</a:t>
-            </a:r>
-            <a:r>
-              <a:rPr lang="en-US" sz="2000" dirty="0">
-                <a:latin typeface="UT Sans" pitchFamily="50" charset="0"/>
-              </a:rPr>
-              <a:t> gravida. Nam </a:t>
-            </a:r>
-            <a:r>
-              <a:rPr lang="en-US" sz="2000" dirty="0" err="1">
-                <a:latin typeface="UT Sans" pitchFamily="50" charset="0"/>
-              </a:rPr>
-              <a:t>tortor</a:t>
-            </a:r>
-            <a:r>
-              <a:rPr lang="en-US" sz="2000" dirty="0">
-                <a:latin typeface="UT Sans" pitchFamily="50" charset="0"/>
-              </a:rPr>
-              <a:t> </a:t>
-            </a:r>
-            <a:r>
-              <a:rPr lang="en-US" sz="2000" dirty="0" err="1">
-                <a:latin typeface="UT Sans" pitchFamily="50" charset="0"/>
-              </a:rPr>
-              <a:t>elit</a:t>
-            </a:r>
-            <a:r>
-              <a:rPr lang="en-US" sz="2000" dirty="0">
-                <a:latin typeface="UT Sans" pitchFamily="50" charset="0"/>
-              </a:rPr>
-              <a:t>, </a:t>
-            </a:r>
-            <a:r>
-              <a:rPr lang="en-US" sz="2000" dirty="0" err="1">
-                <a:latin typeface="UT Sans" pitchFamily="50" charset="0"/>
-              </a:rPr>
-              <a:t>blandit</a:t>
-            </a:r>
-            <a:r>
-              <a:rPr lang="en-US" sz="2000" dirty="0">
-                <a:latin typeface="UT Sans" pitchFamily="50" charset="0"/>
-              </a:rPr>
-              <a:t> sit </a:t>
-            </a:r>
-            <a:r>
-              <a:rPr lang="en-US" sz="2000" dirty="0" err="1">
-                <a:latin typeface="UT Sans" pitchFamily="50" charset="0"/>
-              </a:rPr>
-              <a:t>amet</a:t>
-            </a:r>
-            <a:r>
-              <a:rPr lang="en-US" sz="2000" dirty="0">
-                <a:latin typeface="UT Sans" pitchFamily="50" charset="0"/>
-              </a:rPr>
-              <a:t> </a:t>
-            </a:r>
-            <a:r>
-              <a:rPr lang="en-US" sz="2000" dirty="0" err="1">
-                <a:latin typeface="UT Sans" pitchFamily="50" charset="0"/>
-              </a:rPr>
-              <a:t>viverra</a:t>
-            </a:r>
-            <a:r>
-              <a:rPr lang="en-US" sz="2000" dirty="0">
-                <a:latin typeface="UT Sans" pitchFamily="50" charset="0"/>
-              </a:rPr>
-              <a:t> a, </a:t>
-            </a:r>
-            <a:r>
-              <a:rPr lang="en-US" sz="2000" dirty="0" err="1">
-                <a:latin typeface="UT Sans" pitchFamily="50" charset="0"/>
-              </a:rPr>
-              <a:t>hendrerit</a:t>
-            </a:r>
-            <a:r>
-              <a:rPr lang="en-US" sz="2000" dirty="0">
-                <a:latin typeface="UT Sans" pitchFamily="50" charset="0"/>
-              </a:rPr>
-              <a:t> vitae </a:t>
-            </a:r>
-            <a:r>
-              <a:rPr lang="en-US" sz="2000" dirty="0" err="1">
-                <a:latin typeface="UT Sans" pitchFamily="50" charset="0"/>
-              </a:rPr>
-              <a:t>nibh</a:t>
-            </a:r>
-            <a:r>
-              <a:rPr lang="en-US" sz="2000" dirty="0">
-                <a:latin typeface="UT Sans" pitchFamily="50" charset="0"/>
-              </a:rPr>
-              <a:t>.</a:t>
-            </a:r>
+              <a:t>și a produselor folosite la emiterea de facturi</a:t>
+            </a:r>
+            <a:endParaRPr kumimoji="0" lang="en-US" b="0" i="0" u="none" strike="noStrike" kern="1200" cap="none" spc="0" normalizeH="0" baseline="0" noProof="0" dirty="0">
+              <a:ln>
+                <a:noFill/>
+              </a:ln>
+              <a:solidFill>
+                <a:prstClr val="black"/>
+              </a:solidFill>
+              <a:effectLst/>
+              <a:uLnTx/>
+              <a:uFillTx/>
+              <a:latin typeface="UT Sans"/>
+            </a:endParaRPr>
           </a:p>
         </p:txBody>
       </p:sp>
@@ -4787,6 +5297,46 @@
           </a:prstGeom>
         </p:spPr>
       </p:pic>
+      <p:sp>
+        <p:nvSpPr>
+          <p:cNvPr id="13" name="TextBox 12">
+            <a:extLst>
+              <a:ext uri="{FF2B5EF4-FFF2-40B4-BE49-F238E27FC236}">
+                <a16:creationId xmlns:a16="http://schemas.microsoft.com/office/drawing/2014/main" id="{649ECE41-5C33-D26B-835E-7DB29D4E17B8}"/>
+              </a:ext>
+            </a:extLst>
+          </p:cNvPr>
+          <p:cNvSpPr txBox="1"/>
+          <p:nvPr/>
+        </p:nvSpPr>
+        <p:spPr>
+          <a:xfrm>
+            <a:off x="457740" y="1101989"/>
+            <a:ext cx="2382191" cy="646331"/>
+          </a:xfrm>
+          <a:prstGeom prst="rect">
+            <a:avLst/>
+          </a:prstGeom>
+          <a:noFill/>
+        </p:spPr>
+        <p:txBody>
+          <a:bodyPr wrap="none" rtlCol="0">
+            <a:spAutoFit/>
+          </a:bodyPr>
+          <a:lstStyle/>
+          <a:p>
+            <a:r>
+              <a:rPr lang="ro-RO" sz="3600" dirty="0">
+                <a:latin typeface="UT Sans"/>
+              </a:rPr>
+              <a:t>Introducere</a:t>
+            </a:r>
+            <a:endParaRPr lang="en-US" sz="3600" dirty="0">
+              <a:latin typeface="UT Sans"/>
+            </a:endParaRPr>
+          </a:p>
+        </p:txBody>
+      </p:sp>
     </p:spTree>
     <p:extLst>
       <p:ext uri="{BB962C8B-B14F-4D97-AF65-F5344CB8AC3E}">
@@ -4948,16 +5498,315 @@
           </p:txBody>
         </p:sp>
       </p:grpSp>
+      <p:sp>
+        <p:nvSpPr>
+          <p:cNvPr id="7" name="TextBox 6"/>
+          <p:cNvSpPr txBox="1"/>
+          <p:nvPr/>
+        </p:nvSpPr>
+        <p:spPr>
+          <a:xfrm>
+            <a:off x="457740" y="1988840"/>
+            <a:ext cx="8064872" cy="4524315"/>
+          </a:xfrm>
+          <a:prstGeom prst="rect">
+            <a:avLst/>
+          </a:prstGeom>
+          <a:noFill/>
+        </p:spPr>
+        <p:txBody>
+          <a:bodyPr wrap="square" rtlCol="0">
+            <a:spAutoFit/>
+          </a:bodyPr>
+          <a:lstStyle/>
+          <a:p>
+            <a:pPr marL="342900" indent="-342900" algn="just">
+              <a:buBlip>
+                <a:blip r:embed="rId2"/>
+              </a:buBlip>
+            </a:pPr>
+            <a:r>
+              <a:rPr lang="ro-RO" dirty="0">
+                <a:latin typeface="UT Sans"/>
+              </a:rPr>
+              <a:t>Back-end</a:t>
+            </a:r>
+            <a:r>
+              <a:rPr lang="en-US" dirty="0">
+                <a:latin typeface="UT Sans"/>
+              </a:rPr>
+              <a:t>: ASP.NET Core Web API, Entity Framework</a:t>
+            </a:r>
+            <a:endParaRPr lang="pt-BR" dirty="0">
+              <a:latin typeface="UT Sans"/>
+            </a:endParaRPr>
+          </a:p>
+          <a:p>
+            <a:pPr algn="just"/>
+            <a:endParaRPr lang="pt-BR" dirty="0">
+              <a:latin typeface="UT Sans"/>
+            </a:endParaRPr>
+          </a:p>
+          <a:p>
+            <a:pPr marL="342900" indent="-342900" algn="just">
+              <a:buBlip>
+                <a:blip r:embed="rId2"/>
+              </a:buBlip>
+            </a:pPr>
+            <a:r>
+              <a:rPr lang="en-US" dirty="0">
+                <a:latin typeface="UT Sans"/>
+              </a:rPr>
+              <a:t>Front-end: Angular, HTML, SCSS, Typescript</a:t>
+            </a:r>
+          </a:p>
+          <a:p>
+            <a:pPr algn="just"/>
+            <a:endParaRPr lang="ro-RO" dirty="0">
+              <a:latin typeface="UT Symbols" charset="0"/>
+              <a:ea typeface="UT Symbols" charset="0"/>
+              <a:cs typeface="UT Symbols" charset="0"/>
+            </a:endParaRPr>
+          </a:p>
+          <a:p>
+            <a:pPr marL="342900" indent="-342900" algn="just">
+              <a:buBlip>
+                <a:blip r:embed="rId2"/>
+              </a:buBlip>
+            </a:pPr>
+            <a:r>
+              <a:rPr lang="en-US" dirty="0" err="1">
+                <a:latin typeface="UT Sans"/>
+              </a:rPr>
+              <a:t>Baze</a:t>
+            </a:r>
+            <a:r>
+              <a:rPr lang="en-US" dirty="0">
+                <a:latin typeface="UT Sans"/>
+              </a:rPr>
+              <a:t> de date: Microsoft SQL Server</a:t>
+            </a:r>
+          </a:p>
+          <a:p>
+            <a:pPr algn="just"/>
+            <a:endParaRPr lang="en-US" dirty="0">
+              <a:latin typeface="UT Sans"/>
+            </a:endParaRPr>
+          </a:p>
+          <a:p>
+            <a:pPr marL="342900" indent="-342900" algn="just">
+              <a:buBlip>
+                <a:blip r:embed="rId2"/>
+              </a:buBlip>
+            </a:pPr>
+            <a:r>
+              <a:rPr lang="en-US" dirty="0" err="1"/>
+              <a:t>Biblioteci</a:t>
+            </a:r>
+            <a:r>
+              <a:rPr lang="en-US" dirty="0"/>
+              <a:t>:</a:t>
+            </a:r>
+            <a:r>
+              <a:rPr lang="en-US" dirty="0">
+                <a:latin typeface="UT Sans"/>
+              </a:rPr>
+              <a:t> </a:t>
+            </a:r>
+          </a:p>
+          <a:p>
+            <a:pPr marL="342900" indent="-342900" algn="just">
+              <a:buBlip>
+                <a:blip r:embed="rId2"/>
+              </a:buBlip>
+            </a:pPr>
+            <a:endParaRPr lang="en-US" dirty="0">
+              <a:latin typeface="UT Sans"/>
+            </a:endParaRPr>
+          </a:p>
+          <a:p>
+            <a:pPr marL="800100" lvl="1" indent="-342900" algn="just">
+              <a:buFont typeface="Wingdings" panose="05000000000000000000" pitchFamily="2" charset="2"/>
+              <a:buChar char="§"/>
+            </a:pPr>
+            <a:r>
+              <a:rPr lang="en-US" dirty="0" err="1">
+                <a:latin typeface="UT Sans"/>
+              </a:rPr>
+              <a:t>QuestPDF</a:t>
+            </a:r>
+            <a:r>
+              <a:rPr lang="en-US" dirty="0">
+                <a:latin typeface="UT Sans"/>
+              </a:rPr>
+              <a:t> </a:t>
+            </a:r>
+            <a:r>
+              <a:rPr lang="en-US" dirty="0" err="1">
+                <a:latin typeface="UT Sans"/>
+              </a:rPr>
+              <a:t>pentru</a:t>
+            </a:r>
+            <a:r>
+              <a:rPr lang="en-US" dirty="0">
+                <a:latin typeface="UT Sans"/>
+              </a:rPr>
+              <a:t> </a:t>
+            </a:r>
+            <a:r>
+              <a:rPr lang="en-US" dirty="0" err="1">
+                <a:latin typeface="UT Sans"/>
+              </a:rPr>
+              <a:t>generarea</a:t>
+            </a:r>
+            <a:r>
+              <a:rPr lang="en-US" dirty="0">
+                <a:latin typeface="UT Sans"/>
+              </a:rPr>
+              <a:t> </a:t>
+            </a:r>
+            <a:r>
+              <a:rPr lang="en-US" dirty="0" err="1">
+                <a:latin typeface="UT Sans"/>
+              </a:rPr>
+              <a:t>documentelor</a:t>
+            </a:r>
+            <a:r>
+              <a:rPr lang="en-US" dirty="0">
+                <a:latin typeface="UT Sans"/>
+              </a:rPr>
+              <a:t> PDF</a:t>
+            </a:r>
+          </a:p>
+          <a:p>
+            <a:pPr marL="800100" lvl="1" indent="-342900" algn="just">
+              <a:buFont typeface="Wingdings" panose="05000000000000000000" pitchFamily="2" charset="2"/>
+              <a:buChar char="§"/>
+            </a:pPr>
+            <a:r>
+              <a:rPr lang="en-US" dirty="0" err="1">
+                <a:latin typeface="UT Sans"/>
+              </a:rPr>
+              <a:t>AutoMapper</a:t>
+            </a:r>
+            <a:r>
+              <a:rPr lang="en-US" dirty="0">
+                <a:latin typeface="UT Sans"/>
+              </a:rPr>
+              <a:t> </a:t>
+            </a:r>
+            <a:r>
+              <a:rPr lang="en-US" dirty="0" err="1">
+                <a:latin typeface="UT Sans"/>
+              </a:rPr>
+              <a:t>pentru</a:t>
+            </a:r>
+            <a:r>
+              <a:rPr lang="en-US" dirty="0">
+                <a:latin typeface="UT Sans"/>
+              </a:rPr>
+              <a:t> </a:t>
+            </a:r>
+            <a:r>
+              <a:rPr lang="en-US" dirty="0" err="1">
+                <a:latin typeface="UT Sans"/>
+              </a:rPr>
+              <a:t>maparea</a:t>
+            </a:r>
+            <a:r>
+              <a:rPr lang="en-US" dirty="0">
+                <a:latin typeface="UT Sans"/>
+              </a:rPr>
+              <a:t> </a:t>
+            </a:r>
+            <a:r>
+              <a:rPr lang="ro-RO" dirty="0">
+                <a:latin typeface="UT Sans"/>
+              </a:rPr>
+              <a:t>între clase</a:t>
+            </a:r>
+          </a:p>
+          <a:p>
+            <a:pPr marL="800100" lvl="1" indent="-342900" algn="just">
+              <a:buFont typeface="Wingdings" panose="05000000000000000000" pitchFamily="2" charset="2"/>
+              <a:buChar char="§"/>
+            </a:pPr>
+            <a:r>
+              <a:rPr lang="ro-RO" dirty="0">
+                <a:latin typeface="UT Sans"/>
+              </a:rPr>
+              <a:t>Bcrypt.Net pentru criptarea parolei</a:t>
+            </a:r>
+          </a:p>
+          <a:p>
+            <a:pPr marL="800100" lvl="1" indent="-342900" algn="just">
+              <a:buFont typeface="Wingdings" panose="05000000000000000000" pitchFamily="2" charset="2"/>
+              <a:buChar char="§"/>
+            </a:pPr>
+            <a:r>
+              <a:rPr lang="ro-RO" dirty="0">
+                <a:latin typeface="UT Sans"/>
+              </a:rPr>
+              <a:t>Jwt Bearer pentru autentificare</a:t>
+            </a:r>
+          </a:p>
+          <a:p>
+            <a:pPr marL="800100" lvl="1" indent="-342900" algn="just">
+              <a:buFont typeface="Wingdings" panose="05000000000000000000" pitchFamily="2" charset="2"/>
+              <a:buChar char="§"/>
+            </a:pPr>
+            <a:r>
+              <a:rPr lang="ro-RO" dirty="0">
+                <a:latin typeface="UT Sans"/>
+              </a:rPr>
+              <a:t>Angular Material pentru componentele de UI</a:t>
+            </a:r>
+          </a:p>
+          <a:p>
+            <a:pPr marL="800100" lvl="1" indent="-342900" algn="just">
+              <a:buFont typeface="Wingdings" panose="05000000000000000000" pitchFamily="2" charset="2"/>
+              <a:buChar char="§"/>
+            </a:pPr>
+            <a:r>
+              <a:rPr lang="ro-RO" dirty="0">
+                <a:latin typeface="UT Sans"/>
+              </a:rPr>
+              <a:t>Ng2charts pentru componente de tip grafic</a:t>
+            </a:r>
+          </a:p>
+          <a:p>
+            <a:pPr marL="800100" lvl="1" indent="-342900" algn="just">
+              <a:buFont typeface="Wingdings" panose="05000000000000000000" pitchFamily="2" charset="2"/>
+              <a:buChar char="§"/>
+            </a:pPr>
+            <a:endParaRPr lang="en-US" dirty="0">
+              <a:latin typeface="UT Sans"/>
+            </a:endParaRPr>
+          </a:p>
+          <a:p>
+            <a:pPr algn="just"/>
+            <a:r>
+              <a:rPr lang="en-US" dirty="0">
+                <a:latin typeface="UT Sans"/>
+              </a:rPr>
+              <a:t>       </a:t>
+            </a:r>
+            <a:endParaRPr lang="ro-RO" dirty="0">
+              <a:latin typeface="UT Sans"/>
+            </a:endParaRPr>
+          </a:p>
+        </p:txBody>
+      </p:sp>
       <p:pic>
         <p:nvPicPr>
-          <p:cNvPr id="8" name="Picture 7"/>
+          <p:cNvPr id="2" name="Picture 1"/>
           <p:cNvPicPr>
             <a:picLocks noChangeAspect="1"/>
           </p:cNvPicPr>
           <p:nvPr/>
         </p:nvPicPr>
         <p:blipFill>
-          <a:blip r:embed="rId2" cstate="print">
+          <a:blip r:embed="rId3" cstate="print">
             <a:extLst>
               <a:ext uri="{28A0092B-C50C-407E-A947-70E740481C1C}">
                 <a14:useLocalDpi xmlns:a14="http://schemas.microsoft.com/office/drawing/2010/main" val="0"/>
@@ -4978,10 +5827,320 @@
           </a:prstGeom>
         </p:spPr>
       </p:pic>
+      <p:sp>
+        <p:nvSpPr>
+          <p:cNvPr id="13" name="TextBox 12">
+            <a:extLst>
+              <a:ext uri="{FF2B5EF4-FFF2-40B4-BE49-F238E27FC236}">
+                <a16:creationId xmlns:a16="http://schemas.microsoft.com/office/drawing/2014/main" id="{649ECE41-5C33-D26B-835E-7DB29D4E17B8}"/>
+              </a:ext>
+            </a:extLst>
+          </p:cNvPr>
+          <p:cNvSpPr txBox="1"/>
+          <p:nvPr/>
+        </p:nvSpPr>
+        <p:spPr>
+          <a:xfrm>
+            <a:off x="457740" y="1101989"/>
+            <a:ext cx="3691780" cy="646331"/>
+          </a:xfrm>
+          <a:prstGeom prst="rect">
+            <a:avLst/>
+          </a:prstGeom>
+          <a:noFill/>
+        </p:spPr>
+        <p:txBody>
+          <a:bodyPr wrap="none" rtlCol="0">
+            <a:spAutoFit/>
+          </a:bodyPr>
+          <a:lstStyle/>
+          <a:p>
+            <a:r>
+              <a:rPr lang="en-US" sz="3600" dirty="0" err="1"/>
+              <a:t>Tehnologii</a:t>
+            </a:r>
+            <a:r>
+              <a:rPr lang="en-US" sz="3600" dirty="0"/>
+              <a:t> </a:t>
+            </a:r>
+            <a:r>
+              <a:rPr lang="ro-RO" sz="3600" dirty="0"/>
+              <a:t>u</a:t>
+            </a:r>
+            <a:r>
+              <a:rPr lang="en-US" sz="3600" dirty="0" err="1"/>
+              <a:t>tilizate</a:t>
+            </a:r>
+            <a:endParaRPr lang="en-US" sz="3600" dirty="0">
+              <a:latin typeface="UT Sans"/>
+            </a:endParaRPr>
+          </a:p>
+        </p:txBody>
+      </p:sp>
+      <p:pic>
+        <p:nvPicPr>
+          <p:cNvPr id="14" name="Picture 13" descr="A purple circle with white text&#10;&#10;Description automatically generated">
+            <a:extLst>
+              <a:ext uri="{FF2B5EF4-FFF2-40B4-BE49-F238E27FC236}">
+                <a16:creationId xmlns:a16="http://schemas.microsoft.com/office/drawing/2014/main" id="{3B294F4D-F12C-0E32-F0F9-930B0EDBF3F1}"/>
+              </a:ext>
+            </a:extLst>
+          </p:cNvPr>
+          <p:cNvPicPr>
+            <a:picLocks noChangeAspect="1"/>
+          </p:cNvPicPr>
+          <p:nvPr/>
+        </p:nvPicPr>
+        <p:blipFill>
+          <a:blip r:embed="rId4" cstate="print">
+            <a:extLst>
+              <a:ext uri="{28A0092B-C50C-407E-A947-70E740481C1C}">
+                <a14:useLocalDpi xmlns:a14="http://schemas.microsoft.com/office/drawing/2010/main" val="0"/>
+              </a:ext>
+            </a:extLst>
+          </a:blip>
+          <a:stretch>
+            <a:fillRect/>
+          </a:stretch>
+        </p:blipFill>
+        <p:spPr>
+          <a:xfrm>
+            <a:off x="5471297" y="1125422"/>
+            <a:ext cx="563686" cy="563686"/>
+          </a:xfrm>
+          <a:prstGeom prst="rect">
+            <a:avLst/>
+          </a:prstGeom>
+        </p:spPr>
+      </p:pic>
+      <p:pic>
+        <p:nvPicPr>
+          <p:cNvPr id="16" name="Picture 15" descr="A red and white logo&#10;&#10;Description automatically generated">
+            <a:extLst>
+              <a:ext uri="{FF2B5EF4-FFF2-40B4-BE49-F238E27FC236}">
+                <a16:creationId xmlns:a16="http://schemas.microsoft.com/office/drawing/2014/main" id="{6FE33DE2-C734-B341-EC9F-92A306AA76BC}"/>
+              </a:ext>
+            </a:extLst>
+          </p:cNvPr>
+          <p:cNvPicPr>
+            <a:picLocks noChangeAspect="1"/>
+          </p:cNvPicPr>
+          <p:nvPr/>
+        </p:nvPicPr>
+        <p:blipFill>
+          <a:blip r:embed="rId5" cstate="print">
+            <a:extLst>
+              <a:ext uri="{28A0092B-C50C-407E-A947-70E740481C1C}">
+                <a14:useLocalDpi xmlns:a14="http://schemas.microsoft.com/office/drawing/2010/main" val="0"/>
+              </a:ext>
+            </a:extLst>
+          </a:blip>
+          <a:stretch>
+            <a:fillRect/>
+          </a:stretch>
+        </p:blipFill>
+        <p:spPr>
+          <a:xfrm>
+            <a:off x="6228184" y="1029224"/>
+            <a:ext cx="756084" cy="756084"/>
+          </a:xfrm>
+          <a:prstGeom prst="rect">
+            <a:avLst/>
+          </a:prstGeom>
+        </p:spPr>
+      </p:pic>
+      <p:pic>
+        <p:nvPicPr>
+          <p:cNvPr id="18" name="Graphic 17">
+            <a:extLst>
+              <a:ext uri="{FF2B5EF4-FFF2-40B4-BE49-F238E27FC236}">
+                <a16:creationId xmlns:a16="http://schemas.microsoft.com/office/drawing/2014/main" id="{1790A2D2-6841-4D80-F18D-9E0FD8FC2594}"/>
+              </a:ext>
+            </a:extLst>
+          </p:cNvPr>
+          <p:cNvPicPr>
+            <a:picLocks noChangeAspect="1"/>
+          </p:cNvPicPr>
+          <p:nvPr/>
+        </p:nvPicPr>
+        <p:blipFill>
+          <a:blip r:embed="rId6" cstate="print">
+            <a:extLst>
+              <a:ext uri="{28A0092B-C50C-407E-A947-70E740481C1C}">
+                <a14:useLocalDpi xmlns:a14="http://schemas.microsoft.com/office/drawing/2010/main" val="0"/>
+              </a:ext>
+              <a:ext uri="{96DAC541-7B7A-43D3-8B79-37D633B846F1}">
+                <asvg:svgBlip xmlns:asvg="http://schemas.microsoft.com/office/drawing/2016/SVG/main" r:embed="rId7"/>
+              </a:ext>
+            </a:extLst>
+          </a:blip>
+          <a:stretch>
+            <a:fillRect/>
+          </a:stretch>
+        </p:blipFill>
+        <p:spPr>
+          <a:xfrm>
+            <a:off x="7177469" y="1090999"/>
+            <a:ext cx="782451" cy="632533"/>
+          </a:xfrm>
+          <a:prstGeom prst="rect">
+            <a:avLst/>
+          </a:prstGeom>
+        </p:spPr>
+      </p:pic>
+      <p:pic>
+        <p:nvPicPr>
+          <p:cNvPr id="2055" name="Picture 7" descr="Auto Mapper in .NET 6 | Tech Playground">
+            <a:extLst>
+              <a:ext uri="{FF2B5EF4-FFF2-40B4-BE49-F238E27FC236}">
+                <a16:creationId xmlns:a16="http://schemas.microsoft.com/office/drawing/2014/main" id="{60291D73-5166-6DA1-50A4-6526814368C4}"/>
+              </a:ext>
+            </a:extLst>
+          </p:cNvPr>
+          <p:cNvPicPr>
+            <a:picLocks noChangeAspect="1" noChangeArrowheads="1"/>
+          </p:cNvPicPr>
+          <p:nvPr/>
+        </p:nvPicPr>
+        <p:blipFill>
+          <a:blip r:embed="rId8" cstate="print">
+            <a:extLst>
+              <a:ext uri="{28A0092B-C50C-407E-A947-70E740481C1C}">
+                <a14:useLocalDpi xmlns:a14="http://schemas.microsoft.com/office/drawing/2010/main" val="0"/>
+              </a:ext>
+            </a:extLst>
+          </a:blip>
+          <a:srcRect/>
+          <a:stretch>
+            <a:fillRect/>
+          </a:stretch>
+        </p:blipFill>
+        <p:spPr bwMode="auto">
+          <a:xfrm>
+            <a:off x="5580112" y="4644906"/>
+            <a:ext cx="1745170" cy="872585"/>
+          </a:xfrm>
+          <a:prstGeom prst="rect">
+            <a:avLst/>
+          </a:prstGeom>
+          <a:noFill/>
+          <a:extLst>
+            <a:ext uri="{909E8E84-426E-40DD-AFC4-6F175D3DCCD1}">
+              <a14:hiddenFill xmlns:a14="http://schemas.microsoft.com/office/drawing/2010/main">
+                <a:solidFill>
+                  <a:srgbClr val="FFFFFF"/>
+                </a:solidFill>
+              </a14:hiddenFill>
+            </a:ext>
+          </a:extLst>
+        </p:spPr>
+      </p:pic>
+      <p:pic>
+        <p:nvPicPr>
+          <p:cNvPr id="20" name="Picture 19">
+            <a:extLst>
+              <a:ext uri="{FF2B5EF4-FFF2-40B4-BE49-F238E27FC236}">
+                <a16:creationId xmlns:a16="http://schemas.microsoft.com/office/drawing/2014/main" id="{72370C25-C0A2-B7FF-216B-D168EB14C4C3}"/>
+              </a:ext>
+            </a:extLst>
+          </p:cNvPr>
+          <p:cNvPicPr>
+            <a:picLocks noChangeAspect="1"/>
+          </p:cNvPicPr>
+          <p:nvPr/>
+        </p:nvPicPr>
+        <p:blipFill>
+          <a:blip r:embed="rId9"/>
+          <a:stretch>
+            <a:fillRect/>
+          </a:stretch>
+        </p:blipFill>
+        <p:spPr>
+          <a:xfrm>
+            <a:off x="6372200" y="4127878"/>
+            <a:ext cx="1741373" cy="487224"/>
+          </a:xfrm>
+          <a:prstGeom prst="rect">
+            <a:avLst/>
+          </a:prstGeom>
+        </p:spPr>
+      </p:pic>
+      <p:pic>
+        <p:nvPicPr>
+          <p:cNvPr id="22" name="Picture 21" descr="A logo with a black background&#10;&#10;Description automatically generated">
+            <a:extLst>
+              <a:ext uri="{FF2B5EF4-FFF2-40B4-BE49-F238E27FC236}">
+                <a16:creationId xmlns:a16="http://schemas.microsoft.com/office/drawing/2014/main" id="{8C54EDEC-0B40-C5A2-B194-06E97FB3387D}"/>
+              </a:ext>
+            </a:extLst>
+          </p:cNvPr>
+          <p:cNvPicPr>
+            <a:picLocks noChangeAspect="1"/>
+          </p:cNvPicPr>
+          <p:nvPr/>
+        </p:nvPicPr>
+        <p:blipFill>
+          <a:blip r:embed="rId10" cstate="print">
+            <a:extLst>
+              <a:ext uri="{28A0092B-C50C-407E-A947-70E740481C1C}">
+                <a14:useLocalDpi xmlns:a14="http://schemas.microsoft.com/office/drawing/2010/main" val="0"/>
+              </a:ext>
+            </a:extLst>
+          </a:blip>
+          <a:stretch>
+            <a:fillRect/>
+          </a:stretch>
+        </p:blipFill>
+        <p:spPr>
+          <a:xfrm>
+            <a:off x="7206737" y="4663823"/>
+            <a:ext cx="1220114" cy="762572"/>
+          </a:xfrm>
+          <a:prstGeom prst="rect">
+            <a:avLst/>
+          </a:prstGeom>
+        </p:spPr>
+      </p:pic>
+      <p:pic>
+        <p:nvPicPr>
+          <p:cNvPr id="26" name="Picture 25" descr="A close up of a logo&#10;&#10;Description automatically generated">
+            <a:extLst>
+              <a:ext uri="{FF2B5EF4-FFF2-40B4-BE49-F238E27FC236}">
+                <a16:creationId xmlns:a16="http://schemas.microsoft.com/office/drawing/2014/main" id="{E4171218-5404-78EA-6E72-91258BB0461A}"/>
+              </a:ext>
+            </a:extLst>
+          </p:cNvPr>
+          <p:cNvPicPr>
+            <a:picLocks noChangeAspect="1"/>
+          </p:cNvPicPr>
+          <p:nvPr/>
+        </p:nvPicPr>
+        <p:blipFill>
+          <a:blip r:embed="rId11" cstate="print">
+            <a:extLst>
+              <a:ext uri="{28A0092B-C50C-407E-A947-70E740481C1C}">
+                <a14:useLocalDpi xmlns:a14="http://schemas.microsoft.com/office/drawing/2010/main" val="0"/>
+              </a:ext>
+            </a:extLst>
+          </a:blip>
+          <a:stretch>
+            <a:fillRect/>
+          </a:stretch>
+        </p:blipFill>
+        <p:spPr>
+          <a:xfrm>
+            <a:off x="6228184" y="5581555"/>
+            <a:ext cx="2107341" cy="370892"/>
+          </a:xfrm>
+          <a:prstGeom prst="rect">
+            <a:avLst/>
+          </a:prstGeom>
+        </p:spPr>
+      </p:pic>
     </p:spTree>
     <p:extLst>
       <p:ext uri="{BB962C8B-B14F-4D97-AF65-F5344CB8AC3E}">
-        <p14:creationId xmlns:p14="http://schemas.microsoft.com/office/powerpoint/2010/main" val="3617470985"/>
+        <p14:creationId xmlns:p14="http://schemas.microsoft.com/office/powerpoint/2010/main" val="795642111"/>
       </p:ext>
     </p:extLst>
   </p:cSld>
@@ -5139,9 +6298,1225 @@
           </p:txBody>
         </p:sp>
       </p:grpSp>
+      <p:sp>
+        <p:nvSpPr>
+          <p:cNvPr id="7" name="TextBox 6"/>
+          <p:cNvSpPr txBox="1"/>
+          <p:nvPr/>
+        </p:nvSpPr>
+        <p:spPr>
+          <a:xfrm>
+            <a:off x="457740" y="1988840"/>
+            <a:ext cx="8064872" cy="4524315"/>
+          </a:xfrm>
+          <a:prstGeom prst="rect">
+            <a:avLst/>
+          </a:prstGeom>
+          <a:noFill/>
+        </p:spPr>
+        <p:txBody>
+          <a:bodyPr wrap="square" rtlCol="0">
+            <a:spAutoFit/>
+          </a:bodyPr>
+          <a:lstStyle/>
+          <a:p>
+            <a:pPr marL="342900" indent="-342900" algn="just">
+              <a:buBlip>
+                <a:blip r:embed="rId2"/>
+              </a:buBlip>
+            </a:pPr>
+            <a:r>
+              <a:rPr lang="ro-RO" dirty="0">
+                <a:latin typeface="UT Sans"/>
+              </a:rPr>
+              <a:t>Back-end</a:t>
+            </a:r>
+            <a:r>
+              <a:rPr lang="en-US" dirty="0">
+                <a:latin typeface="UT Sans"/>
+              </a:rPr>
+              <a:t>: </a:t>
+            </a:r>
+            <a:r>
+              <a:rPr lang="ro-RO" dirty="0">
+                <a:latin typeface="UT Sans"/>
+              </a:rPr>
+              <a:t>Arhitectură curată (Clean Architecture)</a:t>
+            </a:r>
+          </a:p>
+          <a:p>
+            <a:pPr algn="just"/>
+            <a:endParaRPr lang="ro-RO" dirty="0">
+              <a:latin typeface="UT Sans"/>
+            </a:endParaRPr>
+          </a:p>
+          <a:p>
+            <a:pPr marL="742950" lvl="1" indent="-285750" algn="just">
+              <a:buFont typeface="Wingdings" panose="05000000000000000000" pitchFamily="2" charset="2"/>
+              <a:buChar char="§"/>
+            </a:pPr>
+            <a:r>
+              <a:rPr lang="ro-RO" dirty="0">
+                <a:latin typeface="UT Sans"/>
+              </a:rPr>
+              <a:t>Stratul de prezentare</a:t>
+            </a:r>
+          </a:p>
+          <a:p>
+            <a:pPr marL="742950" lvl="1" indent="-285750" algn="just">
+              <a:buFont typeface="Wingdings" panose="05000000000000000000" pitchFamily="2" charset="2"/>
+              <a:buChar char="§"/>
+            </a:pPr>
+            <a:r>
+              <a:rPr lang="ro-RO" dirty="0">
+                <a:latin typeface="UT Sans"/>
+              </a:rPr>
+              <a:t>Stratul de aplicație</a:t>
+            </a:r>
+          </a:p>
+          <a:p>
+            <a:pPr marL="742950" lvl="1" indent="-285750" algn="just">
+              <a:buFont typeface="Wingdings" panose="05000000000000000000" pitchFamily="2" charset="2"/>
+              <a:buChar char="§"/>
+            </a:pPr>
+            <a:r>
+              <a:rPr lang="ro-RO" dirty="0">
+                <a:latin typeface="UT Sans"/>
+              </a:rPr>
+              <a:t>Stratul de infrastructură</a:t>
+            </a:r>
+          </a:p>
+          <a:p>
+            <a:pPr marL="742950" lvl="1" indent="-285750" algn="just">
+              <a:buFont typeface="Wingdings" panose="05000000000000000000" pitchFamily="2" charset="2"/>
+              <a:buChar char="§"/>
+            </a:pPr>
+            <a:r>
+              <a:rPr lang="ro-RO" dirty="0">
+                <a:latin typeface="UT Sans"/>
+              </a:rPr>
+              <a:t>Stratul de domeniu</a:t>
+            </a:r>
+            <a:endParaRPr lang="en-US" dirty="0">
+              <a:latin typeface="UT Sans"/>
+            </a:endParaRPr>
+          </a:p>
+          <a:p>
+            <a:pPr algn="just"/>
+            <a:endParaRPr lang="pt-BR" dirty="0">
+              <a:latin typeface="UT Sans"/>
+            </a:endParaRPr>
+          </a:p>
+          <a:p>
+            <a:pPr marL="342900" indent="-342900" algn="just">
+              <a:buBlip>
+                <a:blip r:embed="rId2"/>
+              </a:buBlip>
+            </a:pPr>
+            <a:r>
+              <a:rPr lang="en-US" dirty="0">
+                <a:latin typeface="UT Sans"/>
+              </a:rPr>
+              <a:t>Front-end: </a:t>
+            </a:r>
+            <a:r>
+              <a:rPr lang="ro-RO" dirty="0">
+                <a:latin typeface="UT Sans"/>
+              </a:rPr>
+              <a:t>MV* (combinație între MVC și între MVVM)</a:t>
+            </a:r>
+            <a:endParaRPr lang="en-US" dirty="0">
+              <a:latin typeface="UT Sans"/>
+            </a:endParaRPr>
+          </a:p>
+          <a:p>
+            <a:pPr algn="just"/>
+            <a:endParaRPr lang="ro-RO" dirty="0">
+              <a:latin typeface="UT Sans"/>
+            </a:endParaRPr>
+          </a:p>
+          <a:p>
+            <a:pPr marL="742950" lvl="1" indent="-285750" algn="just">
+              <a:buFont typeface="Wingdings" panose="05000000000000000000" pitchFamily="2" charset="2"/>
+              <a:buChar char="§"/>
+            </a:pPr>
+            <a:r>
+              <a:rPr lang="en-US" dirty="0">
+                <a:latin typeface="UT Sans"/>
+              </a:rPr>
+              <a:t>Model: </a:t>
+            </a:r>
+            <a:r>
+              <a:rPr lang="ro-RO" dirty="0">
+                <a:latin typeface="UT Sans"/>
+              </a:rPr>
+              <a:t>folderul models (interfețe)</a:t>
+            </a:r>
+          </a:p>
+          <a:p>
+            <a:pPr marL="742950" lvl="1" indent="-285750" algn="just">
+              <a:buFont typeface="Wingdings" panose="05000000000000000000" pitchFamily="2" charset="2"/>
+              <a:buChar char="§"/>
+            </a:pPr>
+            <a:r>
+              <a:rPr lang="en-US" dirty="0">
+                <a:latin typeface="UT Sans"/>
+              </a:rPr>
+              <a:t>View: </a:t>
+            </a:r>
+            <a:r>
+              <a:rPr lang="en-US" dirty="0" err="1">
+                <a:latin typeface="UT Sans"/>
+              </a:rPr>
+              <a:t>folderul</a:t>
+            </a:r>
+            <a:r>
+              <a:rPr lang="en-US" dirty="0">
+                <a:latin typeface="UT Sans"/>
+              </a:rPr>
+              <a:t> de components (.html, .</a:t>
+            </a:r>
+            <a:r>
+              <a:rPr lang="en-US" dirty="0" err="1">
+                <a:latin typeface="UT Sans"/>
+              </a:rPr>
+              <a:t>scss</a:t>
+            </a:r>
+            <a:r>
+              <a:rPr lang="en-US" dirty="0">
+                <a:latin typeface="UT Sans"/>
+              </a:rPr>
+              <a:t>)</a:t>
+            </a:r>
+          </a:p>
+          <a:p>
+            <a:pPr marL="742950" lvl="1" indent="-285750" algn="just">
+              <a:buFont typeface="Wingdings" panose="05000000000000000000" pitchFamily="2" charset="2"/>
+              <a:buChar char="§"/>
+            </a:pPr>
+            <a:r>
+              <a:rPr lang="en-US" dirty="0" err="1">
+                <a:latin typeface="UT Sans"/>
+              </a:rPr>
+              <a:t>ViewModel</a:t>
+            </a:r>
+            <a:r>
+              <a:rPr lang="en-US" dirty="0">
+                <a:latin typeface="UT Sans"/>
+              </a:rPr>
+              <a:t>: </a:t>
+            </a:r>
+            <a:r>
+              <a:rPr lang="en-US" dirty="0" err="1">
+                <a:latin typeface="UT Sans"/>
+              </a:rPr>
+              <a:t>folderul</a:t>
+            </a:r>
+            <a:r>
+              <a:rPr lang="en-US" dirty="0">
+                <a:latin typeface="UT Sans"/>
+              </a:rPr>
+              <a:t> services </a:t>
+            </a:r>
+            <a:r>
+              <a:rPr lang="ro-RO" dirty="0">
+                <a:latin typeface="UT Sans"/>
+              </a:rPr>
+              <a:t>și fișierele .ts</a:t>
+            </a:r>
+          </a:p>
+          <a:p>
+            <a:pPr lvl="1" algn="just"/>
+            <a:r>
+              <a:rPr lang="ro-RO" dirty="0">
+                <a:latin typeface="UT Sans"/>
+              </a:rPr>
+              <a:t>     din interiorul componentelor</a:t>
+            </a:r>
+          </a:p>
+          <a:p>
+            <a:pPr algn="just"/>
+            <a:r>
+              <a:rPr lang="en-US" dirty="0">
+                <a:latin typeface="UT Sans"/>
+              </a:rPr>
+              <a:t>	</a:t>
+            </a:r>
+            <a:endParaRPr lang="ro-RO" dirty="0">
+              <a:latin typeface="UT Sans"/>
+            </a:endParaRPr>
+          </a:p>
+          <a:p>
+            <a:pPr algn="just"/>
+            <a:r>
+              <a:rPr lang="ro-RO" dirty="0">
+                <a:latin typeface="UT Sans"/>
+              </a:rPr>
+              <a:t>	</a:t>
+            </a:r>
+            <a:endParaRPr lang="en-US" dirty="0">
+              <a:latin typeface="UT Sans"/>
+            </a:endParaRPr>
+          </a:p>
+          <a:p>
+            <a:pPr algn="just"/>
+            <a:r>
+              <a:rPr lang="en-US" dirty="0">
+                <a:latin typeface="UT Sans"/>
+              </a:rPr>
+              <a:t>       </a:t>
+            </a:r>
+            <a:endParaRPr lang="ro-RO" dirty="0">
+              <a:latin typeface="UT Sans"/>
+            </a:endParaRPr>
+          </a:p>
+        </p:txBody>
+      </p:sp>
       <p:pic>
         <p:nvPicPr>
-          <p:cNvPr id="8" name="Picture 7"/>
+          <p:cNvPr id="2" name="Picture 1"/>
+          <p:cNvPicPr>
+            <a:picLocks noChangeAspect="1"/>
+          </p:cNvPicPr>
+          <p:nvPr/>
+        </p:nvPicPr>
+        <p:blipFill>
+          <a:blip r:embed="rId3" cstate="print">
+            <a:extLst>
+              <a:ext uri="{28A0092B-C50C-407E-A947-70E740481C1C}">
+                <a14:useLocalDpi xmlns:a14="http://schemas.microsoft.com/office/drawing/2010/main" val="0"/>
+              </a:ext>
+            </a:extLst>
+          </a:blip>
+          <a:stretch>
+            <a:fillRect/>
+          </a:stretch>
+        </p:blipFill>
+        <p:spPr>
+          <a:xfrm>
+            <a:off x="287524" y="260648"/>
+            <a:ext cx="1692188" cy="600822"/>
+          </a:xfrm>
+          <a:prstGeom prst="rect">
+            <a:avLst/>
+          </a:prstGeom>
+        </p:spPr>
+      </p:pic>
+      <p:sp>
+        <p:nvSpPr>
+          <p:cNvPr id="13" name="TextBox 12">
+            <a:extLst>
+              <a:ext uri="{FF2B5EF4-FFF2-40B4-BE49-F238E27FC236}">
+                <a16:creationId xmlns:a16="http://schemas.microsoft.com/office/drawing/2014/main" id="{649ECE41-5C33-D26B-835E-7DB29D4E17B8}"/>
+              </a:ext>
+            </a:extLst>
+          </p:cNvPr>
+          <p:cNvSpPr txBox="1"/>
+          <p:nvPr/>
+        </p:nvSpPr>
+        <p:spPr>
+          <a:xfrm>
+            <a:off x="457740" y="1101989"/>
+            <a:ext cx="4084644" cy="646331"/>
+          </a:xfrm>
+          <a:prstGeom prst="rect">
+            <a:avLst/>
+          </a:prstGeom>
+          <a:noFill/>
+        </p:spPr>
+        <p:txBody>
+          <a:bodyPr wrap="none" rtlCol="0">
+            <a:spAutoFit/>
+          </a:bodyPr>
+          <a:lstStyle/>
+          <a:p>
+            <a:r>
+              <a:rPr lang="en-US" sz="3600" dirty="0" err="1"/>
+              <a:t>Arhitectura</a:t>
+            </a:r>
+            <a:r>
+              <a:rPr lang="en-US" sz="3600" dirty="0"/>
+              <a:t> </a:t>
+            </a:r>
+            <a:r>
+              <a:rPr lang="ro-RO" sz="3600" dirty="0"/>
+              <a:t>a</a:t>
+            </a:r>
+            <a:r>
+              <a:rPr lang="en-US" sz="3600" dirty="0" err="1"/>
+              <a:t>plicației</a:t>
+            </a:r>
+            <a:endParaRPr lang="en-US" sz="3600" dirty="0">
+              <a:latin typeface="UT Sans"/>
+            </a:endParaRPr>
+          </a:p>
+        </p:txBody>
+      </p:sp>
+      <p:pic>
+        <p:nvPicPr>
+          <p:cNvPr id="9" name="Picture 8">
+            <a:extLst>
+              <a:ext uri="{FF2B5EF4-FFF2-40B4-BE49-F238E27FC236}">
+                <a16:creationId xmlns:a16="http://schemas.microsoft.com/office/drawing/2014/main" id="{87EAD7C6-61F8-D24A-2956-849BF2875EB4}"/>
+              </a:ext>
+            </a:extLst>
+          </p:cNvPr>
+          <p:cNvPicPr>
+            <a:picLocks noChangeAspect="1"/>
+          </p:cNvPicPr>
+          <p:nvPr/>
+        </p:nvPicPr>
+        <p:blipFill>
+          <a:blip r:embed="rId4" cstate="print">
+            <a:extLst>
+              <a:ext uri="{28A0092B-C50C-407E-A947-70E740481C1C}">
+                <a14:useLocalDpi xmlns:a14="http://schemas.microsoft.com/office/drawing/2010/main" val="0"/>
+              </a:ext>
+            </a:extLst>
+          </a:blip>
+          <a:srcRect/>
+          <a:stretch>
+            <a:fillRect/>
+          </a:stretch>
+        </p:blipFill>
+        <p:spPr bwMode="auto">
+          <a:xfrm>
+            <a:off x="5328084" y="1147125"/>
+            <a:ext cx="3888432" cy="2189528"/>
+          </a:xfrm>
+          <a:prstGeom prst="rect">
+            <a:avLst/>
+          </a:prstGeom>
+          <a:noFill/>
+          <a:ln>
+            <a:noFill/>
+          </a:ln>
+        </p:spPr>
+      </p:pic>
+      <p:pic>
+        <p:nvPicPr>
+          <p:cNvPr id="10" name="Picture 9" descr="A screenshot of a computer&#10;&#10;Description automatically generated">
+            <a:extLst>
+              <a:ext uri="{FF2B5EF4-FFF2-40B4-BE49-F238E27FC236}">
+                <a16:creationId xmlns:a16="http://schemas.microsoft.com/office/drawing/2014/main" id="{B51BB24F-53C8-6D33-53C5-B16AC1490A18}"/>
+              </a:ext>
+            </a:extLst>
+          </p:cNvPr>
+          <p:cNvPicPr>
+            <a:picLocks noChangeAspect="1"/>
+          </p:cNvPicPr>
+          <p:nvPr/>
+        </p:nvPicPr>
+        <p:blipFill>
+          <a:blip r:embed="rId5">
+            <a:extLst>
+              <a:ext uri="{28A0092B-C50C-407E-A947-70E740481C1C}">
+                <a14:useLocalDpi xmlns:a14="http://schemas.microsoft.com/office/drawing/2010/main" val="0"/>
+              </a:ext>
+            </a:extLst>
+          </a:blip>
+          <a:stretch>
+            <a:fillRect/>
+          </a:stretch>
+        </p:blipFill>
+        <p:spPr>
+          <a:xfrm>
+            <a:off x="6167524" y="3438892"/>
+            <a:ext cx="2209551" cy="2624816"/>
+          </a:xfrm>
+          <a:prstGeom prst="rect">
+            <a:avLst/>
+          </a:prstGeom>
+        </p:spPr>
+      </p:pic>
+    </p:spTree>
+    <p:extLst>
+      <p:ext uri="{BB962C8B-B14F-4D97-AF65-F5344CB8AC3E}">
+        <p14:creationId xmlns:p14="http://schemas.microsoft.com/office/powerpoint/2010/main" val="4246689941"/>
+      </p:ext>
+    </p:extLst>
+  </p:cSld>
+  <p:clrMapOvr>
+    <a:masterClrMapping/>
+  </p:clrMapOvr>
+</p:sld>
+</file>
+
+<file path=ppt/slides/slide5.xml><?xml version="1.0" encoding="utf-8"?>
+<p:sld xmlns:a="http://schemas.openxmlformats.org/drawingml/2006/main" xmlns:r="http://schemas.openxmlformats.org/officeDocument/2006/relationships" xmlns:p="http://schemas.openxmlformats.org/presentationml/2006/main">
+  <p:cSld>
+    <p:spTree>
+      <p:nvGrpSpPr>
+        <p:cNvPr id="1" name=""/>
+        <p:cNvGrpSpPr/>
+        <p:nvPr/>
+      </p:nvGrpSpPr>
+      <p:grpSpPr>
+        <a:xfrm>
+          <a:off x="0" y="0"/>
+          <a:ext cx="0" cy="0"/>
+          <a:chOff x="0" y="0"/>
+          <a:chExt cx="0" cy="0"/>
+        </a:xfrm>
+      </p:grpSpPr>
+      <p:grpSp>
+        <p:nvGrpSpPr>
+          <p:cNvPr id="4" name="Group 3"/>
+          <p:cNvGrpSpPr/>
+          <p:nvPr/>
+        </p:nvGrpSpPr>
+        <p:grpSpPr>
+          <a:xfrm>
+            <a:off x="8460432" y="6237312"/>
+            <a:ext cx="216000" cy="216000"/>
+            <a:chOff x="2772000" y="1932221"/>
+            <a:chExt cx="2340000" cy="2340000"/>
+          </a:xfrm>
+        </p:grpSpPr>
+        <p:sp>
+          <p:nvSpPr>
+            <p:cNvPr id="5" name="Rectangle 4"/>
+            <p:cNvSpPr/>
+            <p:nvPr/>
+          </p:nvSpPr>
+          <p:spPr>
+            <a:xfrm>
+              <a:off x="2772000" y="1932221"/>
+              <a:ext cx="2340000" cy="2340000"/>
+            </a:xfrm>
+            <a:prstGeom prst="rect">
+              <a:avLst/>
+            </a:prstGeom>
+            <a:solidFill>
+              <a:schemeClr val="bg1">
+                <a:lumMod val="75000"/>
+              </a:schemeClr>
+            </a:solidFill>
+            <a:ln>
+              <a:noFill/>
+            </a:ln>
+          </p:spPr>
+          <p:style>
+            <a:lnRef idx="2">
+              <a:schemeClr val="accent1">
+                <a:shade val="50000"/>
+              </a:schemeClr>
+            </a:lnRef>
+            <a:fillRef idx="1">
+              <a:schemeClr val="accent1"/>
+            </a:fillRef>
+            <a:effectRef idx="0">
+              <a:schemeClr val="accent1"/>
+            </a:effectRef>
+            <a:fontRef idx="minor">
+              <a:schemeClr val="lt1"/>
+            </a:fontRef>
+          </p:style>
+          <p:txBody>
+            <a:bodyPr rtlCol="0" anchor="ctr"/>
+            <a:lstStyle/>
+            <a:p>
+              <a:pPr algn="ctr"/>
+              <a:endParaRPr lang="en-US">
+                <a:ln>
+                  <a:solidFill>
+                    <a:schemeClr val="bg2">
+                      <a:lumMod val="75000"/>
+                    </a:schemeClr>
+                  </a:solidFill>
+                </a:ln>
+                <a:solidFill>
+                  <a:schemeClr val="tx1"/>
+                </a:solidFill>
+              </a:endParaRPr>
+            </a:p>
+          </p:txBody>
+        </p:sp>
+        <p:sp>
+          <p:nvSpPr>
+            <p:cNvPr id="6" name="Rectangle 5"/>
+            <p:cNvSpPr/>
+            <p:nvPr/>
+          </p:nvSpPr>
+          <p:spPr>
+            <a:xfrm>
+              <a:off x="3546000" y="2706221"/>
+              <a:ext cx="792000" cy="792000"/>
+            </a:xfrm>
+            <a:prstGeom prst="rect">
+              <a:avLst/>
+            </a:prstGeom>
+            <a:solidFill>
+              <a:schemeClr val="bg1"/>
+            </a:solidFill>
+            <a:ln>
+              <a:noFill/>
+            </a:ln>
+          </p:spPr>
+          <p:style>
+            <a:lnRef idx="2">
+              <a:schemeClr val="accent1">
+                <a:shade val="50000"/>
+              </a:schemeClr>
+            </a:lnRef>
+            <a:fillRef idx="1">
+              <a:schemeClr val="accent1"/>
+            </a:fillRef>
+            <a:effectRef idx="0">
+              <a:schemeClr val="accent1"/>
+            </a:effectRef>
+            <a:fontRef idx="minor">
+              <a:schemeClr val="lt1"/>
+            </a:fontRef>
+          </p:style>
+          <p:txBody>
+            <a:bodyPr rtlCol="0" anchor="ctr"/>
+            <a:lstStyle/>
+            <a:p>
+              <a:pPr algn="ctr"/>
+              <a:endParaRPr lang="en-US">
+                <a:ln>
+                  <a:solidFill>
+                    <a:schemeClr val="bg2">
+                      <a:lumMod val="75000"/>
+                    </a:schemeClr>
+                  </a:solidFill>
+                </a:ln>
+                <a:solidFill>
+                  <a:schemeClr val="tx1"/>
+                </a:solidFill>
+              </a:endParaRPr>
+            </a:p>
+          </p:txBody>
+        </p:sp>
+      </p:grpSp>
+      <p:sp>
+        <p:nvSpPr>
+          <p:cNvPr id="7" name="TextBox 6"/>
+          <p:cNvSpPr txBox="1"/>
+          <p:nvPr/>
+        </p:nvSpPr>
+        <p:spPr>
+          <a:xfrm>
+            <a:off x="457740" y="1988840"/>
+            <a:ext cx="8064872" cy="3416320"/>
+          </a:xfrm>
+          <a:prstGeom prst="rect">
+            <a:avLst/>
+          </a:prstGeom>
+          <a:noFill/>
+        </p:spPr>
+        <p:txBody>
+          <a:bodyPr wrap="square" rtlCol="0">
+            <a:spAutoFit/>
+          </a:bodyPr>
+          <a:lstStyle/>
+          <a:p>
+            <a:pPr marL="342900" indent="-342900" algn="just">
+              <a:buBlip>
+                <a:blip r:embed="rId2"/>
+              </a:buBlip>
+            </a:pPr>
+            <a:r>
+              <a:rPr lang="en-US" dirty="0"/>
+              <a:t>Pe </a:t>
+            </a:r>
+            <a:r>
+              <a:rPr lang="en-US" dirty="0" err="1"/>
+              <a:t>parcursul</a:t>
+            </a:r>
+            <a:r>
+              <a:rPr lang="en-US" dirty="0"/>
+              <a:t> </a:t>
+            </a:r>
+            <a:r>
+              <a:rPr lang="en-US" dirty="0" err="1"/>
+              <a:t>dezvoltării</a:t>
+            </a:r>
+            <a:r>
+              <a:rPr lang="en-US" dirty="0"/>
+              <a:t> </a:t>
+            </a:r>
+            <a:r>
+              <a:rPr lang="en-US" dirty="0" err="1"/>
+              <a:t>aplicației</a:t>
+            </a:r>
+            <a:r>
+              <a:rPr lang="en-US" dirty="0"/>
+              <a:t> </a:t>
+            </a:r>
+            <a:r>
+              <a:rPr lang="en-US" dirty="0" err="1"/>
+              <a:t>InvoiceJet</a:t>
+            </a:r>
+            <a:r>
+              <a:rPr lang="en-US" dirty="0"/>
+              <a:t>, au </a:t>
+            </a:r>
+            <a:r>
+              <a:rPr lang="en-US" dirty="0" err="1"/>
+              <a:t>fost</a:t>
+            </a:r>
+            <a:r>
+              <a:rPr lang="en-US" dirty="0"/>
+              <a:t> </a:t>
+            </a:r>
+            <a:r>
+              <a:rPr lang="en-US" dirty="0" err="1"/>
+              <a:t>implementate</a:t>
+            </a:r>
+            <a:r>
+              <a:rPr lang="en-US" dirty="0"/>
+              <a:t> diverse </a:t>
+            </a:r>
+            <a:r>
+              <a:rPr lang="ro-RO" dirty="0"/>
+              <a:t>șabloane de proiectare </a:t>
+            </a:r>
+            <a:r>
+              <a:rPr lang="en-US" dirty="0" err="1"/>
+              <a:t>pentru</a:t>
+            </a:r>
+            <a:r>
+              <a:rPr lang="en-US" dirty="0"/>
+              <a:t> a </a:t>
+            </a:r>
+            <a:r>
+              <a:rPr lang="en-US" dirty="0" err="1"/>
+              <a:t>menține</a:t>
+            </a:r>
+            <a:r>
+              <a:rPr lang="en-US" dirty="0"/>
+              <a:t> o </a:t>
+            </a:r>
+            <a:r>
+              <a:rPr lang="en-US" dirty="0" err="1"/>
+              <a:t>structură</a:t>
+            </a:r>
+            <a:r>
+              <a:rPr lang="en-US" dirty="0"/>
+              <a:t> </a:t>
+            </a:r>
+            <a:r>
+              <a:rPr lang="en-US" dirty="0" err="1"/>
+              <a:t>clară</a:t>
+            </a:r>
+            <a:r>
+              <a:rPr lang="en-US" dirty="0"/>
+              <a:t> </a:t>
+            </a:r>
+            <a:r>
+              <a:rPr lang="en-US" dirty="0" err="1"/>
+              <a:t>și</a:t>
+            </a:r>
+            <a:r>
+              <a:rPr lang="en-US" dirty="0"/>
+              <a:t> a </a:t>
+            </a:r>
+            <a:r>
+              <a:rPr lang="en-US" dirty="0" err="1"/>
+              <a:t>facilita</a:t>
+            </a:r>
+            <a:r>
+              <a:rPr lang="en-US" dirty="0"/>
+              <a:t> </a:t>
+            </a:r>
+            <a:r>
+              <a:rPr lang="en-US" dirty="0" err="1"/>
+              <a:t>întreținerea</a:t>
+            </a:r>
+            <a:r>
+              <a:rPr lang="en-US" dirty="0"/>
+              <a:t> </a:t>
+            </a:r>
+            <a:r>
+              <a:rPr lang="en-US" dirty="0" err="1"/>
+              <a:t>codului</a:t>
+            </a:r>
+            <a:r>
+              <a:rPr lang="en-US" dirty="0"/>
+              <a:t>.</a:t>
+            </a:r>
+            <a:r>
+              <a:rPr lang="ro-RO" dirty="0"/>
+              <a:t> Cele mai notabile sunt</a:t>
+            </a:r>
+            <a:r>
+              <a:rPr lang="en-US" dirty="0"/>
+              <a:t>:</a:t>
+            </a:r>
+            <a:endParaRPr lang="ro-RO" dirty="0"/>
+          </a:p>
+          <a:p>
+            <a:pPr algn="just"/>
+            <a:endParaRPr lang="pt-BR" dirty="0">
+              <a:latin typeface="UT Sans"/>
+            </a:endParaRPr>
+          </a:p>
+          <a:p>
+            <a:pPr marL="342900" indent="-342900" algn="just">
+              <a:buBlip>
+                <a:blip r:embed="rId2"/>
+              </a:buBlip>
+            </a:pPr>
+            <a:r>
+              <a:rPr lang="en-US" b="1" dirty="0"/>
+              <a:t>Repository Pattern</a:t>
+            </a:r>
+            <a:r>
+              <a:rPr lang="en-US" dirty="0"/>
+              <a:t>: </a:t>
+            </a:r>
+            <a:r>
+              <a:rPr lang="en-US" dirty="0" err="1"/>
+              <a:t>Separă</a:t>
+            </a:r>
+            <a:r>
+              <a:rPr lang="en-US" dirty="0"/>
+              <a:t> </a:t>
+            </a:r>
+            <a:r>
+              <a:rPr lang="en-US" dirty="0" err="1"/>
+              <a:t>logica</a:t>
+            </a:r>
+            <a:r>
+              <a:rPr lang="en-US" dirty="0"/>
+              <a:t> de </a:t>
+            </a:r>
+            <a:r>
+              <a:rPr lang="en-US" dirty="0" err="1"/>
+              <a:t>acces</a:t>
+            </a:r>
+            <a:r>
+              <a:rPr lang="en-US" dirty="0"/>
+              <a:t> la date de </a:t>
+            </a:r>
+            <a:r>
+              <a:rPr lang="en-US" dirty="0" err="1"/>
+              <a:t>logica</a:t>
+            </a:r>
+            <a:r>
+              <a:rPr lang="en-US" dirty="0"/>
+              <a:t> de business, </a:t>
+            </a:r>
+            <a:r>
+              <a:rPr lang="en-US" dirty="0" err="1"/>
+              <a:t>facilitând</a:t>
+            </a:r>
+            <a:r>
+              <a:rPr lang="en-US" dirty="0"/>
+              <a:t> </a:t>
+            </a:r>
+            <a:r>
+              <a:rPr lang="en-US" dirty="0" err="1"/>
+              <a:t>gestionarea</a:t>
+            </a:r>
+            <a:r>
+              <a:rPr lang="en-US" dirty="0"/>
+              <a:t> </a:t>
+            </a:r>
+            <a:r>
+              <a:rPr lang="en-US" dirty="0" err="1"/>
+              <a:t>datelor</a:t>
+            </a:r>
+            <a:r>
+              <a:rPr lang="en-US" dirty="0"/>
+              <a:t> </a:t>
+            </a:r>
+            <a:r>
+              <a:rPr lang="en-US" dirty="0" err="1"/>
+              <a:t>și</a:t>
+            </a:r>
+            <a:r>
+              <a:rPr lang="en-US" dirty="0"/>
+              <a:t> </a:t>
+            </a:r>
+            <a:r>
+              <a:rPr lang="en-US" dirty="0" err="1"/>
+              <a:t>testarea</a:t>
+            </a:r>
+            <a:r>
+              <a:rPr lang="en-US" dirty="0"/>
+              <a:t>.</a:t>
+            </a:r>
+            <a:endParaRPr lang="ro-RO" dirty="0"/>
+          </a:p>
+          <a:p>
+            <a:pPr algn="just"/>
+            <a:endParaRPr lang="ro-RO" dirty="0">
+              <a:latin typeface="UT Sans"/>
+            </a:endParaRPr>
+          </a:p>
+          <a:p>
+            <a:pPr marL="342900" indent="-342900" algn="just">
+              <a:buBlip>
+                <a:blip r:embed="rId2"/>
+              </a:buBlip>
+            </a:pPr>
+            <a:r>
+              <a:rPr lang="en-US" b="1" dirty="0"/>
+              <a:t>Factory Method Pattern</a:t>
+            </a:r>
+            <a:r>
+              <a:rPr lang="en-US" dirty="0"/>
+              <a:t>: </a:t>
+            </a:r>
+            <a:r>
+              <a:rPr lang="en-US" dirty="0" err="1"/>
+              <a:t>Oferă</a:t>
+            </a:r>
+            <a:r>
+              <a:rPr lang="en-US" dirty="0"/>
+              <a:t> o </a:t>
+            </a:r>
+            <a:r>
+              <a:rPr lang="en-US" dirty="0" err="1"/>
+              <a:t>modalitate</a:t>
+            </a:r>
+            <a:r>
+              <a:rPr lang="en-US" dirty="0"/>
+              <a:t> </a:t>
+            </a:r>
+            <a:r>
+              <a:rPr lang="en-US" dirty="0" err="1"/>
+              <a:t>flexibilă</a:t>
+            </a:r>
+            <a:r>
+              <a:rPr lang="en-US" dirty="0"/>
+              <a:t> de a </a:t>
+            </a:r>
+            <a:r>
+              <a:rPr lang="en-US" dirty="0" err="1"/>
+              <a:t>crea</a:t>
+            </a:r>
+            <a:r>
+              <a:rPr lang="en-US" dirty="0"/>
+              <a:t> </a:t>
+            </a:r>
+            <a:r>
+              <a:rPr lang="en-US" dirty="0" err="1"/>
+              <a:t>obiecte</a:t>
+            </a:r>
+            <a:r>
+              <a:rPr lang="en-US" dirty="0"/>
+              <a:t> </a:t>
+            </a:r>
+            <a:r>
+              <a:rPr lang="en-US" dirty="0" err="1"/>
+              <a:t>fără</a:t>
+            </a:r>
+            <a:r>
+              <a:rPr lang="en-US" dirty="0"/>
+              <a:t> a </a:t>
+            </a:r>
+            <a:r>
+              <a:rPr lang="en-US" dirty="0" err="1"/>
+              <a:t>specifica</a:t>
+            </a:r>
+            <a:r>
+              <a:rPr lang="en-US" dirty="0"/>
+              <a:t> </a:t>
+            </a:r>
+            <a:r>
+              <a:rPr lang="en-US" dirty="0" err="1"/>
+              <a:t>clasele</a:t>
+            </a:r>
+            <a:r>
+              <a:rPr lang="en-US" dirty="0"/>
+              <a:t> concrete, </a:t>
+            </a:r>
+            <a:r>
+              <a:rPr lang="en-US" dirty="0" err="1"/>
+              <a:t>promovând</a:t>
+            </a:r>
+            <a:r>
+              <a:rPr lang="en-US" dirty="0"/>
+              <a:t> </a:t>
+            </a:r>
+            <a:r>
+              <a:rPr lang="en-US" dirty="0" err="1"/>
+              <a:t>extensibilitatea</a:t>
+            </a:r>
+            <a:r>
+              <a:rPr lang="en-US" dirty="0"/>
+              <a:t>.</a:t>
+            </a:r>
+            <a:endParaRPr lang="ro-RO" dirty="0">
+              <a:latin typeface="UT Sans"/>
+            </a:endParaRPr>
+          </a:p>
+          <a:p>
+            <a:pPr algn="just"/>
+            <a:r>
+              <a:rPr lang="en-US" dirty="0">
+                <a:latin typeface="UT Sans"/>
+              </a:rPr>
+              <a:t>	</a:t>
+            </a:r>
+            <a:endParaRPr lang="ro-RO" dirty="0">
+              <a:latin typeface="UT Sans"/>
+            </a:endParaRPr>
+          </a:p>
+          <a:p>
+            <a:pPr algn="just"/>
+            <a:r>
+              <a:rPr lang="ro-RO" dirty="0">
+                <a:latin typeface="UT Sans"/>
+              </a:rPr>
+              <a:t>	</a:t>
+            </a:r>
+            <a:endParaRPr lang="en-US" dirty="0">
+              <a:latin typeface="UT Sans"/>
+            </a:endParaRPr>
+          </a:p>
+          <a:p>
+            <a:pPr algn="just"/>
+            <a:r>
+              <a:rPr lang="en-US" dirty="0">
+                <a:latin typeface="UT Sans"/>
+              </a:rPr>
+              <a:t>       </a:t>
+            </a:r>
+            <a:endParaRPr lang="ro-RO" dirty="0">
+              <a:latin typeface="UT Sans"/>
+            </a:endParaRPr>
+          </a:p>
+        </p:txBody>
+      </p:sp>
+      <p:pic>
+        <p:nvPicPr>
+          <p:cNvPr id="2" name="Picture 1"/>
+          <p:cNvPicPr>
+            <a:picLocks noChangeAspect="1"/>
+          </p:cNvPicPr>
+          <p:nvPr/>
+        </p:nvPicPr>
+        <p:blipFill>
+          <a:blip r:embed="rId3" cstate="print">
+            <a:extLst>
+              <a:ext uri="{28A0092B-C50C-407E-A947-70E740481C1C}">
+                <a14:useLocalDpi xmlns:a14="http://schemas.microsoft.com/office/drawing/2010/main" val="0"/>
+              </a:ext>
+            </a:extLst>
+          </a:blip>
+          <a:stretch>
+            <a:fillRect/>
+          </a:stretch>
+        </p:blipFill>
+        <p:spPr>
+          <a:xfrm>
+            <a:off x="287524" y="260648"/>
+            <a:ext cx="1692188" cy="600822"/>
+          </a:xfrm>
+          <a:prstGeom prst="rect">
+            <a:avLst/>
+          </a:prstGeom>
+        </p:spPr>
+      </p:pic>
+      <p:sp>
+        <p:nvSpPr>
+          <p:cNvPr id="13" name="TextBox 12">
+            <a:extLst>
+              <a:ext uri="{FF2B5EF4-FFF2-40B4-BE49-F238E27FC236}">
+                <a16:creationId xmlns:a16="http://schemas.microsoft.com/office/drawing/2014/main" id="{649ECE41-5C33-D26B-835E-7DB29D4E17B8}"/>
+              </a:ext>
+            </a:extLst>
+          </p:cNvPr>
+          <p:cNvSpPr txBox="1"/>
+          <p:nvPr/>
+        </p:nvSpPr>
+        <p:spPr>
+          <a:xfrm>
+            <a:off x="457740" y="1101989"/>
+            <a:ext cx="4503220" cy="646331"/>
+          </a:xfrm>
+          <a:prstGeom prst="rect">
+            <a:avLst/>
+          </a:prstGeom>
+          <a:noFill/>
+        </p:spPr>
+        <p:txBody>
+          <a:bodyPr wrap="none" rtlCol="0">
+            <a:spAutoFit/>
+          </a:bodyPr>
+          <a:lstStyle/>
+          <a:p>
+            <a:r>
+              <a:rPr lang="ro-RO" sz="3600" dirty="0">
+                <a:latin typeface="UT Sans"/>
+              </a:rPr>
+              <a:t>Șabloane de proiectare</a:t>
+            </a:r>
+            <a:endParaRPr lang="en-US" sz="3600" dirty="0">
+              <a:latin typeface="UT Sans"/>
+            </a:endParaRPr>
+          </a:p>
+        </p:txBody>
+      </p:sp>
+    </p:spTree>
+    <p:extLst>
+      <p:ext uri="{BB962C8B-B14F-4D97-AF65-F5344CB8AC3E}">
+        <p14:creationId xmlns:p14="http://schemas.microsoft.com/office/powerpoint/2010/main" val="3332022686"/>
+      </p:ext>
+    </p:extLst>
+  </p:cSld>
+  <p:clrMapOvr>
+    <a:masterClrMapping/>
+  </p:clrMapOvr>
+</p:sld>
+</file>
+
+<file path=ppt/slides/slide6.xml><?xml version="1.0" encoding="utf-8"?>
+<p:sld xmlns:a="http://schemas.openxmlformats.org/drawingml/2006/main" xmlns:r="http://schemas.openxmlformats.org/officeDocument/2006/relationships" xmlns:p="http://schemas.openxmlformats.org/presentationml/2006/main">
+  <p:cSld>
+    <p:spTree>
+      <p:nvGrpSpPr>
+        <p:cNvPr id="1" name=""/>
+        <p:cNvGrpSpPr/>
+        <p:nvPr/>
+      </p:nvGrpSpPr>
+      <p:grpSpPr>
+        <a:xfrm>
+          <a:off x="0" y="0"/>
+          <a:ext cx="0" cy="0"/>
+          <a:chOff x="0" y="0"/>
+          <a:chExt cx="0" cy="0"/>
+        </a:xfrm>
+      </p:grpSpPr>
+      <p:grpSp>
+        <p:nvGrpSpPr>
+          <p:cNvPr id="4" name="Group 3"/>
+          <p:cNvGrpSpPr/>
+          <p:nvPr/>
+        </p:nvGrpSpPr>
+        <p:grpSpPr>
+          <a:xfrm>
+            <a:off x="8460432" y="6237312"/>
+            <a:ext cx="216000" cy="216000"/>
+            <a:chOff x="2772000" y="1932221"/>
+            <a:chExt cx="2340000" cy="2340000"/>
+          </a:xfrm>
+        </p:grpSpPr>
+        <p:sp>
+          <p:nvSpPr>
+            <p:cNvPr id="5" name="Rectangle 4"/>
+            <p:cNvSpPr/>
+            <p:nvPr/>
+          </p:nvSpPr>
+          <p:spPr>
+            <a:xfrm>
+              <a:off x="2772000" y="1932221"/>
+              <a:ext cx="2340000" cy="2340000"/>
+            </a:xfrm>
+            <a:prstGeom prst="rect">
+              <a:avLst/>
+            </a:prstGeom>
+            <a:solidFill>
+              <a:schemeClr val="bg1">
+                <a:lumMod val="75000"/>
+              </a:schemeClr>
+            </a:solidFill>
+            <a:ln>
+              <a:noFill/>
+            </a:ln>
+          </p:spPr>
+          <p:style>
+            <a:lnRef idx="2">
+              <a:schemeClr val="accent1">
+                <a:shade val="50000"/>
+              </a:schemeClr>
+            </a:lnRef>
+            <a:fillRef idx="1">
+              <a:schemeClr val="accent1"/>
+            </a:fillRef>
+            <a:effectRef idx="0">
+              <a:schemeClr val="accent1"/>
+            </a:effectRef>
+            <a:fontRef idx="minor">
+              <a:schemeClr val="lt1"/>
+            </a:fontRef>
+          </p:style>
+          <p:txBody>
+            <a:bodyPr rtlCol="0" anchor="ctr"/>
+            <a:lstStyle/>
+            <a:p>
+              <a:pPr algn="ctr"/>
+              <a:endParaRPr lang="en-US">
+                <a:ln>
+                  <a:solidFill>
+                    <a:schemeClr val="bg2">
+                      <a:lumMod val="75000"/>
+                    </a:schemeClr>
+                  </a:solidFill>
+                </a:ln>
+                <a:solidFill>
+                  <a:schemeClr val="tx1"/>
+                </a:solidFill>
+              </a:endParaRPr>
+            </a:p>
+          </p:txBody>
+        </p:sp>
+        <p:sp>
+          <p:nvSpPr>
+            <p:cNvPr id="6" name="Rectangle 5"/>
+            <p:cNvSpPr/>
+            <p:nvPr/>
+          </p:nvSpPr>
+          <p:spPr>
+            <a:xfrm>
+              <a:off x="3546000" y="2706221"/>
+              <a:ext cx="792000" cy="792000"/>
+            </a:xfrm>
+            <a:prstGeom prst="rect">
+              <a:avLst/>
+            </a:prstGeom>
+            <a:solidFill>
+              <a:schemeClr val="bg1"/>
+            </a:solidFill>
+            <a:ln>
+              <a:noFill/>
+            </a:ln>
+          </p:spPr>
+          <p:style>
+            <a:lnRef idx="2">
+              <a:schemeClr val="accent1">
+                <a:shade val="50000"/>
+              </a:schemeClr>
+            </a:lnRef>
+            <a:fillRef idx="1">
+              <a:schemeClr val="accent1"/>
+            </a:fillRef>
+            <a:effectRef idx="0">
+              <a:schemeClr val="accent1"/>
+            </a:effectRef>
+            <a:fontRef idx="minor">
+              <a:schemeClr val="lt1"/>
+            </a:fontRef>
+          </p:style>
+          <p:txBody>
+            <a:bodyPr rtlCol="0" anchor="ctr"/>
+            <a:lstStyle/>
+            <a:p>
+              <a:pPr algn="ctr"/>
+              <a:endParaRPr lang="en-US">
+                <a:ln>
+                  <a:solidFill>
+                    <a:schemeClr val="bg2">
+                      <a:lumMod val="75000"/>
+                    </a:schemeClr>
+                  </a:solidFill>
+                </a:ln>
+                <a:solidFill>
+                  <a:schemeClr val="tx1"/>
+                </a:solidFill>
+              </a:endParaRPr>
+            </a:p>
+          </p:txBody>
+        </p:sp>
+      </p:grpSp>
+      <p:pic>
+        <p:nvPicPr>
+          <p:cNvPr id="2" name="Picture 1"/>
           <p:cNvPicPr>
             <a:picLocks noChangeAspect="1"/>
           </p:cNvPicPr>
@@ -5169,10 +7544,1513 @@
           </a:prstGeom>
         </p:spPr>
       </p:pic>
+      <p:sp>
+        <p:nvSpPr>
+          <p:cNvPr id="13" name="TextBox 12">
+            <a:extLst>
+              <a:ext uri="{FF2B5EF4-FFF2-40B4-BE49-F238E27FC236}">
+                <a16:creationId xmlns:a16="http://schemas.microsoft.com/office/drawing/2014/main" id="{649ECE41-5C33-D26B-835E-7DB29D4E17B8}"/>
+              </a:ext>
+            </a:extLst>
+          </p:cNvPr>
+          <p:cNvSpPr txBox="1"/>
+          <p:nvPr/>
+        </p:nvSpPr>
+        <p:spPr>
+          <a:xfrm>
+            <a:off x="457740" y="1101989"/>
+            <a:ext cx="3683509" cy="646331"/>
+          </a:xfrm>
+          <a:prstGeom prst="rect">
+            <a:avLst/>
+          </a:prstGeom>
+          <a:noFill/>
+        </p:spPr>
+        <p:txBody>
+          <a:bodyPr wrap="none" rtlCol="0">
+            <a:spAutoFit/>
+          </a:bodyPr>
+          <a:lstStyle/>
+          <a:p>
+            <a:r>
+              <a:rPr lang="ro-RO" sz="3600" dirty="0">
+                <a:latin typeface="UT Sans"/>
+              </a:rPr>
+              <a:t>Repository pattern</a:t>
+            </a:r>
+            <a:endParaRPr lang="en-US" sz="3600" dirty="0">
+              <a:latin typeface="UT Sans"/>
+            </a:endParaRPr>
+          </a:p>
+        </p:txBody>
+      </p:sp>
+      <p:pic>
+        <p:nvPicPr>
+          <p:cNvPr id="7" name="Picture 6" descr="A screen shot of a computer program&#10;&#10;Description automatically generated">
+            <a:extLst>
+              <a:ext uri="{FF2B5EF4-FFF2-40B4-BE49-F238E27FC236}">
+                <a16:creationId xmlns:a16="http://schemas.microsoft.com/office/drawing/2014/main" id="{6CBB4B91-F331-BAC6-E194-A101877AE929}"/>
+              </a:ext>
+            </a:extLst>
+          </p:cNvPr>
+          <p:cNvPicPr>
+            <a:picLocks noChangeAspect="1"/>
+          </p:cNvPicPr>
+          <p:nvPr/>
+        </p:nvPicPr>
+        <p:blipFill>
+          <a:blip r:embed="rId3">
+            <a:extLst>
+              <a:ext uri="{28A0092B-C50C-407E-A947-70E740481C1C}">
+                <a14:useLocalDpi xmlns:a14="http://schemas.microsoft.com/office/drawing/2010/main" val="0"/>
+              </a:ext>
+            </a:extLst>
+          </a:blip>
+          <a:stretch>
+            <a:fillRect/>
+          </a:stretch>
+        </p:blipFill>
+        <p:spPr>
+          <a:xfrm>
+            <a:off x="287524" y="2029285"/>
+            <a:ext cx="4803312" cy="3726726"/>
+          </a:xfrm>
+          <a:prstGeom prst="rect">
+            <a:avLst/>
+          </a:prstGeom>
+        </p:spPr>
+      </p:pic>
+      <p:pic>
+        <p:nvPicPr>
+          <p:cNvPr id="8" name="Picture 7" descr="A screen shot of a computer program&#10;&#10;Description automatically generated">
+            <a:extLst>
+              <a:ext uri="{FF2B5EF4-FFF2-40B4-BE49-F238E27FC236}">
+                <a16:creationId xmlns:a16="http://schemas.microsoft.com/office/drawing/2014/main" id="{CA44895C-0455-0274-6B3F-23DA7E6C8C41}"/>
+              </a:ext>
+            </a:extLst>
+          </p:cNvPr>
+          <p:cNvPicPr>
+            <a:picLocks noChangeAspect="1"/>
+          </p:cNvPicPr>
+          <p:nvPr/>
+        </p:nvPicPr>
+        <p:blipFill>
+          <a:blip r:embed="rId4"/>
+          <a:stretch>
+            <a:fillRect/>
+          </a:stretch>
+        </p:blipFill>
+        <p:spPr>
+          <a:xfrm>
+            <a:off x="4355976" y="561059"/>
+            <a:ext cx="4589026" cy="3924412"/>
+          </a:xfrm>
+          <a:prstGeom prst="rect">
+            <a:avLst/>
+          </a:prstGeom>
+        </p:spPr>
+      </p:pic>
     </p:spTree>
     <p:extLst>
       <p:ext uri="{BB962C8B-B14F-4D97-AF65-F5344CB8AC3E}">
-        <p14:creationId xmlns:p14="http://schemas.microsoft.com/office/powerpoint/2010/main" val="604373357"/>
+        <p14:creationId xmlns:p14="http://schemas.microsoft.com/office/powerpoint/2010/main" val="3603511366"/>
+      </p:ext>
+    </p:extLst>
+  </p:cSld>
+  <p:clrMapOvr>
+    <a:masterClrMapping/>
+  </p:clrMapOvr>
+</p:sld>
+</file>
+
+<file path=ppt/slides/slide7.xml><?xml version="1.0" encoding="utf-8"?>
+<p:sld xmlns:a="http://schemas.openxmlformats.org/drawingml/2006/main" xmlns:r="http://schemas.openxmlformats.org/officeDocument/2006/relationships" xmlns:p="http://schemas.openxmlformats.org/presentationml/2006/main">
+  <p:cSld>
+    <p:spTree>
+      <p:nvGrpSpPr>
+        <p:cNvPr id="1" name=""/>
+        <p:cNvGrpSpPr/>
+        <p:nvPr/>
+      </p:nvGrpSpPr>
+      <p:grpSpPr>
+        <a:xfrm>
+          <a:off x="0" y="0"/>
+          <a:ext cx="0" cy="0"/>
+          <a:chOff x="0" y="0"/>
+          <a:chExt cx="0" cy="0"/>
+        </a:xfrm>
+      </p:grpSpPr>
+      <p:grpSp>
+        <p:nvGrpSpPr>
+          <p:cNvPr id="4" name="Group 3"/>
+          <p:cNvGrpSpPr/>
+          <p:nvPr/>
+        </p:nvGrpSpPr>
+        <p:grpSpPr>
+          <a:xfrm>
+            <a:off x="8460432" y="6237312"/>
+            <a:ext cx="216000" cy="216000"/>
+            <a:chOff x="2772000" y="1932221"/>
+            <a:chExt cx="2340000" cy="2340000"/>
+          </a:xfrm>
+        </p:grpSpPr>
+        <p:sp>
+          <p:nvSpPr>
+            <p:cNvPr id="5" name="Rectangle 4"/>
+            <p:cNvSpPr/>
+            <p:nvPr/>
+          </p:nvSpPr>
+          <p:spPr>
+            <a:xfrm>
+              <a:off x="2772000" y="1932221"/>
+              <a:ext cx="2340000" cy="2340000"/>
+            </a:xfrm>
+            <a:prstGeom prst="rect">
+              <a:avLst/>
+            </a:prstGeom>
+            <a:solidFill>
+              <a:schemeClr val="bg1">
+                <a:lumMod val="75000"/>
+              </a:schemeClr>
+            </a:solidFill>
+            <a:ln>
+              <a:noFill/>
+            </a:ln>
+          </p:spPr>
+          <p:style>
+            <a:lnRef idx="2">
+              <a:schemeClr val="accent1">
+                <a:shade val="50000"/>
+              </a:schemeClr>
+            </a:lnRef>
+            <a:fillRef idx="1">
+              <a:schemeClr val="accent1"/>
+            </a:fillRef>
+            <a:effectRef idx="0">
+              <a:schemeClr val="accent1"/>
+            </a:effectRef>
+            <a:fontRef idx="minor">
+              <a:schemeClr val="lt1"/>
+            </a:fontRef>
+          </p:style>
+          <p:txBody>
+            <a:bodyPr rtlCol="0" anchor="ctr"/>
+            <a:lstStyle/>
+            <a:p>
+              <a:pPr algn="ctr"/>
+              <a:endParaRPr lang="en-US">
+                <a:ln>
+                  <a:solidFill>
+                    <a:schemeClr val="bg2">
+                      <a:lumMod val="75000"/>
+                    </a:schemeClr>
+                  </a:solidFill>
+                </a:ln>
+                <a:solidFill>
+                  <a:schemeClr val="tx1"/>
+                </a:solidFill>
+              </a:endParaRPr>
+            </a:p>
+          </p:txBody>
+        </p:sp>
+        <p:sp>
+          <p:nvSpPr>
+            <p:cNvPr id="6" name="Rectangle 5"/>
+            <p:cNvSpPr/>
+            <p:nvPr/>
+          </p:nvSpPr>
+          <p:spPr>
+            <a:xfrm>
+              <a:off x="3546000" y="2706221"/>
+              <a:ext cx="792000" cy="792000"/>
+            </a:xfrm>
+            <a:prstGeom prst="rect">
+              <a:avLst/>
+            </a:prstGeom>
+            <a:solidFill>
+              <a:schemeClr val="bg1"/>
+            </a:solidFill>
+            <a:ln>
+              <a:noFill/>
+            </a:ln>
+          </p:spPr>
+          <p:style>
+            <a:lnRef idx="2">
+              <a:schemeClr val="accent1">
+                <a:shade val="50000"/>
+              </a:schemeClr>
+            </a:lnRef>
+            <a:fillRef idx="1">
+              <a:schemeClr val="accent1"/>
+            </a:fillRef>
+            <a:effectRef idx="0">
+              <a:schemeClr val="accent1"/>
+            </a:effectRef>
+            <a:fontRef idx="minor">
+              <a:schemeClr val="lt1"/>
+            </a:fontRef>
+          </p:style>
+          <p:txBody>
+            <a:bodyPr rtlCol="0" anchor="ctr"/>
+            <a:lstStyle/>
+            <a:p>
+              <a:pPr algn="ctr"/>
+              <a:endParaRPr lang="en-US">
+                <a:ln>
+                  <a:solidFill>
+                    <a:schemeClr val="bg2">
+                      <a:lumMod val="75000"/>
+                    </a:schemeClr>
+                  </a:solidFill>
+                </a:ln>
+                <a:solidFill>
+                  <a:schemeClr val="tx1"/>
+                </a:solidFill>
+              </a:endParaRPr>
+            </a:p>
+          </p:txBody>
+        </p:sp>
+      </p:grpSp>
+      <p:pic>
+        <p:nvPicPr>
+          <p:cNvPr id="2" name="Picture 1"/>
+          <p:cNvPicPr>
+            <a:picLocks noChangeAspect="1"/>
+          </p:cNvPicPr>
+          <p:nvPr/>
+        </p:nvPicPr>
+        <p:blipFill>
+          <a:blip r:embed="rId2" cstate="print">
+            <a:extLst>
+              <a:ext uri="{28A0092B-C50C-407E-A947-70E740481C1C}">
+                <a14:useLocalDpi xmlns:a14="http://schemas.microsoft.com/office/drawing/2010/main" val="0"/>
+              </a:ext>
+            </a:extLst>
+          </a:blip>
+          <a:stretch>
+            <a:fillRect/>
+          </a:stretch>
+        </p:blipFill>
+        <p:spPr>
+          <a:xfrm>
+            <a:off x="287524" y="260648"/>
+            <a:ext cx="1692188" cy="600822"/>
+          </a:xfrm>
+          <a:prstGeom prst="rect">
+            <a:avLst/>
+          </a:prstGeom>
+        </p:spPr>
+      </p:pic>
+      <p:sp>
+        <p:nvSpPr>
+          <p:cNvPr id="13" name="TextBox 12">
+            <a:extLst>
+              <a:ext uri="{FF2B5EF4-FFF2-40B4-BE49-F238E27FC236}">
+                <a16:creationId xmlns:a16="http://schemas.microsoft.com/office/drawing/2014/main" id="{649ECE41-5C33-D26B-835E-7DB29D4E17B8}"/>
+              </a:ext>
+            </a:extLst>
+          </p:cNvPr>
+          <p:cNvSpPr txBox="1"/>
+          <p:nvPr/>
+        </p:nvSpPr>
+        <p:spPr>
+          <a:xfrm>
+            <a:off x="457740" y="1101989"/>
+            <a:ext cx="4636975" cy="646331"/>
+          </a:xfrm>
+          <a:prstGeom prst="rect">
+            <a:avLst/>
+          </a:prstGeom>
+          <a:noFill/>
+        </p:spPr>
+        <p:txBody>
+          <a:bodyPr wrap="none" rtlCol="0">
+            <a:spAutoFit/>
+          </a:bodyPr>
+          <a:lstStyle/>
+          <a:p>
+            <a:r>
+              <a:rPr lang="ro-RO" sz="3600" dirty="0">
+                <a:latin typeface="UT Sans"/>
+              </a:rPr>
+              <a:t>Factory method pattern</a:t>
+            </a:r>
+            <a:endParaRPr lang="en-US" sz="3600" dirty="0">
+              <a:latin typeface="UT Sans"/>
+            </a:endParaRPr>
+          </a:p>
+        </p:txBody>
+      </p:sp>
+      <p:pic>
+        <p:nvPicPr>
+          <p:cNvPr id="3" name="Picture 2">
+            <a:extLst>
+              <a:ext uri="{FF2B5EF4-FFF2-40B4-BE49-F238E27FC236}">
+                <a16:creationId xmlns:a16="http://schemas.microsoft.com/office/drawing/2014/main" id="{6241D9AE-6363-00B6-D5FE-B28292393484}"/>
+              </a:ext>
+            </a:extLst>
+          </p:cNvPr>
+          <p:cNvPicPr>
+            <a:picLocks noChangeAspect="1"/>
+          </p:cNvPicPr>
+          <p:nvPr/>
+        </p:nvPicPr>
+        <p:blipFill>
+          <a:blip r:embed="rId3" cstate="print">
+            <a:extLst>
+              <a:ext uri="{28A0092B-C50C-407E-A947-70E740481C1C}">
+                <a14:useLocalDpi xmlns:a14="http://schemas.microsoft.com/office/drawing/2010/main" val="0"/>
+              </a:ext>
+            </a:extLst>
+          </a:blip>
+          <a:srcRect/>
+          <a:stretch>
+            <a:fillRect/>
+          </a:stretch>
+        </p:blipFill>
+        <p:spPr bwMode="auto">
+          <a:xfrm>
+            <a:off x="1799692" y="1988839"/>
+            <a:ext cx="5736590" cy="4097655"/>
+          </a:xfrm>
+          <a:prstGeom prst="rect">
+            <a:avLst/>
+          </a:prstGeom>
+          <a:noFill/>
+          <a:ln>
+            <a:noFill/>
+          </a:ln>
+        </p:spPr>
+      </p:pic>
+    </p:spTree>
+    <p:extLst>
+      <p:ext uri="{BB962C8B-B14F-4D97-AF65-F5344CB8AC3E}">
+        <p14:creationId xmlns:p14="http://schemas.microsoft.com/office/powerpoint/2010/main" val="1173055635"/>
+      </p:ext>
+    </p:extLst>
+  </p:cSld>
+  <p:clrMapOvr>
+    <a:masterClrMapping/>
+  </p:clrMapOvr>
+</p:sld>
+</file>
+
+<file path=ppt/slides/slide8.xml><?xml version="1.0" encoding="utf-8"?>
+<p:sld xmlns:a="http://schemas.openxmlformats.org/drawingml/2006/main" xmlns:r="http://schemas.openxmlformats.org/officeDocument/2006/relationships" xmlns:p="http://schemas.openxmlformats.org/presentationml/2006/main">
+  <p:cSld>
+    <p:spTree>
+      <p:nvGrpSpPr>
+        <p:cNvPr id="1" name=""/>
+        <p:cNvGrpSpPr/>
+        <p:nvPr/>
+      </p:nvGrpSpPr>
+      <p:grpSpPr>
+        <a:xfrm>
+          <a:off x="0" y="0"/>
+          <a:ext cx="0" cy="0"/>
+          <a:chOff x="0" y="0"/>
+          <a:chExt cx="0" cy="0"/>
+        </a:xfrm>
+      </p:grpSpPr>
+      <p:grpSp>
+        <p:nvGrpSpPr>
+          <p:cNvPr id="4" name="Group 3"/>
+          <p:cNvGrpSpPr/>
+          <p:nvPr/>
+        </p:nvGrpSpPr>
+        <p:grpSpPr>
+          <a:xfrm>
+            <a:off x="8460432" y="6237312"/>
+            <a:ext cx="216000" cy="216000"/>
+            <a:chOff x="2772000" y="1932221"/>
+            <a:chExt cx="2340000" cy="2340000"/>
+          </a:xfrm>
+        </p:grpSpPr>
+        <p:sp>
+          <p:nvSpPr>
+            <p:cNvPr id="5" name="Rectangle 4"/>
+            <p:cNvSpPr/>
+            <p:nvPr/>
+          </p:nvSpPr>
+          <p:spPr>
+            <a:xfrm>
+              <a:off x="2772000" y="1932221"/>
+              <a:ext cx="2340000" cy="2340000"/>
+            </a:xfrm>
+            <a:prstGeom prst="rect">
+              <a:avLst/>
+            </a:prstGeom>
+            <a:solidFill>
+              <a:schemeClr val="bg1">
+                <a:lumMod val="75000"/>
+              </a:schemeClr>
+            </a:solidFill>
+            <a:ln>
+              <a:noFill/>
+            </a:ln>
+          </p:spPr>
+          <p:style>
+            <a:lnRef idx="2">
+              <a:schemeClr val="accent1">
+                <a:shade val="50000"/>
+              </a:schemeClr>
+            </a:lnRef>
+            <a:fillRef idx="1">
+              <a:schemeClr val="accent1"/>
+            </a:fillRef>
+            <a:effectRef idx="0">
+              <a:schemeClr val="accent1"/>
+            </a:effectRef>
+            <a:fontRef idx="minor">
+              <a:schemeClr val="lt1"/>
+            </a:fontRef>
+          </p:style>
+          <p:txBody>
+            <a:bodyPr rtlCol="0" anchor="ctr"/>
+            <a:lstStyle/>
+            <a:p>
+              <a:pPr algn="ctr"/>
+              <a:endParaRPr lang="en-US">
+                <a:ln>
+                  <a:solidFill>
+                    <a:schemeClr val="bg2">
+                      <a:lumMod val="75000"/>
+                    </a:schemeClr>
+                  </a:solidFill>
+                </a:ln>
+                <a:solidFill>
+                  <a:schemeClr val="tx1"/>
+                </a:solidFill>
+              </a:endParaRPr>
+            </a:p>
+          </p:txBody>
+        </p:sp>
+        <p:sp>
+          <p:nvSpPr>
+            <p:cNvPr id="6" name="Rectangle 5"/>
+            <p:cNvSpPr/>
+            <p:nvPr/>
+          </p:nvSpPr>
+          <p:spPr>
+            <a:xfrm>
+              <a:off x="3546000" y="2706221"/>
+              <a:ext cx="792000" cy="792000"/>
+            </a:xfrm>
+            <a:prstGeom prst="rect">
+              <a:avLst/>
+            </a:prstGeom>
+            <a:solidFill>
+              <a:schemeClr val="bg1"/>
+            </a:solidFill>
+            <a:ln>
+              <a:noFill/>
+            </a:ln>
+          </p:spPr>
+          <p:style>
+            <a:lnRef idx="2">
+              <a:schemeClr val="accent1">
+                <a:shade val="50000"/>
+              </a:schemeClr>
+            </a:lnRef>
+            <a:fillRef idx="1">
+              <a:schemeClr val="accent1"/>
+            </a:fillRef>
+            <a:effectRef idx="0">
+              <a:schemeClr val="accent1"/>
+            </a:effectRef>
+            <a:fontRef idx="minor">
+              <a:schemeClr val="lt1"/>
+            </a:fontRef>
+          </p:style>
+          <p:txBody>
+            <a:bodyPr rtlCol="0" anchor="ctr"/>
+            <a:lstStyle/>
+            <a:p>
+              <a:pPr algn="ctr"/>
+              <a:endParaRPr lang="en-US">
+                <a:ln>
+                  <a:solidFill>
+                    <a:schemeClr val="bg2">
+                      <a:lumMod val="75000"/>
+                    </a:schemeClr>
+                  </a:solidFill>
+                </a:ln>
+                <a:solidFill>
+                  <a:schemeClr val="tx1"/>
+                </a:solidFill>
+              </a:endParaRPr>
+            </a:p>
+          </p:txBody>
+        </p:sp>
+      </p:grpSp>
+      <p:pic>
+        <p:nvPicPr>
+          <p:cNvPr id="2" name="Picture 1"/>
+          <p:cNvPicPr>
+            <a:picLocks noChangeAspect="1"/>
+          </p:cNvPicPr>
+          <p:nvPr/>
+        </p:nvPicPr>
+        <p:blipFill>
+          <a:blip r:embed="rId2" cstate="print">
+            <a:extLst>
+              <a:ext uri="{28A0092B-C50C-407E-A947-70E740481C1C}">
+                <a14:useLocalDpi xmlns:a14="http://schemas.microsoft.com/office/drawing/2010/main" val="0"/>
+              </a:ext>
+            </a:extLst>
+          </a:blip>
+          <a:stretch>
+            <a:fillRect/>
+          </a:stretch>
+        </p:blipFill>
+        <p:spPr>
+          <a:xfrm>
+            <a:off x="287524" y="260648"/>
+            <a:ext cx="1692188" cy="600822"/>
+          </a:xfrm>
+          <a:prstGeom prst="rect">
+            <a:avLst/>
+          </a:prstGeom>
+        </p:spPr>
+      </p:pic>
+      <p:sp>
+        <p:nvSpPr>
+          <p:cNvPr id="13" name="TextBox 12">
+            <a:extLst>
+              <a:ext uri="{FF2B5EF4-FFF2-40B4-BE49-F238E27FC236}">
+                <a16:creationId xmlns:a16="http://schemas.microsoft.com/office/drawing/2014/main" id="{649ECE41-5C33-D26B-835E-7DB29D4E17B8}"/>
+              </a:ext>
+            </a:extLst>
+          </p:cNvPr>
+          <p:cNvSpPr txBox="1"/>
+          <p:nvPr/>
+        </p:nvSpPr>
+        <p:spPr>
+          <a:xfrm>
+            <a:off x="457740" y="1101989"/>
+            <a:ext cx="4824206" cy="646331"/>
+          </a:xfrm>
+          <a:prstGeom prst="rect">
+            <a:avLst/>
+          </a:prstGeom>
+          <a:noFill/>
+        </p:spPr>
+        <p:txBody>
+          <a:bodyPr wrap="none" rtlCol="0">
+            <a:spAutoFit/>
+          </a:bodyPr>
+          <a:lstStyle/>
+          <a:p>
+            <a:r>
+              <a:rPr lang="ro-RO" sz="3600" dirty="0">
+                <a:latin typeface="UT Sans"/>
+              </a:rPr>
+              <a:t>Diagrama UML de actori</a:t>
+            </a:r>
+            <a:endParaRPr lang="en-US" sz="3600" dirty="0">
+              <a:latin typeface="UT Sans"/>
+            </a:endParaRPr>
+          </a:p>
+        </p:txBody>
+      </p:sp>
+      <p:pic>
+        <p:nvPicPr>
+          <p:cNvPr id="7" name="Picture 6">
+            <a:extLst>
+              <a:ext uri="{FF2B5EF4-FFF2-40B4-BE49-F238E27FC236}">
+                <a16:creationId xmlns:a16="http://schemas.microsoft.com/office/drawing/2014/main" id="{27B77C0D-C6F2-439B-5D27-16739C972303}"/>
+              </a:ext>
+            </a:extLst>
+          </p:cNvPr>
+          <p:cNvPicPr>
+            <a:picLocks noChangeAspect="1"/>
+          </p:cNvPicPr>
+          <p:nvPr/>
+        </p:nvPicPr>
+        <p:blipFill>
+          <a:blip r:embed="rId3" cstate="print">
+            <a:extLst>
+              <a:ext uri="{28A0092B-C50C-407E-A947-70E740481C1C}">
+                <a14:useLocalDpi xmlns:a14="http://schemas.microsoft.com/office/drawing/2010/main" val="0"/>
+              </a:ext>
+            </a:extLst>
+          </a:blip>
+          <a:srcRect/>
+          <a:stretch>
+            <a:fillRect/>
+          </a:stretch>
+        </p:blipFill>
+        <p:spPr bwMode="auto">
+          <a:xfrm>
+            <a:off x="1547664" y="1708666"/>
+            <a:ext cx="5915246" cy="4600092"/>
+          </a:xfrm>
+          <a:prstGeom prst="rect">
+            <a:avLst/>
+          </a:prstGeom>
+          <a:noFill/>
+          <a:ln>
+            <a:noFill/>
+          </a:ln>
+        </p:spPr>
+      </p:pic>
+    </p:spTree>
+    <p:extLst>
+      <p:ext uri="{BB962C8B-B14F-4D97-AF65-F5344CB8AC3E}">
+        <p14:creationId xmlns:p14="http://schemas.microsoft.com/office/powerpoint/2010/main" val="1074053174"/>
+      </p:ext>
+    </p:extLst>
+  </p:cSld>
+  <p:clrMapOvr>
+    <a:masterClrMapping/>
+  </p:clrMapOvr>
+</p:sld>
+</file>
+
+<file path=ppt/slides/slide9.xml><?xml version="1.0" encoding="utf-8"?>
+<p:sld xmlns:a="http://schemas.openxmlformats.org/drawingml/2006/main" xmlns:r="http://schemas.openxmlformats.org/officeDocument/2006/relationships" xmlns:p="http://schemas.openxmlformats.org/presentationml/2006/main">
+  <p:cSld>
+    <p:spTree>
+      <p:nvGrpSpPr>
+        <p:cNvPr id="1" name=""/>
+        <p:cNvGrpSpPr/>
+        <p:nvPr/>
+      </p:nvGrpSpPr>
+      <p:grpSpPr>
+        <a:xfrm>
+          <a:off x="0" y="0"/>
+          <a:ext cx="0" cy="0"/>
+          <a:chOff x="0" y="0"/>
+          <a:chExt cx="0" cy="0"/>
+        </a:xfrm>
+      </p:grpSpPr>
+      <p:grpSp>
+        <p:nvGrpSpPr>
+          <p:cNvPr id="4" name="Group 3"/>
+          <p:cNvGrpSpPr/>
+          <p:nvPr/>
+        </p:nvGrpSpPr>
+        <p:grpSpPr>
+          <a:xfrm>
+            <a:off x="8460432" y="6237312"/>
+            <a:ext cx="216000" cy="216000"/>
+            <a:chOff x="2772000" y="1932221"/>
+            <a:chExt cx="2340000" cy="2340000"/>
+          </a:xfrm>
+        </p:grpSpPr>
+        <p:sp>
+          <p:nvSpPr>
+            <p:cNvPr id="5" name="Rectangle 4"/>
+            <p:cNvSpPr/>
+            <p:nvPr/>
+          </p:nvSpPr>
+          <p:spPr>
+            <a:xfrm>
+              <a:off x="2772000" y="1932221"/>
+              <a:ext cx="2340000" cy="2340000"/>
+            </a:xfrm>
+            <a:prstGeom prst="rect">
+              <a:avLst/>
+            </a:prstGeom>
+            <a:solidFill>
+              <a:schemeClr val="bg1">
+                <a:lumMod val="75000"/>
+              </a:schemeClr>
+            </a:solidFill>
+            <a:ln>
+              <a:noFill/>
+            </a:ln>
+          </p:spPr>
+          <p:style>
+            <a:lnRef idx="2">
+              <a:schemeClr val="accent1">
+                <a:shade val="50000"/>
+              </a:schemeClr>
+            </a:lnRef>
+            <a:fillRef idx="1">
+              <a:schemeClr val="accent1"/>
+            </a:fillRef>
+            <a:effectRef idx="0">
+              <a:schemeClr val="accent1"/>
+            </a:effectRef>
+            <a:fontRef idx="minor">
+              <a:schemeClr val="lt1"/>
+            </a:fontRef>
+          </p:style>
+          <p:txBody>
+            <a:bodyPr rtlCol="0" anchor="ctr"/>
+            <a:lstStyle/>
+            <a:p>
+              <a:pPr algn="ctr"/>
+              <a:endParaRPr lang="en-US">
+                <a:ln>
+                  <a:solidFill>
+                    <a:schemeClr val="bg2">
+                      <a:lumMod val="75000"/>
+                    </a:schemeClr>
+                  </a:solidFill>
+                </a:ln>
+                <a:solidFill>
+                  <a:schemeClr val="tx1"/>
+                </a:solidFill>
+              </a:endParaRPr>
+            </a:p>
+          </p:txBody>
+        </p:sp>
+        <p:sp>
+          <p:nvSpPr>
+            <p:cNvPr id="6" name="Rectangle 5"/>
+            <p:cNvSpPr/>
+            <p:nvPr/>
+          </p:nvSpPr>
+          <p:spPr>
+            <a:xfrm>
+              <a:off x="3546000" y="2706221"/>
+              <a:ext cx="792000" cy="792000"/>
+            </a:xfrm>
+            <a:prstGeom prst="rect">
+              <a:avLst/>
+            </a:prstGeom>
+            <a:solidFill>
+              <a:schemeClr val="bg1"/>
+            </a:solidFill>
+            <a:ln>
+              <a:noFill/>
+            </a:ln>
+          </p:spPr>
+          <p:style>
+            <a:lnRef idx="2">
+              <a:schemeClr val="accent1">
+                <a:shade val="50000"/>
+              </a:schemeClr>
+            </a:lnRef>
+            <a:fillRef idx="1">
+              <a:schemeClr val="accent1"/>
+            </a:fillRef>
+            <a:effectRef idx="0">
+              <a:schemeClr val="accent1"/>
+            </a:effectRef>
+            <a:fontRef idx="minor">
+              <a:schemeClr val="lt1"/>
+            </a:fontRef>
+          </p:style>
+          <p:txBody>
+            <a:bodyPr rtlCol="0" anchor="ctr"/>
+            <a:lstStyle/>
+            <a:p>
+              <a:pPr algn="ctr"/>
+              <a:endParaRPr lang="en-US">
+                <a:ln>
+                  <a:solidFill>
+                    <a:schemeClr val="bg2">
+                      <a:lumMod val="75000"/>
+                    </a:schemeClr>
+                  </a:solidFill>
+                </a:ln>
+                <a:solidFill>
+                  <a:schemeClr val="tx1"/>
+                </a:solidFill>
+              </a:endParaRPr>
+            </a:p>
+          </p:txBody>
+        </p:sp>
+      </p:grpSp>
+      <p:pic>
+        <p:nvPicPr>
+          <p:cNvPr id="2" name="Picture 1"/>
+          <p:cNvPicPr>
+            <a:picLocks noChangeAspect="1"/>
+          </p:cNvPicPr>
+          <p:nvPr/>
+        </p:nvPicPr>
+        <p:blipFill>
+          <a:blip r:embed="rId2" cstate="print">
+            <a:extLst>
+              <a:ext uri="{28A0092B-C50C-407E-A947-70E740481C1C}">
+                <a14:useLocalDpi xmlns:a14="http://schemas.microsoft.com/office/drawing/2010/main" val="0"/>
+              </a:ext>
+            </a:extLst>
+          </a:blip>
+          <a:stretch>
+            <a:fillRect/>
+          </a:stretch>
+        </p:blipFill>
+        <p:spPr>
+          <a:xfrm>
+            <a:off x="287524" y="260648"/>
+            <a:ext cx="1692188" cy="600822"/>
+          </a:xfrm>
+          <a:prstGeom prst="rect">
+            <a:avLst/>
+          </a:prstGeom>
+        </p:spPr>
+      </p:pic>
+      <p:sp>
+        <p:nvSpPr>
+          <p:cNvPr id="13" name="TextBox 12">
+            <a:extLst>
+              <a:ext uri="{FF2B5EF4-FFF2-40B4-BE49-F238E27FC236}">
+                <a16:creationId xmlns:a16="http://schemas.microsoft.com/office/drawing/2014/main" id="{649ECE41-5C33-D26B-835E-7DB29D4E17B8}"/>
+              </a:ext>
+            </a:extLst>
+          </p:cNvPr>
+          <p:cNvSpPr txBox="1"/>
+          <p:nvPr/>
+        </p:nvSpPr>
+        <p:spPr>
+          <a:xfrm>
+            <a:off x="457740" y="1101989"/>
+            <a:ext cx="3865610" cy="646331"/>
+          </a:xfrm>
+          <a:prstGeom prst="rect">
+            <a:avLst/>
+          </a:prstGeom>
+          <a:noFill/>
+        </p:spPr>
+        <p:txBody>
+          <a:bodyPr wrap="none" rtlCol="0">
+            <a:spAutoFit/>
+          </a:bodyPr>
+          <a:lstStyle/>
+          <a:p>
+            <a:r>
+              <a:rPr lang="en-US" sz="3600" dirty="0" err="1"/>
+              <a:t>Beneficii</a:t>
+            </a:r>
+            <a:r>
+              <a:rPr lang="en-US" sz="3600" dirty="0"/>
+              <a:t> </a:t>
+            </a:r>
+            <a:r>
+              <a:rPr lang="en-US" sz="3600" dirty="0" err="1"/>
+              <a:t>și</a:t>
+            </a:r>
+            <a:r>
+              <a:rPr lang="en-US" sz="3600" dirty="0"/>
+              <a:t> </a:t>
+            </a:r>
+            <a:r>
+              <a:rPr lang="ro-RO" sz="3600" dirty="0"/>
+              <a:t>a</a:t>
+            </a:r>
+            <a:r>
+              <a:rPr lang="en-US" sz="3600" dirty="0" err="1"/>
+              <a:t>vantaje</a:t>
+            </a:r>
+            <a:endParaRPr lang="en-US" sz="3600" dirty="0">
+              <a:latin typeface="UT Sans"/>
+            </a:endParaRPr>
+          </a:p>
+        </p:txBody>
+      </p:sp>
+      <p:sp>
+        <p:nvSpPr>
+          <p:cNvPr id="3" name="TextBox 2">
+            <a:extLst>
+              <a:ext uri="{FF2B5EF4-FFF2-40B4-BE49-F238E27FC236}">
+                <a16:creationId xmlns:a16="http://schemas.microsoft.com/office/drawing/2014/main" id="{F7A177C1-1D4C-0D32-F44E-0C84D4FF1036}"/>
+              </a:ext>
+            </a:extLst>
+          </p:cNvPr>
+          <p:cNvSpPr txBox="1"/>
+          <p:nvPr/>
+        </p:nvSpPr>
+        <p:spPr>
+          <a:xfrm>
+            <a:off x="457740" y="1988840"/>
+            <a:ext cx="8064872" cy="5078313"/>
+          </a:xfrm>
+          <a:prstGeom prst="rect">
+            <a:avLst/>
+          </a:prstGeom>
+          <a:noFill/>
+        </p:spPr>
+        <p:txBody>
+          <a:bodyPr wrap="square" rtlCol="0">
+            <a:spAutoFit/>
+          </a:bodyPr>
+          <a:lstStyle/>
+          <a:p>
+            <a:pPr marL="342900" indent="-342900" algn="just">
+              <a:buBlip>
+                <a:blip r:embed="rId3"/>
+              </a:buBlip>
+            </a:pPr>
+            <a:r>
+              <a:rPr lang="en-US" dirty="0" err="1"/>
+              <a:t>Performanță</a:t>
+            </a:r>
+            <a:r>
+              <a:rPr lang="en-US" dirty="0"/>
+              <a:t> </a:t>
+            </a:r>
+            <a:r>
+              <a:rPr lang="en-US" dirty="0" err="1"/>
+              <a:t>superioară</a:t>
+            </a:r>
+            <a:r>
+              <a:rPr lang="en-US" dirty="0"/>
+              <a:t>: </a:t>
+            </a:r>
+            <a:r>
+              <a:rPr lang="en-US" dirty="0" err="1"/>
+              <a:t>Spre</a:t>
+            </a:r>
+            <a:r>
+              <a:rPr lang="en-US" dirty="0"/>
+              <a:t> </a:t>
+            </a:r>
+            <a:r>
+              <a:rPr lang="en-US" dirty="0" err="1"/>
+              <a:t>deosebire</a:t>
+            </a:r>
+            <a:r>
+              <a:rPr lang="en-US" dirty="0"/>
+              <a:t> de </a:t>
+            </a:r>
+            <a:r>
+              <a:rPr lang="en-US" dirty="0" err="1"/>
+              <a:t>alte</a:t>
+            </a:r>
+            <a:r>
+              <a:rPr lang="en-US" dirty="0"/>
+              <a:t> </a:t>
+            </a:r>
+            <a:r>
+              <a:rPr lang="en-US" dirty="0" err="1"/>
+              <a:t>aplicații</a:t>
+            </a:r>
+            <a:r>
+              <a:rPr lang="en-US" dirty="0"/>
+              <a:t> care </a:t>
+            </a:r>
+            <a:r>
+              <a:rPr lang="en-US" dirty="0" err="1"/>
+              <a:t>generează</a:t>
+            </a:r>
+            <a:r>
+              <a:rPr lang="en-US" dirty="0"/>
+              <a:t> </a:t>
+            </a:r>
+            <a:r>
+              <a:rPr lang="en-US" dirty="0" err="1"/>
+              <a:t>documente</a:t>
+            </a:r>
+            <a:r>
+              <a:rPr lang="en-US" dirty="0"/>
+              <a:t> </a:t>
+            </a:r>
+            <a:r>
+              <a:rPr lang="en-US" dirty="0" err="1"/>
+              <a:t>în</a:t>
+            </a:r>
+            <a:r>
+              <a:rPr lang="en-US" dirty="0"/>
+              <a:t> HTML </a:t>
+            </a:r>
+            <a:r>
+              <a:rPr lang="en-US" dirty="0" err="1"/>
+              <a:t>și</a:t>
+            </a:r>
+            <a:r>
+              <a:rPr lang="en-US" dirty="0"/>
+              <a:t> </a:t>
+            </a:r>
+            <a:r>
+              <a:rPr lang="en-US" dirty="0" err="1"/>
+              <a:t>apoi</a:t>
+            </a:r>
+            <a:r>
+              <a:rPr lang="en-US" dirty="0"/>
+              <a:t> le </a:t>
+            </a:r>
+            <a:r>
+              <a:rPr lang="en-US" dirty="0" err="1"/>
+              <a:t>convertesc</a:t>
+            </a:r>
+            <a:r>
+              <a:rPr lang="en-US" dirty="0"/>
+              <a:t> </a:t>
+            </a:r>
+            <a:r>
+              <a:rPr lang="en-US" dirty="0" err="1"/>
+              <a:t>în</a:t>
+            </a:r>
+            <a:r>
+              <a:rPr lang="en-US" dirty="0"/>
+              <a:t> PDF, </a:t>
+            </a:r>
+            <a:r>
+              <a:rPr lang="en-US" dirty="0" err="1"/>
+              <a:t>InvoiceJet</a:t>
+            </a:r>
+            <a:r>
+              <a:rPr lang="en-US" dirty="0"/>
+              <a:t> </a:t>
+            </a:r>
+            <a:r>
+              <a:rPr lang="en-US" dirty="0" err="1"/>
+              <a:t>convertește</a:t>
+            </a:r>
+            <a:r>
+              <a:rPr lang="en-US" dirty="0"/>
+              <a:t> direct </a:t>
+            </a:r>
+            <a:r>
+              <a:rPr lang="en-US" dirty="0" err="1"/>
+              <a:t>în</a:t>
+            </a:r>
+            <a:r>
+              <a:rPr lang="en-US" dirty="0"/>
+              <a:t> PDF </a:t>
+            </a:r>
+            <a:r>
+              <a:rPr lang="en-US" dirty="0" err="1"/>
+              <a:t>și</a:t>
+            </a:r>
+            <a:r>
+              <a:rPr lang="en-US" dirty="0"/>
+              <a:t> face embed cu </a:t>
+            </a:r>
+            <a:r>
+              <a:rPr lang="en-US" dirty="0" err="1"/>
+              <a:t>iframe</a:t>
+            </a:r>
+            <a:r>
+              <a:rPr lang="en-US" dirty="0"/>
+              <a:t>, </a:t>
+            </a:r>
+            <a:r>
+              <a:rPr lang="en-US" dirty="0" err="1"/>
+              <a:t>oferind</a:t>
+            </a:r>
+            <a:r>
+              <a:rPr lang="en-US" dirty="0"/>
+              <a:t> </a:t>
+            </a:r>
+            <a:r>
+              <a:rPr lang="en-US" dirty="0" err="1"/>
+              <a:t>oferind</a:t>
+            </a:r>
+            <a:r>
+              <a:rPr lang="en-US" dirty="0"/>
+              <a:t> o </a:t>
+            </a:r>
+            <a:r>
+              <a:rPr lang="en-US" dirty="0" err="1"/>
+              <a:t>performanță</a:t>
+            </a:r>
+            <a:r>
+              <a:rPr lang="en-US" dirty="0"/>
+              <a:t> </a:t>
+            </a:r>
+            <a:r>
+              <a:rPr lang="en-US" dirty="0" err="1"/>
+              <a:t>mai</a:t>
+            </a:r>
+            <a:r>
+              <a:rPr lang="en-US" dirty="0"/>
+              <a:t> </a:t>
+            </a:r>
+            <a:r>
+              <a:rPr lang="en-US" dirty="0" err="1"/>
+              <a:t>bună</a:t>
+            </a:r>
+            <a:r>
+              <a:rPr lang="ro-RO" dirty="0"/>
+              <a:t> și un timp de previzualizare mai rapid.</a:t>
+            </a:r>
+          </a:p>
+          <a:p>
+            <a:pPr algn="just"/>
+            <a:endParaRPr lang="ro-RO" dirty="0"/>
+          </a:p>
+          <a:p>
+            <a:pPr marL="342900" indent="-342900" algn="just">
+              <a:buBlip>
+                <a:blip r:embed="rId3"/>
+              </a:buBlip>
+            </a:pPr>
+            <a:r>
+              <a:rPr lang="en-US" dirty="0" err="1">
+                <a:latin typeface="UT Sans"/>
+              </a:rPr>
+              <a:t>Editare</a:t>
+            </a:r>
+            <a:r>
+              <a:rPr lang="ro-RO" dirty="0">
+                <a:latin typeface="UT Sans"/>
+              </a:rPr>
+              <a:t>/previzualizare</a:t>
+            </a:r>
+            <a:r>
+              <a:rPr lang="en-US" dirty="0">
+                <a:latin typeface="UT Sans"/>
+              </a:rPr>
+              <a:t> </a:t>
+            </a:r>
+            <a:r>
+              <a:rPr lang="en-US" dirty="0" err="1">
+                <a:latin typeface="UT Sans"/>
+              </a:rPr>
+              <a:t>facturi</a:t>
+            </a:r>
+            <a:r>
+              <a:rPr lang="en-US" dirty="0">
+                <a:latin typeface="UT Sans"/>
+              </a:rPr>
+              <a:t> </a:t>
+            </a:r>
+            <a:r>
+              <a:rPr lang="en-US" dirty="0" err="1">
+                <a:latin typeface="UT Sans"/>
+              </a:rPr>
+              <a:t>emise</a:t>
+            </a:r>
+            <a:r>
+              <a:rPr lang="en-US" dirty="0">
+                <a:latin typeface="UT Sans"/>
+              </a:rPr>
+              <a:t>: </a:t>
+            </a:r>
+            <a:r>
+              <a:rPr lang="en-US" dirty="0" err="1">
+                <a:latin typeface="UT Sans"/>
+              </a:rPr>
+              <a:t>Oferă</a:t>
+            </a:r>
+            <a:r>
+              <a:rPr lang="en-US" dirty="0">
+                <a:latin typeface="UT Sans"/>
+              </a:rPr>
+              <a:t> </a:t>
+            </a:r>
+            <a:r>
+              <a:rPr lang="en-US" dirty="0" err="1">
+                <a:latin typeface="UT Sans"/>
+              </a:rPr>
+              <a:t>posibilitatea</a:t>
+            </a:r>
+            <a:r>
+              <a:rPr lang="en-US" dirty="0">
+                <a:latin typeface="UT Sans"/>
+              </a:rPr>
+              <a:t> de a </a:t>
+            </a:r>
+            <a:r>
+              <a:rPr lang="en-US" dirty="0" err="1">
+                <a:latin typeface="UT Sans"/>
+              </a:rPr>
+              <a:t>edita</a:t>
+            </a:r>
+            <a:r>
+              <a:rPr lang="en-US" dirty="0">
+                <a:latin typeface="UT Sans"/>
+              </a:rPr>
+              <a:t> </a:t>
+            </a:r>
+            <a:r>
+              <a:rPr lang="en-US" dirty="0" err="1">
+                <a:latin typeface="UT Sans"/>
+              </a:rPr>
+              <a:t>facturile</a:t>
+            </a:r>
+            <a:r>
+              <a:rPr lang="en-US" dirty="0">
+                <a:latin typeface="UT Sans"/>
+              </a:rPr>
+              <a:t> </a:t>
+            </a:r>
+            <a:r>
+              <a:rPr lang="en-US" dirty="0" err="1">
+                <a:latin typeface="UT Sans"/>
+              </a:rPr>
+              <a:t>chiar</a:t>
+            </a:r>
+            <a:r>
+              <a:rPr lang="en-US" dirty="0">
+                <a:latin typeface="UT Sans"/>
+              </a:rPr>
+              <a:t> </a:t>
+            </a:r>
+            <a:r>
+              <a:rPr lang="en-US" dirty="0" err="1">
+                <a:latin typeface="UT Sans"/>
+              </a:rPr>
+              <a:t>și</a:t>
+            </a:r>
+            <a:r>
+              <a:rPr lang="en-US" dirty="0">
+                <a:latin typeface="UT Sans"/>
+              </a:rPr>
+              <a:t> </a:t>
+            </a:r>
+            <a:r>
+              <a:rPr lang="en-US" dirty="0" err="1">
+                <a:latin typeface="UT Sans"/>
+              </a:rPr>
+              <a:t>după</a:t>
+            </a:r>
+            <a:r>
+              <a:rPr lang="en-US" dirty="0">
+                <a:latin typeface="UT Sans"/>
+              </a:rPr>
+              <a:t> </a:t>
+            </a:r>
+            <a:r>
+              <a:rPr lang="en-US" dirty="0" err="1">
+                <a:latin typeface="UT Sans"/>
+              </a:rPr>
+              <a:t>ce</a:t>
+            </a:r>
+            <a:r>
+              <a:rPr lang="en-US" dirty="0">
+                <a:latin typeface="UT Sans"/>
+              </a:rPr>
+              <a:t> au </a:t>
+            </a:r>
+            <a:r>
+              <a:rPr lang="en-US" dirty="0" err="1">
+                <a:latin typeface="UT Sans"/>
+              </a:rPr>
+              <a:t>fost</a:t>
+            </a:r>
+            <a:r>
+              <a:rPr lang="en-US" dirty="0">
+                <a:latin typeface="UT Sans"/>
+              </a:rPr>
+              <a:t> </a:t>
+            </a:r>
+            <a:r>
+              <a:rPr lang="en-US" dirty="0" err="1">
+                <a:latin typeface="UT Sans"/>
+              </a:rPr>
+              <a:t>emise</a:t>
+            </a:r>
+            <a:r>
+              <a:rPr lang="en-US" dirty="0">
+                <a:latin typeface="UT Sans"/>
+              </a:rPr>
+              <a:t>.</a:t>
+            </a:r>
+            <a:r>
+              <a:rPr lang="ro-RO" dirty="0">
+                <a:latin typeface="UT Sans"/>
+              </a:rPr>
+              <a:t> Oferă posibilitatea de previzualizare a facturii, înainte ca aceasta să fie actualizată.</a:t>
+            </a:r>
+          </a:p>
+          <a:p>
+            <a:pPr algn="just"/>
+            <a:endParaRPr lang="ro-RO" dirty="0">
+              <a:latin typeface="UT Sans"/>
+            </a:endParaRPr>
+          </a:p>
+          <a:p>
+            <a:pPr marL="342900" indent="-342900" algn="just">
+              <a:buBlip>
+                <a:blip r:embed="rId3"/>
+              </a:buBlip>
+            </a:pPr>
+            <a:r>
+              <a:rPr lang="en-US" dirty="0" err="1"/>
+              <a:t>Aplicație</a:t>
+            </a:r>
+            <a:r>
+              <a:rPr lang="en-US" dirty="0"/>
+              <a:t> Single Page (SPA): </a:t>
+            </a:r>
+            <a:r>
+              <a:rPr lang="en-US" dirty="0" err="1"/>
+              <a:t>InvoiceJet</a:t>
+            </a:r>
+            <a:r>
+              <a:rPr lang="en-US" dirty="0"/>
+              <a:t> </a:t>
+            </a:r>
+            <a:r>
+              <a:rPr lang="en-US" dirty="0" err="1"/>
+              <a:t>este</a:t>
+            </a:r>
+            <a:r>
+              <a:rPr lang="en-US" dirty="0"/>
+              <a:t> o </a:t>
+            </a:r>
+            <a:r>
+              <a:rPr lang="en-US" dirty="0" err="1"/>
+              <a:t>aplicație</a:t>
+            </a:r>
+            <a:r>
+              <a:rPr lang="en-US" dirty="0"/>
+              <a:t> de tip SPA, </a:t>
+            </a:r>
+            <a:r>
+              <a:rPr lang="en-US" dirty="0" err="1"/>
+              <a:t>spre</a:t>
+            </a:r>
+            <a:r>
+              <a:rPr lang="en-US" dirty="0"/>
+              <a:t> </a:t>
+            </a:r>
+            <a:r>
+              <a:rPr lang="en-US" dirty="0" err="1"/>
+              <a:t>deosebire</a:t>
+            </a:r>
+            <a:r>
+              <a:rPr lang="en-US" dirty="0"/>
+              <a:t> de </a:t>
+            </a:r>
+            <a:r>
+              <a:rPr lang="en-US" dirty="0" err="1"/>
+              <a:t>multe</a:t>
+            </a:r>
+            <a:r>
+              <a:rPr lang="en-US" dirty="0"/>
+              <a:t> </a:t>
+            </a:r>
+            <a:r>
+              <a:rPr lang="en-US" dirty="0" err="1"/>
+              <a:t>alte</a:t>
+            </a:r>
+            <a:r>
+              <a:rPr lang="en-US" dirty="0"/>
+              <a:t> </a:t>
+            </a:r>
+            <a:r>
+              <a:rPr lang="en-US" dirty="0" err="1"/>
+              <a:t>aplicații</a:t>
+            </a:r>
+            <a:r>
+              <a:rPr lang="en-US" dirty="0"/>
+              <a:t> de pe </a:t>
+            </a:r>
+            <a:r>
+              <a:rPr lang="en-US" dirty="0" err="1"/>
+              <a:t>piață</a:t>
+            </a:r>
+            <a:r>
+              <a:rPr lang="en-US" dirty="0"/>
+              <a:t>, </a:t>
+            </a:r>
+            <a:r>
+              <a:rPr lang="en-US" dirty="0" err="1"/>
+              <a:t>asigurând</a:t>
+            </a:r>
+            <a:r>
+              <a:rPr lang="en-US" dirty="0"/>
+              <a:t> o </a:t>
+            </a:r>
+            <a:r>
+              <a:rPr lang="en-US" dirty="0" err="1"/>
+              <a:t>experiență</a:t>
+            </a:r>
+            <a:r>
+              <a:rPr lang="en-US" dirty="0"/>
+              <a:t> de </a:t>
+            </a:r>
+            <a:r>
+              <a:rPr lang="en-US" dirty="0" err="1"/>
+              <a:t>utilizare</a:t>
+            </a:r>
+            <a:r>
+              <a:rPr lang="en-US" dirty="0"/>
+              <a:t> </a:t>
+            </a:r>
+            <a:r>
+              <a:rPr lang="en-US" dirty="0" err="1"/>
+              <a:t>fluidă</a:t>
+            </a:r>
+            <a:r>
+              <a:rPr lang="en-US" dirty="0"/>
+              <a:t> </a:t>
+            </a:r>
+            <a:r>
+              <a:rPr lang="en-US" dirty="0" err="1"/>
+              <a:t>și</a:t>
+            </a:r>
+            <a:r>
+              <a:rPr lang="en-US" dirty="0"/>
+              <a:t> </a:t>
+            </a:r>
+            <a:r>
+              <a:rPr lang="en-US" dirty="0" err="1"/>
+              <a:t>rapidă</a:t>
+            </a:r>
+            <a:r>
+              <a:rPr lang="ro-RO" dirty="0"/>
+              <a:t>, fără reîncarcare paginii la schimbarea rutei.</a:t>
+            </a:r>
+          </a:p>
+          <a:p>
+            <a:pPr algn="just"/>
+            <a:endParaRPr lang="ro-RO" dirty="0">
+              <a:latin typeface="UT Sans"/>
+            </a:endParaRPr>
+          </a:p>
+          <a:p>
+            <a:pPr marL="342900" indent="-342900" algn="just">
+              <a:buBlip>
+                <a:blip r:embed="rId3"/>
+              </a:buBlip>
+            </a:pPr>
+            <a:r>
+              <a:rPr lang="ro-RO" dirty="0">
+                <a:latin typeface="UT Sans"/>
+              </a:rPr>
+              <a:t>Acuratețea datelor financiare</a:t>
+            </a:r>
+            <a:r>
+              <a:rPr lang="en-US" dirty="0">
+                <a:latin typeface="UT Sans"/>
+              </a:rPr>
+              <a:t>: </a:t>
+            </a:r>
+            <a:r>
+              <a:rPr lang="ro-RO" dirty="0">
+                <a:latin typeface="UT Sans"/>
+              </a:rPr>
+              <a:t>Datele formelor juridice pot fi populate cu ajutorul API-ului oferit de ANAF, care conține date specifice necesare pentru completarea datelor furnizorilor, cât și a clienților specificând doar câmpul CUI.</a:t>
+            </a:r>
+            <a:r>
+              <a:rPr lang="en-US" dirty="0">
+                <a:latin typeface="UT Sans"/>
+              </a:rPr>
+              <a:t>	</a:t>
+            </a:r>
+            <a:endParaRPr lang="ro-RO" dirty="0">
+              <a:latin typeface="UT Sans"/>
+            </a:endParaRPr>
+          </a:p>
+          <a:p>
+            <a:pPr algn="just"/>
+            <a:r>
+              <a:rPr lang="ro-RO" dirty="0">
+                <a:latin typeface="UT Sans"/>
+              </a:rPr>
+              <a:t>	</a:t>
+            </a:r>
+            <a:endParaRPr lang="en-US" dirty="0">
+              <a:latin typeface="UT Sans"/>
+            </a:endParaRPr>
+          </a:p>
+          <a:p>
+            <a:pPr algn="just"/>
+            <a:r>
+              <a:rPr lang="en-US" dirty="0">
+                <a:latin typeface="UT Sans"/>
+              </a:rPr>
+              <a:t>       </a:t>
+            </a:r>
+            <a:endParaRPr lang="ro-RO" dirty="0">
+              <a:latin typeface="UT Sans"/>
+            </a:endParaRPr>
+          </a:p>
+        </p:txBody>
+      </p:sp>
+    </p:spTree>
+    <p:extLst>
+      <p:ext uri="{BB962C8B-B14F-4D97-AF65-F5344CB8AC3E}">
+        <p14:creationId xmlns:p14="http://schemas.microsoft.com/office/powerpoint/2010/main" val="79503179"/>
       </p:ext>
     </p:extLst>
   </p:cSld>

--- a/Prezentare_Hosszu_Zsolt.pptx
+++ b/Prezentare_Hosszu_Zsolt.pptx
@@ -263,7 +263,7 @@
           <a:p>
             <a:fld id="{842CD987-D5F0-423A-B571-656612AAA3E1}" type="datetimeFigureOut">
               <a:rPr lang="en-US" smtClean="0"/>
-              <a:t>6/24/2024</a:t>
+              <a:t>6/25/2024</a:t>
             </a:fld>
             <a:endParaRPr lang="en-US"/>
           </a:p>
@@ -426,7 +426,7 @@
           <a:p>
             <a:fld id="{842CD987-D5F0-423A-B571-656612AAA3E1}" type="datetimeFigureOut">
               <a:rPr lang="en-US" smtClean="0"/>
-              <a:t>6/24/2024</a:t>
+              <a:t>6/25/2024</a:t>
             </a:fld>
             <a:endParaRPr lang="en-US"/>
           </a:p>
@@ -599,7 +599,7 @@
           <a:p>
             <a:fld id="{842CD987-D5F0-423A-B571-656612AAA3E1}" type="datetimeFigureOut">
               <a:rPr lang="en-US" smtClean="0"/>
-              <a:t>6/24/2024</a:t>
+              <a:t>6/25/2024</a:t>
             </a:fld>
             <a:endParaRPr lang="en-US"/>
           </a:p>
@@ -762,7 +762,7 @@
           <a:p>
             <a:fld id="{842CD987-D5F0-423A-B571-656612AAA3E1}" type="datetimeFigureOut">
               <a:rPr lang="en-US" smtClean="0"/>
-              <a:t>6/24/2024</a:t>
+              <a:t>6/25/2024</a:t>
             </a:fld>
             <a:endParaRPr lang="en-US"/>
           </a:p>
@@ -1002,7 +1002,7 @@
           <a:p>
             <a:fld id="{842CD987-D5F0-423A-B571-656612AAA3E1}" type="datetimeFigureOut">
               <a:rPr lang="en-US" smtClean="0"/>
-              <a:t>6/24/2024</a:t>
+              <a:t>6/25/2024</a:t>
             </a:fld>
             <a:endParaRPr lang="en-US"/>
           </a:p>
@@ -1226,7 +1226,7 @@
           <a:p>
             <a:fld id="{842CD987-D5F0-423A-B571-656612AAA3E1}" type="datetimeFigureOut">
               <a:rPr lang="en-US" smtClean="0"/>
-              <a:t>6/24/2024</a:t>
+              <a:t>6/25/2024</a:t>
             </a:fld>
             <a:endParaRPr lang="en-US"/>
           </a:p>
@@ -1585,7 +1585,7 @@
           <a:p>
             <a:fld id="{842CD987-D5F0-423A-B571-656612AAA3E1}" type="datetimeFigureOut">
               <a:rPr lang="en-US" smtClean="0"/>
-              <a:t>6/24/2024</a:t>
+              <a:t>6/25/2024</a:t>
             </a:fld>
             <a:endParaRPr lang="en-US"/>
           </a:p>
@@ -1697,7 +1697,7 @@
           <a:p>
             <a:fld id="{842CD987-D5F0-423A-B571-656612AAA3E1}" type="datetimeFigureOut">
               <a:rPr lang="en-US" smtClean="0"/>
-              <a:t>6/24/2024</a:t>
+              <a:t>6/25/2024</a:t>
             </a:fld>
             <a:endParaRPr lang="en-US"/>
           </a:p>
@@ -1787,7 +1787,7 @@
           <a:p>
             <a:fld id="{842CD987-D5F0-423A-B571-656612AAA3E1}" type="datetimeFigureOut">
               <a:rPr lang="en-US" smtClean="0"/>
-              <a:t>6/24/2024</a:t>
+              <a:t>6/25/2024</a:t>
             </a:fld>
             <a:endParaRPr lang="en-US"/>
           </a:p>
@@ -2057,7 +2057,7 @@
           <a:p>
             <a:fld id="{842CD987-D5F0-423A-B571-656612AAA3E1}" type="datetimeFigureOut">
               <a:rPr lang="en-US" smtClean="0"/>
-              <a:t>6/24/2024</a:t>
+              <a:t>6/25/2024</a:t>
             </a:fld>
             <a:endParaRPr lang="en-US"/>
           </a:p>
@@ -2304,7 +2304,7 @@
           <a:p>
             <a:fld id="{842CD987-D5F0-423A-B571-656612AAA3E1}" type="datetimeFigureOut">
               <a:rPr lang="en-US" smtClean="0"/>
-              <a:t>6/24/2024</a:t>
+              <a:t>6/25/2024</a:t>
             </a:fld>
             <a:endParaRPr lang="en-US"/>
           </a:p>
@@ -2515,7 +2515,7 @@
           <a:p>
             <a:fld id="{842CD987-D5F0-423A-B571-656612AAA3E1}" type="datetimeFigureOut">
               <a:rPr lang="en-US" smtClean="0"/>
-              <a:t>6/24/2024</a:t>
+              <a:t>6/25/2024</a:t>
             </a:fld>
             <a:endParaRPr lang="en-US"/>
           </a:p>
@@ -4115,7 +4115,7 @@
         </p:nvSpPr>
         <p:spPr>
           <a:xfrm>
-            <a:off x="3167844" y="2888940"/>
+            <a:off x="3167844" y="2924944"/>
             <a:ext cx="2986587" cy="646331"/>
           </a:xfrm>
           <a:prstGeom prst="rect">

--- a/Prezentare_Hosszu_Zsolt.pptx
+++ b/Prezentare_Hosszu_Zsolt.pptx
@@ -13,10 +13,11 @@
     <p:sldId id="264" r:id="rId7"/>
     <p:sldId id="263" r:id="rId8"/>
     <p:sldId id="265" r:id="rId9"/>
-    <p:sldId id="266" r:id="rId10"/>
-    <p:sldId id="267" r:id="rId11"/>
-    <p:sldId id="269" r:id="rId12"/>
-    <p:sldId id="268" r:id="rId13"/>
+    <p:sldId id="270" r:id="rId10"/>
+    <p:sldId id="266" r:id="rId11"/>
+    <p:sldId id="267" r:id="rId12"/>
+    <p:sldId id="269" r:id="rId13"/>
+    <p:sldId id="268" r:id="rId14"/>
   </p:sldIdLst>
   <p:sldSz cx="9144000" cy="6858000" type="screen4x3"/>
   <p:notesSz cx="6858000" cy="9144000"/>
@@ -4115,6 +4116,859 @@
         </p:nvSpPr>
         <p:spPr>
           <a:xfrm>
+            <a:off x="457740" y="1101989"/>
+            <a:ext cx="3865610" cy="646331"/>
+          </a:xfrm>
+          <a:prstGeom prst="rect">
+            <a:avLst/>
+          </a:prstGeom>
+          <a:noFill/>
+        </p:spPr>
+        <p:txBody>
+          <a:bodyPr wrap="none" rtlCol="0">
+            <a:spAutoFit/>
+          </a:bodyPr>
+          <a:lstStyle/>
+          <a:p>
+            <a:r>
+              <a:rPr lang="en-US" sz="3600" dirty="0" err="1"/>
+              <a:t>Beneficii</a:t>
+            </a:r>
+            <a:r>
+              <a:rPr lang="en-US" sz="3600" dirty="0"/>
+              <a:t> </a:t>
+            </a:r>
+            <a:r>
+              <a:rPr lang="en-US" sz="3600" dirty="0" err="1"/>
+              <a:t>și</a:t>
+            </a:r>
+            <a:r>
+              <a:rPr lang="en-US" sz="3600" dirty="0"/>
+              <a:t> </a:t>
+            </a:r>
+            <a:r>
+              <a:rPr lang="ro-RO" sz="3600" dirty="0"/>
+              <a:t>a</a:t>
+            </a:r>
+            <a:r>
+              <a:rPr lang="en-US" sz="3600" dirty="0" err="1"/>
+              <a:t>vantaje</a:t>
+            </a:r>
+            <a:endParaRPr lang="en-US" sz="3600" dirty="0">
+              <a:latin typeface="UT Sans"/>
+            </a:endParaRPr>
+          </a:p>
+        </p:txBody>
+      </p:sp>
+      <p:sp>
+        <p:nvSpPr>
+          <p:cNvPr id="3" name="TextBox 2">
+            <a:extLst>
+              <a:ext uri="{FF2B5EF4-FFF2-40B4-BE49-F238E27FC236}">
+                <a16:creationId xmlns:a16="http://schemas.microsoft.com/office/drawing/2014/main" id="{F7A177C1-1D4C-0D32-F44E-0C84D4FF1036}"/>
+              </a:ext>
+            </a:extLst>
+          </p:cNvPr>
+          <p:cNvSpPr txBox="1"/>
+          <p:nvPr/>
+        </p:nvSpPr>
+        <p:spPr>
+          <a:xfrm>
+            <a:off x="457740" y="1988840"/>
+            <a:ext cx="8064872" cy="5078313"/>
+          </a:xfrm>
+          <a:prstGeom prst="rect">
+            <a:avLst/>
+          </a:prstGeom>
+          <a:noFill/>
+        </p:spPr>
+        <p:txBody>
+          <a:bodyPr wrap="square" rtlCol="0">
+            <a:spAutoFit/>
+          </a:bodyPr>
+          <a:lstStyle/>
+          <a:p>
+            <a:pPr marL="342900" indent="-342900" algn="just">
+              <a:buBlip>
+                <a:blip r:embed="rId3"/>
+              </a:buBlip>
+            </a:pPr>
+            <a:r>
+              <a:rPr lang="en-US" dirty="0" err="1"/>
+              <a:t>Performanță</a:t>
+            </a:r>
+            <a:r>
+              <a:rPr lang="en-US" dirty="0"/>
+              <a:t> </a:t>
+            </a:r>
+            <a:r>
+              <a:rPr lang="en-US" dirty="0" err="1"/>
+              <a:t>superioară</a:t>
+            </a:r>
+            <a:r>
+              <a:rPr lang="en-US" dirty="0"/>
+              <a:t>: </a:t>
+            </a:r>
+            <a:r>
+              <a:rPr lang="en-US" dirty="0" err="1"/>
+              <a:t>Spre</a:t>
+            </a:r>
+            <a:r>
+              <a:rPr lang="en-US" dirty="0"/>
+              <a:t> </a:t>
+            </a:r>
+            <a:r>
+              <a:rPr lang="en-US" dirty="0" err="1"/>
+              <a:t>deosebire</a:t>
+            </a:r>
+            <a:r>
+              <a:rPr lang="en-US" dirty="0"/>
+              <a:t> de </a:t>
+            </a:r>
+            <a:r>
+              <a:rPr lang="en-US" dirty="0" err="1"/>
+              <a:t>alte</a:t>
+            </a:r>
+            <a:r>
+              <a:rPr lang="en-US" dirty="0"/>
+              <a:t> </a:t>
+            </a:r>
+            <a:r>
+              <a:rPr lang="en-US" dirty="0" err="1"/>
+              <a:t>aplicații</a:t>
+            </a:r>
+            <a:r>
+              <a:rPr lang="en-US" dirty="0"/>
+              <a:t> care </a:t>
+            </a:r>
+            <a:r>
+              <a:rPr lang="en-US" dirty="0" err="1"/>
+              <a:t>generează</a:t>
+            </a:r>
+            <a:r>
+              <a:rPr lang="en-US" dirty="0"/>
+              <a:t> </a:t>
+            </a:r>
+            <a:r>
+              <a:rPr lang="en-US" dirty="0" err="1"/>
+              <a:t>documente</a:t>
+            </a:r>
+            <a:r>
+              <a:rPr lang="en-US" dirty="0"/>
+              <a:t> </a:t>
+            </a:r>
+            <a:r>
+              <a:rPr lang="en-US" dirty="0" err="1"/>
+              <a:t>în</a:t>
+            </a:r>
+            <a:r>
+              <a:rPr lang="en-US" dirty="0"/>
+              <a:t> HTML </a:t>
+            </a:r>
+            <a:r>
+              <a:rPr lang="en-US" dirty="0" err="1"/>
+              <a:t>și</a:t>
+            </a:r>
+            <a:r>
+              <a:rPr lang="en-US" dirty="0"/>
+              <a:t> </a:t>
+            </a:r>
+            <a:r>
+              <a:rPr lang="en-US" dirty="0" err="1"/>
+              <a:t>apoi</a:t>
+            </a:r>
+            <a:r>
+              <a:rPr lang="en-US" dirty="0"/>
+              <a:t> le </a:t>
+            </a:r>
+            <a:r>
+              <a:rPr lang="en-US" dirty="0" err="1"/>
+              <a:t>convertesc</a:t>
+            </a:r>
+            <a:r>
+              <a:rPr lang="en-US" dirty="0"/>
+              <a:t> </a:t>
+            </a:r>
+            <a:r>
+              <a:rPr lang="en-US" dirty="0" err="1"/>
+              <a:t>în</a:t>
+            </a:r>
+            <a:r>
+              <a:rPr lang="en-US" dirty="0"/>
+              <a:t> PDF, </a:t>
+            </a:r>
+            <a:r>
+              <a:rPr lang="en-US" dirty="0" err="1"/>
+              <a:t>InvoiceJet</a:t>
+            </a:r>
+            <a:r>
+              <a:rPr lang="en-US" dirty="0"/>
+              <a:t> </a:t>
+            </a:r>
+            <a:r>
+              <a:rPr lang="en-US" dirty="0" err="1"/>
+              <a:t>convertește</a:t>
+            </a:r>
+            <a:r>
+              <a:rPr lang="en-US" dirty="0"/>
+              <a:t> direct </a:t>
+            </a:r>
+            <a:r>
+              <a:rPr lang="en-US" dirty="0" err="1"/>
+              <a:t>în</a:t>
+            </a:r>
+            <a:r>
+              <a:rPr lang="en-US" dirty="0"/>
+              <a:t> PDF </a:t>
+            </a:r>
+            <a:r>
+              <a:rPr lang="en-US" dirty="0" err="1"/>
+              <a:t>și</a:t>
+            </a:r>
+            <a:r>
+              <a:rPr lang="en-US" dirty="0"/>
+              <a:t> face embed cu </a:t>
+            </a:r>
+            <a:r>
+              <a:rPr lang="en-US" dirty="0" err="1"/>
+              <a:t>iframe</a:t>
+            </a:r>
+            <a:r>
+              <a:rPr lang="en-US" dirty="0"/>
+              <a:t>, </a:t>
+            </a:r>
+            <a:r>
+              <a:rPr lang="en-US" dirty="0" err="1"/>
+              <a:t>oferind</a:t>
+            </a:r>
+            <a:r>
+              <a:rPr lang="en-US" dirty="0"/>
+              <a:t> </a:t>
+            </a:r>
+            <a:r>
+              <a:rPr lang="en-US" dirty="0" err="1"/>
+              <a:t>oferind</a:t>
+            </a:r>
+            <a:r>
+              <a:rPr lang="en-US" dirty="0"/>
+              <a:t> o </a:t>
+            </a:r>
+            <a:r>
+              <a:rPr lang="en-US" dirty="0" err="1"/>
+              <a:t>performanță</a:t>
+            </a:r>
+            <a:r>
+              <a:rPr lang="en-US" dirty="0"/>
+              <a:t> </a:t>
+            </a:r>
+            <a:r>
+              <a:rPr lang="en-US" dirty="0" err="1"/>
+              <a:t>mai</a:t>
+            </a:r>
+            <a:r>
+              <a:rPr lang="en-US" dirty="0"/>
+              <a:t> </a:t>
+            </a:r>
+            <a:r>
+              <a:rPr lang="en-US" dirty="0" err="1"/>
+              <a:t>bună</a:t>
+            </a:r>
+            <a:r>
+              <a:rPr lang="ro-RO" dirty="0"/>
+              <a:t> și un timp de previzualizare mai rapid.</a:t>
+            </a:r>
+          </a:p>
+          <a:p>
+            <a:pPr algn="just"/>
+            <a:endParaRPr lang="ro-RO" dirty="0"/>
+          </a:p>
+          <a:p>
+            <a:pPr marL="342900" indent="-342900" algn="just">
+              <a:buBlip>
+                <a:blip r:embed="rId3"/>
+              </a:buBlip>
+            </a:pPr>
+            <a:r>
+              <a:rPr lang="en-US" dirty="0" err="1">
+                <a:latin typeface="UT Sans"/>
+              </a:rPr>
+              <a:t>Editare</a:t>
+            </a:r>
+            <a:r>
+              <a:rPr lang="ro-RO" dirty="0">
+                <a:latin typeface="UT Sans"/>
+              </a:rPr>
+              <a:t>/previzualizare</a:t>
+            </a:r>
+            <a:r>
+              <a:rPr lang="en-US" dirty="0">
+                <a:latin typeface="UT Sans"/>
+              </a:rPr>
+              <a:t> </a:t>
+            </a:r>
+            <a:r>
+              <a:rPr lang="en-US" dirty="0" err="1">
+                <a:latin typeface="UT Sans"/>
+              </a:rPr>
+              <a:t>facturi</a:t>
+            </a:r>
+            <a:r>
+              <a:rPr lang="en-US" dirty="0">
+                <a:latin typeface="UT Sans"/>
+              </a:rPr>
+              <a:t> </a:t>
+            </a:r>
+            <a:r>
+              <a:rPr lang="en-US" dirty="0" err="1">
+                <a:latin typeface="UT Sans"/>
+              </a:rPr>
+              <a:t>emise</a:t>
+            </a:r>
+            <a:r>
+              <a:rPr lang="en-US" dirty="0">
+                <a:latin typeface="UT Sans"/>
+              </a:rPr>
+              <a:t>: </a:t>
+            </a:r>
+            <a:r>
+              <a:rPr lang="en-US" dirty="0" err="1">
+                <a:latin typeface="UT Sans"/>
+              </a:rPr>
+              <a:t>Oferă</a:t>
+            </a:r>
+            <a:r>
+              <a:rPr lang="en-US" dirty="0">
+                <a:latin typeface="UT Sans"/>
+              </a:rPr>
+              <a:t> </a:t>
+            </a:r>
+            <a:r>
+              <a:rPr lang="en-US" dirty="0" err="1">
+                <a:latin typeface="UT Sans"/>
+              </a:rPr>
+              <a:t>posibilitatea</a:t>
+            </a:r>
+            <a:r>
+              <a:rPr lang="en-US" dirty="0">
+                <a:latin typeface="UT Sans"/>
+              </a:rPr>
+              <a:t> de a </a:t>
+            </a:r>
+            <a:r>
+              <a:rPr lang="en-US" dirty="0" err="1">
+                <a:latin typeface="UT Sans"/>
+              </a:rPr>
+              <a:t>edita</a:t>
+            </a:r>
+            <a:r>
+              <a:rPr lang="en-US" dirty="0">
+                <a:latin typeface="UT Sans"/>
+              </a:rPr>
+              <a:t> </a:t>
+            </a:r>
+            <a:r>
+              <a:rPr lang="en-US" dirty="0" err="1">
+                <a:latin typeface="UT Sans"/>
+              </a:rPr>
+              <a:t>facturile</a:t>
+            </a:r>
+            <a:r>
+              <a:rPr lang="en-US" dirty="0">
+                <a:latin typeface="UT Sans"/>
+              </a:rPr>
+              <a:t> </a:t>
+            </a:r>
+            <a:r>
+              <a:rPr lang="en-US" dirty="0" err="1">
+                <a:latin typeface="UT Sans"/>
+              </a:rPr>
+              <a:t>chiar</a:t>
+            </a:r>
+            <a:r>
+              <a:rPr lang="en-US" dirty="0">
+                <a:latin typeface="UT Sans"/>
+              </a:rPr>
+              <a:t> </a:t>
+            </a:r>
+            <a:r>
+              <a:rPr lang="en-US" dirty="0" err="1">
+                <a:latin typeface="UT Sans"/>
+              </a:rPr>
+              <a:t>și</a:t>
+            </a:r>
+            <a:r>
+              <a:rPr lang="en-US" dirty="0">
+                <a:latin typeface="UT Sans"/>
+              </a:rPr>
+              <a:t> </a:t>
+            </a:r>
+            <a:r>
+              <a:rPr lang="en-US" dirty="0" err="1">
+                <a:latin typeface="UT Sans"/>
+              </a:rPr>
+              <a:t>după</a:t>
+            </a:r>
+            <a:r>
+              <a:rPr lang="en-US" dirty="0">
+                <a:latin typeface="UT Sans"/>
+              </a:rPr>
+              <a:t> </a:t>
+            </a:r>
+            <a:r>
+              <a:rPr lang="en-US" dirty="0" err="1">
+                <a:latin typeface="UT Sans"/>
+              </a:rPr>
+              <a:t>ce</a:t>
+            </a:r>
+            <a:r>
+              <a:rPr lang="en-US" dirty="0">
+                <a:latin typeface="UT Sans"/>
+              </a:rPr>
+              <a:t> au </a:t>
+            </a:r>
+            <a:r>
+              <a:rPr lang="en-US" dirty="0" err="1">
+                <a:latin typeface="UT Sans"/>
+              </a:rPr>
+              <a:t>fost</a:t>
+            </a:r>
+            <a:r>
+              <a:rPr lang="en-US" dirty="0">
+                <a:latin typeface="UT Sans"/>
+              </a:rPr>
+              <a:t> </a:t>
+            </a:r>
+            <a:r>
+              <a:rPr lang="en-US" dirty="0" err="1">
+                <a:latin typeface="UT Sans"/>
+              </a:rPr>
+              <a:t>emise</a:t>
+            </a:r>
+            <a:r>
+              <a:rPr lang="en-US" dirty="0">
+                <a:latin typeface="UT Sans"/>
+              </a:rPr>
+              <a:t>.</a:t>
+            </a:r>
+            <a:r>
+              <a:rPr lang="ro-RO" dirty="0">
+                <a:latin typeface="UT Sans"/>
+              </a:rPr>
+              <a:t> Oferă posibilitatea de previzualizare a facturii, înainte ca aceasta să fie actualizată.</a:t>
+            </a:r>
+          </a:p>
+          <a:p>
+            <a:pPr algn="just"/>
+            <a:endParaRPr lang="ro-RO" dirty="0">
+              <a:latin typeface="UT Sans"/>
+            </a:endParaRPr>
+          </a:p>
+          <a:p>
+            <a:pPr marL="342900" indent="-342900" algn="just">
+              <a:buBlip>
+                <a:blip r:embed="rId3"/>
+              </a:buBlip>
+            </a:pPr>
+            <a:r>
+              <a:rPr lang="en-US" dirty="0" err="1"/>
+              <a:t>Aplicație</a:t>
+            </a:r>
+            <a:r>
+              <a:rPr lang="en-US" dirty="0"/>
+              <a:t> Single Page (SPA): </a:t>
+            </a:r>
+            <a:r>
+              <a:rPr lang="en-US" dirty="0" err="1"/>
+              <a:t>InvoiceJet</a:t>
+            </a:r>
+            <a:r>
+              <a:rPr lang="en-US" dirty="0"/>
+              <a:t> </a:t>
+            </a:r>
+            <a:r>
+              <a:rPr lang="en-US" dirty="0" err="1"/>
+              <a:t>este</a:t>
+            </a:r>
+            <a:r>
+              <a:rPr lang="en-US" dirty="0"/>
+              <a:t> o </a:t>
+            </a:r>
+            <a:r>
+              <a:rPr lang="en-US" dirty="0" err="1"/>
+              <a:t>aplicație</a:t>
+            </a:r>
+            <a:r>
+              <a:rPr lang="en-US" dirty="0"/>
+              <a:t> de tip SPA, </a:t>
+            </a:r>
+            <a:r>
+              <a:rPr lang="en-US" dirty="0" err="1"/>
+              <a:t>spre</a:t>
+            </a:r>
+            <a:r>
+              <a:rPr lang="en-US" dirty="0"/>
+              <a:t> </a:t>
+            </a:r>
+            <a:r>
+              <a:rPr lang="en-US" dirty="0" err="1"/>
+              <a:t>deosebire</a:t>
+            </a:r>
+            <a:r>
+              <a:rPr lang="en-US" dirty="0"/>
+              <a:t> de </a:t>
+            </a:r>
+            <a:r>
+              <a:rPr lang="en-US" dirty="0" err="1"/>
+              <a:t>multe</a:t>
+            </a:r>
+            <a:r>
+              <a:rPr lang="en-US" dirty="0"/>
+              <a:t> </a:t>
+            </a:r>
+            <a:r>
+              <a:rPr lang="en-US" dirty="0" err="1"/>
+              <a:t>alte</a:t>
+            </a:r>
+            <a:r>
+              <a:rPr lang="en-US" dirty="0"/>
+              <a:t> </a:t>
+            </a:r>
+            <a:r>
+              <a:rPr lang="en-US" dirty="0" err="1"/>
+              <a:t>aplicații</a:t>
+            </a:r>
+            <a:r>
+              <a:rPr lang="en-US" dirty="0"/>
+              <a:t> de pe </a:t>
+            </a:r>
+            <a:r>
+              <a:rPr lang="en-US" dirty="0" err="1"/>
+              <a:t>piață</a:t>
+            </a:r>
+            <a:r>
+              <a:rPr lang="en-US" dirty="0"/>
+              <a:t>, </a:t>
+            </a:r>
+            <a:r>
+              <a:rPr lang="en-US" dirty="0" err="1"/>
+              <a:t>asigurând</a:t>
+            </a:r>
+            <a:r>
+              <a:rPr lang="en-US" dirty="0"/>
+              <a:t> o </a:t>
+            </a:r>
+            <a:r>
+              <a:rPr lang="en-US" dirty="0" err="1"/>
+              <a:t>experiență</a:t>
+            </a:r>
+            <a:r>
+              <a:rPr lang="en-US" dirty="0"/>
+              <a:t> de </a:t>
+            </a:r>
+            <a:r>
+              <a:rPr lang="en-US" dirty="0" err="1"/>
+              <a:t>utilizare</a:t>
+            </a:r>
+            <a:r>
+              <a:rPr lang="en-US" dirty="0"/>
+              <a:t> </a:t>
+            </a:r>
+            <a:r>
+              <a:rPr lang="en-US" dirty="0" err="1"/>
+              <a:t>fluidă</a:t>
+            </a:r>
+            <a:r>
+              <a:rPr lang="en-US" dirty="0"/>
+              <a:t> </a:t>
+            </a:r>
+            <a:r>
+              <a:rPr lang="en-US" dirty="0" err="1"/>
+              <a:t>și</a:t>
+            </a:r>
+            <a:r>
+              <a:rPr lang="en-US" dirty="0"/>
+              <a:t> </a:t>
+            </a:r>
+            <a:r>
+              <a:rPr lang="en-US" dirty="0" err="1"/>
+              <a:t>rapidă</a:t>
+            </a:r>
+            <a:r>
+              <a:rPr lang="ro-RO" dirty="0"/>
+              <a:t>, fără reîncarcare paginii la schimbarea rutei.</a:t>
+            </a:r>
+          </a:p>
+          <a:p>
+            <a:pPr algn="just"/>
+            <a:endParaRPr lang="ro-RO" dirty="0">
+              <a:latin typeface="UT Sans"/>
+            </a:endParaRPr>
+          </a:p>
+          <a:p>
+            <a:pPr marL="342900" indent="-342900" algn="just">
+              <a:buBlip>
+                <a:blip r:embed="rId3"/>
+              </a:buBlip>
+            </a:pPr>
+            <a:r>
+              <a:rPr lang="ro-RO" dirty="0">
+                <a:latin typeface="UT Sans"/>
+              </a:rPr>
+              <a:t>Acuratețea datelor financiare</a:t>
+            </a:r>
+            <a:r>
+              <a:rPr lang="en-US" dirty="0">
+                <a:latin typeface="UT Sans"/>
+              </a:rPr>
+              <a:t>: </a:t>
+            </a:r>
+            <a:r>
+              <a:rPr lang="ro-RO" dirty="0">
+                <a:latin typeface="UT Sans"/>
+              </a:rPr>
+              <a:t>Datele formelor juridice pot fi populate cu ajutorul API-ului oferit de ANAF, care conține date specifice necesare pentru completarea datelor furnizorilor, cât și a clienților specificând doar câmpul CUI.</a:t>
+            </a:r>
+            <a:r>
+              <a:rPr lang="en-US" dirty="0">
+                <a:latin typeface="UT Sans"/>
+              </a:rPr>
+              <a:t>	</a:t>
+            </a:r>
+            <a:endParaRPr lang="ro-RO" dirty="0">
+              <a:latin typeface="UT Sans"/>
+            </a:endParaRPr>
+          </a:p>
+          <a:p>
+            <a:pPr algn="just"/>
+            <a:r>
+              <a:rPr lang="ro-RO" dirty="0">
+                <a:latin typeface="UT Sans"/>
+              </a:rPr>
+              <a:t>	</a:t>
+            </a:r>
+            <a:endParaRPr lang="en-US" dirty="0">
+              <a:latin typeface="UT Sans"/>
+            </a:endParaRPr>
+          </a:p>
+          <a:p>
+            <a:pPr algn="just"/>
+            <a:r>
+              <a:rPr lang="en-US" dirty="0">
+                <a:latin typeface="UT Sans"/>
+              </a:rPr>
+              <a:t>       </a:t>
+            </a:r>
+            <a:endParaRPr lang="ro-RO" dirty="0">
+              <a:latin typeface="UT Sans"/>
+            </a:endParaRPr>
+          </a:p>
+        </p:txBody>
+      </p:sp>
+    </p:spTree>
+    <p:extLst>
+      <p:ext uri="{BB962C8B-B14F-4D97-AF65-F5344CB8AC3E}">
+        <p14:creationId xmlns:p14="http://schemas.microsoft.com/office/powerpoint/2010/main" val="79503179"/>
+      </p:ext>
+    </p:extLst>
+  </p:cSld>
+  <p:clrMapOvr>
+    <a:masterClrMapping/>
+  </p:clrMapOvr>
+</p:sld>
+</file>
+
+<file path=ppt/slides/slide11.xml><?xml version="1.0" encoding="utf-8"?>
+<p:sld xmlns:a="http://schemas.openxmlformats.org/drawingml/2006/main" xmlns:r="http://schemas.openxmlformats.org/officeDocument/2006/relationships" xmlns:p="http://schemas.openxmlformats.org/presentationml/2006/main">
+  <p:cSld>
+    <p:spTree>
+      <p:nvGrpSpPr>
+        <p:cNvPr id="1" name=""/>
+        <p:cNvGrpSpPr/>
+        <p:nvPr/>
+      </p:nvGrpSpPr>
+      <p:grpSpPr>
+        <a:xfrm>
+          <a:off x="0" y="0"/>
+          <a:ext cx="0" cy="0"/>
+          <a:chOff x="0" y="0"/>
+          <a:chExt cx="0" cy="0"/>
+        </a:xfrm>
+      </p:grpSpPr>
+      <p:grpSp>
+        <p:nvGrpSpPr>
+          <p:cNvPr id="4" name="Group 3"/>
+          <p:cNvGrpSpPr/>
+          <p:nvPr/>
+        </p:nvGrpSpPr>
+        <p:grpSpPr>
+          <a:xfrm>
+            <a:off x="8460432" y="6237312"/>
+            <a:ext cx="216000" cy="216000"/>
+            <a:chOff x="2772000" y="1932221"/>
+            <a:chExt cx="2340000" cy="2340000"/>
+          </a:xfrm>
+        </p:grpSpPr>
+        <p:sp>
+          <p:nvSpPr>
+            <p:cNvPr id="5" name="Rectangle 4"/>
+            <p:cNvSpPr/>
+            <p:nvPr/>
+          </p:nvSpPr>
+          <p:spPr>
+            <a:xfrm>
+              <a:off x="2772000" y="1932221"/>
+              <a:ext cx="2340000" cy="2340000"/>
+            </a:xfrm>
+            <a:prstGeom prst="rect">
+              <a:avLst/>
+            </a:prstGeom>
+            <a:solidFill>
+              <a:schemeClr val="bg1">
+                <a:lumMod val="75000"/>
+              </a:schemeClr>
+            </a:solidFill>
+            <a:ln>
+              <a:noFill/>
+            </a:ln>
+          </p:spPr>
+          <p:style>
+            <a:lnRef idx="2">
+              <a:schemeClr val="accent1">
+                <a:shade val="50000"/>
+              </a:schemeClr>
+            </a:lnRef>
+            <a:fillRef idx="1">
+              <a:schemeClr val="accent1"/>
+            </a:fillRef>
+            <a:effectRef idx="0">
+              <a:schemeClr val="accent1"/>
+            </a:effectRef>
+            <a:fontRef idx="minor">
+              <a:schemeClr val="lt1"/>
+            </a:fontRef>
+          </p:style>
+          <p:txBody>
+            <a:bodyPr rtlCol="0" anchor="ctr"/>
+            <a:lstStyle/>
+            <a:p>
+              <a:pPr algn="ctr"/>
+              <a:endParaRPr lang="en-US">
+                <a:ln>
+                  <a:solidFill>
+                    <a:schemeClr val="bg2">
+                      <a:lumMod val="75000"/>
+                    </a:schemeClr>
+                  </a:solidFill>
+                </a:ln>
+                <a:solidFill>
+                  <a:schemeClr val="tx1"/>
+                </a:solidFill>
+              </a:endParaRPr>
+            </a:p>
+          </p:txBody>
+        </p:sp>
+        <p:sp>
+          <p:nvSpPr>
+            <p:cNvPr id="6" name="Rectangle 5"/>
+            <p:cNvSpPr/>
+            <p:nvPr/>
+          </p:nvSpPr>
+          <p:spPr>
+            <a:xfrm>
+              <a:off x="3546000" y="2706221"/>
+              <a:ext cx="792000" cy="792000"/>
+            </a:xfrm>
+            <a:prstGeom prst="rect">
+              <a:avLst/>
+            </a:prstGeom>
+            <a:solidFill>
+              <a:schemeClr val="bg1"/>
+            </a:solidFill>
+            <a:ln>
+              <a:noFill/>
+            </a:ln>
+          </p:spPr>
+          <p:style>
+            <a:lnRef idx="2">
+              <a:schemeClr val="accent1">
+                <a:shade val="50000"/>
+              </a:schemeClr>
+            </a:lnRef>
+            <a:fillRef idx="1">
+              <a:schemeClr val="accent1"/>
+            </a:fillRef>
+            <a:effectRef idx="0">
+              <a:schemeClr val="accent1"/>
+            </a:effectRef>
+            <a:fontRef idx="minor">
+              <a:schemeClr val="lt1"/>
+            </a:fontRef>
+          </p:style>
+          <p:txBody>
+            <a:bodyPr rtlCol="0" anchor="ctr"/>
+            <a:lstStyle/>
+            <a:p>
+              <a:pPr algn="ctr"/>
+              <a:endParaRPr lang="en-US">
+                <a:ln>
+                  <a:solidFill>
+                    <a:schemeClr val="bg2">
+                      <a:lumMod val="75000"/>
+                    </a:schemeClr>
+                  </a:solidFill>
+                </a:ln>
+                <a:solidFill>
+                  <a:schemeClr val="tx1"/>
+                </a:solidFill>
+              </a:endParaRPr>
+            </a:p>
+          </p:txBody>
+        </p:sp>
+      </p:grpSp>
+      <p:pic>
+        <p:nvPicPr>
+          <p:cNvPr id="2" name="Picture 1"/>
+          <p:cNvPicPr>
+            <a:picLocks noChangeAspect="1"/>
+          </p:cNvPicPr>
+          <p:nvPr/>
+        </p:nvPicPr>
+        <p:blipFill>
+          <a:blip r:embed="rId2" cstate="print">
+            <a:extLst>
+              <a:ext uri="{28A0092B-C50C-407E-A947-70E740481C1C}">
+                <a14:useLocalDpi xmlns:a14="http://schemas.microsoft.com/office/drawing/2010/main" val="0"/>
+              </a:ext>
+            </a:extLst>
+          </a:blip>
+          <a:stretch>
+            <a:fillRect/>
+          </a:stretch>
+        </p:blipFill>
+        <p:spPr>
+          <a:xfrm>
+            <a:off x="287524" y="260648"/>
+            <a:ext cx="1692188" cy="600822"/>
+          </a:xfrm>
+          <a:prstGeom prst="rect">
+            <a:avLst/>
+          </a:prstGeom>
+        </p:spPr>
+      </p:pic>
+      <p:sp>
+        <p:nvSpPr>
+          <p:cNvPr id="13" name="TextBox 12">
+            <a:extLst>
+              <a:ext uri="{FF2B5EF4-FFF2-40B4-BE49-F238E27FC236}">
+                <a16:creationId xmlns:a16="http://schemas.microsoft.com/office/drawing/2014/main" id="{649ECE41-5C33-D26B-835E-7DB29D4E17B8}"/>
+              </a:ext>
+            </a:extLst>
+          </p:cNvPr>
+          <p:cNvSpPr txBox="1"/>
+          <p:nvPr/>
+        </p:nvSpPr>
+        <p:spPr>
+          <a:xfrm>
             <a:off x="3167844" y="2924944"/>
             <a:ext cx="2986587" cy="646331"/>
           </a:xfrm>
@@ -4154,7 +5008,7 @@
 </p:sld>
 </file>
 
-<file path=ppt/slides/slide11.xml><?xml version="1.0" encoding="utf-8"?>
+<file path=ppt/slides/slide12.xml><?xml version="1.0" encoding="utf-8"?>
 <p:sld xmlns:a="http://schemas.openxmlformats.org/drawingml/2006/main" xmlns:r="http://schemas.openxmlformats.org/officeDocument/2006/relationships" xmlns:p="http://schemas.openxmlformats.org/presentationml/2006/main">
   <p:cSld>
     <p:spTree>
@@ -4385,7 +5239,7 @@
 </p:sld>
 </file>
 
-<file path=ppt/slides/slide12.xml><?xml version="1.0" encoding="utf-8"?>
+<file path=ppt/slides/slide13.xml><?xml version="1.0" encoding="utf-8"?>
 <p:sld xmlns:a="http://schemas.openxmlformats.org/drawingml/2006/main" xmlns:r="http://schemas.openxmlformats.org/officeDocument/2006/relationships" xmlns:p="http://schemas.openxmlformats.org/presentationml/2006/main">
   <p:cSld>
     <p:spTree>
@@ -8400,7 +9254,7 @@
         <p:spPr>
           <a:xfrm>
             <a:off x="457740" y="1101989"/>
-            <a:ext cx="3865610" cy="646331"/>
+            <a:ext cx="4567019" cy="646331"/>
           </a:xfrm>
           <a:prstGeom prst="rect">
             <a:avLst/>
@@ -8414,28 +9268,10 @@
           <a:lstStyle/>
           <a:p>
             <a:r>
-              <a:rPr lang="en-US" sz="3600" dirty="0" err="1"/>
-              <a:t>Beneficii</a:t>
-            </a:r>
-            <a:r>
-              <a:rPr lang="en-US" sz="3600" dirty="0"/>
-              <a:t> </a:t>
-            </a:r>
-            <a:r>
-              <a:rPr lang="en-US" sz="3600" dirty="0" err="1"/>
-              <a:t>și</a:t>
-            </a:r>
-            <a:r>
-              <a:rPr lang="en-US" sz="3600" dirty="0"/>
-              <a:t> </a:t>
-            </a:r>
-            <a:r>
-              <a:rPr lang="ro-RO" sz="3600" dirty="0"/>
-              <a:t>a</a:t>
-            </a:r>
-            <a:r>
-              <a:rPr lang="en-US" sz="3600" dirty="0" err="1"/>
-              <a:t>vantaje</a:t>
+              <a:rPr lang="ro-RO" sz="3600" dirty="0">
+                <a:latin typeface="UT Sans"/>
+              </a:rPr>
+              <a:t>Diagrama bazei de date</a:t>
             </a:r>
             <a:endParaRPr lang="en-US" sz="3600" dirty="0">
               <a:latin typeface="UT Sans"/>
@@ -8443,614 +9279,40 @@
           </a:p>
         </p:txBody>
       </p:sp>
-      <p:sp>
-        <p:nvSpPr>
-          <p:cNvPr id="3" name="TextBox 2">
+      <p:pic>
+        <p:nvPicPr>
+          <p:cNvPr id="3" name="Picture 2" descr="A computer screen shot of a computer&#10;&#10;Description automatically generated">
             <a:extLst>
               <a:ext uri="{FF2B5EF4-FFF2-40B4-BE49-F238E27FC236}">
-                <a16:creationId xmlns:a16="http://schemas.microsoft.com/office/drawing/2014/main" id="{F7A177C1-1D4C-0D32-F44E-0C84D4FF1036}"/>
+                <a16:creationId xmlns:a16="http://schemas.microsoft.com/office/drawing/2014/main" id="{402D0E33-B754-3F4A-1C48-032409928F58}"/>
               </a:ext>
             </a:extLst>
           </p:cNvPr>
-          <p:cNvSpPr txBox="1"/>
+          <p:cNvPicPr>
+            <a:picLocks noChangeAspect="1"/>
+          </p:cNvPicPr>
           <p:nvPr/>
-        </p:nvSpPr>
+        </p:nvPicPr>
+        <p:blipFill>
+          <a:blip r:embed="rId3"/>
+          <a:stretch>
+            <a:fillRect/>
+          </a:stretch>
+        </p:blipFill>
         <p:spPr>
           <a:xfrm>
-            <a:off x="457740" y="1988840"/>
-            <a:ext cx="8064872" cy="5078313"/>
+            <a:off x="1619672" y="1748320"/>
+            <a:ext cx="5756910" cy="5042535"/>
           </a:xfrm>
           <a:prstGeom prst="rect">
             <a:avLst/>
           </a:prstGeom>
-          <a:noFill/>
         </p:spPr>
-        <p:txBody>
-          <a:bodyPr wrap="square" rtlCol="0">
-            <a:spAutoFit/>
-          </a:bodyPr>
-          <a:lstStyle/>
-          <a:p>
-            <a:pPr marL="342900" indent="-342900" algn="just">
-              <a:buBlip>
-                <a:blip r:embed="rId3"/>
-              </a:buBlip>
-            </a:pPr>
-            <a:r>
-              <a:rPr lang="en-US" dirty="0" err="1"/>
-              <a:t>Performanță</a:t>
-            </a:r>
-            <a:r>
-              <a:rPr lang="en-US" dirty="0"/>
-              <a:t> </a:t>
-            </a:r>
-            <a:r>
-              <a:rPr lang="en-US" dirty="0" err="1"/>
-              <a:t>superioară</a:t>
-            </a:r>
-            <a:r>
-              <a:rPr lang="en-US" dirty="0"/>
-              <a:t>: </a:t>
-            </a:r>
-            <a:r>
-              <a:rPr lang="en-US" dirty="0" err="1"/>
-              <a:t>Spre</a:t>
-            </a:r>
-            <a:r>
-              <a:rPr lang="en-US" dirty="0"/>
-              <a:t> </a:t>
-            </a:r>
-            <a:r>
-              <a:rPr lang="en-US" dirty="0" err="1"/>
-              <a:t>deosebire</a:t>
-            </a:r>
-            <a:r>
-              <a:rPr lang="en-US" dirty="0"/>
-              <a:t> de </a:t>
-            </a:r>
-            <a:r>
-              <a:rPr lang="en-US" dirty="0" err="1"/>
-              <a:t>alte</a:t>
-            </a:r>
-            <a:r>
-              <a:rPr lang="en-US" dirty="0"/>
-              <a:t> </a:t>
-            </a:r>
-            <a:r>
-              <a:rPr lang="en-US" dirty="0" err="1"/>
-              <a:t>aplicații</a:t>
-            </a:r>
-            <a:r>
-              <a:rPr lang="en-US" dirty="0"/>
-              <a:t> care </a:t>
-            </a:r>
-            <a:r>
-              <a:rPr lang="en-US" dirty="0" err="1"/>
-              <a:t>generează</a:t>
-            </a:r>
-            <a:r>
-              <a:rPr lang="en-US" dirty="0"/>
-              <a:t> </a:t>
-            </a:r>
-            <a:r>
-              <a:rPr lang="en-US" dirty="0" err="1"/>
-              <a:t>documente</a:t>
-            </a:r>
-            <a:r>
-              <a:rPr lang="en-US" dirty="0"/>
-              <a:t> </a:t>
-            </a:r>
-            <a:r>
-              <a:rPr lang="en-US" dirty="0" err="1"/>
-              <a:t>în</a:t>
-            </a:r>
-            <a:r>
-              <a:rPr lang="en-US" dirty="0"/>
-              <a:t> HTML </a:t>
-            </a:r>
-            <a:r>
-              <a:rPr lang="en-US" dirty="0" err="1"/>
-              <a:t>și</a:t>
-            </a:r>
-            <a:r>
-              <a:rPr lang="en-US" dirty="0"/>
-              <a:t> </a:t>
-            </a:r>
-            <a:r>
-              <a:rPr lang="en-US" dirty="0" err="1"/>
-              <a:t>apoi</a:t>
-            </a:r>
-            <a:r>
-              <a:rPr lang="en-US" dirty="0"/>
-              <a:t> le </a:t>
-            </a:r>
-            <a:r>
-              <a:rPr lang="en-US" dirty="0" err="1"/>
-              <a:t>convertesc</a:t>
-            </a:r>
-            <a:r>
-              <a:rPr lang="en-US" dirty="0"/>
-              <a:t> </a:t>
-            </a:r>
-            <a:r>
-              <a:rPr lang="en-US" dirty="0" err="1"/>
-              <a:t>în</a:t>
-            </a:r>
-            <a:r>
-              <a:rPr lang="en-US" dirty="0"/>
-              <a:t> PDF, </a:t>
-            </a:r>
-            <a:r>
-              <a:rPr lang="en-US" dirty="0" err="1"/>
-              <a:t>InvoiceJet</a:t>
-            </a:r>
-            <a:r>
-              <a:rPr lang="en-US" dirty="0"/>
-              <a:t> </a:t>
-            </a:r>
-            <a:r>
-              <a:rPr lang="en-US" dirty="0" err="1"/>
-              <a:t>convertește</a:t>
-            </a:r>
-            <a:r>
-              <a:rPr lang="en-US" dirty="0"/>
-              <a:t> direct </a:t>
-            </a:r>
-            <a:r>
-              <a:rPr lang="en-US" dirty="0" err="1"/>
-              <a:t>în</a:t>
-            </a:r>
-            <a:r>
-              <a:rPr lang="en-US" dirty="0"/>
-              <a:t> PDF </a:t>
-            </a:r>
-            <a:r>
-              <a:rPr lang="en-US" dirty="0" err="1"/>
-              <a:t>și</a:t>
-            </a:r>
-            <a:r>
-              <a:rPr lang="en-US" dirty="0"/>
-              <a:t> face embed cu </a:t>
-            </a:r>
-            <a:r>
-              <a:rPr lang="en-US" dirty="0" err="1"/>
-              <a:t>iframe</a:t>
-            </a:r>
-            <a:r>
-              <a:rPr lang="en-US" dirty="0"/>
-              <a:t>, </a:t>
-            </a:r>
-            <a:r>
-              <a:rPr lang="en-US" dirty="0" err="1"/>
-              <a:t>oferind</a:t>
-            </a:r>
-            <a:r>
-              <a:rPr lang="en-US" dirty="0"/>
-              <a:t> </a:t>
-            </a:r>
-            <a:r>
-              <a:rPr lang="en-US" dirty="0" err="1"/>
-              <a:t>oferind</a:t>
-            </a:r>
-            <a:r>
-              <a:rPr lang="en-US" dirty="0"/>
-              <a:t> o </a:t>
-            </a:r>
-            <a:r>
-              <a:rPr lang="en-US" dirty="0" err="1"/>
-              <a:t>performanță</a:t>
-            </a:r>
-            <a:r>
-              <a:rPr lang="en-US" dirty="0"/>
-              <a:t> </a:t>
-            </a:r>
-            <a:r>
-              <a:rPr lang="en-US" dirty="0" err="1"/>
-              <a:t>mai</a:t>
-            </a:r>
-            <a:r>
-              <a:rPr lang="en-US" dirty="0"/>
-              <a:t> </a:t>
-            </a:r>
-            <a:r>
-              <a:rPr lang="en-US" dirty="0" err="1"/>
-              <a:t>bună</a:t>
-            </a:r>
-            <a:r>
-              <a:rPr lang="ro-RO" dirty="0"/>
-              <a:t> și un timp de previzualizare mai rapid.</a:t>
-            </a:r>
-          </a:p>
-          <a:p>
-            <a:pPr algn="just"/>
-            <a:endParaRPr lang="ro-RO" dirty="0"/>
-          </a:p>
-          <a:p>
-            <a:pPr marL="342900" indent="-342900" algn="just">
-              <a:buBlip>
-                <a:blip r:embed="rId3"/>
-              </a:buBlip>
-            </a:pPr>
-            <a:r>
-              <a:rPr lang="en-US" dirty="0" err="1">
-                <a:latin typeface="UT Sans"/>
-              </a:rPr>
-              <a:t>Editare</a:t>
-            </a:r>
-            <a:r>
-              <a:rPr lang="ro-RO" dirty="0">
-                <a:latin typeface="UT Sans"/>
-              </a:rPr>
-              <a:t>/previzualizare</a:t>
-            </a:r>
-            <a:r>
-              <a:rPr lang="en-US" dirty="0">
-                <a:latin typeface="UT Sans"/>
-              </a:rPr>
-              <a:t> </a:t>
-            </a:r>
-            <a:r>
-              <a:rPr lang="en-US" dirty="0" err="1">
-                <a:latin typeface="UT Sans"/>
-              </a:rPr>
-              <a:t>facturi</a:t>
-            </a:r>
-            <a:r>
-              <a:rPr lang="en-US" dirty="0">
-                <a:latin typeface="UT Sans"/>
-              </a:rPr>
-              <a:t> </a:t>
-            </a:r>
-            <a:r>
-              <a:rPr lang="en-US" dirty="0" err="1">
-                <a:latin typeface="UT Sans"/>
-              </a:rPr>
-              <a:t>emise</a:t>
-            </a:r>
-            <a:r>
-              <a:rPr lang="en-US" dirty="0">
-                <a:latin typeface="UT Sans"/>
-              </a:rPr>
-              <a:t>: </a:t>
-            </a:r>
-            <a:r>
-              <a:rPr lang="en-US" dirty="0" err="1">
-                <a:latin typeface="UT Sans"/>
-              </a:rPr>
-              <a:t>Oferă</a:t>
-            </a:r>
-            <a:r>
-              <a:rPr lang="en-US" dirty="0">
-                <a:latin typeface="UT Sans"/>
-              </a:rPr>
-              <a:t> </a:t>
-            </a:r>
-            <a:r>
-              <a:rPr lang="en-US" dirty="0" err="1">
-                <a:latin typeface="UT Sans"/>
-              </a:rPr>
-              <a:t>posibilitatea</a:t>
-            </a:r>
-            <a:r>
-              <a:rPr lang="en-US" dirty="0">
-                <a:latin typeface="UT Sans"/>
-              </a:rPr>
-              <a:t> de a </a:t>
-            </a:r>
-            <a:r>
-              <a:rPr lang="en-US" dirty="0" err="1">
-                <a:latin typeface="UT Sans"/>
-              </a:rPr>
-              <a:t>edita</a:t>
-            </a:r>
-            <a:r>
-              <a:rPr lang="en-US" dirty="0">
-                <a:latin typeface="UT Sans"/>
-              </a:rPr>
-              <a:t> </a:t>
-            </a:r>
-            <a:r>
-              <a:rPr lang="en-US" dirty="0" err="1">
-                <a:latin typeface="UT Sans"/>
-              </a:rPr>
-              <a:t>facturile</a:t>
-            </a:r>
-            <a:r>
-              <a:rPr lang="en-US" dirty="0">
-                <a:latin typeface="UT Sans"/>
-              </a:rPr>
-              <a:t> </a:t>
-            </a:r>
-            <a:r>
-              <a:rPr lang="en-US" dirty="0" err="1">
-                <a:latin typeface="UT Sans"/>
-              </a:rPr>
-              <a:t>chiar</a:t>
-            </a:r>
-            <a:r>
-              <a:rPr lang="en-US" dirty="0">
-                <a:latin typeface="UT Sans"/>
-              </a:rPr>
-              <a:t> </a:t>
-            </a:r>
-            <a:r>
-              <a:rPr lang="en-US" dirty="0" err="1">
-                <a:latin typeface="UT Sans"/>
-              </a:rPr>
-              <a:t>și</a:t>
-            </a:r>
-            <a:r>
-              <a:rPr lang="en-US" dirty="0">
-                <a:latin typeface="UT Sans"/>
-              </a:rPr>
-              <a:t> </a:t>
-            </a:r>
-            <a:r>
-              <a:rPr lang="en-US" dirty="0" err="1">
-                <a:latin typeface="UT Sans"/>
-              </a:rPr>
-              <a:t>după</a:t>
-            </a:r>
-            <a:r>
-              <a:rPr lang="en-US" dirty="0">
-                <a:latin typeface="UT Sans"/>
-              </a:rPr>
-              <a:t> </a:t>
-            </a:r>
-            <a:r>
-              <a:rPr lang="en-US" dirty="0" err="1">
-                <a:latin typeface="UT Sans"/>
-              </a:rPr>
-              <a:t>ce</a:t>
-            </a:r>
-            <a:r>
-              <a:rPr lang="en-US" dirty="0">
-                <a:latin typeface="UT Sans"/>
-              </a:rPr>
-              <a:t> au </a:t>
-            </a:r>
-            <a:r>
-              <a:rPr lang="en-US" dirty="0" err="1">
-                <a:latin typeface="UT Sans"/>
-              </a:rPr>
-              <a:t>fost</a:t>
-            </a:r>
-            <a:r>
-              <a:rPr lang="en-US" dirty="0">
-                <a:latin typeface="UT Sans"/>
-              </a:rPr>
-              <a:t> </a:t>
-            </a:r>
-            <a:r>
-              <a:rPr lang="en-US" dirty="0" err="1">
-                <a:latin typeface="UT Sans"/>
-              </a:rPr>
-              <a:t>emise</a:t>
-            </a:r>
-            <a:r>
-              <a:rPr lang="en-US" dirty="0">
-                <a:latin typeface="UT Sans"/>
-              </a:rPr>
-              <a:t>.</a:t>
-            </a:r>
-            <a:r>
-              <a:rPr lang="ro-RO" dirty="0">
-                <a:latin typeface="UT Sans"/>
-              </a:rPr>
-              <a:t> Oferă posibilitatea de previzualizare a facturii, înainte ca aceasta să fie actualizată.</a:t>
-            </a:r>
-          </a:p>
-          <a:p>
-            <a:pPr algn="just"/>
-            <a:endParaRPr lang="ro-RO" dirty="0">
-              <a:latin typeface="UT Sans"/>
-            </a:endParaRPr>
-          </a:p>
-          <a:p>
-            <a:pPr marL="342900" indent="-342900" algn="just">
-              <a:buBlip>
-                <a:blip r:embed="rId3"/>
-              </a:buBlip>
-            </a:pPr>
-            <a:r>
-              <a:rPr lang="en-US" dirty="0" err="1"/>
-              <a:t>Aplicație</a:t>
-            </a:r>
-            <a:r>
-              <a:rPr lang="en-US" dirty="0"/>
-              <a:t> Single Page (SPA): </a:t>
-            </a:r>
-            <a:r>
-              <a:rPr lang="en-US" dirty="0" err="1"/>
-              <a:t>InvoiceJet</a:t>
-            </a:r>
-            <a:r>
-              <a:rPr lang="en-US" dirty="0"/>
-              <a:t> </a:t>
-            </a:r>
-            <a:r>
-              <a:rPr lang="en-US" dirty="0" err="1"/>
-              <a:t>este</a:t>
-            </a:r>
-            <a:r>
-              <a:rPr lang="en-US" dirty="0"/>
-              <a:t> o </a:t>
-            </a:r>
-            <a:r>
-              <a:rPr lang="en-US" dirty="0" err="1"/>
-              <a:t>aplicație</a:t>
-            </a:r>
-            <a:r>
-              <a:rPr lang="en-US" dirty="0"/>
-              <a:t> de tip SPA, </a:t>
-            </a:r>
-            <a:r>
-              <a:rPr lang="en-US" dirty="0" err="1"/>
-              <a:t>spre</a:t>
-            </a:r>
-            <a:r>
-              <a:rPr lang="en-US" dirty="0"/>
-              <a:t> </a:t>
-            </a:r>
-            <a:r>
-              <a:rPr lang="en-US" dirty="0" err="1"/>
-              <a:t>deosebire</a:t>
-            </a:r>
-            <a:r>
-              <a:rPr lang="en-US" dirty="0"/>
-              <a:t> de </a:t>
-            </a:r>
-            <a:r>
-              <a:rPr lang="en-US" dirty="0" err="1"/>
-              <a:t>multe</a:t>
-            </a:r>
-            <a:r>
-              <a:rPr lang="en-US" dirty="0"/>
-              <a:t> </a:t>
-            </a:r>
-            <a:r>
-              <a:rPr lang="en-US" dirty="0" err="1"/>
-              <a:t>alte</a:t>
-            </a:r>
-            <a:r>
-              <a:rPr lang="en-US" dirty="0"/>
-              <a:t> </a:t>
-            </a:r>
-            <a:r>
-              <a:rPr lang="en-US" dirty="0" err="1"/>
-              <a:t>aplicații</a:t>
-            </a:r>
-            <a:r>
-              <a:rPr lang="en-US" dirty="0"/>
-              <a:t> de pe </a:t>
-            </a:r>
-            <a:r>
-              <a:rPr lang="en-US" dirty="0" err="1"/>
-              <a:t>piață</a:t>
-            </a:r>
-            <a:r>
-              <a:rPr lang="en-US" dirty="0"/>
-              <a:t>, </a:t>
-            </a:r>
-            <a:r>
-              <a:rPr lang="en-US" dirty="0" err="1"/>
-              <a:t>asigurând</a:t>
-            </a:r>
-            <a:r>
-              <a:rPr lang="en-US" dirty="0"/>
-              <a:t> o </a:t>
-            </a:r>
-            <a:r>
-              <a:rPr lang="en-US" dirty="0" err="1"/>
-              <a:t>experiență</a:t>
-            </a:r>
-            <a:r>
-              <a:rPr lang="en-US" dirty="0"/>
-              <a:t> de </a:t>
-            </a:r>
-            <a:r>
-              <a:rPr lang="en-US" dirty="0" err="1"/>
-              <a:t>utilizare</a:t>
-            </a:r>
-            <a:r>
-              <a:rPr lang="en-US" dirty="0"/>
-              <a:t> </a:t>
-            </a:r>
-            <a:r>
-              <a:rPr lang="en-US" dirty="0" err="1"/>
-              <a:t>fluidă</a:t>
-            </a:r>
-            <a:r>
-              <a:rPr lang="en-US" dirty="0"/>
-              <a:t> </a:t>
-            </a:r>
-            <a:r>
-              <a:rPr lang="en-US" dirty="0" err="1"/>
-              <a:t>și</a:t>
-            </a:r>
-            <a:r>
-              <a:rPr lang="en-US" dirty="0"/>
-              <a:t> </a:t>
-            </a:r>
-            <a:r>
-              <a:rPr lang="en-US" dirty="0" err="1"/>
-              <a:t>rapidă</a:t>
-            </a:r>
-            <a:r>
-              <a:rPr lang="ro-RO" dirty="0"/>
-              <a:t>, fără reîncarcare paginii la schimbarea rutei.</a:t>
-            </a:r>
-          </a:p>
-          <a:p>
-            <a:pPr algn="just"/>
-            <a:endParaRPr lang="ro-RO" dirty="0">
-              <a:latin typeface="UT Sans"/>
-            </a:endParaRPr>
-          </a:p>
-          <a:p>
-            <a:pPr marL="342900" indent="-342900" algn="just">
-              <a:buBlip>
-                <a:blip r:embed="rId3"/>
-              </a:buBlip>
-            </a:pPr>
-            <a:r>
-              <a:rPr lang="ro-RO" dirty="0">
-                <a:latin typeface="UT Sans"/>
-              </a:rPr>
-              <a:t>Acuratețea datelor financiare</a:t>
-            </a:r>
-            <a:r>
-              <a:rPr lang="en-US" dirty="0">
-                <a:latin typeface="UT Sans"/>
-              </a:rPr>
-              <a:t>: </a:t>
-            </a:r>
-            <a:r>
-              <a:rPr lang="ro-RO" dirty="0">
-                <a:latin typeface="UT Sans"/>
-              </a:rPr>
-              <a:t>Datele formelor juridice pot fi populate cu ajutorul API-ului oferit de ANAF, care conține date specifice necesare pentru completarea datelor furnizorilor, cât și a clienților specificând doar câmpul CUI.</a:t>
-            </a:r>
-            <a:r>
-              <a:rPr lang="en-US" dirty="0">
-                <a:latin typeface="UT Sans"/>
-              </a:rPr>
-              <a:t>	</a:t>
-            </a:r>
-            <a:endParaRPr lang="ro-RO" dirty="0">
-              <a:latin typeface="UT Sans"/>
-            </a:endParaRPr>
-          </a:p>
-          <a:p>
-            <a:pPr algn="just"/>
-            <a:r>
-              <a:rPr lang="ro-RO" dirty="0">
-                <a:latin typeface="UT Sans"/>
-              </a:rPr>
-              <a:t>	</a:t>
-            </a:r>
-            <a:endParaRPr lang="en-US" dirty="0">
-              <a:latin typeface="UT Sans"/>
-            </a:endParaRPr>
-          </a:p>
-          <a:p>
-            <a:pPr algn="just"/>
-            <a:r>
-              <a:rPr lang="en-US" dirty="0">
-                <a:latin typeface="UT Sans"/>
-              </a:rPr>
-              <a:t>       </a:t>
-            </a:r>
-            <a:endParaRPr lang="ro-RO" dirty="0">
-              <a:latin typeface="UT Sans"/>
-            </a:endParaRPr>
-          </a:p>
-        </p:txBody>
-      </p:sp>
+      </p:pic>
     </p:spTree>
     <p:extLst>
       <p:ext uri="{BB962C8B-B14F-4D97-AF65-F5344CB8AC3E}">
-        <p14:creationId xmlns:p14="http://schemas.microsoft.com/office/powerpoint/2010/main" val="79503179"/>
+        <p14:creationId xmlns:p14="http://schemas.microsoft.com/office/powerpoint/2010/main" val="3051468121"/>
       </p:ext>
     </p:extLst>
   </p:cSld>

--- a/Prezentare_Hosszu_Zsolt.pptx
+++ b/Prezentare_Hosszu_Zsolt.pptx
@@ -8,16 +8,12 @@
     <p:sldId id="256" r:id="rId2"/>
     <p:sldId id="257" r:id="rId3"/>
     <p:sldId id="260" r:id="rId4"/>
-    <p:sldId id="261" r:id="rId5"/>
-    <p:sldId id="262" r:id="rId6"/>
-    <p:sldId id="264" r:id="rId7"/>
-    <p:sldId id="263" r:id="rId8"/>
-    <p:sldId id="265" r:id="rId9"/>
-    <p:sldId id="270" r:id="rId10"/>
-    <p:sldId id="266" r:id="rId11"/>
-    <p:sldId id="267" r:id="rId12"/>
-    <p:sldId id="269" r:id="rId13"/>
-    <p:sldId id="268" r:id="rId14"/>
+    <p:sldId id="265" r:id="rId5"/>
+    <p:sldId id="270" r:id="rId6"/>
+    <p:sldId id="266" r:id="rId7"/>
+    <p:sldId id="267" r:id="rId8"/>
+    <p:sldId id="269" r:id="rId9"/>
+    <p:sldId id="268" r:id="rId10"/>
   </p:sldIdLst>
   <p:sldSz cx="9144000" cy="6858000" type="screen4x3"/>
   <p:notesSz cx="6858000" cy="9144000"/>
@@ -264,7 +260,7 @@
           <a:p>
             <a:fld id="{842CD987-D5F0-423A-B571-656612AAA3E1}" type="datetimeFigureOut">
               <a:rPr lang="en-US" smtClean="0"/>
-              <a:t>6/25/2024</a:t>
+              <a:t>6/26/2024</a:t>
             </a:fld>
             <a:endParaRPr lang="en-US"/>
           </a:p>
@@ -427,7 +423,7 @@
           <a:p>
             <a:fld id="{842CD987-D5F0-423A-B571-656612AAA3E1}" type="datetimeFigureOut">
               <a:rPr lang="en-US" smtClean="0"/>
-              <a:t>6/25/2024</a:t>
+              <a:t>6/26/2024</a:t>
             </a:fld>
             <a:endParaRPr lang="en-US"/>
           </a:p>
@@ -600,7 +596,7 @@
           <a:p>
             <a:fld id="{842CD987-D5F0-423A-B571-656612AAA3E1}" type="datetimeFigureOut">
               <a:rPr lang="en-US" smtClean="0"/>
-              <a:t>6/25/2024</a:t>
+              <a:t>6/26/2024</a:t>
             </a:fld>
             <a:endParaRPr lang="en-US"/>
           </a:p>
@@ -763,7 +759,7 @@
           <a:p>
             <a:fld id="{842CD987-D5F0-423A-B571-656612AAA3E1}" type="datetimeFigureOut">
               <a:rPr lang="en-US" smtClean="0"/>
-              <a:t>6/25/2024</a:t>
+              <a:t>6/26/2024</a:t>
             </a:fld>
             <a:endParaRPr lang="en-US"/>
           </a:p>
@@ -1003,7 +999,7 @@
           <a:p>
             <a:fld id="{842CD987-D5F0-423A-B571-656612AAA3E1}" type="datetimeFigureOut">
               <a:rPr lang="en-US" smtClean="0"/>
-              <a:t>6/25/2024</a:t>
+              <a:t>6/26/2024</a:t>
             </a:fld>
             <a:endParaRPr lang="en-US"/>
           </a:p>
@@ -1227,7 +1223,7 @@
           <a:p>
             <a:fld id="{842CD987-D5F0-423A-B571-656612AAA3E1}" type="datetimeFigureOut">
               <a:rPr lang="en-US" smtClean="0"/>
-              <a:t>6/25/2024</a:t>
+              <a:t>6/26/2024</a:t>
             </a:fld>
             <a:endParaRPr lang="en-US"/>
           </a:p>
@@ -1586,7 +1582,7 @@
           <a:p>
             <a:fld id="{842CD987-D5F0-423A-B571-656612AAA3E1}" type="datetimeFigureOut">
               <a:rPr lang="en-US" smtClean="0"/>
-              <a:t>6/25/2024</a:t>
+              <a:t>6/26/2024</a:t>
             </a:fld>
             <a:endParaRPr lang="en-US"/>
           </a:p>
@@ -1698,7 +1694,7 @@
           <a:p>
             <a:fld id="{842CD987-D5F0-423A-B571-656612AAA3E1}" type="datetimeFigureOut">
               <a:rPr lang="en-US" smtClean="0"/>
-              <a:t>6/25/2024</a:t>
+              <a:t>6/26/2024</a:t>
             </a:fld>
             <a:endParaRPr lang="en-US"/>
           </a:p>
@@ -1788,7 +1784,7 @@
           <a:p>
             <a:fld id="{842CD987-D5F0-423A-B571-656612AAA3E1}" type="datetimeFigureOut">
               <a:rPr lang="en-US" smtClean="0"/>
-              <a:t>6/25/2024</a:t>
+              <a:t>6/26/2024</a:t>
             </a:fld>
             <a:endParaRPr lang="en-US"/>
           </a:p>
@@ -2058,7 +2054,7 @@
           <a:p>
             <a:fld id="{842CD987-D5F0-423A-B571-656612AAA3E1}" type="datetimeFigureOut">
               <a:rPr lang="en-US" smtClean="0"/>
-              <a:t>6/25/2024</a:t>
+              <a:t>6/26/2024</a:t>
             </a:fld>
             <a:endParaRPr lang="en-US"/>
           </a:p>
@@ -2305,7 +2301,7 @@
           <a:p>
             <a:fld id="{842CD987-D5F0-423A-B571-656612AAA3E1}" type="datetimeFigureOut">
               <a:rPr lang="en-US" smtClean="0"/>
-              <a:t>6/25/2024</a:t>
+              <a:t>6/26/2024</a:t>
             </a:fld>
             <a:endParaRPr lang="en-US"/>
           </a:p>
@@ -2516,7 +2512,7 @@
           <a:p>
             <a:fld id="{842CD987-D5F0-423A-B571-656612AAA3E1}" type="datetimeFigureOut">
               <a:rPr lang="en-US" smtClean="0"/>
-              <a:t>6/25/2024</a:t>
+              <a:t>6/26/2024</a:t>
             </a:fld>
             <a:endParaRPr lang="en-US"/>
           </a:p>
@@ -3924,7 +3920,2092 @@
 </p:sld>
 </file>
 
-<file path=ppt/slides/slide10.xml><?xml version="1.0" encoding="utf-8"?>
+<file path=ppt/slides/slide2.xml><?xml version="1.0" encoding="utf-8"?>
+<p:sld xmlns:a="http://schemas.openxmlformats.org/drawingml/2006/main" xmlns:r="http://schemas.openxmlformats.org/officeDocument/2006/relationships" xmlns:p="http://schemas.openxmlformats.org/presentationml/2006/main">
+  <p:cSld>
+    <p:spTree>
+      <p:nvGrpSpPr>
+        <p:cNvPr id="1" name=""/>
+        <p:cNvGrpSpPr/>
+        <p:nvPr/>
+      </p:nvGrpSpPr>
+      <p:grpSpPr>
+        <a:xfrm>
+          <a:off x="0" y="0"/>
+          <a:ext cx="0" cy="0"/>
+          <a:chOff x="0" y="0"/>
+          <a:chExt cx="0" cy="0"/>
+        </a:xfrm>
+      </p:grpSpPr>
+      <p:grpSp>
+        <p:nvGrpSpPr>
+          <p:cNvPr id="4" name="Group 3"/>
+          <p:cNvGrpSpPr/>
+          <p:nvPr/>
+        </p:nvGrpSpPr>
+        <p:grpSpPr>
+          <a:xfrm>
+            <a:off x="8460432" y="6237312"/>
+            <a:ext cx="216000" cy="216000"/>
+            <a:chOff x="2772000" y="1932221"/>
+            <a:chExt cx="2340000" cy="2340000"/>
+          </a:xfrm>
+        </p:grpSpPr>
+        <p:sp>
+          <p:nvSpPr>
+            <p:cNvPr id="5" name="Rectangle 4"/>
+            <p:cNvSpPr/>
+            <p:nvPr/>
+          </p:nvSpPr>
+          <p:spPr>
+            <a:xfrm>
+              <a:off x="2772000" y="1932221"/>
+              <a:ext cx="2340000" cy="2340000"/>
+            </a:xfrm>
+            <a:prstGeom prst="rect">
+              <a:avLst/>
+            </a:prstGeom>
+            <a:solidFill>
+              <a:schemeClr val="bg1">
+                <a:lumMod val="75000"/>
+              </a:schemeClr>
+            </a:solidFill>
+            <a:ln>
+              <a:noFill/>
+            </a:ln>
+          </p:spPr>
+          <p:style>
+            <a:lnRef idx="2">
+              <a:schemeClr val="accent1">
+                <a:shade val="50000"/>
+              </a:schemeClr>
+            </a:lnRef>
+            <a:fillRef idx="1">
+              <a:schemeClr val="accent1"/>
+            </a:fillRef>
+            <a:effectRef idx="0">
+              <a:schemeClr val="accent1"/>
+            </a:effectRef>
+            <a:fontRef idx="minor">
+              <a:schemeClr val="lt1"/>
+            </a:fontRef>
+          </p:style>
+          <p:txBody>
+            <a:bodyPr rtlCol="0" anchor="ctr"/>
+            <a:lstStyle/>
+            <a:p>
+              <a:pPr algn="ctr"/>
+              <a:endParaRPr lang="en-US">
+                <a:ln>
+                  <a:solidFill>
+                    <a:schemeClr val="bg2">
+                      <a:lumMod val="75000"/>
+                    </a:schemeClr>
+                  </a:solidFill>
+                </a:ln>
+                <a:solidFill>
+                  <a:schemeClr val="tx1"/>
+                </a:solidFill>
+              </a:endParaRPr>
+            </a:p>
+          </p:txBody>
+        </p:sp>
+        <p:sp>
+          <p:nvSpPr>
+            <p:cNvPr id="6" name="Rectangle 5"/>
+            <p:cNvSpPr/>
+            <p:nvPr/>
+          </p:nvSpPr>
+          <p:spPr>
+            <a:xfrm>
+              <a:off x="3546000" y="2706221"/>
+              <a:ext cx="792000" cy="792000"/>
+            </a:xfrm>
+            <a:prstGeom prst="rect">
+              <a:avLst/>
+            </a:prstGeom>
+            <a:solidFill>
+              <a:schemeClr val="bg1"/>
+            </a:solidFill>
+            <a:ln>
+              <a:noFill/>
+            </a:ln>
+          </p:spPr>
+          <p:style>
+            <a:lnRef idx="2">
+              <a:schemeClr val="accent1">
+                <a:shade val="50000"/>
+              </a:schemeClr>
+            </a:lnRef>
+            <a:fillRef idx="1">
+              <a:schemeClr val="accent1"/>
+            </a:fillRef>
+            <a:effectRef idx="0">
+              <a:schemeClr val="accent1"/>
+            </a:effectRef>
+            <a:fontRef idx="minor">
+              <a:schemeClr val="lt1"/>
+            </a:fontRef>
+          </p:style>
+          <p:txBody>
+            <a:bodyPr rtlCol="0" anchor="ctr"/>
+            <a:lstStyle/>
+            <a:p>
+              <a:pPr algn="ctr"/>
+              <a:endParaRPr lang="en-US">
+                <a:ln>
+                  <a:solidFill>
+                    <a:schemeClr val="bg2">
+                      <a:lumMod val="75000"/>
+                    </a:schemeClr>
+                  </a:solidFill>
+                </a:ln>
+                <a:solidFill>
+                  <a:schemeClr val="tx1"/>
+                </a:solidFill>
+              </a:endParaRPr>
+            </a:p>
+          </p:txBody>
+        </p:sp>
+      </p:grpSp>
+      <p:sp>
+        <p:nvSpPr>
+          <p:cNvPr id="7" name="TextBox 6"/>
+          <p:cNvSpPr txBox="1"/>
+          <p:nvPr/>
+        </p:nvSpPr>
+        <p:spPr>
+          <a:xfrm>
+            <a:off x="457740" y="1988840"/>
+            <a:ext cx="8064872" cy="3970318"/>
+          </a:xfrm>
+          <a:prstGeom prst="rect">
+            <a:avLst/>
+          </a:prstGeom>
+          <a:noFill/>
+        </p:spPr>
+        <p:txBody>
+          <a:bodyPr wrap="square" rtlCol="0">
+            <a:spAutoFit/>
+          </a:bodyPr>
+          <a:lstStyle/>
+          <a:p>
+            <a:pPr marL="342900" indent="-342900" algn="just">
+              <a:buBlip>
+                <a:blip r:embed="rId2"/>
+              </a:buBlip>
+            </a:pPr>
+            <a:r>
+              <a:rPr lang="pt-BR" dirty="0">
+                <a:latin typeface="UT Sans"/>
+              </a:rPr>
+              <a:t>InvoiceJet este o aplicație de </a:t>
+            </a:r>
+            <a:r>
+              <a:rPr lang="ro-RO" dirty="0"/>
+              <a:t>emitere</a:t>
+            </a:r>
+            <a:r>
+              <a:rPr lang="pt-BR" dirty="0">
+                <a:latin typeface="UT Sans"/>
+              </a:rPr>
+              <a:t> a facturilor destinată companiilor de dimensiuni mici/medii.</a:t>
+            </a:r>
+          </a:p>
+          <a:p>
+            <a:pPr algn="just"/>
+            <a:endParaRPr lang="pt-BR" dirty="0">
+              <a:latin typeface="UT Sans"/>
+            </a:endParaRPr>
+          </a:p>
+          <a:p>
+            <a:pPr marL="342900" indent="-342900" algn="just">
+              <a:buBlip>
+                <a:blip r:embed="rId2"/>
+              </a:buBlip>
+            </a:pPr>
+            <a:r>
+              <a:rPr lang="en-US" dirty="0" err="1">
+                <a:latin typeface="UT Sans"/>
+              </a:rPr>
+              <a:t>Scopul</a:t>
+            </a:r>
+            <a:r>
+              <a:rPr lang="en-US" dirty="0">
+                <a:latin typeface="UT Sans"/>
+              </a:rPr>
+              <a:t> principal al </a:t>
+            </a:r>
+            <a:r>
+              <a:rPr lang="en-US" dirty="0" err="1">
+                <a:latin typeface="UT Sans"/>
+              </a:rPr>
+              <a:t>aplicației</a:t>
+            </a:r>
+            <a:r>
+              <a:rPr lang="en-US" dirty="0">
+                <a:latin typeface="UT Sans"/>
+              </a:rPr>
+              <a:t> </a:t>
+            </a:r>
+            <a:r>
+              <a:rPr lang="en-US" dirty="0" err="1">
+                <a:latin typeface="UT Sans"/>
+              </a:rPr>
+              <a:t>este</a:t>
+            </a:r>
+            <a:r>
+              <a:rPr lang="en-US" dirty="0">
+                <a:latin typeface="UT Sans"/>
+              </a:rPr>
+              <a:t> de a </a:t>
+            </a:r>
+            <a:r>
+              <a:rPr lang="en-US" dirty="0" err="1">
+                <a:latin typeface="UT Sans"/>
+              </a:rPr>
+              <a:t>simplifica</a:t>
+            </a:r>
+            <a:r>
+              <a:rPr lang="en-US" dirty="0">
+                <a:latin typeface="UT Sans"/>
+              </a:rPr>
+              <a:t> </a:t>
+            </a:r>
+            <a:r>
+              <a:rPr lang="en-US" dirty="0" err="1">
+                <a:latin typeface="UT Sans"/>
+              </a:rPr>
+              <a:t>procesul</a:t>
+            </a:r>
+            <a:r>
+              <a:rPr lang="en-US" dirty="0">
+                <a:latin typeface="UT Sans"/>
+              </a:rPr>
+              <a:t> de </a:t>
+            </a:r>
+            <a:r>
+              <a:rPr lang="en-US" dirty="0" err="1">
+                <a:latin typeface="UT Sans"/>
+              </a:rPr>
+              <a:t>facturare</a:t>
+            </a:r>
+            <a:r>
+              <a:rPr lang="en-US" dirty="0">
+                <a:latin typeface="UT Sans"/>
+              </a:rPr>
+              <a:t> </a:t>
+            </a:r>
+            <a:r>
+              <a:rPr lang="en-US" dirty="0" err="1">
+                <a:latin typeface="UT Sans"/>
+              </a:rPr>
+              <a:t>și</a:t>
+            </a:r>
+            <a:r>
+              <a:rPr lang="en-US" dirty="0">
+                <a:latin typeface="UT Sans"/>
+              </a:rPr>
+              <a:t> de a </a:t>
+            </a:r>
+            <a:r>
+              <a:rPr lang="en-US" dirty="0" err="1">
+                <a:latin typeface="UT Sans"/>
+              </a:rPr>
+              <a:t>asigura</a:t>
+            </a:r>
+            <a:r>
+              <a:rPr lang="en-US" dirty="0">
+                <a:latin typeface="UT Sans"/>
+              </a:rPr>
+              <a:t> o </a:t>
+            </a:r>
+            <a:r>
+              <a:rPr lang="en-US" dirty="0" err="1">
+                <a:latin typeface="UT Sans"/>
+              </a:rPr>
+              <a:t>gestionare</a:t>
+            </a:r>
+            <a:r>
+              <a:rPr lang="en-US" dirty="0">
+                <a:latin typeface="UT Sans"/>
+              </a:rPr>
+              <a:t> </a:t>
+            </a:r>
+            <a:r>
+              <a:rPr lang="en-US" dirty="0" err="1">
+                <a:latin typeface="UT Sans"/>
+              </a:rPr>
+              <a:t>eficientă</a:t>
+            </a:r>
+            <a:r>
+              <a:rPr lang="en-US" dirty="0">
+                <a:latin typeface="UT Sans"/>
+              </a:rPr>
+              <a:t> a </a:t>
+            </a:r>
+            <a:r>
+              <a:rPr lang="en-US" dirty="0" err="1">
+                <a:latin typeface="UT Sans"/>
+              </a:rPr>
+              <a:t>documentelor</a:t>
+            </a:r>
+            <a:r>
+              <a:rPr lang="en-US" dirty="0">
+                <a:latin typeface="UT Sans"/>
+              </a:rPr>
+              <a:t> </a:t>
+            </a:r>
+            <a:r>
+              <a:rPr lang="en-US" dirty="0" err="1">
+                <a:latin typeface="UT Sans"/>
+              </a:rPr>
+              <a:t>financiare</a:t>
+            </a:r>
+            <a:r>
+              <a:rPr lang="en-US" dirty="0">
+                <a:latin typeface="UT Sans"/>
+              </a:rPr>
+              <a:t>.</a:t>
+            </a:r>
+          </a:p>
+          <a:p>
+            <a:pPr algn="just"/>
+            <a:endParaRPr lang="ro-RO" dirty="0">
+              <a:latin typeface="UT Symbols" charset="0"/>
+              <a:ea typeface="UT Symbols" charset="0"/>
+              <a:cs typeface="UT Symbols" charset="0"/>
+            </a:endParaRPr>
+          </a:p>
+          <a:p>
+            <a:pPr marL="342900" indent="-342900" algn="just">
+              <a:buBlip>
+                <a:blip r:embed="rId2"/>
+              </a:buBlip>
+            </a:pPr>
+            <a:r>
+              <a:rPr lang="en-US" dirty="0" err="1">
+                <a:latin typeface="UT Sans"/>
+              </a:rPr>
+              <a:t>Func</a:t>
+            </a:r>
+            <a:r>
+              <a:rPr lang="ro-RO" dirty="0">
+                <a:latin typeface="UT Sans" pitchFamily="50" charset="0"/>
+              </a:rPr>
+              <a:t>ționalități principale</a:t>
+            </a:r>
+            <a:r>
+              <a:rPr lang="en-US" dirty="0">
+                <a:latin typeface="UT Sans"/>
+              </a:rPr>
+              <a:t>:</a:t>
+            </a:r>
+            <a:endParaRPr lang="ro-RO" dirty="0">
+              <a:latin typeface="UT Sans"/>
+            </a:endParaRPr>
+          </a:p>
+          <a:p>
+            <a:pPr algn="just"/>
+            <a:endParaRPr lang="en-US" dirty="0">
+              <a:latin typeface="UT Sans"/>
+            </a:endParaRPr>
+          </a:p>
+          <a:p>
+            <a:pPr marL="1257300" marR="0" lvl="2" indent="-342900" algn="just" defTabSz="914400" rtl="0" eaLnBrk="1" fontAlgn="auto" latinLnBrk="0" hangingPunct="1">
+              <a:lnSpc>
+                <a:spcPct val="100000"/>
+              </a:lnSpc>
+              <a:spcBef>
+                <a:spcPts val="0"/>
+              </a:spcBef>
+              <a:spcAft>
+                <a:spcPts val="0"/>
+              </a:spcAft>
+              <a:buClrTx/>
+              <a:buSzTx/>
+              <a:buFont typeface="Wingdings" charset="2"/>
+              <a:buChar char="§"/>
+              <a:tabLst/>
+              <a:defRPr/>
+            </a:pPr>
+            <a:r>
+              <a:rPr kumimoji="0" lang="en-US" b="0" i="0" u="none" strike="noStrike" kern="1200" cap="none" spc="0" normalizeH="0" baseline="0" noProof="0" dirty="0" err="1">
+                <a:ln>
+                  <a:noFill/>
+                </a:ln>
+                <a:solidFill>
+                  <a:prstClr val="black"/>
+                </a:solidFill>
+                <a:effectLst/>
+                <a:uLnTx/>
+                <a:uFillTx/>
+                <a:latin typeface="UT Sans"/>
+              </a:rPr>
+              <a:t>Crearea</a:t>
+            </a:r>
+            <a:r>
+              <a:rPr kumimoji="0" lang="en-US" b="0" i="0" u="none" strike="noStrike" kern="1200" cap="none" spc="0" normalizeH="0" baseline="0" noProof="0" dirty="0">
+                <a:ln>
+                  <a:noFill/>
+                </a:ln>
+                <a:solidFill>
+                  <a:prstClr val="black"/>
+                </a:solidFill>
+                <a:effectLst/>
+                <a:uLnTx/>
+                <a:uFillTx/>
+                <a:latin typeface="UT Sans"/>
+              </a:rPr>
+              <a:t> </a:t>
+            </a:r>
+            <a:r>
+              <a:rPr kumimoji="0" lang="ro-RO" b="0" i="0" u="none" strike="noStrike" kern="1200" cap="none" spc="0" normalizeH="0" baseline="0" noProof="0" dirty="0">
+                <a:ln>
+                  <a:noFill/>
+                </a:ln>
+                <a:solidFill>
+                  <a:prstClr val="black"/>
+                </a:solidFill>
+                <a:effectLst/>
+                <a:uLnTx/>
+                <a:uFillTx/>
+                <a:latin typeface="UT Sans" pitchFamily="50" charset="0"/>
+              </a:rPr>
+              <a:t>și gestionarea documentelor financiare, precum</a:t>
+            </a:r>
+            <a:r>
+              <a:rPr kumimoji="0" lang="en-US" b="0" i="0" u="none" strike="noStrike" kern="1200" cap="none" spc="0" normalizeH="0" baseline="0" noProof="0" dirty="0">
+                <a:ln>
+                  <a:noFill/>
+                </a:ln>
+                <a:solidFill>
+                  <a:prstClr val="black"/>
+                </a:solidFill>
+                <a:effectLst/>
+                <a:uLnTx/>
+                <a:uFillTx/>
+                <a:latin typeface="UT Sans"/>
+              </a:rPr>
+              <a:t>:</a:t>
+            </a:r>
+          </a:p>
+          <a:p>
+            <a:pPr marR="0" lvl="2" algn="just" defTabSz="914400" rtl="0" eaLnBrk="1" fontAlgn="auto" latinLnBrk="0" hangingPunct="1">
+              <a:lnSpc>
+                <a:spcPct val="100000"/>
+              </a:lnSpc>
+              <a:spcBef>
+                <a:spcPts val="0"/>
+              </a:spcBef>
+              <a:spcAft>
+                <a:spcPts val="0"/>
+              </a:spcAft>
+              <a:buClrTx/>
+              <a:buSzTx/>
+              <a:tabLst/>
+              <a:defRPr/>
+            </a:pPr>
+            <a:r>
+              <a:rPr lang="ro-RO" dirty="0">
+                <a:solidFill>
+                  <a:prstClr val="black"/>
+                </a:solidFill>
+                <a:latin typeface="UT Sans" pitchFamily="50" charset="0"/>
+              </a:rPr>
+              <a:t>       facturi, facturi proforme și facturi storno</a:t>
+            </a:r>
+          </a:p>
+          <a:p>
+            <a:pPr marL="1257300" marR="0" lvl="2" indent="-342900" algn="just" defTabSz="914400" rtl="0" eaLnBrk="1" fontAlgn="auto" latinLnBrk="0" hangingPunct="1">
+              <a:lnSpc>
+                <a:spcPct val="100000"/>
+              </a:lnSpc>
+              <a:spcBef>
+                <a:spcPts val="0"/>
+              </a:spcBef>
+              <a:spcAft>
+                <a:spcPts val="0"/>
+              </a:spcAft>
+              <a:buClrTx/>
+              <a:buSzTx/>
+              <a:buFont typeface="Wingdings" charset="2"/>
+              <a:buChar char="§"/>
+              <a:tabLst/>
+              <a:defRPr/>
+            </a:pPr>
+            <a:r>
+              <a:rPr lang="ro-RO" dirty="0">
+                <a:solidFill>
+                  <a:prstClr val="black"/>
+                </a:solidFill>
+                <a:latin typeface="UT Sans" pitchFamily="50" charset="0"/>
+              </a:rPr>
+              <a:t>Rapoarte și statistici financiare</a:t>
+            </a:r>
+          </a:p>
+          <a:p>
+            <a:pPr marL="1257300" marR="0" lvl="2" indent="-342900" algn="just" defTabSz="914400" rtl="0" eaLnBrk="1" fontAlgn="auto" latinLnBrk="0" hangingPunct="1">
+              <a:lnSpc>
+                <a:spcPct val="100000"/>
+              </a:lnSpc>
+              <a:spcBef>
+                <a:spcPts val="0"/>
+              </a:spcBef>
+              <a:spcAft>
+                <a:spcPts val="0"/>
+              </a:spcAft>
+              <a:buClrTx/>
+              <a:buSzTx/>
+              <a:buFont typeface="Wingdings" charset="2"/>
+              <a:buChar char="§"/>
+              <a:tabLst/>
+              <a:defRPr/>
+            </a:pPr>
+            <a:r>
+              <a:rPr kumimoji="0" lang="ro-RO" b="0" i="0" u="none" strike="noStrike" kern="1200" cap="none" spc="0" normalizeH="0" baseline="0" noProof="0" dirty="0">
+                <a:ln>
+                  <a:noFill/>
+                </a:ln>
+                <a:solidFill>
+                  <a:prstClr val="black"/>
+                </a:solidFill>
+                <a:effectLst/>
+                <a:uLnTx/>
+                <a:uFillTx/>
+                <a:latin typeface="UT Sans" pitchFamily="50" charset="0"/>
+              </a:rPr>
+              <a:t>Generare/export de documente în format PDF</a:t>
+            </a:r>
+          </a:p>
+          <a:p>
+            <a:pPr marL="1257300" marR="0" lvl="2" indent="-342900" algn="just" defTabSz="914400" rtl="0" eaLnBrk="1" fontAlgn="auto" latinLnBrk="0" hangingPunct="1">
+              <a:lnSpc>
+                <a:spcPct val="100000"/>
+              </a:lnSpc>
+              <a:spcBef>
+                <a:spcPts val="0"/>
+              </a:spcBef>
+              <a:spcAft>
+                <a:spcPts val="0"/>
+              </a:spcAft>
+              <a:buClrTx/>
+              <a:buSzTx/>
+              <a:buFont typeface="Wingdings" charset="2"/>
+              <a:buChar char="§"/>
+              <a:tabLst/>
+              <a:defRPr/>
+            </a:pPr>
+            <a:r>
+              <a:rPr kumimoji="0" lang="ro-RO" b="0" i="0" u="none" strike="noStrike" kern="1200" cap="none" spc="0" normalizeH="0" baseline="0" noProof="0" dirty="0">
+                <a:ln>
+                  <a:noFill/>
+                </a:ln>
+                <a:solidFill>
+                  <a:prstClr val="black"/>
+                </a:solidFill>
+                <a:effectLst/>
+                <a:uLnTx/>
+                <a:uFillTx/>
+                <a:latin typeface="UT Sans" pitchFamily="50" charset="0"/>
+              </a:rPr>
+              <a:t>Salvarea clienților, conturilor bancare, </a:t>
+            </a:r>
+            <a:r>
+              <a:rPr lang="ro-RO" dirty="0">
+                <a:solidFill>
+                  <a:prstClr val="black"/>
+                </a:solidFill>
+                <a:latin typeface="UT Sans" pitchFamily="50" charset="0"/>
+              </a:rPr>
+              <a:t>seriilor de documente</a:t>
+            </a:r>
+            <a:r>
+              <a:rPr lang="en-US" dirty="0">
+                <a:solidFill>
+                  <a:prstClr val="black"/>
+                </a:solidFill>
+                <a:latin typeface="UT Sans" pitchFamily="50" charset="0"/>
+              </a:rPr>
+              <a:t> </a:t>
+            </a:r>
+            <a:r>
+              <a:rPr lang="ro-RO" dirty="0">
+                <a:solidFill>
+                  <a:prstClr val="black"/>
+                </a:solidFill>
+                <a:latin typeface="UT Sans" pitchFamily="50" charset="0"/>
+              </a:rPr>
+              <a:t>și a produselor folosite la emiterea de facturi</a:t>
+            </a:r>
+            <a:endParaRPr kumimoji="0" lang="en-US" b="0" i="0" u="none" strike="noStrike" kern="1200" cap="none" spc="0" normalizeH="0" baseline="0" noProof="0" dirty="0">
+              <a:ln>
+                <a:noFill/>
+              </a:ln>
+              <a:solidFill>
+                <a:prstClr val="black"/>
+              </a:solidFill>
+              <a:effectLst/>
+              <a:uLnTx/>
+              <a:uFillTx/>
+              <a:latin typeface="UT Sans"/>
+            </a:endParaRPr>
+          </a:p>
+        </p:txBody>
+      </p:sp>
+      <p:pic>
+        <p:nvPicPr>
+          <p:cNvPr id="2" name="Picture 1"/>
+          <p:cNvPicPr>
+            <a:picLocks noChangeAspect="1"/>
+          </p:cNvPicPr>
+          <p:nvPr/>
+        </p:nvPicPr>
+        <p:blipFill>
+          <a:blip r:embed="rId3" cstate="print">
+            <a:extLst>
+              <a:ext uri="{28A0092B-C50C-407E-A947-70E740481C1C}">
+                <a14:useLocalDpi xmlns:a14="http://schemas.microsoft.com/office/drawing/2010/main" val="0"/>
+              </a:ext>
+            </a:extLst>
+          </a:blip>
+          <a:stretch>
+            <a:fillRect/>
+          </a:stretch>
+        </p:blipFill>
+        <p:spPr>
+          <a:xfrm>
+            <a:off x="287524" y="260648"/>
+            <a:ext cx="1692188" cy="600822"/>
+          </a:xfrm>
+          <a:prstGeom prst="rect">
+            <a:avLst/>
+          </a:prstGeom>
+        </p:spPr>
+      </p:pic>
+      <p:sp>
+        <p:nvSpPr>
+          <p:cNvPr id="13" name="TextBox 12">
+            <a:extLst>
+              <a:ext uri="{FF2B5EF4-FFF2-40B4-BE49-F238E27FC236}">
+                <a16:creationId xmlns:a16="http://schemas.microsoft.com/office/drawing/2014/main" id="{649ECE41-5C33-D26B-835E-7DB29D4E17B8}"/>
+              </a:ext>
+            </a:extLst>
+          </p:cNvPr>
+          <p:cNvSpPr txBox="1"/>
+          <p:nvPr/>
+        </p:nvSpPr>
+        <p:spPr>
+          <a:xfrm>
+            <a:off x="457740" y="1101989"/>
+            <a:ext cx="2382191" cy="646331"/>
+          </a:xfrm>
+          <a:prstGeom prst="rect">
+            <a:avLst/>
+          </a:prstGeom>
+          <a:noFill/>
+        </p:spPr>
+        <p:txBody>
+          <a:bodyPr wrap="none" rtlCol="0">
+            <a:spAutoFit/>
+          </a:bodyPr>
+          <a:lstStyle/>
+          <a:p>
+            <a:r>
+              <a:rPr lang="ro-RO" sz="3600" dirty="0">
+                <a:latin typeface="UT Sans"/>
+              </a:rPr>
+              <a:t>Introducere</a:t>
+            </a:r>
+            <a:endParaRPr lang="en-US" sz="3600" dirty="0">
+              <a:latin typeface="UT Sans"/>
+            </a:endParaRPr>
+          </a:p>
+        </p:txBody>
+      </p:sp>
+    </p:spTree>
+    <p:extLst>
+      <p:ext uri="{BB962C8B-B14F-4D97-AF65-F5344CB8AC3E}">
+        <p14:creationId xmlns:p14="http://schemas.microsoft.com/office/powerpoint/2010/main" val="2490966992"/>
+      </p:ext>
+    </p:extLst>
+  </p:cSld>
+  <p:clrMapOvr>
+    <a:masterClrMapping/>
+  </p:clrMapOvr>
+</p:sld>
+</file>
+
+<file path=ppt/slides/slide3.xml><?xml version="1.0" encoding="utf-8"?>
+<p:sld xmlns:a="http://schemas.openxmlformats.org/drawingml/2006/main" xmlns:r="http://schemas.openxmlformats.org/officeDocument/2006/relationships" xmlns:p="http://schemas.openxmlformats.org/presentationml/2006/main">
+  <p:cSld>
+    <p:spTree>
+      <p:nvGrpSpPr>
+        <p:cNvPr id="1" name=""/>
+        <p:cNvGrpSpPr/>
+        <p:nvPr/>
+      </p:nvGrpSpPr>
+      <p:grpSpPr>
+        <a:xfrm>
+          <a:off x="0" y="0"/>
+          <a:ext cx="0" cy="0"/>
+          <a:chOff x="0" y="0"/>
+          <a:chExt cx="0" cy="0"/>
+        </a:xfrm>
+      </p:grpSpPr>
+      <p:grpSp>
+        <p:nvGrpSpPr>
+          <p:cNvPr id="4" name="Group 3"/>
+          <p:cNvGrpSpPr/>
+          <p:nvPr/>
+        </p:nvGrpSpPr>
+        <p:grpSpPr>
+          <a:xfrm>
+            <a:off x="8460432" y="6237312"/>
+            <a:ext cx="216000" cy="216000"/>
+            <a:chOff x="2772000" y="1932221"/>
+            <a:chExt cx="2340000" cy="2340000"/>
+          </a:xfrm>
+        </p:grpSpPr>
+        <p:sp>
+          <p:nvSpPr>
+            <p:cNvPr id="5" name="Rectangle 4"/>
+            <p:cNvSpPr/>
+            <p:nvPr/>
+          </p:nvSpPr>
+          <p:spPr>
+            <a:xfrm>
+              <a:off x="2772000" y="1932221"/>
+              <a:ext cx="2340000" cy="2340000"/>
+            </a:xfrm>
+            <a:prstGeom prst="rect">
+              <a:avLst/>
+            </a:prstGeom>
+            <a:solidFill>
+              <a:schemeClr val="bg1">
+                <a:lumMod val="75000"/>
+              </a:schemeClr>
+            </a:solidFill>
+            <a:ln>
+              <a:noFill/>
+            </a:ln>
+          </p:spPr>
+          <p:style>
+            <a:lnRef idx="2">
+              <a:schemeClr val="accent1">
+                <a:shade val="50000"/>
+              </a:schemeClr>
+            </a:lnRef>
+            <a:fillRef idx="1">
+              <a:schemeClr val="accent1"/>
+            </a:fillRef>
+            <a:effectRef idx="0">
+              <a:schemeClr val="accent1"/>
+            </a:effectRef>
+            <a:fontRef idx="minor">
+              <a:schemeClr val="lt1"/>
+            </a:fontRef>
+          </p:style>
+          <p:txBody>
+            <a:bodyPr rtlCol="0" anchor="ctr"/>
+            <a:lstStyle/>
+            <a:p>
+              <a:pPr algn="ctr"/>
+              <a:endParaRPr lang="en-US">
+                <a:ln>
+                  <a:solidFill>
+                    <a:schemeClr val="bg2">
+                      <a:lumMod val="75000"/>
+                    </a:schemeClr>
+                  </a:solidFill>
+                </a:ln>
+                <a:solidFill>
+                  <a:schemeClr val="tx1"/>
+                </a:solidFill>
+              </a:endParaRPr>
+            </a:p>
+          </p:txBody>
+        </p:sp>
+        <p:sp>
+          <p:nvSpPr>
+            <p:cNvPr id="6" name="Rectangle 5"/>
+            <p:cNvSpPr/>
+            <p:nvPr/>
+          </p:nvSpPr>
+          <p:spPr>
+            <a:xfrm>
+              <a:off x="3546000" y="2706221"/>
+              <a:ext cx="792000" cy="792000"/>
+            </a:xfrm>
+            <a:prstGeom prst="rect">
+              <a:avLst/>
+            </a:prstGeom>
+            <a:solidFill>
+              <a:schemeClr val="bg1"/>
+            </a:solidFill>
+            <a:ln>
+              <a:noFill/>
+            </a:ln>
+          </p:spPr>
+          <p:style>
+            <a:lnRef idx="2">
+              <a:schemeClr val="accent1">
+                <a:shade val="50000"/>
+              </a:schemeClr>
+            </a:lnRef>
+            <a:fillRef idx="1">
+              <a:schemeClr val="accent1"/>
+            </a:fillRef>
+            <a:effectRef idx="0">
+              <a:schemeClr val="accent1"/>
+            </a:effectRef>
+            <a:fontRef idx="minor">
+              <a:schemeClr val="lt1"/>
+            </a:fontRef>
+          </p:style>
+          <p:txBody>
+            <a:bodyPr rtlCol="0" anchor="ctr"/>
+            <a:lstStyle/>
+            <a:p>
+              <a:pPr algn="ctr"/>
+              <a:endParaRPr lang="en-US">
+                <a:ln>
+                  <a:solidFill>
+                    <a:schemeClr val="bg2">
+                      <a:lumMod val="75000"/>
+                    </a:schemeClr>
+                  </a:solidFill>
+                </a:ln>
+                <a:solidFill>
+                  <a:schemeClr val="tx1"/>
+                </a:solidFill>
+              </a:endParaRPr>
+            </a:p>
+          </p:txBody>
+        </p:sp>
+      </p:grpSp>
+      <p:sp>
+        <p:nvSpPr>
+          <p:cNvPr id="7" name="TextBox 6"/>
+          <p:cNvSpPr txBox="1"/>
+          <p:nvPr/>
+        </p:nvSpPr>
+        <p:spPr>
+          <a:xfrm>
+            <a:off x="457740" y="1988840"/>
+            <a:ext cx="8064872" cy="4524315"/>
+          </a:xfrm>
+          <a:prstGeom prst="rect">
+            <a:avLst/>
+          </a:prstGeom>
+          <a:noFill/>
+        </p:spPr>
+        <p:txBody>
+          <a:bodyPr wrap="square" rtlCol="0">
+            <a:spAutoFit/>
+          </a:bodyPr>
+          <a:lstStyle/>
+          <a:p>
+            <a:pPr marL="342900" indent="-342900" algn="just">
+              <a:buBlip>
+                <a:blip r:embed="rId2"/>
+              </a:buBlip>
+            </a:pPr>
+            <a:r>
+              <a:rPr lang="ro-RO" dirty="0">
+                <a:latin typeface="UT Sans"/>
+              </a:rPr>
+              <a:t>Back-end</a:t>
+            </a:r>
+            <a:r>
+              <a:rPr lang="en-US" dirty="0">
+                <a:latin typeface="UT Sans"/>
+              </a:rPr>
+              <a:t>: ASP.NET Core Web API, Entity Framework</a:t>
+            </a:r>
+            <a:endParaRPr lang="pt-BR" dirty="0">
+              <a:latin typeface="UT Sans"/>
+            </a:endParaRPr>
+          </a:p>
+          <a:p>
+            <a:pPr algn="just"/>
+            <a:endParaRPr lang="pt-BR" dirty="0">
+              <a:latin typeface="UT Sans"/>
+            </a:endParaRPr>
+          </a:p>
+          <a:p>
+            <a:pPr marL="342900" indent="-342900" algn="just">
+              <a:buBlip>
+                <a:blip r:embed="rId2"/>
+              </a:buBlip>
+            </a:pPr>
+            <a:r>
+              <a:rPr lang="en-US" dirty="0">
+                <a:latin typeface="UT Sans"/>
+              </a:rPr>
+              <a:t>Front-end: Angular, HTML, SCSS, Typescript</a:t>
+            </a:r>
+          </a:p>
+          <a:p>
+            <a:pPr algn="just"/>
+            <a:endParaRPr lang="ro-RO" dirty="0">
+              <a:latin typeface="UT Symbols" charset="0"/>
+              <a:ea typeface="UT Symbols" charset="0"/>
+              <a:cs typeface="UT Symbols" charset="0"/>
+            </a:endParaRPr>
+          </a:p>
+          <a:p>
+            <a:pPr marL="342900" indent="-342900" algn="just">
+              <a:buBlip>
+                <a:blip r:embed="rId2"/>
+              </a:buBlip>
+            </a:pPr>
+            <a:r>
+              <a:rPr lang="en-US" dirty="0" err="1">
+                <a:latin typeface="UT Sans"/>
+              </a:rPr>
+              <a:t>Baze</a:t>
+            </a:r>
+            <a:r>
+              <a:rPr lang="en-US" dirty="0">
+                <a:latin typeface="UT Sans"/>
+              </a:rPr>
+              <a:t> de date: Microsoft SQL Server</a:t>
+            </a:r>
+          </a:p>
+          <a:p>
+            <a:pPr algn="just"/>
+            <a:endParaRPr lang="en-US" dirty="0">
+              <a:latin typeface="UT Sans"/>
+            </a:endParaRPr>
+          </a:p>
+          <a:p>
+            <a:pPr marL="342900" indent="-342900" algn="just">
+              <a:buBlip>
+                <a:blip r:embed="rId2"/>
+              </a:buBlip>
+            </a:pPr>
+            <a:r>
+              <a:rPr lang="en-US" dirty="0" err="1"/>
+              <a:t>Biblioteci</a:t>
+            </a:r>
+            <a:r>
+              <a:rPr lang="en-US" dirty="0"/>
+              <a:t>:</a:t>
+            </a:r>
+            <a:r>
+              <a:rPr lang="en-US" dirty="0">
+                <a:latin typeface="UT Sans"/>
+              </a:rPr>
+              <a:t> </a:t>
+            </a:r>
+          </a:p>
+          <a:p>
+            <a:pPr marL="342900" indent="-342900" algn="just">
+              <a:buBlip>
+                <a:blip r:embed="rId2"/>
+              </a:buBlip>
+            </a:pPr>
+            <a:endParaRPr lang="en-US" dirty="0">
+              <a:latin typeface="UT Sans"/>
+            </a:endParaRPr>
+          </a:p>
+          <a:p>
+            <a:pPr marL="800100" lvl="1" indent="-342900" algn="just">
+              <a:buFont typeface="Wingdings" panose="05000000000000000000" pitchFamily="2" charset="2"/>
+              <a:buChar char="§"/>
+            </a:pPr>
+            <a:r>
+              <a:rPr lang="en-US" dirty="0" err="1">
+                <a:latin typeface="UT Sans"/>
+              </a:rPr>
+              <a:t>QuestPDF</a:t>
+            </a:r>
+            <a:r>
+              <a:rPr lang="en-US" dirty="0">
+                <a:latin typeface="UT Sans"/>
+              </a:rPr>
+              <a:t> </a:t>
+            </a:r>
+            <a:r>
+              <a:rPr lang="en-US" dirty="0" err="1">
+                <a:latin typeface="UT Sans"/>
+              </a:rPr>
+              <a:t>pentru</a:t>
+            </a:r>
+            <a:r>
+              <a:rPr lang="en-US" dirty="0">
+                <a:latin typeface="UT Sans"/>
+              </a:rPr>
+              <a:t> </a:t>
+            </a:r>
+            <a:r>
+              <a:rPr lang="en-US" dirty="0" err="1">
+                <a:latin typeface="UT Sans"/>
+              </a:rPr>
+              <a:t>generarea</a:t>
+            </a:r>
+            <a:r>
+              <a:rPr lang="en-US" dirty="0">
+                <a:latin typeface="UT Sans"/>
+              </a:rPr>
+              <a:t> </a:t>
+            </a:r>
+            <a:r>
+              <a:rPr lang="en-US" dirty="0" err="1">
+                <a:latin typeface="UT Sans"/>
+              </a:rPr>
+              <a:t>documentelor</a:t>
+            </a:r>
+            <a:r>
+              <a:rPr lang="en-US" dirty="0">
+                <a:latin typeface="UT Sans"/>
+              </a:rPr>
+              <a:t> PDF</a:t>
+            </a:r>
+          </a:p>
+          <a:p>
+            <a:pPr marL="800100" lvl="1" indent="-342900" algn="just">
+              <a:buFont typeface="Wingdings" panose="05000000000000000000" pitchFamily="2" charset="2"/>
+              <a:buChar char="§"/>
+            </a:pPr>
+            <a:r>
+              <a:rPr lang="en-US" dirty="0" err="1">
+                <a:latin typeface="UT Sans"/>
+              </a:rPr>
+              <a:t>AutoMapper</a:t>
+            </a:r>
+            <a:r>
+              <a:rPr lang="en-US" dirty="0">
+                <a:latin typeface="UT Sans"/>
+              </a:rPr>
+              <a:t> </a:t>
+            </a:r>
+            <a:r>
+              <a:rPr lang="en-US" dirty="0" err="1">
+                <a:latin typeface="UT Sans"/>
+              </a:rPr>
+              <a:t>pentru</a:t>
+            </a:r>
+            <a:r>
+              <a:rPr lang="en-US" dirty="0">
+                <a:latin typeface="UT Sans"/>
+              </a:rPr>
+              <a:t> </a:t>
+            </a:r>
+            <a:r>
+              <a:rPr lang="en-US" dirty="0" err="1">
+                <a:latin typeface="UT Sans"/>
+              </a:rPr>
+              <a:t>maparea</a:t>
+            </a:r>
+            <a:r>
+              <a:rPr lang="en-US" dirty="0">
+                <a:latin typeface="UT Sans"/>
+              </a:rPr>
+              <a:t> </a:t>
+            </a:r>
+            <a:r>
+              <a:rPr lang="ro-RO" dirty="0">
+                <a:latin typeface="UT Sans"/>
+              </a:rPr>
+              <a:t>între clase</a:t>
+            </a:r>
+          </a:p>
+          <a:p>
+            <a:pPr marL="800100" lvl="1" indent="-342900" algn="just">
+              <a:buFont typeface="Wingdings" panose="05000000000000000000" pitchFamily="2" charset="2"/>
+              <a:buChar char="§"/>
+            </a:pPr>
+            <a:r>
+              <a:rPr lang="ro-RO" dirty="0">
+                <a:latin typeface="UT Sans"/>
+              </a:rPr>
+              <a:t>Bcrypt.Net pentru criptarea parolei</a:t>
+            </a:r>
+          </a:p>
+          <a:p>
+            <a:pPr marL="800100" lvl="1" indent="-342900" algn="just">
+              <a:buFont typeface="Wingdings" panose="05000000000000000000" pitchFamily="2" charset="2"/>
+              <a:buChar char="§"/>
+            </a:pPr>
+            <a:r>
+              <a:rPr lang="ro-RO" dirty="0">
+                <a:latin typeface="UT Sans"/>
+              </a:rPr>
+              <a:t>Jwt Bearer pentru autentificare</a:t>
+            </a:r>
+          </a:p>
+          <a:p>
+            <a:pPr marL="800100" lvl="1" indent="-342900" algn="just">
+              <a:buFont typeface="Wingdings" panose="05000000000000000000" pitchFamily="2" charset="2"/>
+              <a:buChar char="§"/>
+            </a:pPr>
+            <a:r>
+              <a:rPr lang="ro-RO" dirty="0">
+                <a:latin typeface="UT Sans"/>
+              </a:rPr>
+              <a:t>Angular Material pentru componentele de UI</a:t>
+            </a:r>
+          </a:p>
+          <a:p>
+            <a:pPr marL="800100" lvl="1" indent="-342900" algn="just">
+              <a:buFont typeface="Wingdings" panose="05000000000000000000" pitchFamily="2" charset="2"/>
+              <a:buChar char="§"/>
+            </a:pPr>
+            <a:r>
+              <a:rPr lang="ro-RO" dirty="0">
+                <a:latin typeface="UT Sans"/>
+              </a:rPr>
+              <a:t>Ng2charts pentru componente de tip grafic</a:t>
+            </a:r>
+          </a:p>
+          <a:p>
+            <a:pPr marL="800100" lvl="1" indent="-342900" algn="just">
+              <a:buFont typeface="Wingdings" panose="05000000000000000000" pitchFamily="2" charset="2"/>
+              <a:buChar char="§"/>
+            </a:pPr>
+            <a:endParaRPr lang="en-US" dirty="0">
+              <a:latin typeface="UT Sans"/>
+            </a:endParaRPr>
+          </a:p>
+          <a:p>
+            <a:pPr algn="just"/>
+            <a:r>
+              <a:rPr lang="en-US" dirty="0">
+                <a:latin typeface="UT Sans"/>
+              </a:rPr>
+              <a:t>       </a:t>
+            </a:r>
+            <a:endParaRPr lang="ro-RO" dirty="0">
+              <a:latin typeface="UT Sans"/>
+            </a:endParaRPr>
+          </a:p>
+        </p:txBody>
+      </p:sp>
+      <p:pic>
+        <p:nvPicPr>
+          <p:cNvPr id="2" name="Picture 1"/>
+          <p:cNvPicPr>
+            <a:picLocks noChangeAspect="1"/>
+          </p:cNvPicPr>
+          <p:nvPr/>
+        </p:nvPicPr>
+        <p:blipFill>
+          <a:blip r:embed="rId3" cstate="print">
+            <a:extLst>
+              <a:ext uri="{28A0092B-C50C-407E-A947-70E740481C1C}">
+                <a14:useLocalDpi xmlns:a14="http://schemas.microsoft.com/office/drawing/2010/main" val="0"/>
+              </a:ext>
+            </a:extLst>
+          </a:blip>
+          <a:stretch>
+            <a:fillRect/>
+          </a:stretch>
+        </p:blipFill>
+        <p:spPr>
+          <a:xfrm>
+            <a:off x="287524" y="260648"/>
+            <a:ext cx="1692188" cy="600822"/>
+          </a:xfrm>
+          <a:prstGeom prst="rect">
+            <a:avLst/>
+          </a:prstGeom>
+        </p:spPr>
+      </p:pic>
+      <p:sp>
+        <p:nvSpPr>
+          <p:cNvPr id="13" name="TextBox 12">
+            <a:extLst>
+              <a:ext uri="{FF2B5EF4-FFF2-40B4-BE49-F238E27FC236}">
+                <a16:creationId xmlns:a16="http://schemas.microsoft.com/office/drawing/2014/main" id="{649ECE41-5C33-D26B-835E-7DB29D4E17B8}"/>
+              </a:ext>
+            </a:extLst>
+          </p:cNvPr>
+          <p:cNvSpPr txBox="1"/>
+          <p:nvPr/>
+        </p:nvSpPr>
+        <p:spPr>
+          <a:xfrm>
+            <a:off x="457740" y="1101989"/>
+            <a:ext cx="3691780" cy="646331"/>
+          </a:xfrm>
+          <a:prstGeom prst="rect">
+            <a:avLst/>
+          </a:prstGeom>
+          <a:noFill/>
+        </p:spPr>
+        <p:txBody>
+          <a:bodyPr wrap="none" rtlCol="0">
+            <a:spAutoFit/>
+          </a:bodyPr>
+          <a:lstStyle/>
+          <a:p>
+            <a:r>
+              <a:rPr lang="en-US" sz="3600" dirty="0" err="1"/>
+              <a:t>Tehnologii</a:t>
+            </a:r>
+            <a:r>
+              <a:rPr lang="en-US" sz="3600" dirty="0"/>
+              <a:t> </a:t>
+            </a:r>
+            <a:r>
+              <a:rPr lang="ro-RO" sz="3600" dirty="0"/>
+              <a:t>u</a:t>
+            </a:r>
+            <a:r>
+              <a:rPr lang="en-US" sz="3600" dirty="0" err="1"/>
+              <a:t>tilizate</a:t>
+            </a:r>
+            <a:endParaRPr lang="en-US" sz="3600" dirty="0">
+              <a:latin typeface="UT Sans"/>
+            </a:endParaRPr>
+          </a:p>
+        </p:txBody>
+      </p:sp>
+      <p:pic>
+        <p:nvPicPr>
+          <p:cNvPr id="14" name="Picture 13" descr="A purple circle with white text&#10;&#10;Description automatically generated">
+            <a:extLst>
+              <a:ext uri="{FF2B5EF4-FFF2-40B4-BE49-F238E27FC236}">
+                <a16:creationId xmlns:a16="http://schemas.microsoft.com/office/drawing/2014/main" id="{3B294F4D-F12C-0E32-F0F9-930B0EDBF3F1}"/>
+              </a:ext>
+            </a:extLst>
+          </p:cNvPr>
+          <p:cNvPicPr>
+            <a:picLocks noChangeAspect="1"/>
+          </p:cNvPicPr>
+          <p:nvPr/>
+        </p:nvPicPr>
+        <p:blipFill>
+          <a:blip r:embed="rId4" cstate="print">
+            <a:extLst>
+              <a:ext uri="{28A0092B-C50C-407E-A947-70E740481C1C}">
+                <a14:useLocalDpi xmlns:a14="http://schemas.microsoft.com/office/drawing/2010/main" val="0"/>
+              </a:ext>
+            </a:extLst>
+          </a:blip>
+          <a:stretch>
+            <a:fillRect/>
+          </a:stretch>
+        </p:blipFill>
+        <p:spPr>
+          <a:xfrm>
+            <a:off x="6170854" y="1887571"/>
+            <a:ext cx="563686" cy="563686"/>
+          </a:xfrm>
+          <a:prstGeom prst="rect">
+            <a:avLst/>
+          </a:prstGeom>
+        </p:spPr>
+      </p:pic>
+      <p:pic>
+        <p:nvPicPr>
+          <p:cNvPr id="16" name="Picture 15" descr="A red and white logo&#10;&#10;Description automatically generated">
+            <a:extLst>
+              <a:ext uri="{FF2B5EF4-FFF2-40B4-BE49-F238E27FC236}">
+                <a16:creationId xmlns:a16="http://schemas.microsoft.com/office/drawing/2014/main" id="{6FE33DE2-C734-B341-EC9F-92A306AA76BC}"/>
+              </a:ext>
+            </a:extLst>
+          </p:cNvPr>
+          <p:cNvPicPr>
+            <a:picLocks noChangeAspect="1"/>
+          </p:cNvPicPr>
+          <p:nvPr/>
+        </p:nvPicPr>
+        <p:blipFill>
+          <a:blip r:embed="rId5" cstate="print">
+            <a:extLst>
+              <a:ext uri="{28A0092B-C50C-407E-A947-70E740481C1C}">
+                <a14:useLocalDpi xmlns:a14="http://schemas.microsoft.com/office/drawing/2010/main" val="0"/>
+              </a:ext>
+            </a:extLst>
+          </a:blip>
+          <a:stretch>
+            <a:fillRect/>
+          </a:stretch>
+        </p:blipFill>
+        <p:spPr>
+          <a:xfrm>
+            <a:off x="6828695" y="1237527"/>
+            <a:ext cx="756084" cy="756084"/>
+          </a:xfrm>
+          <a:prstGeom prst="rect">
+            <a:avLst/>
+          </a:prstGeom>
+        </p:spPr>
+      </p:pic>
+      <p:pic>
+        <p:nvPicPr>
+          <p:cNvPr id="18" name="Graphic 17">
+            <a:extLst>
+              <a:ext uri="{FF2B5EF4-FFF2-40B4-BE49-F238E27FC236}">
+                <a16:creationId xmlns:a16="http://schemas.microsoft.com/office/drawing/2014/main" id="{1790A2D2-6841-4D80-F18D-9E0FD8FC2594}"/>
+              </a:ext>
+            </a:extLst>
+          </p:cNvPr>
+          <p:cNvPicPr>
+            <a:picLocks noChangeAspect="1"/>
+          </p:cNvPicPr>
+          <p:nvPr/>
+        </p:nvPicPr>
+        <p:blipFill>
+          <a:blip r:embed="rId6" cstate="print">
+            <a:extLst>
+              <a:ext uri="{28A0092B-C50C-407E-A947-70E740481C1C}">
+                <a14:useLocalDpi xmlns:a14="http://schemas.microsoft.com/office/drawing/2010/main" val="0"/>
+              </a:ext>
+              <a:ext uri="{96DAC541-7B7A-43D3-8B79-37D633B846F1}">
+                <asvg:svgBlip xmlns:asvg="http://schemas.microsoft.com/office/drawing/2016/SVG/main" r:embed="rId7"/>
+              </a:ext>
+            </a:extLst>
+          </a:blip>
+          <a:stretch>
+            <a:fillRect/>
+          </a:stretch>
+        </p:blipFill>
+        <p:spPr>
+          <a:xfrm>
+            <a:off x="7454474" y="2071191"/>
+            <a:ext cx="782451" cy="632533"/>
+          </a:xfrm>
+          <a:prstGeom prst="rect">
+            <a:avLst/>
+          </a:prstGeom>
+        </p:spPr>
+      </p:pic>
+      <p:pic>
+        <p:nvPicPr>
+          <p:cNvPr id="2055" name="Picture 7" descr="Auto Mapper in .NET 6 | Tech Playground">
+            <a:extLst>
+              <a:ext uri="{FF2B5EF4-FFF2-40B4-BE49-F238E27FC236}">
+                <a16:creationId xmlns:a16="http://schemas.microsoft.com/office/drawing/2014/main" id="{60291D73-5166-6DA1-50A4-6526814368C4}"/>
+              </a:ext>
+            </a:extLst>
+          </p:cNvPr>
+          <p:cNvPicPr>
+            <a:picLocks noChangeAspect="1" noChangeArrowheads="1"/>
+          </p:cNvPicPr>
+          <p:nvPr/>
+        </p:nvPicPr>
+        <p:blipFill>
+          <a:blip r:embed="rId8" cstate="print">
+            <a:extLst>
+              <a:ext uri="{28A0092B-C50C-407E-A947-70E740481C1C}">
+                <a14:useLocalDpi xmlns:a14="http://schemas.microsoft.com/office/drawing/2010/main" val="0"/>
+              </a:ext>
+            </a:extLst>
+          </a:blip>
+          <a:srcRect/>
+          <a:stretch>
+            <a:fillRect/>
+          </a:stretch>
+        </p:blipFill>
+        <p:spPr bwMode="auto">
+          <a:xfrm>
+            <a:off x="5580112" y="4644906"/>
+            <a:ext cx="1745170" cy="872585"/>
+          </a:xfrm>
+          <a:prstGeom prst="rect">
+            <a:avLst/>
+          </a:prstGeom>
+          <a:noFill/>
+          <a:extLst>
+            <a:ext uri="{909E8E84-426E-40DD-AFC4-6F175D3DCCD1}">
+              <a14:hiddenFill xmlns:a14="http://schemas.microsoft.com/office/drawing/2010/main">
+                <a:solidFill>
+                  <a:srgbClr val="FFFFFF"/>
+                </a:solidFill>
+              </a14:hiddenFill>
+            </a:ext>
+          </a:extLst>
+        </p:spPr>
+      </p:pic>
+      <p:pic>
+        <p:nvPicPr>
+          <p:cNvPr id="20" name="Picture 19">
+            <a:extLst>
+              <a:ext uri="{FF2B5EF4-FFF2-40B4-BE49-F238E27FC236}">
+                <a16:creationId xmlns:a16="http://schemas.microsoft.com/office/drawing/2014/main" id="{72370C25-C0A2-B7FF-216B-D168EB14C4C3}"/>
+              </a:ext>
+            </a:extLst>
+          </p:cNvPr>
+          <p:cNvPicPr>
+            <a:picLocks noChangeAspect="1"/>
+          </p:cNvPicPr>
+          <p:nvPr/>
+        </p:nvPicPr>
+        <p:blipFill>
+          <a:blip r:embed="rId9"/>
+          <a:stretch>
+            <a:fillRect/>
+          </a:stretch>
+        </p:blipFill>
+        <p:spPr>
+          <a:xfrm>
+            <a:off x="6372200" y="4127878"/>
+            <a:ext cx="1741373" cy="487224"/>
+          </a:xfrm>
+          <a:prstGeom prst="rect">
+            <a:avLst/>
+          </a:prstGeom>
+        </p:spPr>
+      </p:pic>
+      <p:pic>
+        <p:nvPicPr>
+          <p:cNvPr id="22" name="Picture 21" descr="A logo with a black background&#10;&#10;Description automatically generated">
+            <a:extLst>
+              <a:ext uri="{FF2B5EF4-FFF2-40B4-BE49-F238E27FC236}">
+                <a16:creationId xmlns:a16="http://schemas.microsoft.com/office/drawing/2014/main" id="{8C54EDEC-0B40-C5A2-B194-06E97FB3387D}"/>
+              </a:ext>
+            </a:extLst>
+          </p:cNvPr>
+          <p:cNvPicPr>
+            <a:picLocks noChangeAspect="1"/>
+          </p:cNvPicPr>
+          <p:nvPr/>
+        </p:nvPicPr>
+        <p:blipFill>
+          <a:blip r:embed="rId10" cstate="print">
+            <a:extLst>
+              <a:ext uri="{28A0092B-C50C-407E-A947-70E740481C1C}">
+                <a14:useLocalDpi xmlns:a14="http://schemas.microsoft.com/office/drawing/2010/main" val="0"/>
+              </a:ext>
+            </a:extLst>
+          </a:blip>
+          <a:stretch>
+            <a:fillRect/>
+          </a:stretch>
+        </p:blipFill>
+        <p:spPr>
+          <a:xfrm>
+            <a:off x="7206737" y="4663823"/>
+            <a:ext cx="1220114" cy="762572"/>
+          </a:xfrm>
+          <a:prstGeom prst="rect">
+            <a:avLst/>
+          </a:prstGeom>
+        </p:spPr>
+      </p:pic>
+      <p:pic>
+        <p:nvPicPr>
+          <p:cNvPr id="26" name="Picture 25" descr="A close up of a logo&#10;&#10;Description automatically generated">
+            <a:extLst>
+              <a:ext uri="{FF2B5EF4-FFF2-40B4-BE49-F238E27FC236}">
+                <a16:creationId xmlns:a16="http://schemas.microsoft.com/office/drawing/2014/main" id="{E4171218-5404-78EA-6E72-91258BB0461A}"/>
+              </a:ext>
+            </a:extLst>
+          </p:cNvPr>
+          <p:cNvPicPr>
+            <a:picLocks noChangeAspect="1"/>
+          </p:cNvPicPr>
+          <p:nvPr/>
+        </p:nvPicPr>
+        <p:blipFill>
+          <a:blip r:embed="rId11" cstate="print">
+            <a:extLst>
+              <a:ext uri="{28A0092B-C50C-407E-A947-70E740481C1C}">
+                <a14:useLocalDpi xmlns:a14="http://schemas.microsoft.com/office/drawing/2010/main" val="0"/>
+              </a:ext>
+            </a:extLst>
+          </a:blip>
+          <a:stretch>
+            <a:fillRect/>
+          </a:stretch>
+        </p:blipFill>
+        <p:spPr>
+          <a:xfrm>
+            <a:off x="6228184" y="5581555"/>
+            <a:ext cx="2107341" cy="370892"/>
+          </a:xfrm>
+          <a:prstGeom prst="rect">
+            <a:avLst/>
+          </a:prstGeom>
+        </p:spPr>
+      </p:pic>
+      <p:pic>
+        <p:nvPicPr>
+          <p:cNvPr id="8" name="Picture 7" descr="A blue triangle with black text&#10;&#10;Description automatically generated">
+            <a:extLst>
+              <a:ext uri="{FF2B5EF4-FFF2-40B4-BE49-F238E27FC236}">
+                <a16:creationId xmlns:a16="http://schemas.microsoft.com/office/drawing/2014/main" id="{2EF5FC3C-6399-E905-028E-180CAA9DD394}"/>
+              </a:ext>
+            </a:extLst>
+          </p:cNvPr>
+          <p:cNvPicPr>
+            <a:picLocks noChangeAspect="1"/>
+          </p:cNvPicPr>
+          <p:nvPr/>
+        </p:nvPicPr>
+        <p:blipFill>
+          <a:blip r:embed="rId12" cstate="print">
+            <a:extLst>
+              <a:ext uri="{28A0092B-C50C-407E-A947-70E740481C1C}">
+                <a14:useLocalDpi xmlns:a14="http://schemas.microsoft.com/office/drawing/2010/main" val="0"/>
+              </a:ext>
+            </a:extLst>
+          </a:blip>
+          <a:stretch>
+            <a:fillRect/>
+          </a:stretch>
+        </p:blipFill>
+        <p:spPr>
+          <a:xfrm>
+            <a:off x="6586859" y="2730122"/>
+            <a:ext cx="756084" cy="756084"/>
+          </a:xfrm>
+          <a:prstGeom prst="rect">
+            <a:avLst/>
+          </a:prstGeom>
+        </p:spPr>
+      </p:pic>
+    </p:spTree>
+    <p:extLst>
+      <p:ext uri="{BB962C8B-B14F-4D97-AF65-F5344CB8AC3E}">
+        <p14:creationId xmlns:p14="http://schemas.microsoft.com/office/powerpoint/2010/main" val="795642111"/>
+      </p:ext>
+    </p:extLst>
+  </p:cSld>
+  <p:clrMapOvr>
+    <a:masterClrMapping/>
+  </p:clrMapOvr>
+</p:sld>
+</file>
+
+<file path=ppt/slides/slide4.xml><?xml version="1.0" encoding="utf-8"?>
+<p:sld xmlns:a="http://schemas.openxmlformats.org/drawingml/2006/main" xmlns:r="http://schemas.openxmlformats.org/officeDocument/2006/relationships" xmlns:p="http://schemas.openxmlformats.org/presentationml/2006/main">
+  <p:cSld>
+    <p:spTree>
+      <p:nvGrpSpPr>
+        <p:cNvPr id="1" name=""/>
+        <p:cNvGrpSpPr/>
+        <p:nvPr/>
+      </p:nvGrpSpPr>
+      <p:grpSpPr>
+        <a:xfrm>
+          <a:off x="0" y="0"/>
+          <a:ext cx="0" cy="0"/>
+          <a:chOff x="0" y="0"/>
+          <a:chExt cx="0" cy="0"/>
+        </a:xfrm>
+      </p:grpSpPr>
+      <p:grpSp>
+        <p:nvGrpSpPr>
+          <p:cNvPr id="4" name="Group 3"/>
+          <p:cNvGrpSpPr/>
+          <p:nvPr/>
+        </p:nvGrpSpPr>
+        <p:grpSpPr>
+          <a:xfrm>
+            <a:off x="8460432" y="6237312"/>
+            <a:ext cx="216000" cy="216000"/>
+            <a:chOff x="2772000" y="1932221"/>
+            <a:chExt cx="2340000" cy="2340000"/>
+          </a:xfrm>
+        </p:grpSpPr>
+        <p:sp>
+          <p:nvSpPr>
+            <p:cNvPr id="5" name="Rectangle 4"/>
+            <p:cNvSpPr/>
+            <p:nvPr/>
+          </p:nvSpPr>
+          <p:spPr>
+            <a:xfrm>
+              <a:off x="2772000" y="1932221"/>
+              <a:ext cx="2340000" cy="2340000"/>
+            </a:xfrm>
+            <a:prstGeom prst="rect">
+              <a:avLst/>
+            </a:prstGeom>
+            <a:solidFill>
+              <a:schemeClr val="bg1">
+                <a:lumMod val="75000"/>
+              </a:schemeClr>
+            </a:solidFill>
+            <a:ln>
+              <a:noFill/>
+            </a:ln>
+          </p:spPr>
+          <p:style>
+            <a:lnRef idx="2">
+              <a:schemeClr val="accent1">
+                <a:shade val="50000"/>
+              </a:schemeClr>
+            </a:lnRef>
+            <a:fillRef idx="1">
+              <a:schemeClr val="accent1"/>
+            </a:fillRef>
+            <a:effectRef idx="0">
+              <a:schemeClr val="accent1"/>
+            </a:effectRef>
+            <a:fontRef idx="minor">
+              <a:schemeClr val="lt1"/>
+            </a:fontRef>
+          </p:style>
+          <p:txBody>
+            <a:bodyPr rtlCol="0" anchor="ctr"/>
+            <a:lstStyle/>
+            <a:p>
+              <a:pPr algn="ctr"/>
+              <a:endParaRPr lang="en-US">
+                <a:ln>
+                  <a:solidFill>
+                    <a:schemeClr val="bg2">
+                      <a:lumMod val="75000"/>
+                    </a:schemeClr>
+                  </a:solidFill>
+                </a:ln>
+                <a:solidFill>
+                  <a:schemeClr val="tx1"/>
+                </a:solidFill>
+              </a:endParaRPr>
+            </a:p>
+          </p:txBody>
+        </p:sp>
+        <p:sp>
+          <p:nvSpPr>
+            <p:cNvPr id="6" name="Rectangle 5"/>
+            <p:cNvSpPr/>
+            <p:nvPr/>
+          </p:nvSpPr>
+          <p:spPr>
+            <a:xfrm>
+              <a:off x="3546000" y="2706221"/>
+              <a:ext cx="792000" cy="792000"/>
+            </a:xfrm>
+            <a:prstGeom prst="rect">
+              <a:avLst/>
+            </a:prstGeom>
+            <a:solidFill>
+              <a:schemeClr val="bg1"/>
+            </a:solidFill>
+            <a:ln>
+              <a:noFill/>
+            </a:ln>
+          </p:spPr>
+          <p:style>
+            <a:lnRef idx="2">
+              <a:schemeClr val="accent1">
+                <a:shade val="50000"/>
+              </a:schemeClr>
+            </a:lnRef>
+            <a:fillRef idx="1">
+              <a:schemeClr val="accent1"/>
+            </a:fillRef>
+            <a:effectRef idx="0">
+              <a:schemeClr val="accent1"/>
+            </a:effectRef>
+            <a:fontRef idx="minor">
+              <a:schemeClr val="lt1"/>
+            </a:fontRef>
+          </p:style>
+          <p:txBody>
+            <a:bodyPr rtlCol="0" anchor="ctr"/>
+            <a:lstStyle/>
+            <a:p>
+              <a:pPr algn="ctr"/>
+              <a:endParaRPr lang="en-US">
+                <a:ln>
+                  <a:solidFill>
+                    <a:schemeClr val="bg2">
+                      <a:lumMod val="75000"/>
+                    </a:schemeClr>
+                  </a:solidFill>
+                </a:ln>
+                <a:solidFill>
+                  <a:schemeClr val="tx1"/>
+                </a:solidFill>
+              </a:endParaRPr>
+            </a:p>
+          </p:txBody>
+        </p:sp>
+      </p:grpSp>
+      <p:pic>
+        <p:nvPicPr>
+          <p:cNvPr id="2" name="Picture 1"/>
+          <p:cNvPicPr>
+            <a:picLocks noChangeAspect="1"/>
+          </p:cNvPicPr>
+          <p:nvPr/>
+        </p:nvPicPr>
+        <p:blipFill>
+          <a:blip r:embed="rId2" cstate="print">
+            <a:extLst>
+              <a:ext uri="{28A0092B-C50C-407E-A947-70E740481C1C}">
+                <a14:useLocalDpi xmlns:a14="http://schemas.microsoft.com/office/drawing/2010/main" val="0"/>
+              </a:ext>
+            </a:extLst>
+          </a:blip>
+          <a:stretch>
+            <a:fillRect/>
+          </a:stretch>
+        </p:blipFill>
+        <p:spPr>
+          <a:xfrm>
+            <a:off x="287524" y="260648"/>
+            <a:ext cx="1692188" cy="600822"/>
+          </a:xfrm>
+          <a:prstGeom prst="rect">
+            <a:avLst/>
+          </a:prstGeom>
+        </p:spPr>
+      </p:pic>
+      <p:sp>
+        <p:nvSpPr>
+          <p:cNvPr id="13" name="TextBox 12">
+            <a:extLst>
+              <a:ext uri="{FF2B5EF4-FFF2-40B4-BE49-F238E27FC236}">
+                <a16:creationId xmlns:a16="http://schemas.microsoft.com/office/drawing/2014/main" id="{649ECE41-5C33-D26B-835E-7DB29D4E17B8}"/>
+              </a:ext>
+            </a:extLst>
+          </p:cNvPr>
+          <p:cNvSpPr txBox="1"/>
+          <p:nvPr/>
+        </p:nvSpPr>
+        <p:spPr>
+          <a:xfrm>
+            <a:off x="457740" y="1101989"/>
+            <a:ext cx="4824206" cy="646331"/>
+          </a:xfrm>
+          <a:prstGeom prst="rect">
+            <a:avLst/>
+          </a:prstGeom>
+          <a:noFill/>
+        </p:spPr>
+        <p:txBody>
+          <a:bodyPr wrap="none" rtlCol="0">
+            <a:spAutoFit/>
+          </a:bodyPr>
+          <a:lstStyle/>
+          <a:p>
+            <a:r>
+              <a:rPr lang="ro-RO" sz="3600" dirty="0">
+                <a:latin typeface="UT Sans"/>
+              </a:rPr>
+              <a:t>Diagrama UML de actori</a:t>
+            </a:r>
+            <a:endParaRPr lang="en-US" sz="3600" dirty="0">
+              <a:latin typeface="UT Sans"/>
+            </a:endParaRPr>
+          </a:p>
+        </p:txBody>
+      </p:sp>
+      <p:pic>
+        <p:nvPicPr>
+          <p:cNvPr id="7" name="Picture 6">
+            <a:extLst>
+              <a:ext uri="{FF2B5EF4-FFF2-40B4-BE49-F238E27FC236}">
+                <a16:creationId xmlns:a16="http://schemas.microsoft.com/office/drawing/2014/main" id="{27B77C0D-C6F2-439B-5D27-16739C972303}"/>
+              </a:ext>
+            </a:extLst>
+          </p:cNvPr>
+          <p:cNvPicPr>
+            <a:picLocks noChangeAspect="1"/>
+          </p:cNvPicPr>
+          <p:nvPr/>
+        </p:nvPicPr>
+        <p:blipFill>
+          <a:blip r:embed="rId3" cstate="print">
+            <a:extLst>
+              <a:ext uri="{28A0092B-C50C-407E-A947-70E740481C1C}">
+                <a14:useLocalDpi xmlns:a14="http://schemas.microsoft.com/office/drawing/2010/main" val="0"/>
+              </a:ext>
+            </a:extLst>
+          </a:blip>
+          <a:srcRect/>
+          <a:stretch>
+            <a:fillRect/>
+          </a:stretch>
+        </p:blipFill>
+        <p:spPr bwMode="auto">
+          <a:xfrm>
+            <a:off x="1547664" y="1708666"/>
+            <a:ext cx="5915246" cy="4600092"/>
+          </a:xfrm>
+          <a:prstGeom prst="rect">
+            <a:avLst/>
+          </a:prstGeom>
+          <a:noFill/>
+          <a:ln>
+            <a:noFill/>
+          </a:ln>
+        </p:spPr>
+      </p:pic>
+    </p:spTree>
+    <p:extLst>
+      <p:ext uri="{BB962C8B-B14F-4D97-AF65-F5344CB8AC3E}">
+        <p14:creationId xmlns:p14="http://schemas.microsoft.com/office/powerpoint/2010/main" val="1074053174"/>
+      </p:ext>
+    </p:extLst>
+  </p:cSld>
+  <p:clrMapOvr>
+    <a:masterClrMapping/>
+  </p:clrMapOvr>
+</p:sld>
+</file>
+
+<file path=ppt/slides/slide5.xml><?xml version="1.0" encoding="utf-8"?>
+<p:sld xmlns:a="http://schemas.openxmlformats.org/drawingml/2006/main" xmlns:r="http://schemas.openxmlformats.org/officeDocument/2006/relationships" xmlns:p="http://schemas.openxmlformats.org/presentationml/2006/main">
+  <p:cSld>
+    <p:spTree>
+      <p:nvGrpSpPr>
+        <p:cNvPr id="1" name=""/>
+        <p:cNvGrpSpPr/>
+        <p:nvPr/>
+      </p:nvGrpSpPr>
+      <p:grpSpPr>
+        <a:xfrm>
+          <a:off x="0" y="0"/>
+          <a:ext cx="0" cy="0"/>
+          <a:chOff x="0" y="0"/>
+          <a:chExt cx="0" cy="0"/>
+        </a:xfrm>
+      </p:grpSpPr>
+      <p:grpSp>
+        <p:nvGrpSpPr>
+          <p:cNvPr id="4" name="Group 3"/>
+          <p:cNvGrpSpPr/>
+          <p:nvPr/>
+        </p:nvGrpSpPr>
+        <p:grpSpPr>
+          <a:xfrm>
+            <a:off x="8460432" y="6237312"/>
+            <a:ext cx="216000" cy="216000"/>
+            <a:chOff x="2772000" y="1932221"/>
+            <a:chExt cx="2340000" cy="2340000"/>
+          </a:xfrm>
+        </p:grpSpPr>
+        <p:sp>
+          <p:nvSpPr>
+            <p:cNvPr id="5" name="Rectangle 4"/>
+            <p:cNvSpPr/>
+            <p:nvPr/>
+          </p:nvSpPr>
+          <p:spPr>
+            <a:xfrm>
+              <a:off x="2772000" y="1932221"/>
+              <a:ext cx="2340000" cy="2340000"/>
+            </a:xfrm>
+            <a:prstGeom prst="rect">
+              <a:avLst/>
+            </a:prstGeom>
+            <a:solidFill>
+              <a:schemeClr val="bg1">
+                <a:lumMod val="75000"/>
+              </a:schemeClr>
+            </a:solidFill>
+            <a:ln>
+              <a:noFill/>
+            </a:ln>
+          </p:spPr>
+          <p:style>
+            <a:lnRef idx="2">
+              <a:schemeClr val="accent1">
+                <a:shade val="50000"/>
+              </a:schemeClr>
+            </a:lnRef>
+            <a:fillRef idx="1">
+              <a:schemeClr val="accent1"/>
+            </a:fillRef>
+            <a:effectRef idx="0">
+              <a:schemeClr val="accent1"/>
+            </a:effectRef>
+            <a:fontRef idx="minor">
+              <a:schemeClr val="lt1"/>
+            </a:fontRef>
+          </p:style>
+          <p:txBody>
+            <a:bodyPr rtlCol="0" anchor="ctr"/>
+            <a:lstStyle/>
+            <a:p>
+              <a:pPr algn="ctr"/>
+              <a:endParaRPr lang="en-US">
+                <a:ln>
+                  <a:solidFill>
+                    <a:schemeClr val="bg2">
+                      <a:lumMod val="75000"/>
+                    </a:schemeClr>
+                  </a:solidFill>
+                </a:ln>
+                <a:solidFill>
+                  <a:schemeClr val="tx1"/>
+                </a:solidFill>
+              </a:endParaRPr>
+            </a:p>
+          </p:txBody>
+        </p:sp>
+        <p:sp>
+          <p:nvSpPr>
+            <p:cNvPr id="6" name="Rectangle 5"/>
+            <p:cNvSpPr/>
+            <p:nvPr/>
+          </p:nvSpPr>
+          <p:spPr>
+            <a:xfrm>
+              <a:off x="3546000" y="2706221"/>
+              <a:ext cx="792000" cy="792000"/>
+            </a:xfrm>
+            <a:prstGeom prst="rect">
+              <a:avLst/>
+            </a:prstGeom>
+            <a:solidFill>
+              <a:schemeClr val="bg1"/>
+            </a:solidFill>
+            <a:ln>
+              <a:noFill/>
+            </a:ln>
+          </p:spPr>
+          <p:style>
+            <a:lnRef idx="2">
+              <a:schemeClr val="accent1">
+                <a:shade val="50000"/>
+              </a:schemeClr>
+            </a:lnRef>
+            <a:fillRef idx="1">
+              <a:schemeClr val="accent1"/>
+            </a:fillRef>
+            <a:effectRef idx="0">
+              <a:schemeClr val="accent1"/>
+            </a:effectRef>
+            <a:fontRef idx="minor">
+              <a:schemeClr val="lt1"/>
+            </a:fontRef>
+          </p:style>
+          <p:txBody>
+            <a:bodyPr rtlCol="0" anchor="ctr"/>
+            <a:lstStyle/>
+            <a:p>
+              <a:pPr algn="ctr"/>
+              <a:endParaRPr lang="en-US">
+                <a:ln>
+                  <a:solidFill>
+                    <a:schemeClr val="bg2">
+                      <a:lumMod val="75000"/>
+                    </a:schemeClr>
+                  </a:solidFill>
+                </a:ln>
+                <a:solidFill>
+                  <a:schemeClr val="tx1"/>
+                </a:solidFill>
+              </a:endParaRPr>
+            </a:p>
+          </p:txBody>
+        </p:sp>
+      </p:grpSp>
+      <p:pic>
+        <p:nvPicPr>
+          <p:cNvPr id="2" name="Picture 1"/>
+          <p:cNvPicPr>
+            <a:picLocks noChangeAspect="1"/>
+          </p:cNvPicPr>
+          <p:nvPr/>
+        </p:nvPicPr>
+        <p:blipFill>
+          <a:blip r:embed="rId2" cstate="print">
+            <a:extLst>
+              <a:ext uri="{28A0092B-C50C-407E-A947-70E740481C1C}">
+                <a14:useLocalDpi xmlns:a14="http://schemas.microsoft.com/office/drawing/2010/main" val="0"/>
+              </a:ext>
+            </a:extLst>
+          </a:blip>
+          <a:stretch>
+            <a:fillRect/>
+          </a:stretch>
+        </p:blipFill>
+        <p:spPr>
+          <a:xfrm>
+            <a:off x="287524" y="260648"/>
+            <a:ext cx="1692188" cy="600822"/>
+          </a:xfrm>
+          <a:prstGeom prst="rect">
+            <a:avLst/>
+          </a:prstGeom>
+        </p:spPr>
+      </p:pic>
+      <p:sp>
+        <p:nvSpPr>
+          <p:cNvPr id="13" name="TextBox 12">
+            <a:extLst>
+              <a:ext uri="{FF2B5EF4-FFF2-40B4-BE49-F238E27FC236}">
+                <a16:creationId xmlns:a16="http://schemas.microsoft.com/office/drawing/2014/main" id="{649ECE41-5C33-D26B-835E-7DB29D4E17B8}"/>
+              </a:ext>
+            </a:extLst>
+          </p:cNvPr>
+          <p:cNvSpPr txBox="1"/>
+          <p:nvPr/>
+        </p:nvSpPr>
+        <p:spPr>
+          <a:xfrm>
+            <a:off x="457740" y="1101989"/>
+            <a:ext cx="4567019" cy="646331"/>
+          </a:xfrm>
+          <a:prstGeom prst="rect">
+            <a:avLst/>
+          </a:prstGeom>
+          <a:noFill/>
+        </p:spPr>
+        <p:txBody>
+          <a:bodyPr wrap="none" rtlCol="0">
+            <a:spAutoFit/>
+          </a:bodyPr>
+          <a:lstStyle/>
+          <a:p>
+            <a:r>
+              <a:rPr lang="ro-RO" sz="3600" dirty="0">
+                <a:latin typeface="UT Sans"/>
+              </a:rPr>
+              <a:t>Diagrama bazei de date</a:t>
+            </a:r>
+            <a:endParaRPr lang="en-US" sz="3600" dirty="0">
+              <a:latin typeface="UT Sans"/>
+            </a:endParaRPr>
+          </a:p>
+        </p:txBody>
+      </p:sp>
+      <p:pic>
+        <p:nvPicPr>
+          <p:cNvPr id="3" name="Picture 2" descr="A computer screen shot of a computer&#10;&#10;Description automatically generated">
+            <a:extLst>
+              <a:ext uri="{FF2B5EF4-FFF2-40B4-BE49-F238E27FC236}">
+                <a16:creationId xmlns:a16="http://schemas.microsoft.com/office/drawing/2014/main" id="{402D0E33-B754-3F4A-1C48-032409928F58}"/>
+              </a:ext>
+            </a:extLst>
+          </p:cNvPr>
+          <p:cNvPicPr>
+            <a:picLocks noChangeAspect="1"/>
+          </p:cNvPicPr>
+          <p:nvPr/>
+        </p:nvPicPr>
+        <p:blipFill>
+          <a:blip r:embed="rId3"/>
+          <a:stretch>
+            <a:fillRect/>
+          </a:stretch>
+        </p:blipFill>
+        <p:spPr>
+          <a:xfrm>
+            <a:off x="1619672" y="1748320"/>
+            <a:ext cx="5756910" cy="5042535"/>
+          </a:xfrm>
+          <a:prstGeom prst="rect">
+            <a:avLst/>
+          </a:prstGeom>
+        </p:spPr>
+      </p:pic>
+    </p:spTree>
+    <p:extLst>
+      <p:ext uri="{BB962C8B-B14F-4D97-AF65-F5344CB8AC3E}">
+        <p14:creationId xmlns:p14="http://schemas.microsoft.com/office/powerpoint/2010/main" val="3051468121"/>
+      </p:ext>
+    </p:extLst>
+  </p:cSld>
+  <p:clrMapOvr>
+    <a:masterClrMapping/>
+  </p:clrMapOvr>
+</p:sld>
+</file>
+
+<file path=ppt/slides/slide6.xml><?xml version="1.0" encoding="utf-8"?>
 <p:sld xmlns:a="http://schemas.openxmlformats.org/drawingml/2006/main" xmlns:r="http://schemas.openxmlformats.org/officeDocument/2006/relationships" xmlns:p="http://schemas.openxmlformats.org/presentationml/2006/main">
   <p:cSld>
     <p:spTree>
@@ -4777,7 +6858,7 @@
 </p:sld>
 </file>
 
-<file path=ppt/slides/slide11.xml><?xml version="1.0" encoding="utf-8"?>
+<file path=ppt/slides/slide7.xml><?xml version="1.0" encoding="utf-8"?>
 <p:sld xmlns:a="http://schemas.openxmlformats.org/drawingml/2006/main" xmlns:r="http://schemas.openxmlformats.org/officeDocument/2006/relationships" xmlns:p="http://schemas.openxmlformats.org/presentationml/2006/main">
   <p:cSld>
     <p:spTree>
@@ -4969,7 +7050,7 @@
         </p:nvSpPr>
         <p:spPr>
           <a:xfrm>
-            <a:off x="3167844" y="2924944"/>
+            <a:off x="3167844" y="2960948"/>
             <a:ext cx="2986587" cy="646331"/>
           </a:xfrm>
           <a:prstGeom prst="rect">
@@ -5008,7 +7089,7 @@
 </p:sld>
 </file>
 
-<file path=ppt/slides/slide12.xml><?xml version="1.0" encoding="utf-8"?>
+<file path=ppt/slides/slide8.xml><?xml version="1.0" encoding="utf-8"?>
 <p:sld xmlns:a="http://schemas.openxmlformats.org/drawingml/2006/main" xmlns:r="http://schemas.openxmlformats.org/officeDocument/2006/relationships" xmlns:p="http://schemas.openxmlformats.org/presentationml/2006/main">
   <p:cSld>
     <p:spTree>
@@ -5239,7 +7320,7 @@
 </p:sld>
 </file>
 
-<file path=ppt/slides/slide13.xml><?xml version="1.0" encoding="utf-8"?>
+<file path=ppt/slides/slide9.xml><?xml version="1.0" encoding="utf-8"?>
 <p:sld xmlns:a="http://schemas.openxmlformats.org/drawingml/2006/main" xmlns:r="http://schemas.openxmlformats.org/officeDocument/2006/relationships" xmlns:p="http://schemas.openxmlformats.org/presentationml/2006/main">
   <p:cSld>
     <p:spTree>
@@ -5479,3840 +7560,6 @@
     <p:extLst>
       <p:ext uri="{BB962C8B-B14F-4D97-AF65-F5344CB8AC3E}">
         <p14:creationId xmlns:p14="http://schemas.microsoft.com/office/powerpoint/2010/main" val="995617451"/>
-      </p:ext>
-    </p:extLst>
-  </p:cSld>
-  <p:clrMapOvr>
-    <a:masterClrMapping/>
-  </p:clrMapOvr>
-</p:sld>
-</file>
-
-<file path=ppt/slides/slide2.xml><?xml version="1.0" encoding="utf-8"?>
-<p:sld xmlns:a="http://schemas.openxmlformats.org/drawingml/2006/main" xmlns:r="http://schemas.openxmlformats.org/officeDocument/2006/relationships" xmlns:p="http://schemas.openxmlformats.org/presentationml/2006/main">
-  <p:cSld>
-    <p:spTree>
-      <p:nvGrpSpPr>
-        <p:cNvPr id="1" name=""/>
-        <p:cNvGrpSpPr/>
-        <p:nvPr/>
-      </p:nvGrpSpPr>
-      <p:grpSpPr>
-        <a:xfrm>
-          <a:off x="0" y="0"/>
-          <a:ext cx="0" cy="0"/>
-          <a:chOff x="0" y="0"/>
-          <a:chExt cx="0" cy="0"/>
-        </a:xfrm>
-      </p:grpSpPr>
-      <p:grpSp>
-        <p:nvGrpSpPr>
-          <p:cNvPr id="4" name="Group 3"/>
-          <p:cNvGrpSpPr/>
-          <p:nvPr/>
-        </p:nvGrpSpPr>
-        <p:grpSpPr>
-          <a:xfrm>
-            <a:off x="8460432" y="6237312"/>
-            <a:ext cx="216000" cy="216000"/>
-            <a:chOff x="2772000" y="1932221"/>
-            <a:chExt cx="2340000" cy="2340000"/>
-          </a:xfrm>
-        </p:grpSpPr>
-        <p:sp>
-          <p:nvSpPr>
-            <p:cNvPr id="5" name="Rectangle 4"/>
-            <p:cNvSpPr/>
-            <p:nvPr/>
-          </p:nvSpPr>
-          <p:spPr>
-            <a:xfrm>
-              <a:off x="2772000" y="1932221"/>
-              <a:ext cx="2340000" cy="2340000"/>
-            </a:xfrm>
-            <a:prstGeom prst="rect">
-              <a:avLst/>
-            </a:prstGeom>
-            <a:solidFill>
-              <a:schemeClr val="bg1">
-                <a:lumMod val="75000"/>
-              </a:schemeClr>
-            </a:solidFill>
-            <a:ln>
-              <a:noFill/>
-            </a:ln>
-          </p:spPr>
-          <p:style>
-            <a:lnRef idx="2">
-              <a:schemeClr val="accent1">
-                <a:shade val="50000"/>
-              </a:schemeClr>
-            </a:lnRef>
-            <a:fillRef idx="1">
-              <a:schemeClr val="accent1"/>
-            </a:fillRef>
-            <a:effectRef idx="0">
-              <a:schemeClr val="accent1"/>
-            </a:effectRef>
-            <a:fontRef idx="minor">
-              <a:schemeClr val="lt1"/>
-            </a:fontRef>
-          </p:style>
-          <p:txBody>
-            <a:bodyPr rtlCol="0" anchor="ctr"/>
-            <a:lstStyle/>
-            <a:p>
-              <a:pPr algn="ctr"/>
-              <a:endParaRPr lang="en-US">
-                <a:ln>
-                  <a:solidFill>
-                    <a:schemeClr val="bg2">
-                      <a:lumMod val="75000"/>
-                    </a:schemeClr>
-                  </a:solidFill>
-                </a:ln>
-                <a:solidFill>
-                  <a:schemeClr val="tx1"/>
-                </a:solidFill>
-              </a:endParaRPr>
-            </a:p>
-          </p:txBody>
-        </p:sp>
-        <p:sp>
-          <p:nvSpPr>
-            <p:cNvPr id="6" name="Rectangle 5"/>
-            <p:cNvSpPr/>
-            <p:nvPr/>
-          </p:nvSpPr>
-          <p:spPr>
-            <a:xfrm>
-              <a:off x="3546000" y="2706221"/>
-              <a:ext cx="792000" cy="792000"/>
-            </a:xfrm>
-            <a:prstGeom prst="rect">
-              <a:avLst/>
-            </a:prstGeom>
-            <a:solidFill>
-              <a:schemeClr val="bg1"/>
-            </a:solidFill>
-            <a:ln>
-              <a:noFill/>
-            </a:ln>
-          </p:spPr>
-          <p:style>
-            <a:lnRef idx="2">
-              <a:schemeClr val="accent1">
-                <a:shade val="50000"/>
-              </a:schemeClr>
-            </a:lnRef>
-            <a:fillRef idx="1">
-              <a:schemeClr val="accent1"/>
-            </a:fillRef>
-            <a:effectRef idx="0">
-              <a:schemeClr val="accent1"/>
-            </a:effectRef>
-            <a:fontRef idx="minor">
-              <a:schemeClr val="lt1"/>
-            </a:fontRef>
-          </p:style>
-          <p:txBody>
-            <a:bodyPr rtlCol="0" anchor="ctr"/>
-            <a:lstStyle/>
-            <a:p>
-              <a:pPr algn="ctr"/>
-              <a:endParaRPr lang="en-US">
-                <a:ln>
-                  <a:solidFill>
-                    <a:schemeClr val="bg2">
-                      <a:lumMod val="75000"/>
-                    </a:schemeClr>
-                  </a:solidFill>
-                </a:ln>
-                <a:solidFill>
-                  <a:schemeClr val="tx1"/>
-                </a:solidFill>
-              </a:endParaRPr>
-            </a:p>
-          </p:txBody>
-        </p:sp>
-      </p:grpSp>
-      <p:sp>
-        <p:nvSpPr>
-          <p:cNvPr id="7" name="TextBox 6"/>
-          <p:cNvSpPr txBox="1"/>
-          <p:nvPr/>
-        </p:nvSpPr>
-        <p:spPr>
-          <a:xfrm>
-            <a:off x="457740" y="1988840"/>
-            <a:ext cx="8064872" cy="3970318"/>
-          </a:xfrm>
-          <a:prstGeom prst="rect">
-            <a:avLst/>
-          </a:prstGeom>
-          <a:noFill/>
-        </p:spPr>
-        <p:txBody>
-          <a:bodyPr wrap="square" rtlCol="0">
-            <a:spAutoFit/>
-          </a:bodyPr>
-          <a:lstStyle/>
-          <a:p>
-            <a:pPr marL="342900" indent="-342900" algn="just">
-              <a:buBlip>
-                <a:blip r:embed="rId2"/>
-              </a:buBlip>
-            </a:pPr>
-            <a:r>
-              <a:rPr lang="pt-BR" dirty="0">
-                <a:latin typeface="UT Sans"/>
-              </a:rPr>
-              <a:t>InvoiceJet este o aplicație de </a:t>
-            </a:r>
-            <a:r>
-              <a:rPr lang="ro-RO" dirty="0"/>
-              <a:t>emitere</a:t>
-            </a:r>
-            <a:r>
-              <a:rPr lang="pt-BR" dirty="0">
-                <a:latin typeface="UT Sans"/>
-              </a:rPr>
-              <a:t> a facturilor destinată companiilor de dimensiuni mici/medii.</a:t>
-            </a:r>
-          </a:p>
-          <a:p>
-            <a:pPr algn="just"/>
-            <a:endParaRPr lang="pt-BR" dirty="0">
-              <a:latin typeface="UT Sans"/>
-            </a:endParaRPr>
-          </a:p>
-          <a:p>
-            <a:pPr marL="342900" indent="-342900" algn="just">
-              <a:buBlip>
-                <a:blip r:embed="rId2"/>
-              </a:buBlip>
-            </a:pPr>
-            <a:r>
-              <a:rPr lang="en-US" dirty="0" err="1">
-                <a:latin typeface="UT Sans"/>
-              </a:rPr>
-              <a:t>Scopul</a:t>
-            </a:r>
-            <a:r>
-              <a:rPr lang="en-US" dirty="0">
-                <a:latin typeface="UT Sans"/>
-              </a:rPr>
-              <a:t> principal al </a:t>
-            </a:r>
-            <a:r>
-              <a:rPr lang="en-US" dirty="0" err="1">
-                <a:latin typeface="UT Sans"/>
-              </a:rPr>
-              <a:t>aplicației</a:t>
-            </a:r>
-            <a:r>
-              <a:rPr lang="en-US" dirty="0">
-                <a:latin typeface="UT Sans"/>
-              </a:rPr>
-              <a:t> </a:t>
-            </a:r>
-            <a:r>
-              <a:rPr lang="en-US" dirty="0" err="1">
-                <a:latin typeface="UT Sans"/>
-              </a:rPr>
-              <a:t>este</a:t>
-            </a:r>
-            <a:r>
-              <a:rPr lang="en-US" dirty="0">
-                <a:latin typeface="UT Sans"/>
-              </a:rPr>
-              <a:t> de a </a:t>
-            </a:r>
-            <a:r>
-              <a:rPr lang="en-US" dirty="0" err="1">
-                <a:latin typeface="UT Sans"/>
-              </a:rPr>
-              <a:t>simplifica</a:t>
-            </a:r>
-            <a:r>
-              <a:rPr lang="en-US" dirty="0">
-                <a:latin typeface="UT Sans"/>
-              </a:rPr>
-              <a:t> </a:t>
-            </a:r>
-            <a:r>
-              <a:rPr lang="en-US" dirty="0" err="1">
-                <a:latin typeface="UT Sans"/>
-              </a:rPr>
-              <a:t>procesul</a:t>
-            </a:r>
-            <a:r>
-              <a:rPr lang="en-US" dirty="0">
-                <a:latin typeface="UT Sans"/>
-              </a:rPr>
-              <a:t> de </a:t>
-            </a:r>
-            <a:r>
-              <a:rPr lang="en-US" dirty="0" err="1">
-                <a:latin typeface="UT Sans"/>
-              </a:rPr>
-              <a:t>facturare</a:t>
-            </a:r>
-            <a:r>
-              <a:rPr lang="en-US" dirty="0">
-                <a:latin typeface="UT Sans"/>
-              </a:rPr>
-              <a:t> </a:t>
-            </a:r>
-            <a:r>
-              <a:rPr lang="en-US" dirty="0" err="1">
-                <a:latin typeface="UT Sans"/>
-              </a:rPr>
-              <a:t>și</a:t>
-            </a:r>
-            <a:r>
-              <a:rPr lang="en-US" dirty="0">
-                <a:latin typeface="UT Sans"/>
-              </a:rPr>
-              <a:t> de a </a:t>
-            </a:r>
-            <a:r>
-              <a:rPr lang="en-US" dirty="0" err="1">
-                <a:latin typeface="UT Sans"/>
-              </a:rPr>
-              <a:t>asigura</a:t>
-            </a:r>
-            <a:r>
-              <a:rPr lang="en-US" dirty="0">
-                <a:latin typeface="UT Sans"/>
-              </a:rPr>
-              <a:t> o </a:t>
-            </a:r>
-            <a:r>
-              <a:rPr lang="en-US" dirty="0" err="1">
-                <a:latin typeface="UT Sans"/>
-              </a:rPr>
-              <a:t>gestionare</a:t>
-            </a:r>
-            <a:r>
-              <a:rPr lang="en-US" dirty="0">
-                <a:latin typeface="UT Sans"/>
-              </a:rPr>
-              <a:t> </a:t>
-            </a:r>
-            <a:r>
-              <a:rPr lang="en-US" dirty="0" err="1">
-                <a:latin typeface="UT Sans"/>
-              </a:rPr>
-              <a:t>eficientă</a:t>
-            </a:r>
-            <a:r>
-              <a:rPr lang="en-US" dirty="0">
-                <a:latin typeface="UT Sans"/>
-              </a:rPr>
-              <a:t> a </a:t>
-            </a:r>
-            <a:r>
-              <a:rPr lang="en-US" dirty="0" err="1">
-                <a:latin typeface="UT Sans"/>
-              </a:rPr>
-              <a:t>documentelor</a:t>
-            </a:r>
-            <a:r>
-              <a:rPr lang="en-US" dirty="0">
-                <a:latin typeface="UT Sans"/>
-              </a:rPr>
-              <a:t> </a:t>
-            </a:r>
-            <a:r>
-              <a:rPr lang="en-US" dirty="0" err="1">
-                <a:latin typeface="UT Sans"/>
-              </a:rPr>
-              <a:t>financiare</a:t>
-            </a:r>
-            <a:r>
-              <a:rPr lang="en-US" dirty="0">
-                <a:latin typeface="UT Sans"/>
-              </a:rPr>
-              <a:t>.</a:t>
-            </a:r>
-          </a:p>
-          <a:p>
-            <a:pPr algn="just"/>
-            <a:endParaRPr lang="ro-RO" dirty="0">
-              <a:latin typeface="UT Symbols" charset="0"/>
-              <a:ea typeface="UT Symbols" charset="0"/>
-              <a:cs typeface="UT Symbols" charset="0"/>
-            </a:endParaRPr>
-          </a:p>
-          <a:p>
-            <a:pPr marL="342900" indent="-342900" algn="just">
-              <a:buBlip>
-                <a:blip r:embed="rId2"/>
-              </a:buBlip>
-            </a:pPr>
-            <a:r>
-              <a:rPr lang="en-US" dirty="0" err="1">
-                <a:latin typeface="UT Sans"/>
-              </a:rPr>
-              <a:t>Func</a:t>
-            </a:r>
-            <a:r>
-              <a:rPr lang="ro-RO" dirty="0">
-                <a:latin typeface="UT Sans" pitchFamily="50" charset="0"/>
-              </a:rPr>
-              <a:t>ționalități principale</a:t>
-            </a:r>
-            <a:r>
-              <a:rPr lang="en-US" dirty="0">
-                <a:latin typeface="UT Sans"/>
-              </a:rPr>
-              <a:t>:</a:t>
-            </a:r>
-            <a:endParaRPr lang="ro-RO" dirty="0">
-              <a:latin typeface="UT Sans"/>
-            </a:endParaRPr>
-          </a:p>
-          <a:p>
-            <a:pPr algn="just"/>
-            <a:endParaRPr lang="en-US" dirty="0">
-              <a:latin typeface="UT Sans"/>
-            </a:endParaRPr>
-          </a:p>
-          <a:p>
-            <a:pPr marL="1257300" marR="0" lvl="2" indent="-342900" algn="just" defTabSz="914400" rtl="0" eaLnBrk="1" fontAlgn="auto" latinLnBrk="0" hangingPunct="1">
-              <a:lnSpc>
-                <a:spcPct val="100000"/>
-              </a:lnSpc>
-              <a:spcBef>
-                <a:spcPts val="0"/>
-              </a:spcBef>
-              <a:spcAft>
-                <a:spcPts val="0"/>
-              </a:spcAft>
-              <a:buClrTx/>
-              <a:buSzTx/>
-              <a:buFont typeface="Wingdings" charset="2"/>
-              <a:buChar char="§"/>
-              <a:tabLst/>
-              <a:defRPr/>
-            </a:pPr>
-            <a:r>
-              <a:rPr kumimoji="0" lang="en-US" b="0" i="0" u="none" strike="noStrike" kern="1200" cap="none" spc="0" normalizeH="0" baseline="0" noProof="0" dirty="0" err="1">
-                <a:ln>
-                  <a:noFill/>
-                </a:ln>
-                <a:solidFill>
-                  <a:prstClr val="black"/>
-                </a:solidFill>
-                <a:effectLst/>
-                <a:uLnTx/>
-                <a:uFillTx/>
-                <a:latin typeface="UT Sans"/>
-              </a:rPr>
-              <a:t>Crearea</a:t>
-            </a:r>
-            <a:r>
-              <a:rPr kumimoji="0" lang="en-US" b="0" i="0" u="none" strike="noStrike" kern="1200" cap="none" spc="0" normalizeH="0" baseline="0" noProof="0" dirty="0">
-                <a:ln>
-                  <a:noFill/>
-                </a:ln>
-                <a:solidFill>
-                  <a:prstClr val="black"/>
-                </a:solidFill>
-                <a:effectLst/>
-                <a:uLnTx/>
-                <a:uFillTx/>
-                <a:latin typeface="UT Sans"/>
-              </a:rPr>
-              <a:t> </a:t>
-            </a:r>
-            <a:r>
-              <a:rPr kumimoji="0" lang="ro-RO" b="0" i="0" u="none" strike="noStrike" kern="1200" cap="none" spc="0" normalizeH="0" baseline="0" noProof="0" dirty="0">
-                <a:ln>
-                  <a:noFill/>
-                </a:ln>
-                <a:solidFill>
-                  <a:prstClr val="black"/>
-                </a:solidFill>
-                <a:effectLst/>
-                <a:uLnTx/>
-                <a:uFillTx/>
-                <a:latin typeface="UT Sans" pitchFamily="50" charset="0"/>
-              </a:rPr>
-              <a:t>și gestionarea documentelor financiare, precum</a:t>
-            </a:r>
-            <a:r>
-              <a:rPr kumimoji="0" lang="en-US" b="0" i="0" u="none" strike="noStrike" kern="1200" cap="none" spc="0" normalizeH="0" baseline="0" noProof="0" dirty="0">
-                <a:ln>
-                  <a:noFill/>
-                </a:ln>
-                <a:solidFill>
-                  <a:prstClr val="black"/>
-                </a:solidFill>
-                <a:effectLst/>
-                <a:uLnTx/>
-                <a:uFillTx/>
-                <a:latin typeface="UT Sans"/>
-              </a:rPr>
-              <a:t>:</a:t>
-            </a:r>
-          </a:p>
-          <a:p>
-            <a:pPr marR="0" lvl="2" algn="just" defTabSz="914400" rtl="0" eaLnBrk="1" fontAlgn="auto" latinLnBrk="0" hangingPunct="1">
-              <a:lnSpc>
-                <a:spcPct val="100000"/>
-              </a:lnSpc>
-              <a:spcBef>
-                <a:spcPts val="0"/>
-              </a:spcBef>
-              <a:spcAft>
-                <a:spcPts val="0"/>
-              </a:spcAft>
-              <a:buClrTx/>
-              <a:buSzTx/>
-              <a:tabLst/>
-              <a:defRPr/>
-            </a:pPr>
-            <a:r>
-              <a:rPr lang="ro-RO" dirty="0">
-                <a:solidFill>
-                  <a:prstClr val="black"/>
-                </a:solidFill>
-                <a:latin typeface="UT Sans" pitchFamily="50" charset="0"/>
-              </a:rPr>
-              <a:t>       facturi, facturi proforme și facturi storno</a:t>
-            </a:r>
-          </a:p>
-          <a:p>
-            <a:pPr marL="1257300" marR="0" lvl="2" indent="-342900" algn="just" defTabSz="914400" rtl="0" eaLnBrk="1" fontAlgn="auto" latinLnBrk="0" hangingPunct="1">
-              <a:lnSpc>
-                <a:spcPct val="100000"/>
-              </a:lnSpc>
-              <a:spcBef>
-                <a:spcPts val="0"/>
-              </a:spcBef>
-              <a:spcAft>
-                <a:spcPts val="0"/>
-              </a:spcAft>
-              <a:buClrTx/>
-              <a:buSzTx/>
-              <a:buFont typeface="Wingdings" charset="2"/>
-              <a:buChar char="§"/>
-              <a:tabLst/>
-              <a:defRPr/>
-            </a:pPr>
-            <a:r>
-              <a:rPr lang="ro-RO" dirty="0">
-                <a:solidFill>
-                  <a:prstClr val="black"/>
-                </a:solidFill>
-                <a:latin typeface="UT Sans" pitchFamily="50" charset="0"/>
-              </a:rPr>
-              <a:t>Rapoarte și statistici financiare</a:t>
-            </a:r>
-          </a:p>
-          <a:p>
-            <a:pPr marL="1257300" marR="0" lvl="2" indent="-342900" algn="just" defTabSz="914400" rtl="0" eaLnBrk="1" fontAlgn="auto" latinLnBrk="0" hangingPunct="1">
-              <a:lnSpc>
-                <a:spcPct val="100000"/>
-              </a:lnSpc>
-              <a:spcBef>
-                <a:spcPts val="0"/>
-              </a:spcBef>
-              <a:spcAft>
-                <a:spcPts val="0"/>
-              </a:spcAft>
-              <a:buClrTx/>
-              <a:buSzTx/>
-              <a:buFont typeface="Wingdings" charset="2"/>
-              <a:buChar char="§"/>
-              <a:tabLst/>
-              <a:defRPr/>
-            </a:pPr>
-            <a:r>
-              <a:rPr kumimoji="0" lang="ro-RO" b="0" i="0" u="none" strike="noStrike" kern="1200" cap="none" spc="0" normalizeH="0" baseline="0" noProof="0" dirty="0">
-                <a:ln>
-                  <a:noFill/>
-                </a:ln>
-                <a:solidFill>
-                  <a:prstClr val="black"/>
-                </a:solidFill>
-                <a:effectLst/>
-                <a:uLnTx/>
-                <a:uFillTx/>
-                <a:latin typeface="UT Sans" pitchFamily="50" charset="0"/>
-              </a:rPr>
-              <a:t>Generare/export de documente în format PDF</a:t>
-            </a:r>
-          </a:p>
-          <a:p>
-            <a:pPr marL="1257300" marR="0" lvl="2" indent="-342900" algn="just" defTabSz="914400" rtl="0" eaLnBrk="1" fontAlgn="auto" latinLnBrk="0" hangingPunct="1">
-              <a:lnSpc>
-                <a:spcPct val="100000"/>
-              </a:lnSpc>
-              <a:spcBef>
-                <a:spcPts val="0"/>
-              </a:spcBef>
-              <a:spcAft>
-                <a:spcPts val="0"/>
-              </a:spcAft>
-              <a:buClrTx/>
-              <a:buSzTx/>
-              <a:buFont typeface="Wingdings" charset="2"/>
-              <a:buChar char="§"/>
-              <a:tabLst/>
-              <a:defRPr/>
-            </a:pPr>
-            <a:r>
-              <a:rPr kumimoji="0" lang="ro-RO" b="0" i="0" u="none" strike="noStrike" kern="1200" cap="none" spc="0" normalizeH="0" baseline="0" noProof="0" dirty="0">
-                <a:ln>
-                  <a:noFill/>
-                </a:ln>
-                <a:solidFill>
-                  <a:prstClr val="black"/>
-                </a:solidFill>
-                <a:effectLst/>
-                <a:uLnTx/>
-                <a:uFillTx/>
-                <a:latin typeface="UT Sans" pitchFamily="50" charset="0"/>
-              </a:rPr>
-              <a:t>Salvarea clienților, conturilor bancare, </a:t>
-            </a:r>
-            <a:r>
-              <a:rPr lang="ro-RO" dirty="0">
-                <a:solidFill>
-                  <a:prstClr val="black"/>
-                </a:solidFill>
-                <a:latin typeface="UT Sans" pitchFamily="50" charset="0"/>
-              </a:rPr>
-              <a:t>seriilor de documente</a:t>
-            </a:r>
-            <a:r>
-              <a:rPr lang="en-US" dirty="0">
-                <a:solidFill>
-                  <a:prstClr val="black"/>
-                </a:solidFill>
-                <a:latin typeface="UT Sans" pitchFamily="50" charset="0"/>
-              </a:rPr>
-              <a:t> </a:t>
-            </a:r>
-            <a:r>
-              <a:rPr lang="ro-RO" dirty="0">
-                <a:solidFill>
-                  <a:prstClr val="black"/>
-                </a:solidFill>
-                <a:latin typeface="UT Sans" pitchFamily="50" charset="0"/>
-              </a:rPr>
-              <a:t>și a produselor folosite la emiterea de facturi</a:t>
-            </a:r>
-            <a:endParaRPr kumimoji="0" lang="en-US" b="0" i="0" u="none" strike="noStrike" kern="1200" cap="none" spc="0" normalizeH="0" baseline="0" noProof="0" dirty="0">
-              <a:ln>
-                <a:noFill/>
-              </a:ln>
-              <a:solidFill>
-                <a:prstClr val="black"/>
-              </a:solidFill>
-              <a:effectLst/>
-              <a:uLnTx/>
-              <a:uFillTx/>
-              <a:latin typeface="UT Sans"/>
-            </a:endParaRPr>
-          </a:p>
-        </p:txBody>
-      </p:sp>
-      <p:pic>
-        <p:nvPicPr>
-          <p:cNvPr id="2" name="Picture 1"/>
-          <p:cNvPicPr>
-            <a:picLocks noChangeAspect="1"/>
-          </p:cNvPicPr>
-          <p:nvPr/>
-        </p:nvPicPr>
-        <p:blipFill>
-          <a:blip r:embed="rId3" cstate="print">
-            <a:extLst>
-              <a:ext uri="{28A0092B-C50C-407E-A947-70E740481C1C}">
-                <a14:useLocalDpi xmlns:a14="http://schemas.microsoft.com/office/drawing/2010/main" val="0"/>
-              </a:ext>
-            </a:extLst>
-          </a:blip>
-          <a:stretch>
-            <a:fillRect/>
-          </a:stretch>
-        </p:blipFill>
-        <p:spPr>
-          <a:xfrm>
-            <a:off x="287524" y="260648"/>
-            <a:ext cx="1692188" cy="600822"/>
-          </a:xfrm>
-          <a:prstGeom prst="rect">
-            <a:avLst/>
-          </a:prstGeom>
-        </p:spPr>
-      </p:pic>
-      <p:sp>
-        <p:nvSpPr>
-          <p:cNvPr id="13" name="TextBox 12">
-            <a:extLst>
-              <a:ext uri="{FF2B5EF4-FFF2-40B4-BE49-F238E27FC236}">
-                <a16:creationId xmlns:a16="http://schemas.microsoft.com/office/drawing/2014/main" id="{649ECE41-5C33-D26B-835E-7DB29D4E17B8}"/>
-              </a:ext>
-            </a:extLst>
-          </p:cNvPr>
-          <p:cNvSpPr txBox="1"/>
-          <p:nvPr/>
-        </p:nvSpPr>
-        <p:spPr>
-          <a:xfrm>
-            <a:off x="457740" y="1101989"/>
-            <a:ext cx="2382191" cy="646331"/>
-          </a:xfrm>
-          <a:prstGeom prst="rect">
-            <a:avLst/>
-          </a:prstGeom>
-          <a:noFill/>
-        </p:spPr>
-        <p:txBody>
-          <a:bodyPr wrap="none" rtlCol="0">
-            <a:spAutoFit/>
-          </a:bodyPr>
-          <a:lstStyle/>
-          <a:p>
-            <a:r>
-              <a:rPr lang="ro-RO" sz="3600" dirty="0">
-                <a:latin typeface="UT Sans"/>
-              </a:rPr>
-              <a:t>Introducere</a:t>
-            </a:r>
-            <a:endParaRPr lang="en-US" sz="3600" dirty="0">
-              <a:latin typeface="UT Sans"/>
-            </a:endParaRPr>
-          </a:p>
-        </p:txBody>
-      </p:sp>
-    </p:spTree>
-    <p:extLst>
-      <p:ext uri="{BB962C8B-B14F-4D97-AF65-F5344CB8AC3E}">
-        <p14:creationId xmlns:p14="http://schemas.microsoft.com/office/powerpoint/2010/main" val="2490966992"/>
-      </p:ext>
-    </p:extLst>
-  </p:cSld>
-  <p:clrMapOvr>
-    <a:masterClrMapping/>
-  </p:clrMapOvr>
-</p:sld>
-</file>
-
-<file path=ppt/slides/slide3.xml><?xml version="1.0" encoding="utf-8"?>
-<p:sld xmlns:a="http://schemas.openxmlformats.org/drawingml/2006/main" xmlns:r="http://schemas.openxmlformats.org/officeDocument/2006/relationships" xmlns:p="http://schemas.openxmlformats.org/presentationml/2006/main">
-  <p:cSld>
-    <p:spTree>
-      <p:nvGrpSpPr>
-        <p:cNvPr id="1" name=""/>
-        <p:cNvGrpSpPr/>
-        <p:nvPr/>
-      </p:nvGrpSpPr>
-      <p:grpSpPr>
-        <a:xfrm>
-          <a:off x="0" y="0"/>
-          <a:ext cx="0" cy="0"/>
-          <a:chOff x="0" y="0"/>
-          <a:chExt cx="0" cy="0"/>
-        </a:xfrm>
-      </p:grpSpPr>
-      <p:grpSp>
-        <p:nvGrpSpPr>
-          <p:cNvPr id="4" name="Group 3"/>
-          <p:cNvGrpSpPr/>
-          <p:nvPr/>
-        </p:nvGrpSpPr>
-        <p:grpSpPr>
-          <a:xfrm>
-            <a:off x="8460432" y="6237312"/>
-            <a:ext cx="216000" cy="216000"/>
-            <a:chOff x="2772000" y="1932221"/>
-            <a:chExt cx="2340000" cy="2340000"/>
-          </a:xfrm>
-        </p:grpSpPr>
-        <p:sp>
-          <p:nvSpPr>
-            <p:cNvPr id="5" name="Rectangle 4"/>
-            <p:cNvSpPr/>
-            <p:nvPr/>
-          </p:nvSpPr>
-          <p:spPr>
-            <a:xfrm>
-              <a:off x="2772000" y="1932221"/>
-              <a:ext cx="2340000" cy="2340000"/>
-            </a:xfrm>
-            <a:prstGeom prst="rect">
-              <a:avLst/>
-            </a:prstGeom>
-            <a:solidFill>
-              <a:schemeClr val="bg1">
-                <a:lumMod val="75000"/>
-              </a:schemeClr>
-            </a:solidFill>
-            <a:ln>
-              <a:noFill/>
-            </a:ln>
-          </p:spPr>
-          <p:style>
-            <a:lnRef idx="2">
-              <a:schemeClr val="accent1">
-                <a:shade val="50000"/>
-              </a:schemeClr>
-            </a:lnRef>
-            <a:fillRef idx="1">
-              <a:schemeClr val="accent1"/>
-            </a:fillRef>
-            <a:effectRef idx="0">
-              <a:schemeClr val="accent1"/>
-            </a:effectRef>
-            <a:fontRef idx="minor">
-              <a:schemeClr val="lt1"/>
-            </a:fontRef>
-          </p:style>
-          <p:txBody>
-            <a:bodyPr rtlCol="0" anchor="ctr"/>
-            <a:lstStyle/>
-            <a:p>
-              <a:pPr algn="ctr"/>
-              <a:endParaRPr lang="en-US">
-                <a:ln>
-                  <a:solidFill>
-                    <a:schemeClr val="bg2">
-                      <a:lumMod val="75000"/>
-                    </a:schemeClr>
-                  </a:solidFill>
-                </a:ln>
-                <a:solidFill>
-                  <a:schemeClr val="tx1"/>
-                </a:solidFill>
-              </a:endParaRPr>
-            </a:p>
-          </p:txBody>
-        </p:sp>
-        <p:sp>
-          <p:nvSpPr>
-            <p:cNvPr id="6" name="Rectangle 5"/>
-            <p:cNvSpPr/>
-            <p:nvPr/>
-          </p:nvSpPr>
-          <p:spPr>
-            <a:xfrm>
-              <a:off x="3546000" y="2706221"/>
-              <a:ext cx="792000" cy="792000"/>
-            </a:xfrm>
-            <a:prstGeom prst="rect">
-              <a:avLst/>
-            </a:prstGeom>
-            <a:solidFill>
-              <a:schemeClr val="bg1"/>
-            </a:solidFill>
-            <a:ln>
-              <a:noFill/>
-            </a:ln>
-          </p:spPr>
-          <p:style>
-            <a:lnRef idx="2">
-              <a:schemeClr val="accent1">
-                <a:shade val="50000"/>
-              </a:schemeClr>
-            </a:lnRef>
-            <a:fillRef idx="1">
-              <a:schemeClr val="accent1"/>
-            </a:fillRef>
-            <a:effectRef idx="0">
-              <a:schemeClr val="accent1"/>
-            </a:effectRef>
-            <a:fontRef idx="minor">
-              <a:schemeClr val="lt1"/>
-            </a:fontRef>
-          </p:style>
-          <p:txBody>
-            <a:bodyPr rtlCol="0" anchor="ctr"/>
-            <a:lstStyle/>
-            <a:p>
-              <a:pPr algn="ctr"/>
-              <a:endParaRPr lang="en-US">
-                <a:ln>
-                  <a:solidFill>
-                    <a:schemeClr val="bg2">
-                      <a:lumMod val="75000"/>
-                    </a:schemeClr>
-                  </a:solidFill>
-                </a:ln>
-                <a:solidFill>
-                  <a:schemeClr val="tx1"/>
-                </a:solidFill>
-              </a:endParaRPr>
-            </a:p>
-          </p:txBody>
-        </p:sp>
-      </p:grpSp>
-      <p:sp>
-        <p:nvSpPr>
-          <p:cNvPr id="7" name="TextBox 6"/>
-          <p:cNvSpPr txBox="1"/>
-          <p:nvPr/>
-        </p:nvSpPr>
-        <p:spPr>
-          <a:xfrm>
-            <a:off x="457740" y="1988840"/>
-            <a:ext cx="8064872" cy="4524315"/>
-          </a:xfrm>
-          <a:prstGeom prst="rect">
-            <a:avLst/>
-          </a:prstGeom>
-          <a:noFill/>
-        </p:spPr>
-        <p:txBody>
-          <a:bodyPr wrap="square" rtlCol="0">
-            <a:spAutoFit/>
-          </a:bodyPr>
-          <a:lstStyle/>
-          <a:p>
-            <a:pPr marL="342900" indent="-342900" algn="just">
-              <a:buBlip>
-                <a:blip r:embed="rId2"/>
-              </a:buBlip>
-            </a:pPr>
-            <a:r>
-              <a:rPr lang="ro-RO" dirty="0">
-                <a:latin typeface="UT Sans"/>
-              </a:rPr>
-              <a:t>Back-end</a:t>
-            </a:r>
-            <a:r>
-              <a:rPr lang="en-US" dirty="0">
-                <a:latin typeface="UT Sans"/>
-              </a:rPr>
-              <a:t>: ASP.NET Core Web API, Entity Framework</a:t>
-            </a:r>
-            <a:endParaRPr lang="pt-BR" dirty="0">
-              <a:latin typeface="UT Sans"/>
-            </a:endParaRPr>
-          </a:p>
-          <a:p>
-            <a:pPr algn="just"/>
-            <a:endParaRPr lang="pt-BR" dirty="0">
-              <a:latin typeface="UT Sans"/>
-            </a:endParaRPr>
-          </a:p>
-          <a:p>
-            <a:pPr marL="342900" indent="-342900" algn="just">
-              <a:buBlip>
-                <a:blip r:embed="rId2"/>
-              </a:buBlip>
-            </a:pPr>
-            <a:r>
-              <a:rPr lang="en-US" dirty="0">
-                <a:latin typeface="UT Sans"/>
-              </a:rPr>
-              <a:t>Front-end: Angular, HTML, SCSS, Typescript</a:t>
-            </a:r>
-          </a:p>
-          <a:p>
-            <a:pPr algn="just"/>
-            <a:endParaRPr lang="ro-RO" dirty="0">
-              <a:latin typeface="UT Symbols" charset="0"/>
-              <a:ea typeface="UT Symbols" charset="0"/>
-              <a:cs typeface="UT Symbols" charset="0"/>
-            </a:endParaRPr>
-          </a:p>
-          <a:p>
-            <a:pPr marL="342900" indent="-342900" algn="just">
-              <a:buBlip>
-                <a:blip r:embed="rId2"/>
-              </a:buBlip>
-            </a:pPr>
-            <a:r>
-              <a:rPr lang="en-US" dirty="0" err="1">
-                <a:latin typeface="UT Sans"/>
-              </a:rPr>
-              <a:t>Baze</a:t>
-            </a:r>
-            <a:r>
-              <a:rPr lang="en-US" dirty="0">
-                <a:latin typeface="UT Sans"/>
-              </a:rPr>
-              <a:t> de date: Microsoft SQL Server</a:t>
-            </a:r>
-          </a:p>
-          <a:p>
-            <a:pPr algn="just"/>
-            <a:endParaRPr lang="en-US" dirty="0">
-              <a:latin typeface="UT Sans"/>
-            </a:endParaRPr>
-          </a:p>
-          <a:p>
-            <a:pPr marL="342900" indent="-342900" algn="just">
-              <a:buBlip>
-                <a:blip r:embed="rId2"/>
-              </a:buBlip>
-            </a:pPr>
-            <a:r>
-              <a:rPr lang="en-US" dirty="0" err="1"/>
-              <a:t>Biblioteci</a:t>
-            </a:r>
-            <a:r>
-              <a:rPr lang="en-US" dirty="0"/>
-              <a:t>:</a:t>
-            </a:r>
-            <a:r>
-              <a:rPr lang="en-US" dirty="0">
-                <a:latin typeface="UT Sans"/>
-              </a:rPr>
-              <a:t> </a:t>
-            </a:r>
-          </a:p>
-          <a:p>
-            <a:pPr marL="342900" indent="-342900" algn="just">
-              <a:buBlip>
-                <a:blip r:embed="rId2"/>
-              </a:buBlip>
-            </a:pPr>
-            <a:endParaRPr lang="en-US" dirty="0">
-              <a:latin typeface="UT Sans"/>
-            </a:endParaRPr>
-          </a:p>
-          <a:p>
-            <a:pPr marL="800100" lvl="1" indent="-342900" algn="just">
-              <a:buFont typeface="Wingdings" panose="05000000000000000000" pitchFamily="2" charset="2"/>
-              <a:buChar char="§"/>
-            </a:pPr>
-            <a:r>
-              <a:rPr lang="en-US" dirty="0" err="1">
-                <a:latin typeface="UT Sans"/>
-              </a:rPr>
-              <a:t>QuestPDF</a:t>
-            </a:r>
-            <a:r>
-              <a:rPr lang="en-US" dirty="0">
-                <a:latin typeface="UT Sans"/>
-              </a:rPr>
-              <a:t> </a:t>
-            </a:r>
-            <a:r>
-              <a:rPr lang="en-US" dirty="0" err="1">
-                <a:latin typeface="UT Sans"/>
-              </a:rPr>
-              <a:t>pentru</a:t>
-            </a:r>
-            <a:r>
-              <a:rPr lang="en-US" dirty="0">
-                <a:latin typeface="UT Sans"/>
-              </a:rPr>
-              <a:t> </a:t>
-            </a:r>
-            <a:r>
-              <a:rPr lang="en-US" dirty="0" err="1">
-                <a:latin typeface="UT Sans"/>
-              </a:rPr>
-              <a:t>generarea</a:t>
-            </a:r>
-            <a:r>
-              <a:rPr lang="en-US" dirty="0">
-                <a:latin typeface="UT Sans"/>
-              </a:rPr>
-              <a:t> </a:t>
-            </a:r>
-            <a:r>
-              <a:rPr lang="en-US" dirty="0" err="1">
-                <a:latin typeface="UT Sans"/>
-              </a:rPr>
-              <a:t>documentelor</a:t>
-            </a:r>
-            <a:r>
-              <a:rPr lang="en-US" dirty="0">
-                <a:latin typeface="UT Sans"/>
-              </a:rPr>
-              <a:t> PDF</a:t>
-            </a:r>
-          </a:p>
-          <a:p>
-            <a:pPr marL="800100" lvl="1" indent="-342900" algn="just">
-              <a:buFont typeface="Wingdings" panose="05000000000000000000" pitchFamily="2" charset="2"/>
-              <a:buChar char="§"/>
-            </a:pPr>
-            <a:r>
-              <a:rPr lang="en-US" dirty="0" err="1">
-                <a:latin typeface="UT Sans"/>
-              </a:rPr>
-              <a:t>AutoMapper</a:t>
-            </a:r>
-            <a:r>
-              <a:rPr lang="en-US" dirty="0">
-                <a:latin typeface="UT Sans"/>
-              </a:rPr>
-              <a:t> </a:t>
-            </a:r>
-            <a:r>
-              <a:rPr lang="en-US" dirty="0" err="1">
-                <a:latin typeface="UT Sans"/>
-              </a:rPr>
-              <a:t>pentru</a:t>
-            </a:r>
-            <a:r>
-              <a:rPr lang="en-US" dirty="0">
-                <a:latin typeface="UT Sans"/>
-              </a:rPr>
-              <a:t> </a:t>
-            </a:r>
-            <a:r>
-              <a:rPr lang="en-US" dirty="0" err="1">
-                <a:latin typeface="UT Sans"/>
-              </a:rPr>
-              <a:t>maparea</a:t>
-            </a:r>
-            <a:r>
-              <a:rPr lang="en-US" dirty="0">
-                <a:latin typeface="UT Sans"/>
-              </a:rPr>
-              <a:t> </a:t>
-            </a:r>
-            <a:r>
-              <a:rPr lang="ro-RO" dirty="0">
-                <a:latin typeface="UT Sans"/>
-              </a:rPr>
-              <a:t>între clase</a:t>
-            </a:r>
-          </a:p>
-          <a:p>
-            <a:pPr marL="800100" lvl="1" indent="-342900" algn="just">
-              <a:buFont typeface="Wingdings" panose="05000000000000000000" pitchFamily="2" charset="2"/>
-              <a:buChar char="§"/>
-            </a:pPr>
-            <a:r>
-              <a:rPr lang="ro-RO" dirty="0">
-                <a:latin typeface="UT Sans"/>
-              </a:rPr>
-              <a:t>Bcrypt.Net pentru criptarea parolei</a:t>
-            </a:r>
-          </a:p>
-          <a:p>
-            <a:pPr marL="800100" lvl="1" indent="-342900" algn="just">
-              <a:buFont typeface="Wingdings" panose="05000000000000000000" pitchFamily="2" charset="2"/>
-              <a:buChar char="§"/>
-            </a:pPr>
-            <a:r>
-              <a:rPr lang="ro-RO" dirty="0">
-                <a:latin typeface="UT Sans"/>
-              </a:rPr>
-              <a:t>Jwt Bearer pentru autentificare</a:t>
-            </a:r>
-          </a:p>
-          <a:p>
-            <a:pPr marL="800100" lvl="1" indent="-342900" algn="just">
-              <a:buFont typeface="Wingdings" panose="05000000000000000000" pitchFamily="2" charset="2"/>
-              <a:buChar char="§"/>
-            </a:pPr>
-            <a:r>
-              <a:rPr lang="ro-RO" dirty="0">
-                <a:latin typeface="UT Sans"/>
-              </a:rPr>
-              <a:t>Angular Material pentru componentele de UI</a:t>
-            </a:r>
-          </a:p>
-          <a:p>
-            <a:pPr marL="800100" lvl="1" indent="-342900" algn="just">
-              <a:buFont typeface="Wingdings" panose="05000000000000000000" pitchFamily="2" charset="2"/>
-              <a:buChar char="§"/>
-            </a:pPr>
-            <a:r>
-              <a:rPr lang="ro-RO" dirty="0">
-                <a:latin typeface="UT Sans"/>
-              </a:rPr>
-              <a:t>Ng2charts pentru componente de tip grafic</a:t>
-            </a:r>
-          </a:p>
-          <a:p>
-            <a:pPr marL="800100" lvl="1" indent="-342900" algn="just">
-              <a:buFont typeface="Wingdings" panose="05000000000000000000" pitchFamily="2" charset="2"/>
-              <a:buChar char="§"/>
-            </a:pPr>
-            <a:endParaRPr lang="en-US" dirty="0">
-              <a:latin typeface="UT Sans"/>
-            </a:endParaRPr>
-          </a:p>
-          <a:p>
-            <a:pPr algn="just"/>
-            <a:r>
-              <a:rPr lang="en-US" dirty="0">
-                <a:latin typeface="UT Sans"/>
-              </a:rPr>
-              <a:t>       </a:t>
-            </a:r>
-            <a:endParaRPr lang="ro-RO" dirty="0">
-              <a:latin typeface="UT Sans"/>
-            </a:endParaRPr>
-          </a:p>
-        </p:txBody>
-      </p:sp>
-      <p:pic>
-        <p:nvPicPr>
-          <p:cNvPr id="2" name="Picture 1"/>
-          <p:cNvPicPr>
-            <a:picLocks noChangeAspect="1"/>
-          </p:cNvPicPr>
-          <p:nvPr/>
-        </p:nvPicPr>
-        <p:blipFill>
-          <a:blip r:embed="rId3" cstate="print">
-            <a:extLst>
-              <a:ext uri="{28A0092B-C50C-407E-A947-70E740481C1C}">
-                <a14:useLocalDpi xmlns:a14="http://schemas.microsoft.com/office/drawing/2010/main" val="0"/>
-              </a:ext>
-            </a:extLst>
-          </a:blip>
-          <a:stretch>
-            <a:fillRect/>
-          </a:stretch>
-        </p:blipFill>
-        <p:spPr>
-          <a:xfrm>
-            <a:off x="287524" y="260648"/>
-            <a:ext cx="1692188" cy="600822"/>
-          </a:xfrm>
-          <a:prstGeom prst="rect">
-            <a:avLst/>
-          </a:prstGeom>
-        </p:spPr>
-      </p:pic>
-      <p:sp>
-        <p:nvSpPr>
-          <p:cNvPr id="13" name="TextBox 12">
-            <a:extLst>
-              <a:ext uri="{FF2B5EF4-FFF2-40B4-BE49-F238E27FC236}">
-                <a16:creationId xmlns:a16="http://schemas.microsoft.com/office/drawing/2014/main" id="{649ECE41-5C33-D26B-835E-7DB29D4E17B8}"/>
-              </a:ext>
-            </a:extLst>
-          </p:cNvPr>
-          <p:cNvSpPr txBox="1"/>
-          <p:nvPr/>
-        </p:nvSpPr>
-        <p:spPr>
-          <a:xfrm>
-            <a:off x="457740" y="1101989"/>
-            <a:ext cx="3691780" cy="646331"/>
-          </a:xfrm>
-          <a:prstGeom prst="rect">
-            <a:avLst/>
-          </a:prstGeom>
-          <a:noFill/>
-        </p:spPr>
-        <p:txBody>
-          <a:bodyPr wrap="none" rtlCol="0">
-            <a:spAutoFit/>
-          </a:bodyPr>
-          <a:lstStyle/>
-          <a:p>
-            <a:r>
-              <a:rPr lang="en-US" sz="3600" dirty="0" err="1"/>
-              <a:t>Tehnologii</a:t>
-            </a:r>
-            <a:r>
-              <a:rPr lang="en-US" sz="3600" dirty="0"/>
-              <a:t> </a:t>
-            </a:r>
-            <a:r>
-              <a:rPr lang="ro-RO" sz="3600" dirty="0"/>
-              <a:t>u</a:t>
-            </a:r>
-            <a:r>
-              <a:rPr lang="en-US" sz="3600" dirty="0" err="1"/>
-              <a:t>tilizate</a:t>
-            </a:r>
-            <a:endParaRPr lang="en-US" sz="3600" dirty="0">
-              <a:latin typeface="UT Sans"/>
-            </a:endParaRPr>
-          </a:p>
-        </p:txBody>
-      </p:sp>
-      <p:pic>
-        <p:nvPicPr>
-          <p:cNvPr id="14" name="Picture 13" descr="A purple circle with white text&#10;&#10;Description automatically generated">
-            <a:extLst>
-              <a:ext uri="{FF2B5EF4-FFF2-40B4-BE49-F238E27FC236}">
-                <a16:creationId xmlns:a16="http://schemas.microsoft.com/office/drawing/2014/main" id="{3B294F4D-F12C-0E32-F0F9-930B0EDBF3F1}"/>
-              </a:ext>
-            </a:extLst>
-          </p:cNvPr>
-          <p:cNvPicPr>
-            <a:picLocks noChangeAspect="1"/>
-          </p:cNvPicPr>
-          <p:nvPr/>
-        </p:nvPicPr>
-        <p:blipFill>
-          <a:blip r:embed="rId4" cstate="print">
-            <a:extLst>
-              <a:ext uri="{28A0092B-C50C-407E-A947-70E740481C1C}">
-                <a14:useLocalDpi xmlns:a14="http://schemas.microsoft.com/office/drawing/2010/main" val="0"/>
-              </a:ext>
-            </a:extLst>
-          </a:blip>
-          <a:stretch>
-            <a:fillRect/>
-          </a:stretch>
-        </p:blipFill>
-        <p:spPr>
-          <a:xfrm>
-            <a:off x="5471297" y="1125422"/>
-            <a:ext cx="563686" cy="563686"/>
-          </a:xfrm>
-          <a:prstGeom prst="rect">
-            <a:avLst/>
-          </a:prstGeom>
-        </p:spPr>
-      </p:pic>
-      <p:pic>
-        <p:nvPicPr>
-          <p:cNvPr id="16" name="Picture 15" descr="A red and white logo&#10;&#10;Description automatically generated">
-            <a:extLst>
-              <a:ext uri="{FF2B5EF4-FFF2-40B4-BE49-F238E27FC236}">
-                <a16:creationId xmlns:a16="http://schemas.microsoft.com/office/drawing/2014/main" id="{6FE33DE2-C734-B341-EC9F-92A306AA76BC}"/>
-              </a:ext>
-            </a:extLst>
-          </p:cNvPr>
-          <p:cNvPicPr>
-            <a:picLocks noChangeAspect="1"/>
-          </p:cNvPicPr>
-          <p:nvPr/>
-        </p:nvPicPr>
-        <p:blipFill>
-          <a:blip r:embed="rId5" cstate="print">
-            <a:extLst>
-              <a:ext uri="{28A0092B-C50C-407E-A947-70E740481C1C}">
-                <a14:useLocalDpi xmlns:a14="http://schemas.microsoft.com/office/drawing/2010/main" val="0"/>
-              </a:ext>
-            </a:extLst>
-          </a:blip>
-          <a:stretch>
-            <a:fillRect/>
-          </a:stretch>
-        </p:blipFill>
-        <p:spPr>
-          <a:xfrm>
-            <a:off x="6228184" y="1029224"/>
-            <a:ext cx="756084" cy="756084"/>
-          </a:xfrm>
-          <a:prstGeom prst="rect">
-            <a:avLst/>
-          </a:prstGeom>
-        </p:spPr>
-      </p:pic>
-      <p:pic>
-        <p:nvPicPr>
-          <p:cNvPr id="18" name="Graphic 17">
-            <a:extLst>
-              <a:ext uri="{FF2B5EF4-FFF2-40B4-BE49-F238E27FC236}">
-                <a16:creationId xmlns:a16="http://schemas.microsoft.com/office/drawing/2014/main" id="{1790A2D2-6841-4D80-F18D-9E0FD8FC2594}"/>
-              </a:ext>
-            </a:extLst>
-          </p:cNvPr>
-          <p:cNvPicPr>
-            <a:picLocks noChangeAspect="1"/>
-          </p:cNvPicPr>
-          <p:nvPr/>
-        </p:nvPicPr>
-        <p:blipFill>
-          <a:blip r:embed="rId6" cstate="print">
-            <a:extLst>
-              <a:ext uri="{28A0092B-C50C-407E-A947-70E740481C1C}">
-                <a14:useLocalDpi xmlns:a14="http://schemas.microsoft.com/office/drawing/2010/main" val="0"/>
-              </a:ext>
-              <a:ext uri="{96DAC541-7B7A-43D3-8B79-37D633B846F1}">
-                <asvg:svgBlip xmlns:asvg="http://schemas.microsoft.com/office/drawing/2016/SVG/main" r:embed="rId7"/>
-              </a:ext>
-            </a:extLst>
-          </a:blip>
-          <a:stretch>
-            <a:fillRect/>
-          </a:stretch>
-        </p:blipFill>
-        <p:spPr>
-          <a:xfrm>
-            <a:off x="7177469" y="1090999"/>
-            <a:ext cx="782451" cy="632533"/>
-          </a:xfrm>
-          <a:prstGeom prst="rect">
-            <a:avLst/>
-          </a:prstGeom>
-        </p:spPr>
-      </p:pic>
-      <p:pic>
-        <p:nvPicPr>
-          <p:cNvPr id="2055" name="Picture 7" descr="Auto Mapper in .NET 6 | Tech Playground">
-            <a:extLst>
-              <a:ext uri="{FF2B5EF4-FFF2-40B4-BE49-F238E27FC236}">
-                <a16:creationId xmlns:a16="http://schemas.microsoft.com/office/drawing/2014/main" id="{60291D73-5166-6DA1-50A4-6526814368C4}"/>
-              </a:ext>
-            </a:extLst>
-          </p:cNvPr>
-          <p:cNvPicPr>
-            <a:picLocks noChangeAspect="1" noChangeArrowheads="1"/>
-          </p:cNvPicPr>
-          <p:nvPr/>
-        </p:nvPicPr>
-        <p:blipFill>
-          <a:blip r:embed="rId8" cstate="print">
-            <a:extLst>
-              <a:ext uri="{28A0092B-C50C-407E-A947-70E740481C1C}">
-                <a14:useLocalDpi xmlns:a14="http://schemas.microsoft.com/office/drawing/2010/main" val="0"/>
-              </a:ext>
-            </a:extLst>
-          </a:blip>
-          <a:srcRect/>
-          <a:stretch>
-            <a:fillRect/>
-          </a:stretch>
-        </p:blipFill>
-        <p:spPr bwMode="auto">
-          <a:xfrm>
-            <a:off x="5580112" y="4644906"/>
-            <a:ext cx="1745170" cy="872585"/>
-          </a:xfrm>
-          <a:prstGeom prst="rect">
-            <a:avLst/>
-          </a:prstGeom>
-          <a:noFill/>
-          <a:extLst>
-            <a:ext uri="{909E8E84-426E-40DD-AFC4-6F175D3DCCD1}">
-              <a14:hiddenFill xmlns:a14="http://schemas.microsoft.com/office/drawing/2010/main">
-                <a:solidFill>
-                  <a:srgbClr val="FFFFFF"/>
-                </a:solidFill>
-              </a14:hiddenFill>
-            </a:ext>
-          </a:extLst>
-        </p:spPr>
-      </p:pic>
-      <p:pic>
-        <p:nvPicPr>
-          <p:cNvPr id="20" name="Picture 19">
-            <a:extLst>
-              <a:ext uri="{FF2B5EF4-FFF2-40B4-BE49-F238E27FC236}">
-                <a16:creationId xmlns:a16="http://schemas.microsoft.com/office/drawing/2014/main" id="{72370C25-C0A2-B7FF-216B-D168EB14C4C3}"/>
-              </a:ext>
-            </a:extLst>
-          </p:cNvPr>
-          <p:cNvPicPr>
-            <a:picLocks noChangeAspect="1"/>
-          </p:cNvPicPr>
-          <p:nvPr/>
-        </p:nvPicPr>
-        <p:blipFill>
-          <a:blip r:embed="rId9"/>
-          <a:stretch>
-            <a:fillRect/>
-          </a:stretch>
-        </p:blipFill>
-        <p:spPr>
-          <a:xfrm>
-            <a:off x="6372200" y="4127878"/>
-            <a:ext cx="1741373" cy="487224"/>
-          </a:xfrm>
-          <a:prstGeom prst="rect">
-            <a:avLst/>
-          </a:prstGeom>
-        </p:spPr>
-      </p:pic>
-      <p:pic>
-        <p:nvPicPr>
-          <p:cNvPr id="22" name="Picture 21" descr="A logo with a black background&#10;&#10;Description automatically generated">
-            <a:extLst>
-              <a:ext uri="{FF2B5EF4-FFF2-40B4-BE49-F238E27FC236}">
-                <a16:creationId xmlns:a16="http://schemas.microsoft.com/office/drawing/2014/main" id="{8C54EDEC-0B40-C5A2-B194-06E97FB3387D}"/>
-              </a:ext>
-            </a:extLst>
-          </p:cNvPr>
-          <p:cNvPicPr>
-            <a:picLocks noChangeAspect="1"/>
-          </p:cNvPicPr>
-          <p:nvPr/>
-        </p:nvPicPr>
-        <p:blipFill>
-          <a:blip r:embed="rId10" cstate="print">
-            <a:extLst>
-              <a:ext uri="{28A0092B-C50C-407E-A947-70E740481C1C}">
-                <a14:useLocalDpi xmlns:a14="http://schemas.microsoft.com/office/drawing/2010/main" val="0"/>
-              </a:ext>
-            </a:extLst>
-          </a:blip>
-          <a:stretch>
-            <a:fillRect/>
-          </a:stretch>
-        </p:blipFill>
-        <p:spPr>
-          <a:xfrm>
-            <a:off x="7206737" y="4663823"/>
-            <a:ext cx="1220114" cy="762572"/>
-          </a:xfrm>
-          <a:prstGeom prst="rect">
-            <a:avLst/>
-          </a:prstGeom>
-        </p:spPr>
-      </p:pic>
-      <p:pic>
-        <p:nvPicPr>
-          <p:cNvPr id="26" name="Picture 25" descr="A close up of a logo&#10;&#10;Description automatically generated">
-            <a:extLst>
-              <a:ext uri="{FF2B5EF4-FFF2-40B4-BE49-F238E27FC236}">
-                <a16:creationId xmlns:a16="http://schemas.microsoft.com/office/drawing/2014/main" id="{E4171218-5404-78EA-6E72-91258BB0461A}"/>
-              </a:ext>
-            </a:extLst>
-          </p:cNvPr>
-          <p:cNvPicPr>
-            <a:picLocks noChangeAspect="1"/>
-          </p:cNvPicPr>
-          <p:nvPr/>
-        </p:nvPicPr>
-        <p:blipFill>
-          <a:blip r:embed="rId11" cstate="print">
-            <a:extLst>
-              <a:ext uri="{28A0092B-C50C-407E-A947-70E740481C1C}">
-                <a14:useLocalDpi xmlns:a14="http://schemas.microsoft.com/office/drawing/2010/main" val="0"/>
-              </a:ext>
-            </a:extLst>
-          </a:blip>
-          <a:stretch>
-            <a:fillRect/>
-          </a:stretch>
-        </p:blipFill>
-        <p:spPr>
-          <a:xfrm>
-            <a:off x="6228184" y="5581555"/>
-            <a:ext cx="2107341" cy="370892"/>
-          </a:xfrm>
-          <a:prstGeom prst="rect">
-            <a:avLst/>
-          </a:prstGeom>
-        </p:spPr>
-      </p:pic>
-    </p:spTree>
-    <p:extLst>
-      <p:ext uri="{BB962C8B-B14F-4D97-AF65-F5344CB8AC3E}">
-        <p14:creationId xmlns:p14="http://schemas.microsoft.com/office/powerpoint/2010/main" val="795642111"/>
-      </p:ext>
-    </p:extLst>
-  </p:cSld>
-  <p:clrMapOvr>
-    <a:masterClrMapping/>
-  </p:clrMapOvr>
-</p:sld>
-</file>
-
-<file path=ppt/slides/slide4.xml><?xml version="1.0" encoding="utf-8"?>
-<p:sld xmlns:a="http://schemas.openxmlformats.org/drawingml/2006/main" xmlns:r="http://schemas.openxmlformats.org/officeDocument/2006/relationships" xmlns:p="http://schemas.openxmlformats.org/presentationml/2006/main">
-  <p:cSld>
-    <p:spTree>
-      <p:nvGrpSpPr>
-        <p:cNvPr id="1" name=""/>
-        <p:cNvGrpSpPr/>
-        <p:nvPr/>
-      </p:nvGrpSpPr>
-      <p:grpSpPr>
-        <a:xfrm>
-          <a:off x="0" y="0"/>
-          <a:ext cx="0" cy="0"/>
-          <a:chOff x="0" y="0"/>
-          <a:chExt cx="0" cy="0"/>
-        </a:xfrm>
-      </p:grpSpPr>
-      <p:grpSp>
-        <p:nvGrpSpPr>
-          <p:cNvPr id="4" name="Group 3"/>
-          <p:cNvGrpSpPr/>
-          <p:nvPr/>
-        </p:nvGrpSpPr>
-        <p:grpSpPr>
-          <a:xfrm>
-            <a:off x="8460432" y="6237312"/>
-            <a:ext cx="216000" cy="216000"/>
-            <a:chOff x="2772000" y="1932221"/>
-            <a:chExt cx="2340000" cy="2340000"/>
-          </a:xfrm>
-        </p:grpSpPr>
-        <p:sp>
-          <p:nvSpPr>
-            <p:cNvPr id="5" name="Rectangle 4"/>
-            <p:cNvSpPr/>
-            <p:nvPr/>
-          </p:nvSpPr>
-          <p:spPr>
-            <a:xfrm>
-              <a:off x="2772000" y="1932221"/>
-              <a:ext cx="2340000" cy="2340000"/>
-            </a:xfrm>
-            <a:prstGeom prst="rect">
-              <a:avLst/>
-            </a:prstGeom>
-            <a:solidFill>
-              <a:schemeClr val="bg1">
-                <a:lumMod val="75000"/>
-              </a:schemeClr>
-            </a:solidFill>
-            <a:ln>
-              <a:noFill/>
-            </a:ln>
-          </p:spPr>
-          <p:style>
-            <a:lnRef idx="2">
-              <a:schemeClr val="accent1">
-                <a:shade val="50000"/>
-              </a:schemeClr>
-            </a:lnRef>
-            <a:fillRef idx="1">
-              <a:schemeClr val="accent1"/>
-            </a:fillRef>
-            <a:effectRef idx="0">
-              <a:schemeClr val="accent1"/>
-            </a:effectRef>
-            <a:fontRef idx="minor">
-              <a:schemeClr val="lt1"/>
-            </a:fontRef>
-          </p:style>
-          <p:txBody>
-            <a:bodyPr rtlCol="0" anchor="ctr"/>
-            <a:lstStyle/>
-            <a:p>
-              <a:pPr algn="ctr"/>
-              <a:endParaRPr lang="en-US">
-                <a:ln>
-                  <a:solidFill>
-                    <a:schemeClr val="bg2">
-                      <a:lumMod val="75000"/>
-                    </a:schemeClr>
-                  </a:solidFill>
-                </a:ln>
-                <a:solidFill>
-                  <a:schemeClr val="tx1"/>
-                </a:solidFill>
-              </a:endParaRPr>
-            </a:p>
-          </p:txBody>
-        </p:sp>
-        <p:sp>
-          <p:nvSpPr>
-            <p:cNvPr id="6" name="Rectangle 5"/>
-            <p:cNvSpPr/>
-            <p:nvPr/>
-          </p:nvSpPr>
-          <p:spPr>
-            <a:xfrm>
-              <a:off x="3546000" y="2706221"/>
-              <a:ext cx="792000" cy="792000"/>
-            </a:xfrm>
-            <a:prstGeom prst="rect">
-              <a:avLst/>
-            </a:prstGeom>
-            <a:solidFill>
-              <a:schemeClr val="bg1"/>
-            </a:solidFill>
-            <a:ln>
-              <a:noFill/>
-            </a:ln>
-          </p:spPr>
-          <p:style>
-            <a:lnRef idx="2">
-              <a:schemeClr val="accent1">
-                <a:shade val="50000"/>
-              </a:schemeClr>
-            </a:lnRef>
-            <a:fillRef idx="1">
-              <a:schemeClr val="accent1"/>
-            </a:fillRef>
-            <a:effectRef idx="0">
-              <a:schemeClr val="accent1"/>
-            </a:effectRef>
-            <a:fontRef idx="minor">
-              <a:schemeClr val="lt1"/>
-            </a:fontRef>
-          </p:style>
-          <p:txBody>
-            <a:bodyPr rtlCol="0" anchor="ctr"/>
-            <a:lstStyle/>
-            <a:p>
-              <a:pPr algn="ctr"/>
-              <a:endParaRPr lang="en-US">
-                <a:ln>
-                  <a:solidFill>
-                    <a:schemeClr val="bg2">
-                      <a:lumMod val="75000"/>
-                    </a:schemeClr>
-                  </a:solidFill>
-                </a:ln>
-                <a:solidFill>
-                  <a:schemeClr val="tx1"/>
-                </a:solidFill>
-              </a:endParaRPr>
-            </a:p>
-          </p:txBody>
-        </p:sp>
-      </p:grpSp>
-      <p:sp>
-        <p:nvSpPr>
-          <p:cNvPr id="7" name="TextBox 6"/>
-          <p:cNvSpPr txBox="1"/>
-          <p:nvPr/>
-        </p:nvSpPr>
-        <p:spPr>
-          <a:xfrm>
-            <a:off x="457740" y="1988840"/>
-            <a:ext cx="8064872" cy="4524315"/>
-          </a:xfrm>
-          <a:prstGeom prst="rect">
-            <a:avLst/>
-          </a:prstGeom>
-          <a:noFill/>
-        </p:spPr>
-        <p:txBody>
-          <a:bodyPr wrap="square" rtlCol="0">
-            <a:spAutoFit/>
-          </a:bodyPr>
-          <a:lstStyle/>
-          <a:p>
-            <a:pPr marL="342900" indent="-342900" algn="just">
-              <a:buBlip>
-                <a:blip r:embed="rId2"/>
-              </a:buBlip>
-            </a:pPr>
-            <a:r>
-              <a:rPr lang="ro-RO" dirty="0">
-                <a:latin typeface="UT Sans"/>
-              </a:rPr>
-              <a:t>Back-end</a:t>
-            </a:r>
-            <a:r>
-              <a:rPr lang="en-US" dirty="0">
-                <a:latin typeface="UT Sans"/>
-              </a:rPr>
-              <a:t>: </a:t>
-            </a:r>
-            <a:r>
-              <a:rPr lang="ro-RO" dirty="0">
-                <a:latin typeface="UT Sans"/>
-              </a:rPr>
-              <a:t>Arhitectură curată (Clean Architecture)</a:t>
-            </a:r>
-          </a:p>
-          <a:p>
-            <a:pPr algn="just"/>
-            <a:endParaRPr lang="ro-RO" dirty="0">
-              <a:latin typeface="UT Sans"/>
-            </a:endParaRPr>
-          </a:p>
-          <a:p>
-            <a:pPr marL="742950" lvl="1" indent="-285750" algn="just">
-              <a:buFont typeface="Wingdings" panose="05000000000000000000" pitchFamily="2" charset="2"/>
-              <a:buChar char="§"/>
-            </a:pPr>
-            <a:r>
-              <a:rPr lang="ro-RO" dirty="0">
-                <a:latin typeface="UT Sans"/>
-              </a:rPr>
-              <a:t>Stratul de prezentare</a:t>
-            </a:r>
-          </a:p>
-          <a:p>
-            <a:pPr marL="742950" lvl="1" indent="-285750" algn="just">
-              <a:buFont typeface="Wingdings" panose="05000000000000000000" pitchFamily="2" charset="2"/>
-              <a:buChar char="§"/>
-            </a:pPr>
-            <a:r>
-              <a:rPr lang="ro-RO" dirty="0">
-                <a:latin typeface="UT Sans"/>
-              </a:rPr>
-              <a:t>Stratul de aplicație</a:t>
-            </a:r>
-          </a:p>
-          <a:p>
-            <a:pPr marL="742950" lvl="1" indent="-285750" algn="just">
-              <a:buFont typeface="Wingdings" panose="05000000000000000000" pitchFamily="2" charset="2"/>
-              <a:buChar char="§"/>
-            </a:pPr>
-            <a:r>
-              <a:rPr lang="ro-RO" dirty="0">
-                <a:latin typeface="UT Sans"/>
-              </a:rPr>
-              <a:t>Stratul de infrastructură</a:t>
-            </a:r>
-          </a:p>
-          <a:p>
-            <a:pPr marL="742950" lvl="1" indent="-285750" algn="just">
-              <a:buFont typeface="Wingdings" panose="05000000000000000000" pitchFamily="2" charset="2"/>
-              <a:buChar char="§"/>
-            </a:pPr>
-            <a:r>
-              <a:rPr lang="ro-RO" dirty="0">
-                <a:latin typeface="UT Sans"/>
-              </a:rPr>
-              <a:t>Stratul de domeniu</a:t>
-            </a:r>
-            <a:endParaRPr lang="en-US" dirty="0">
-              <a:latin typeface="UT Sans"/>
-            </a:endParaRPr>
-          </a:p>
-          <a:p>
-            <a:pPr algn="just"/>
-            <a:endParaRPr lang="pt-BR" dirty="0">
-              <a:latin typeface="UT Sans"/>
-            </a:endParaRPr>
-          </a:p>
-          <a:p>
-            <a:pPr marL="342900" indent="-342900" algn="just">
-              <a:buBlip>
-                <a:blip r:embed="rId2"/>
-              </a:buBlip>
-            </a:pPr>
-            <a:r>
-              <a:rPr lang="en-US" dirty="0">
-                <a:latin typeface="UT Sans"/>
-              </a:rPr>
-              <a:t>Front-end: </a:t>
-            </a:r>
-            <a:r>
-              <a:rPr lang="ro-RO" dirty="0">
-                <a:latin typeface="UT Sans"/>
-              </a:rPr>
-              <a:t>MV* (combinație între MVC și între MVVM)</a:t>
-            </a:r>
-            <a:endParaRPr lang="en-US" dirty="0">
-              <a:latin typeface="UT Sans"/>
-            </a:endParaRPr>
-          </a:p>
-          <a:p>
-            <a:pPr algn="just"/>
-            <a:endParaRPr lang="ro-RO" dirty="0">
-              <a:latin typeface="UT Sans"/>
-            </a:endParaRPr>
-          </a:p>
-          <a:p>
-            <a:pPr marL="742950" lvl="1" indent="-285750" algn="just">
-              <a:buFont typeface="Wingdings" panose="05000000000000000000" pitchFamily="2" charset="2"/>
-              <a:buChar char="§"/>
-            </a:pPr>
-            <a:r>
-              <a:rPr lang="en-US" dirty="0">
-                <a:latin typeface="UT Sans"/>
-              </a:rPr>
-              <a:t>Model: </a:t>
-            </a:r>
-            <a:r>
-              <a:rPr lang="ro-RO" dirty="0">
-                <a:latin typeface="UT Sans"/>
-              </a:rPr>
-              <a:t>folderul models (interfețe)</a:t>
-            </a:r>
-          </a:p>
-          <a:p>
-            <a:pPr marL="742950" lvl="1" indent="-285750" algn="just">
-              <a:buFont typeface="Wingdings" panose="05000000000000000000" pitchFamily="2" charset="2"/>
-              <a:buChar char="§"/>
-            </a:pPr>
-            <a:r>
-              <a:rPr lang="en-US" dirty="0">
-                <a:latin typeface="UT Sans"/>
-              </a:rPr>
-              <a:t>View: </a:t>
-            </a:r>
-            <a:r>
-              <a:rPr lang="en-US" dirty="0" err="1">
-                <a:latin typeface="UT Sans"/>
-              </a:rPr>
-              <a:t>folderul</a:t>
-            </a:r>
-            <a:r>
-              <a:rPr lang="en-US" dirty="0">
-                <a:latin typeface="UT Sans"/>
-              </a:rPr>
-              <a:t> de components (.html, .</a:t>
-            </a:r>
-            <a:r>
-              <a:rPr lang="en-US" dirty="0" err="1">
-                <a:latin typeface="UT Sans"/>
-              </a:rPr>
-              <a:t>scss</a:t>
-            </a:r>
-            <a:r>
-              <a:rPr lang="en-US" dirty="0">
-                <a:latin typeface="UT Sans"/>
-              </a:rPr>
-              <a:t>)</a:t>
-            </a:r>
-          </a:p>
-          <a:p>
-            <a:pPr marL="742950" lvl="1" indent="-285750" algn="just">
-              <a:buFont typeface="Wingdings" panose="05000000000000000000" pitchFamily="2" charset="2"/>
-              <a:buChar char="§"/>
-            </a:pPr>
-            <a:r>
-              <a:rPr lang="en-US" dirty="0" err="1">
-                <a:latin typeface="UT Sans"/>
-              </a:rPr>
-              <a:t>ViewModel</a:t>
-            </a:r>
-            <a:r>
-              <a:rPr lang="en-US" dirty="0">
-                <a:latin typeface="UT Sans"/>
-              </a:rPr>
-              <a:t>: </a:t>
-            </a:r>
-            <a:r>
-              <a:rPr lang="en-US" dirty="0" err="1">
-                <a:latin typeface="UT Sans"/>
-              </a:rPr>
-              <a:t>folderul</a:t>
-            </a:r>
-            <a:r>
-              <a:rPr lang="en-US" dirty="0">
-                <a:latin typeface="UT Sans"/>
-              </a:rPr>
-              <a:t> services </a:t>
-            </a:r>
-            <a:r>
-              <a:rPr lang="ro-RO" dirty="0">
-                <a:latin typeface="UT Sans"/>
-              </a:rPr>
-              <a:t>și fișierele .ts</a:t>
-            </a:r>
-          </a:p>
-          <a:p>
-            <a:pPr lvl="1" algn="just"/>
-            <a:r>
-              <a:rPr lang="ro-RO" dirty="0">
-                <a:latin typeface="UT Sans"/>
-              </a:rPr>
-              <a:t>     din interiorul componentelor</a:t>
-            </a:r>
-          </a:p>
-          <a:p>
-            <a:pPr algn="just"/>
-            <a:r>
-              <a:rPr lang="en-US" dirty="0">
-                <a:latin typeface="UT Sans"/>
-              </a:rPr>
-              <a:t>	</a:t>
-            </a:r>
-            <a:endParaRPr lang="ro-RO" dirty="0">
-              <a:latin typeface="UT Sans"/>
-            </a:endParaRPr>
-          </a:p>
-          <a:p>
-            <a:pPr algn="just"/>
-            <a:r>
-              <a:rPr lang="ro-RO" dirty="0">
-                <a:latin typeface="UT Sans"/>
-              </a:rPr>
-              <a:t>	</a:t>
-            </a:r>
-            <a:endParaRPr lang="en-US" dirty="0">
-              <a:latin typeface="UT Sans"/>
-            </a:endParaRPr>
-          </a:p>
-          <a:p>
-            <a:pPr algn="just"/>
-            <a:r>
-              <a:rPr lang="en-US" dirty="0">
-                <a:latin typeface="UT Sans"/>
-              </a:rPr>
-              <a:t>       </a:t>
-            </a:r>
-            <a:endParaRPr lang="ro-RO" dirty="0">
-              <a:latin typeface="UT Sans"/>
-            </a:endParaRPr>
-          </a:p>
-        </p:txBody>
-      </p:sp>
-      <p:pic>
-        <p:nvPicPr>
-          <p:cNvPr id="2" name="Picture 1"/>
-          <p:cNvPicPr>
-            <a:picLocks noChangeAspect="1"/>
-          </p:cNvPicPr>
-          <p:nvPr/>
-        </p:nvPicPr>
-        <p:blipFill>
-          <a:blip r:embed="rId3" cstate="print">
-            <a:extLst>
-              <a:ext uri="{28A0092B-C50C-407E-A947-70E740481C1C}">
-                <a14:useLocalDpi xmlns:a14="http://schemas.microsoft.com/office/drawing/2010/main" val="0"/>
-              </a:ext>
-            </a:extLst>
-          </a:blip>
-          <a:stretch>
-            <a:fillRect/>
-          </a:stretch>
-        </p:blipFill>
-        <p:spPr>
-          <a:xfrm>
-            <a:off x="287524" y="260648"/>
-            <a:ext cx="1692188" cy="600822"/>
-          </a:xfrm>
-          <a:prstGeom prst="rect">
-            <a:avLst/>
-          </a:prstGeom>
-        </p:spPr>
-      </p:pic>
-      <p:sp>
-        <p:nvSpPr>
-          <p:cNvPr id="13" name="TextBox 12">
-            <a:extLst>
-              <a:ext uri="{FF2B5EF4-FFF2-40B4-BE49-F238E27FC236}">
-                <a16:creationId xmlns:a16="http://schemas.microsoft.com/office/drawing/2014/main" id="{649ECE41-5C33-D26B-835E-7DB29D4E17B8}"/>
-              </a:ext>
-            </a:extLst>
-          </p:cNvPr>
-          <p:cNvSpPr txBox="1"/>
-          <p:nvPr/>
-        </p:nvSpPr>
-        <p:spPr>
-          <a:xfrm>
-            <a:off x="457740" y="1101989"/>
-            <a:ext cx="4084644" cy="646331"/>
-          </a:xfrm>
-          <a:prstGeom prst="rect">
-            <a:avLst/>
-          </a:prstGeom>
-          <a:noFill/>
-        </p:spPr>
-        <p:txBody>
-          <a:bodyPr wrap="none" rtlCol="0">
-            <a:spAutoFit/>
-          </a:bodyPr>
-          <a:lstStyle/>
-          <a:p>
-            <a:r>
-              <a:rPr lang="en-US" sz="3600" dirty="0" err="1"/>
-              <a:t>Arhitectura</a:t>
-            </a:r>
-            <a:r>
-              <a:rPr lang="en-US" sz="3600" dirty="0"/>
-              <a:t> </a:t>
-            </a:r>
-            <a:r>
-              <a:rPr lang="ro-RO" sz="3600" dirty="0"/>
-              <a:t>a</a:t>
-            </a:r>
-            <a:r>
-              <a:rPr lang="en-US" sz="3600" dirty="0" err="1"/>
-              <a:t>plicației</a:t>
-            </a:r>
-            <a:endParaRPr lang="en-US" sz="3600" dirty="0">
-              <a:latin typeface="UT Sans"/>
-            </a:endParaRPr>
-          </a:p>
-        </p:txBody>
-      </p:sp>
-      <p:pic>
-        <p:nvPicPr>
-          <p:cNvPr id="9" name="Picture 8">
-            <a:extLst>
-              <a:ext uri="{FF2B5EF4-FFF2-40B4-BE49-F238E27FC236}">
-                <a16:creationId xmlns:a16="http://schemas.microsoft.com/office/drawing/2014/main" id="{87EAD7C6-61F8-D24A-2956-849BF2875EB4}"/>
-              </a:ext>
-            </a:extLst>
-          </p:cNvPr>
-          <p:cNvPicPr>
-            <a:picLocks noChangeAspect="1"/>
-          </p:cNvPicPr>
-          <p:nvPr/>
-        </p:nvPicPr>
-        <p:blipFill>
-          <a:blip r:embed="rId4" cstate="print">
-            <a:extLst>
-              <a:ext uri="{28A0092B-C50C-407E-A947-70E740481C1C}">
-                <a14:useLocalDpi xmlns:a14="http://schemas.microsoft.com/office/drawing/2010/main" val="0"/>
-              </a:ext>
-            </a:extLst>
-          </a:blip>
-          <a:srcRect/>
-          <a:stretch>
-            <a:fillRect/>
-          </a:stretch>
-        </p:blipFill>
-        <p:spPr bwMode="auto">
-          <a:xfrm>
-            <a:off x="5328084" y="1147125"/>
-            <a:ext cx="3888432" cy="2189528"/>
-          </a:xfrm>
-          <a:prstGeom prst="rect">
-            <a:avLst/>
-          </a:prstGeom>
-          <a:noFill/>
-          <a:ln>
-            <a:noFill/>
-          </a:ln>
-        </p:spPr>
-      </p:pic>
-      <p:pic>
-        <p:nvPicPr>
-          <p:cNvPr id="10" name="Picture 9" descr="A screenshot of a computer&#10;&#10;Description automatically generated">
-            <a:extLst>
-              <a:ext uri="{FF2B5EF4-FFF2-40B4-BE49-F238E27FC236}">
-                <a16:creationId xmlns:a16="http://schemas.microsoft.com/office/drawing/2014/main" id="{B51BB24F-53C8-6D33-53C5-B16AC1490A18}"/>
-              </a:ext>
-            </a:extLst>
-          </p:cNvPr>
-          <p:cNvPicPr>
-            <a:picLocks noChangeAspect="1"/>
-          </p:cNvPicPr>
-          <p:nvPr/>
-        </p:nvPicPr>
-        <p:blipFill>
-          <a:blip r:embed="rId5">
-            <a:extLst>
-              <a:ext uri="{28A0092B-C50C-407E-A947-70E740481C1C}">
-                <a14:useLocalDpi xmlns:a14="http://schemas.microsoft.com/office/drawing/2010/main" val="0"/>
-              </a:ext>
-            </a:extLst>
-          </a:blip>
-          <a:stretch>
-            <a:fillRect/>
-          </a:stretch>
-        </p:blipFill>
-        <p:spPr>
-          <a:xfrm>
-            <a:off x="6167524" y="3438892"/>
-            <a:ext cx="2209551" cy="2624816"/>
-          </a:xfrm>
-          <a:prstGeom prst="rect">
-            <a:avLst/>
-          </a:prstGeom>
-        </p:spPr>
-      </p:pic>
-    </p:spTree>
-    <p:extLst>
-      <p:ext uri="{BB962C8B-B14F-4D97-AF65-F5344CB8AC3E}">
-        <p14:creationId xmlns:p14="http://schemas.microsoft.com/office/powerpoint/2010/main" val="4246689941"/>
-      </p:ext>
-    </p:extLst>
-  </p:cSld>
-  <p:clrMapOvr>
-    <a:masterClrMapping/>
-  </p:clrMapOvr>
-</p:sld>
-</file>
-
-<file path=ppt/slides/slide5.xml><?xml version="1.0" encoding="utf-8"?>
-<p:sld xmlns:a="http://schemas.openxmlformats.org/drawingml/2006/main" xmlns:r="http://schemas.openxmlformats.org/officeDocument/2006/relationships" xmlns:p="http://schemas.openxmlformats.org/presentationml/2006/main">
-  <p:cSld>
-    <p:spTree>
-      <p:nvGrpSpPr>
-        <p:cNvPr id="1" name=""/>
-        <p:cNvGrpSpPr/>
-        <p:nvPr/>
-      </p:nvGrpSpPr>
-      <p:grpSpPr>
-        <a:xfrm>
-          <a:off x="0" y="0"/>
-          <a:ext cx="0" cy="0"/>
-          <a:chOff x="0" y="0"/>
-          <a:chExt cx="0" cy="0"/>
-        </a:xfrm>
-      </p:grpSpPr>
-      <p:grpSp>
-        <p:nvGrpSpPr>
-          <p:cNvPr id="4" name="Group 3"/>
-          <p:cNvGrpSpPr/>
-          <p:nvPr/>
-        </p:nvGrpSpPr>
-        <p:grpSpPr>
-          <a:xfrm>
-            <a:off x="8460432" y="6237312"/>
-            <a:ext cx="216000" cy="216000"/>
-            <a:chOff x="2772000" y="1932221"/>
-            <a:chExt cx="2340000" cy="2340000"/>
-          </a:xfrm>
-        </p:grpSpPr>
-        <p:sp>
-          <p:nvSpPr>
-            <p:cNvPr id="5" name="Rectangle 4"/>
-            <p:cNvSpPr/>
-            <p:nvPr/>
-          </p:nvSpPr>
-          <p:spPr>
-            <a:xfrm>
-              <a:off x="2772000" y="1932221"/>
-              <a:ext cx="2340000" cy="2340000"/>
-            </a:xfrm>
-            <a:prstGeom prst="rect">
-              <a:avLst/>
-            </a:prstGeom>
-            <a:solidFill>
-              <a:schemeClr val="bg1">
-                <a:lumMod val="75000"/>
-              </a:schemeClr>
-            </a:solidFill>
-            <a:ln>
-              <a:noFill/>
-            </a:ln>
-          </p:spPr>
-          <p:style>
-            <a:lnRef idx="2">
-              <a:schemeClr val="accent1">
-                <a:shade val="50000"/>
-              </a:schemeClr>
-            </a:lnRef>
-            <a:fillRef idx="1">
-              <a:schemeClr val="accent1"/>
-            </a:fillRef>
-            <a:effectRef idx="0">
-              <a:schemeClr val="accent1"/>
-            </a:effectRef>
-            <a:fontRef idx="minor">
-              <a:schemeClr val="lt1"/>
-            </a:fontRef>
-          </p:style>
-          <p:txBody>
-            <a:bodyPr rtlCol="0" anchor="ctr"/>
-            <a:lstStyle/>
-            <a:p>
-              <a:pPr algn="ctr"/>
-              <a:endParaRPr lang="en-US">
-                <a:ln>
-                  <a:solidFill>
-                    <a:schemeClr val="bg2">
-                      <a:lumMod val="75000"/>
-                    </a:schemeClr>
-                  </a:solidFill>
-                </a:ln>
-                <a:solidFill>
-                  <a:schemeClr val="tx1"/>
-                </a:solidFill>
-              </a:endParaRPr>
-            </a:p>
-          </p:txBody>
-        </p:sp>
-        <p:sp>
-          <p:nvSpPr>
-            <p:cNvPr id="6" name="Rectangle 5"/>
-            <p:cNvSpPr/>
-            <p:nvPr/>
-          </p:nvSpPr>
-          <p:spPr>
-            <a:xfrm>
-              <a:off x="3546000" y="2706221"/>
-              <a:ext cx="792000" cy="792000"/>
-            </a:xfrm>
-            <a:prstGeom prst="rect">
-              <a:avLst/>
-            </a:prstGeom>
-            <a:solidFill>
-              <a:schemeClr val="bg1"/>
-            </a:solidFill>
-            <a:ln>
-              <a:noFill/>
-            </a:ln>
-          </p:spPr>
-          <p:style>
-            <a:lnRef idx="2">
-              <a:schemeClr val="accent1">
-                <a:shade val="50000"/>
-              </a:schemeClr>
-            </a:lnRef>
-            <a:fillRef idx="1">
-              <a:schemeClr val="accent1"/>
-            </a:fillRef>
-            <a:effectRef idx="0">
-              <a:schemeClr val="accent1"/>
-            </a:effectRef>
-            <a:fontRef idx="minor">
-              <a:schemeClr val="lt1"/>
-            </a:fontRef>
-          </p:style>
-          <p:txBody>
-            <a:bodyPr rtlCol="0" anchor="ctr"/>
-            <a:lstStyle/>
-            <a:p>
-              <a:pPr algn="ctr"/>
-              <a:endParaRPr lang="en-US">
-                <a:ln>
-                  <a:solidFill>
-                    <a:schemeClr val="bg2">
-                      <a:lumMod val="75000"/>
-                    </a:schemeClr>
-                  </a:solidFill>
-                </a:ln>
-                <a:solidFill>
-                  <a:schemeClr val="tx1"/>
-                </a:solidFill>
-              </a:endParaRPr>
-            </a:p>
-          </p:txBody>
-        </p:sp>
-      </p:grpSp>
-      <p:sp>
-        <p:nvSpPr>
-          <p:cNvPr id="7" name="TextBox 6"/>
-          <p:cNvSpPr txBox="1"/>
-          <p:nvPr/>
-        </p:nvSpPr>
-        <p:spPr>
-          <a:xfrm>
-            <a:off x="457740" y="1988840"/>
-            <a:ext cx="8064872" cy="3416320"/>
-          </a:xfrm>
-          <a:prstGeom prst="rect">
-            <a:avLst/>
-          </a:prstGeom>
-          <a:noFill/>
-        </p:spPr>
-        <p:txBody>
-          <a:bodyPr wrap="square" rtlCol="0">
-            <a:spAutoFit/>
-          </a:bodyPr>
-          <a:lstStyle/>
-          <a:p>
-            <a:pPr marL="342900" indent="-342900" algn="just">
-              <a:buBlip>
-                <a:blip r:embed="rId2"/>
-              </a:buBlip>
-            </a:pPr>
-            <a:r>
-              <a:rPr lang="en-US" dirty="0"/>
-              <a:t>Pe </a:t>
-            </a:r>
-            <a:r>
-              <a:rPr lang="en-US" dirty="0" err="1"/>
-              <a:t>parcursul</a:t>
-            </a:r>
-            <a:r>
-              <a:rPr lang="en-US" dirty="0"/>
-              <a:t> </a:t>
-            </a:r>
-            <a:r>
-              <a:rPr lang="en-US" dirty="0" err="1"/>
-              <a:t>dezvoltării</a:t>
-            </a:r>
-            <a:r>
-              <a:rPr lang="en-US" dirty="0"/>
-              <a:t> </a:t>
-            </a:r>
-            <a:r>
-              <a:rPr lang="en-US" dirty="0" err="1"/>
-              <a:t>aplicației</a:t>
-            </a:r>
-            <a:r>
-              <a:rPr lang="en-US" dirty="0"/>
-              <a:t> </a:t>
-            </a:r>
-            <a:r>
-              <a:rPr lang="en-US" dirty="0" err="1"/>
-              <a:t>InvoiceJet</a:t>
-            </a:r>
-            <a:r>
-              <a:rPr lang="en-US" dirty="0"/>
-              <a:t>, au </a:t>
-            </a:r>
-            <a:r>
-              <a:rPr lang="en-US" dirty="0" err="1"/>
-              <a:t>fost</a:t>
-            </a:r>
-            <a:r>
-              <a:rPr lang="en-US" dirty="0"/>
-              <a:t> </a:t>
-            </a:r>
-            <a:r>
-              <a:rPr lang="en-US" dirty="0" err="1"/>
-              <a:t>implementate</a:t>
-            </a:r>
-            <a:r>
-              <a:rPr lang="en-US" dirty="0"/>
-              <a:t> diverse </a:t>
-            </a:r>
-            <a:r>
-              <a:rPr lang="ro-RO" dirty="0"/>
-              <a:t>șabloane de proiectare </a:t>
-            </a:r>
-            <a:r>
-              <a:rPr lang="en-US" dirty="0" err="1"/>
-              <a:t>pentru</a:t>
-            </a:r>
-            <a:r>
-              <a:rPr lang="en-US" dirty="0"/>
-              <a:t> a </a:t>
-            </a:r>
-            <a:r>
-              <a:rPr lang="en-US" dirty="0" err="1"/>
-              <a:t>menține</a:t>
-            </a:r>
-            <a:r>
-              <a:rPr lang="en-US" dirty="0"/>
-              <a:t> o </a:t>
-            </a:r>
-            <a:r>
-              <a:rPr lang="en-US" dirty="0" err="1"/>
-              <a:t>structură</a:t>
-            </a:r>
-            <a:r>
-              <a:rPr lang="en-US" dirty="0"/>
-              <a:t> </a:t>
-            </a:r>
-            <a:r>
-              <a:rPr lang="en-US" dirty="0" err="1"/>
-              <a:t>clară</a:t>
-            </a:r>
-            <a:r>
-              <a:rPr lang="en-US" dirty="0"/>
-              <a:t> </a:t>
-            </a:r>
-            <a:r>
-              <a:rPr lang="en-US" dirty="0" err="1"/>
-              <a:t>și</a:t>
-            </a:r>
-            <a:r>
-              <a:rPr lang="en-US" dirty="0"/>
-              <a:t> a </a:t>
-            </a:r>
-            <a:r>
-              <a:rPr lang="en-US" dirty="0" err="1"/>
-              <a:t>facilita</a:t>
-            </a:r>
-            <a:r>
-              <a:rPr lang="en-US" dirty="0"/>
-              <a:t> </a:t>
-            </a:r>
-            <a:r>
-              <a:rPr lang="en-US" dirty="0" err="1"/>
-              <a:t>întreținerea</a:t>
-            </a:r>
-            <a:r>
-              <a:rPr lang="en-US" dirty="0"/>
-              <a:t> </a:t>
-            </a:r>
-            <a:r>
-              <a:rPr lang="en-US" dirty="0" err="1"/>
-              <a:t>codului</a:t>
-            </a:r>
-            <a:r>
-              <a:rPr lang="en-US" dirty="0"/>
-              <a:t>.</a:t>
-            </a:r>
-            <a:r>
-              <a:rPr lang="ro-RO" dirty="0"/>
-              <a:t> Cele mai notabile sunt</a:t>
-            </a:r>
-            <a:r>
-              <a:rPr lang="en-US" dirty="0"/>
-              <a:t>:</a:t>
-            </a:r>
-            <a:endParaRPr lang="ro-RO" dirty="0"/>
-          </a:p>
-          <a:p>
-            <a:pPr algn="just"/>
-            <a:endParaRPr lang="pt-BR" dirty="0">
-              <a:latin typeface="UT Sans"/>
-            </a:endParaRPr>
-          </a:p>
-          <a:p>
-            <a:pPr marL="342900" indent="-342900" algn="just">
-              <a:buBlip>
-                <a:blip r:embed="rId2"/>
-              </a:buBlip>
-            </a:pPr>
-            <a:r>
-              <a:rPr lang="en-US" b="1" dirty="0"/>
-              <a:t>Repository Pattern</a:t>
-            </a:r>
-            <a:r>
-              <a:rPr lang="en-US" dirty="0"/>
-              <a:t>: </a:t>
-            </a:r>
-            <a:r>
-              <a:rPr lang="en-US" dirty="0" err="1"/>
-              <a:t>Separă</a:t>
-            </a:r>
-            <a:r>
-              <a:rPr lang="en-US" dirty="0"/>
-              <a:t> </a:t>
-            </a:r>
-            <a:r>
-              <a:rPr lang="en-US" dirty="0" err="1"/>
-              <a:t>logica</a:t>
-            </a:r>
-            <a:r>
-              <a:rPr lang="en-US" dirty="0"/>
-              <a:t> de </a:t>
-            </a:r>
-            <a:r>
-              <a:rPr lang="en-US" dirty="0" err="1"/>
-              <a:t>acces</a:t>
-            </a:r>
-            <a:r>
-              <a:rPr lang="en-US" dirty="0"/>
-              <a:t> la date de </a:t>
-            </a:r>
-            <a:r>
-              <a:rPr lang="en-US" dirty="0" err="1"/>
-              <a:t>logica</a:t>
-            </a:r>
-            <a:r>
-              <a:rPr lang="en-US" dirty="0"/>
-              <a:t> de business, </a:t>
-            </a:r>
-            <a:r>
-              <a:rPr lang="en-US" dirty="0" err="1"/>
-              <a:t>facilitând</a:t>
-            </a:r>
-            <a:r>
-              <a:rPr lang="en-US" dirty="0"/>
-              <a:t> </a:t>
-            </a:r>
-            <a:r>
-              <a:rPr lang="en-US" dirty="0" err="1"/>
-              <a:t>gestionarea</a:t>
-            </a:r>
-            <a:r>
-              <a:rPr lang="en-US" dirty="0"/>
-              <a:t> </a:t>
-            </a:r>
-            <a:r>
-              <a:rPr lang="en-US" dirty="0" err="1"/>
-              <a:t>datelor</a:t>
-            </a:r>
-            <a:r>
-              <a:rPr lang="en-US" dirty="0"/>
-              <a:t> </a:t>
-            </a:r>
-            <a:r>
-              <a:rPr lang="en-US" dirty="0" err="1"/>
-              <a:t>și</a:t>
-            </a:r>
-            <a:r>
-              <a:rPr lang="en-US" dirty="0"/>
-              <a:t> </a:t>
-            </a:r>
-            <a:r>
-              <a:rPr lang="en-US" dirty="0" err="1"/>
-              <a:t>testarea</a:t>
-            </a:r>
-            <a:r>
-              <a:rPr lang="en-US" dirty="0"/>
-              <a:t>.</a:t>
-            </a:r>
-            <a:endParaRPr lang="ro-RO" dirty="0"/>
-          </a:p>
-          <a:p>
-            <a:pPr algn="just"/>
-            <a:endParaRPr lang="ro-RO" dirty="0">
-              <a:latin typeface="UT Sans"/>
-            </a:endParaRPr>
-          </a:p>
-          <a:p>
-            <a:pPr marL="342900" indent="-342900" algn="just">
-              <a:buBlip>
-                <a:blip r:embed="rId2"/>
-              </a:buBlip>
-            </a:pPr>
-            <a:r>
-              <a:rPr lang="en-US" b="1" dirty="0"/>
-              <a:t>Factory Method Pattern</a:t>
-            </a:r>
-            <a:r>
-              <a:rPr lang="en-US" dirty="0"/>
-              <a:t>: </a:t>
-            </a:r>
-            <a:r>
-              <a:rPr lang="en-US" dirty="0" err="1"/>
-              <a:t>Oferă</a:t>
-            </a:r>
-            <a:r>
-              <a:rPr lang="en-US" dirty="0"/>
-              <a:t> o </a:t>
-            </a:r>
-            <a:r>
-              <a:rPr lang="en-US" dirty="0" err="1"/>
-              <a:t>modalitate</a:t>
-            </a:r>
-            <a:r>
-              <a:rPr lang="en-US" dirty="0"/>
-              <a:t> </a:t>
-            </a:r>
-            <a:r>
-              <a:rPr lang="en-US" dirty="0" err="1"/>
-              <a:t>flexibilă</a:t>
-            </a:r>
-            <a:r>
-              <a:rPr lang="en-US" dirty="0"/>
-              <a:t> de a </a:t>
-            </a:r>
-            <a:r>
-              <a:rPr lang="en-US" dirty="0" err="1"/>
-              <a:t>crea</a:t>
-            </a:r>
-            <a:r>
-              <a:rPr lang="en-US" dirty="0"/>
-              <a:t> </a:t>
-            </a:r>
-            <a:r>
-              <a:rPr lang="en-US" dirty="0" err="1"/>
-              <a:t>obiecte</a:t>
-            </a:r>
-            <a:r>
-              <a:rPr lang="en-US" dirty="0"/>
-              <a:t> </a:t>
-            </a:r>
-            <a:r>
-              <a:rPr lang="en-US" dirty="0" err="1"/>
-              <a:t>fără</a:t>
-            </a:r>
-            <a:r>
-              <a:rPr lang="en-US" dirty="0"/>
-              <a:t> a </a:t>
-            </a:r>
-            <a:r>
-              <a:rPr lang="en-US" dirty="0" err="1"/>
-              <a:t>specifica</a:t>
-            </a:r>
-            <a:r>
-              <a:rPr lang="en-US" dirty="0"/>
-              <a:t> </a:t>
-            </a:r>
-            <a:r>
-              <a:rPr lang="en-US" dirty="0" err="1"/>
-              <a:t>clasele</a:t>
-            </a:r>
-            <a:r>
-              <a:rPr lang="en-US" dirty="0"/>
-              <a:t> concrete, </a:t>
-            </a:r>
-            <a:r>
-              <a:rPr lang="en-US" dirty="0" err="1"/>
-              <a:t>promovând</a:t>
-            </a:r>
-            <a:r>
-              <a:rPr lang="en-US" dirty="0"/>
-              <a:t> </a:t>
-            </a:r>
-            <a:r>
-              <a:rPr lang="en-US" dirty="0" err="1"/>
-              <a:t>extensibilitatea</a:t>
-            </a:r>
-            <a:r>
-              <a:rPr lang="en-US" dirty="0"/>
-              <a:t>.</a:t>
-            </a:r>
-            <a:endParaRPr lang="ro-RO" dirty="0">
-              <a:latin typeface="UT Sans"/>
-            </a:endParaRPr>
-          </a:p>
-          <a:p>
-            <a:pPr algn="just"/>
-            <a:r>
-              <a:rPr lang="en-US" dirty="0">
-                <a:latin typeface="UT Sans"/>
-              </a:rPr>
-              <a:t>	</a:t>
-            </a:r>
-            <a:endParaRPr lang="ro-RO" dirty="0">
-              <a:latin typeface="UT Sans"/>
-            </a:endParaRPr>
-          </a:p>
-          <a:p>
-            <a:pPr algn="just"/>
-            <a:r>
-              <a:rPr lang="ro-RO" dirty="0">
-                <a:latin typeface="UT Sans"/>
-              </a:rPr>
-              <a:t>	</a:t>
-            </a:r>
-            <a:endParaRPr lang="en-US" dirty="0">
-              <a:latin typeface="UT Sans"/>
-            </a:endParaRPr>
-          </a:p>
-          <a:p>
-            <a:pPr algn="just"/>
-            <a:r>
-              <a:rPr lang="en-US" dirty="0">
-                <a:latin typeface="UT Sans"/>
-              </a:rPr>
-              <a:t>       </a:t>
-            </a:r>
-            <a:endParaRPr lang="ro-RO" dirty="0">
-              <a:latin typeface="UT Sans"/>
-            </a:endParaRPr>
-          </a:p>
-        </p:txBody>
-      </p:sp>
-      <p:pic>
-        <p:nvPicPr>
-          <p:cNvPr id="2" name="Picture 1"/>
-          <p:cNvPicPr>
-            <a:picLocks noChangeAspect="1"/>
-          </p:cNvPicPr>
-          <p:nvPr/>
-        </p:nvPicPr>
-        <p:blipFill>
-          <a:blip r:embed="rId3" cstate="print">
-            <a:extLst>
-              <a:ext uri="{28A0092B-C50C-407E-A947-70E740481C1C}">
-                <a14:useLocalDpi xmlns:a14="http://schemas.microsoft.com/office/drawing/2010/main" val="0"/>
-              </a:ext>
-            </a:extLst>
-          </a:blip>
-          <a:stretch>
-            <a:fillRect/>
-          </a:stretch>
-        </p:blipFill>
-        <p:spPr>
-          <a:xfrm>
-            <a:off x="287524" y="260648"/>
-            <a:ext cx="1692188" cy="600822"/>
-          </a:xfrm>
-          <a:prstGeom prst="rect">
-            <a:avLst/>
-          </a:prstGeom>
-        </p:spPr>
-      </p:pic>
-      <p:sp>
-        <p:nvSpPr>
-          <p:cNvPr id="13" name="TextBox 12">
-            <a:extLst>
-              <a:ext uri="{FF2B5EF4-FFF2-40B4-BE49-F238E27FC236}">
-                <a16:creationId xmlns:a16="http://schemas.microsoft.com/office/drawing/2014/main" id="{649ECE41-5C33-D26B-835E-7DB29D4E17B8}"/>
-              </a:ext>
-            </a:extLst>
-          </p:cNvPr>
-          <p:cNvSpPr txBox="1"/>
-          <p:nvPr/>
-        </p:nvSpPr>
-        <p:spPr>
-          <a:xfrm>
-            <a:off x="457740" y="1101989"/>
-            <a:ext cx="4503220" cy="646331"/>
-          </a:xfrm>
-          <a:prstGeom prst="rect">
-            <a:avLst/>
-          </a:prstGeom>
-          <a:noFill/>
-        </p:spPr>
-        <p:txBody>
-          <a:bodyPr wrap="none" rtlCol="0">
-            <a:spAutoFit/>
-          </a:bodyPr>
-          <a:lstStyle/>
-          <a:p>
-            <a:r>
-              <a:rPr lang="ro-RO" sz="3600" dirty="0">
-                <a:latin typeface="UT Sans"/>
-              </a:rPr>
-              <a:t>Șabloane de proiectare</a:t>
-            </a:r>
-            <a:endParaRPr lang="en-US" sz="3600" dirty="0">
-              <a:latin typeface="UT Sans"/>
-            </a:endParaRPr>
-          </a:p>
-        </p:txBody>
-      </p:sp>
-    </p:spTree>
-    <p:extLst>
-      <p:ext uri="{BB962C8B-B14F-4D97-AF65-F5344CB8AC3E}">
-        <p14:creationId xmlns:p14="http://schemas.microsoft.com/office/powerpoint/2010/main" val="3332022686"/>
-      </p:ext>
-    </p:extLst>
-  </p:cSld>
-  <p:clrMapOvr>
-    <a:masterClrMapping/>
-  </p:clrMapOvr>
-</p:sld>
-</file>
-
-<file path=ppt/slides/slide6.xml><?xml version="1.0" encoding="utf-8"?>
-<p:sld xmlns:a="http://schemas.openxmlformats.org/drawingml/2006/main" xmlns:r="http://schemas.openxmlformats.org/officeDocument/2006/relationships" xmlns:p="http://schemas.openxmlformats.org/presentationml/2006/main">
-  <p:cSld>
-    <p:spTree>
-      <p:nvGrpSpPr>
-        <p:cNvPr id="1" name=""/>
-        <p:cNvGrpSpPr/>
-        <p:nvPr/>
-      </p:nvGrpSpPr>
-      <p:grpSpPr>
-        <a:xfrm>
-          <a:off x="0" y="0"/>
-          <a:ext cx="0" cy="0"/>
-          <a:chOff x="0" y="0"/>
-          <a:chExt cx="0" cy="0"/>
-        </a:xfrm>
-      </p:grpSpPr>
-      <p:grpSp>
-        <p:nvGrpSpPr>
-          <p:cNvPr id="4" name="Group 3"/>
-          <p:cNvGrpSpPr/>
-          <p:nvPr/>
-        </p:nvGrpSpPr>
-        <p:grpSpPr>
-          <a:xfrm>
-            <a:off x="8460432" y="6237312"/>
-            <a:ext cx="216000" cy="216000"/>
-            <a:chOff x="2772000" y="1932221"/>
-            <a:chExt cx="2340000" cy="2340000"/>
-          </a:xfrm>
-        </p:grpSpPr>
-        <p:sp>
-          <p:nvSpPr>
-            <p:cNvPr id="5" name="Rectangle 4"/>
-            <p:cNvSpPr/>
-            <p:nvPr/>
-          </p:nvSpPr>
-          <p:spPr>
-            <a:xfrm>
-              <a:off x="2772000" y="1932221"/>
-              <a:ext cx="2340000" cy="2340000"/>
-            </a:xfrm>
-            <a:prstGeom prst="rect">
-              <a:avLst/>
-            </a:prstGeom>
-            <a:solidFill>
-              <a:schemeClr val="bg1">
-                <a:lumMod val="75000"/>
-              </a:schemeClr>
-            </a:solidFill>
-            <a:ln>
-              <a:noFill/>
-            </a:ln>
-          </p:spPr>
-          <p:style>
-            <a:lnRef idx="2">
-              <a:schemeClr val="accent1">
-                <a:shade val="50000"/>
-              </a:schemeClr>
-            </a:lnRef>
-            <a:fillRef idx="1">
-              <a:schemeClr val="accent1"/>
-            </a:fillRef>
-            <a:effectRef idx="0">
-              <a:schemeClr val="accent1"/>
-            </a:effectRef>
-            <a:fontRef idx="minor">
-              <a:schemeClr val="lt1"/>
-            </a:fontRef>
-          </p:style>
-          <p:txBody>
-            <a:bodyPr rtlCol="0" anchor="ctr"/>
-            <a:lstStyle/>
-            <a:p>
-              <a:pPr algn="ctr"/>
-              <a:endParaRPr lang="en-US">
-                <a:ln>
-                  <a:solidFill>
-                    <a:schemeClr val="bg2">
-                      <a:lumMod val="75000"/>
-                    </a:schemeClr>
-                  </a:solidFill>
-                </a:ln>
-                <a:solidFill>
-                  <a:schemeClr val="tx1"/>
-                </a:solidFill>
-              </a:endParaRPr>
-            </a:p>
-          </p:txBody>
-        </p:sp>
-        <p:sp>
-          <p:nvSpPr>
-            <p:cNvPr id="6" name="Rectangle 5"/>
-            <p:cNvSpPr/>
-            <p:nvPr/>
-          </p:nvSpPr>
-          <p:spPr>
-            <a:xfrm>
-              <a:off x="3546000" y="2706221"/>
-              <a:ext cx="792000" cy="792000"/>
-            </a:xfrm>
-            <a:prstGeom prst="rect">
-              <a:avLst/>
-            </a:prstGeom>
-            <a:solidFill>
-              <a:schemeClr val="bg1"/>
-            </a:solidFill>
-            <a:ln>
-              <a:noFill/>
-            </a:ln>
-          </p:spPr>
-          <p:style>
-            <a:lnRef idx="2">
-              <a:schemeClr val="accent1">
-                <a:shade val="50000"/>
-              </a:schemeClr>
-            </a:lnRef>
-            <a:fillRef idx="1">
-              <a:schemeClr val="accent1"/>
-            </a:fillRef>
-            <a:effectRef idx="0">
-              <a:schemeClr val="accent1"/>
-            </a:effectRef>
-            <a:fontRef idx="minor">
-              <a:schemeClr val="lt1"/>
-            </a:fontRef>
-          </p:style>
-          <p:txBody>
-            <a:bodyPr rtlCol="0" anchor="ctr"/>
-            <a:lstStyle/>
-            <a:p>
-              <a:pPr algn="ctr"/>
-              <a:endParaRPr lang="en-US">
-                <a:ln>
-                  <a:solidFill>
-                    <a:schemeClr val="bg2">
-                      <a:lumMod val="75000"/>
-                    </a:schemeClr>
-                  </a:solidFill>
-                </a:ln>
-                <a:solidFill>
-                  <a:schemeClr val="tx1"/>
-                </a:solidFill>
-              </a:endParaRPr>
-            </a:p>
-          </p:txBody>
-        </p:sp>
-      </p:grpSp>
-      <p:pic>
-        <p:nvPicPr>
-          <p:cNvPr id="2" name="Picture 1"/>
-          <p:cNvPicPr>
-            <a:picLocks noChangeAspect="1"/>
-          </p:cNvPicPr>
-          <p:nvPr/>
-        </p:nvPicPr>
-        <p:blipFill>
-          <a:blip r:embed="rId2" cstate="print">
-            <a:extLst>
-              <a:ext uri="{28A0092B-C50C-407E-A947-70E740481C1C}">
-                <a14:useLocalDpi xmlns:a14="http://schemas.microsoft.com/office/drawing/2010/main" val="0"/>
-              </a:ext>
-            </a:extLst>
-          </a:blip>
-          <a:stretch>
-            <a:fillRect/>
-          </a:stretch>
-        </p:blipFill>
-        <p:spPr>
-          <a:xfrm>
-            <a:off x="287524" y="260648"/>
-            <a:ext cx="1692188" cy="600822"/>
-          </a:xfrm>
-          <a:prstGeom prst="rect">
-            <a:avLst/>
-          </a:prstGeom>
-        </p:spPr>
-      </p:pic>
-      <p:sp>
-        <p:nvSpPr>
-          <p:cNvPr id="13" name="TextBox 12">
-            <a:extLst>
-              <a:ext uri="{FF2B5EF4-FFF2-40B4-BE49-F238E27FC236}">
-                <a16:creationId xmlns:a16="http://schemas.microsoft.com/office/drawing/2014/main" id="{649ECE41-5C33-D26B-835E-7DB29D4E17B8}"/>
-              </a:ext>
-            </a:extLst>
-          </p:cNvPr>
-          <p:cNvSpPr txBox="1"/>
-          <p:nvPr/>
-        </p:nvSpPr>
-        <p:spPr>
-          <a:xfrm>
-            <a:off x="457740" y="1101989"/>
-            <a:ext cx="3683509" cy="646331"/>
-          </a:xfrm>
-          <a:prstGeom prst="rect">
-            <a:avLst/>
-          </a:prstGeom>
-          <a:noFill/>
-        </p:spPr>
-        <p:txBody>
-          <a:bodyPr wrap="none" rtlCol="0">
-            <a:spAutoFit/>
-          </a:bodyPr>
-          <a:lstStyle/>
-          <a:p>
-            <a:r>
-              <a:rPr lang="ro-RO" sz="3600" dirty="0">
-                <a:latin typeface="UT Sans"/>
-              </a:rPr>
-              <a:t>Repository pattern</a:t>
-            </a:r>
-            <a:endParaRPr lang="en-US" sz="3600" dirty="0">
-              <a:latin typeface="UT Sans"/>
-            </a:endParaRPr>
-          </a:p>
-        </p:txBody>
-      </p:sp>
-      <p:pic>
-        <p:nvPicPr>
-          <p:cNvPr id="7" name="Picture 6" descr="A screen shot of a computer program&#10;&#10;Description automatically generated">
-            <a:extLst>
-              <a:ext uri="{FF2B5EF4-FFF2-40B4-BE49-F238E27FC236}">
-                <a16:creationId xmlns:a16="http://schemas.microsoft.com/office/drawing/2014/main" id="{6CBB4B91-F331-BAC6-E194-A101877AE929}"/>
-              </a:ext>
-            </a:extLst>
-          </p:cNvPr>
-          <p:cNvPicPr>
-            <a:picLocks noChangeAspect="1"/>
-          </p:cNvPicPr>
-          <p:nvPr/>
-        </p:nvPicPr>
-        <p:blipFill>
-          <a:blip r:embed="rId3">
-            <a:extLst>
-              <a:ext uri="{28A0092B-C50C-407E-A947-70E740481C1C}">
-                <a14:useLocalDpi xmlns:a14="http://schemas.microsoft.com/office/drawing/2010/main" val="0"/>
-              </a:ext>
-            </a:extLst>
-          </a:blip>
-          <a:stretch>
-            <a:fillRect/>
-          </a:stretch>
-        </p:blipFill>
-        <p:spPr>
-          <a:xfrm>
-            <a:off x="287524" y="2029285"/>
-            <a:ext cx="4803312" cy="3726726"/>
-          </a:xfrm>
-          <a:prstGeom prst="rect">
-            <a:avLst/>
-          </a:prstGeom>
-        </p:spPr>
-      </p:pic>
-      <p:pic>
-        <p:nvPicPr>
-          <p:cNvPr id="8" name="Picture 7" descr="A screen shot of a computer program&#10;&#10;Description automatically generated">
-            <a:extLst>
-              <a:ext uri="{FF2B5EF4-FFF2-40B4-BE49-F238E27FC236}">
-                <a16:creationId xmlns:a16="http://schemas.microsoft.com/office/drawing/2014/main" id="{CA44895C-0455-0274-6B3F-23DA7E6C8C41}"/>
-              </a:ext>
-            </a:extLst>
-          </p:cNvPr>
-          <p:cNvPicPr>
-            <a:picLocks noChangeAspect="1"/>
-          </p:cNvPicPr>
-          <p:nvPr/>
-        </p:nvPicPr>
-        <p:blipFill>
-          <a:blip r:embed="rId4"/>
-          <a:stretch>
-            <a:fillRect/>
-          </a:stretch>
-        </p:blipFill>
-        <p:spPr>
-          <a:xfrm>
-            <a:off x="4355976" y="561059"/>
-            <a:ext cx="4589026" cy="3924412"/>
-          </a:xfrm>
-          <a:prstGeom prst="rect">
-            <a:avLst/>
-          </a:prstGeom>
-        </p:spPr>
-      </p:pic>
-    </p:spTree>
-    <p:extLst>
-      <p:ext uri="{BB962C8B-B14F-4D97-AF65-F5344CB8AC3E}">
-        <p14:creationId xmlns:p14="http://schemas.microsoft.com/office/powerpoint/2010/main" val="3603511366"/>
-      </p:ext>
-    </p:extLst>
-  </p:cSld>
-  <p:clrMapOvr>
-    <a:masterClrMapping/>
-  </p:clrMapOvr>
-</p:sld>
-</file>
-
-<file path=ppt/slides/slide7.xml><?xml version="1.0" encoding="utf-8"?>
-<p:sld xmlns:a="http://schemas.openxmlformats.org/drawingml/2006/main" xmlns:r="http://schemas.openxmlformats.org/officeDocument/2006/relationships" xmlns:p="http://schemas.openxmlformats.org/presentationml/2006/main">
-  <p:cSld>
-    <p:spTree>
-      <p:nvGrpSpPr>
-        <p:cNvPr id="1" name=""/>
-        <p:cNvGrpSpPr/>
-        <p:nvPr/>
-      </p:nvGrpSpPr>
-      <p:grpSpPr>
-        <a:xfrm>
-          <a:off x="0" y="0"/>
-          <a:ext cx="0" cy="0"/>
-          <a:chOff x="0" y="0"/>
-          <a:chExt cx="0" cy="0"/>
-        </a:xfrm>
-      </p:grpSpPr>
-      <p:grpSp>
-        <p:nvGrpSpPr>
-          <p:cNvPr id="4" name="Group 3"/>
-          <p:cNvGrpSpPr/>
-          <p:nvPr/>
-        </p:nvGrpSpPr>
-        <p:grpSpPr>
-          <a:xfrm>
-            <a:off x="8460432" y="6237312"/>
-            <a:ext cx="216000" cy="216000"/>
-            <a:chOff x="2772000" y="1932221"/>
-            <a:chExt cx="2340000" cy="2340000"/>
-          </a:xfrm>
-        </p:grpSpPr>
-        <p:sp>
-          <p:nvSpPr>
-            <p:cNvPr id="5" name="Rectangle 4"/>
-            <p:cNvSpPr/>
-            <p:nvPr/>
-          </p:nvSpPr>
-          <p:spPr>
-            <a:xfrm>
-              <a:off x="2772000" y="1932221"/>
-              <a:ext cx="2340000" cy="2340000"/>
-            </a:xfrm>
-            <a:prstGeom prst="rect">
-              <a:avLst/>
-            </a:prstGeom>
-            <a:solidFill>
-              <a:schemeClr val="bg1">
-                <a:lumMod val="75000"/>
-              </a:schemeClr>
-            </a:solidFill>
-            <a:ln>
-              <a:noFill/>
-            </a:ln>
-          </p:spPr>
-          <p:style>
-            <a:lnRef idx="2">
-              <a:schemeClr val="accent1">
-                <a:shade val="50000"/>
-              </a:schemeClr>
-            </a:lnRef>
-            <a:fillRef idx="1">
-              <a:schemeClr val="accent1"/>
-            </a:fillRef>
-            <a:effectRef idx="0">
-              <a:schemeClr val="accent1"/>
-            </a:effectRef>
-            <a:fontRef idx="minor">
-              <a:schemeClr val="lt1"/>
-            </a:fontRef>
-          </p:style>
-          <p:txBody>
-            <a:bodyPr rtlCol="0" anchor="ctr"/>
-            <a:lstStyle/>
-            <a:p>
-              <a:pPr algn="ctr"/>
-              <a:endParaRPr lang="en-US">
-                <a:ln>
-                  <a:solidFill>
-                    <a:schemeClr val="bg2">
-                      <a:lumMod val="75000"/>
-                    </a:schemeClr>
-                  </a:solidFill>
-                </a:ln>
-                <a:solidFill>
-                  <a:schemeClr val="tx1"/>
-                </a:solidFill>
-              </a:endParaRPr>
-            </a:p>
-          </p:txBody>
-        </p:sp>
-        <p:sp>
-          <p:nvSpPr>
-            <p:cNvPr id="6" name="Rectangle 5"/>
-            <p:cNvSpPr/>
-            <p:nvPr/>
-          </p:nvSpPr>
-          <p:spPr>
-            <a:xfrm>
-              <a:off x="3546000" y="2706221"/>
-              <a:ext cx="792000" cy="792000"/>
-            </a:xfrm>
-            <a:prstGeom prst="rect">
-              <a:avLst/>
-            </a:prstGeom>
-            <a:solidFill>
-              <a:schemeClr val="bg1"/>
-            </a:solidFill>
-            <a:ln>
-              <a:noFill/>
-            </a:ln>
-          </p:spPr>
-          <p:style>
-            <a:lnRef idx="2">
-              <a:schemeClr val="accent1">
-                <a:shade val="50000"/>
-              </a:schemeClr>
-            </a:lnRef>
-            <a:fillRef idx="1">
-              <a:schemeClr val="accent1"/>
-            </a:fillRef>
-            <a:effectRef idx="0">
-              <a:schemeClr val="accent1"/>
-            </a:effectRef>
-            <a:fontRef idx="minor">
-              <a:schemeClr val="lt1"/>
-            </a:fontRef>
-          </p:style>
-          <p:txBody>
-            <a:bodyPr rtlCol="0" anchor="ctr"/>
-            <a:lstStyle/>
-            <a:p>
-              <a:pPr algn="ctr"/>
-              <a:endParaRPr lang="en-US">
-                <a:ln>
-                  <a:solidFill>
-                    <a:schemeClr val="bg2">
-                      <a:lumMod val="75000"/>
-                    </a:schemeClr>
-                  </a:solidFill>
-                </a:ln>
-                <a:solidFill>
-                  <a:schemeClr val="tx1"/>
-                </a:solidFill>
-              </a:endParaRPr>
-            </a:p>
-          </p:txBody>
-        </p:sp>
-      </p:grpSp>
-      <p:pic>
-        <p:nvPicPr>
-          <p:cNvPr id="2" name="Picture 1"/>
-          <p:cNvPicPr>
-            <a:picLocks noChangeAspect="1"/>
-          </p:cNvPicPr>
-          <p:nvPr/>
-        </p:nvPicPr>
-        <p:blipFill>
-          <a:blip r:embed="rId2" cstate="print">
-            <a:extLst>
-              <a:ext uri="{28A0092B-C50C-407E-A947-70E740481C1C}">
-                <a14:useLocalDpi xmlns:a14="http://schemas.microsoft.com/office/drawing/2010/main" val="0"/>
-              </a:ext>
-            </a:extLst>
-          </a:blip>
-          <a:stretch>
-            <a:fillRect/>
-          </a:stretch>
-        </p:blipFill>
-        <p:spPr>
-          <a:xfrm>
-            <a:off x="287524" y="260648"/>
-            <a:ext cx="1692188" cy="600822"/>
-          </a:xfrm>
-          <a:prstGeom prst="rect">
-            <a:avLst/>
-          </a:prstGeom>
-        </p:spPr>
-      </p:pic>
-      <p:sp>
-        <p:nvSpPr>
-          <p:cNvPr id="13" name="TextBox 12">
-            <a:extLst>
-              <a:ext uri="{FF2B5EF4-FFF2-40B4-BE49-F238E27FC236}">
-                <a16:creationId xmlns:a16="http://schemas.microsoft.com/office/drawing/2014/main" id="{649ECE41-5C33-D26B-835E-7DB29D4E17B8}"/>
-              </a:ext>
-            </a:extLst>
-          </p:cNvPr>
-          <p:cNvSpPr txBox="1"/>
-          <p:nvPr/>
-        </p:nvSpPr>
-        <p:spPr>
-          <a:xfrm>
-            <a:off x="457740" y="1101989"/>
-            <a:ext cx="4636975" cy="646331"/>
-          </a:xfrm>
-          <a:prstGeom prst="rect">
-            <a:avLst/>
-          </a:prstGeom>
-          <a:noFill/>
-        </p:spPr>
-        <p:txBody>
-          <a:bodyPr wrap="none" rtlCol="0">
-            <a:spAutoFit/>
-          </a:bodyPr>
-          <a:lstStyle/>
-          <a:p>
-            <a:r>
-              <a:rPr lang="ro-RO" sz="3600" dirty="0">
-                <a:latin typeface="UT Sans"/>
-              </a:rPr>
-              <a:t>Factory method pattern</a:t>
-            </a:r>
-            <a:endParaRPr lang="en-US" sz="3600" dirty="0">
-              <a:latin typeface="UT Sans"/>
-            </a:endParaRPr>
-          </a:p>
-        </p:txBody>
-      </p:sp>
-      <p:pic>
-        <p:nvPicPr>
-          <p:cNvPr id="3" name="Picture 2">
-            <a:extLst>
-              <a:ext uri="{FF2B5EF4-FFF2-40B4-BE49-F238E27FC236}">
-                <a16:creationId xmlns:a16="http://schemas.microsoft.com/office/drawing/2014/main" id="{6241D9AE-6363-00B6-D5FE-B28292393484}"/>
-              </a:ext>
-            </a:extLst>
-          </p:cNvPr>
-          <p:cNvPicPr>
-            <a:picLocks noChangeAspect="1"/>
-          </p:cNvPicPr>
-          <p:nvPr/>
-        </p:nvPicPr>
-        <p:blipFill>
-          <a:blip r:embed="rId3" cstate="print">
-            <a:extLst>
-              <a:ext uri="{28A0092B-C50C-407E-A947-70E740481C1C}">
-                <a14:useLocalDpi xmlns:a14="http://schemas.microsoft.com/office/drawing/2010/main" val="0"/>
-              </a:ext>
-            </a:extLst>
-          </a:blip>
-          <a:srcRect/>
-          <a:stretch>
-            <a:fillRect/>
-          </a:stretch>
-        </p:blipFill>
-        <p:spPr bwMode="auto">
-          <a:xfrm>
-            <a:off x="1799692" y="1988839"/>
-            <a:ext cx="5736590" cy="4097655"/>
-          </a:xfrm>
-          <a:prstGeom prst="rect">
-            <a:avLst/>
-          </a:prstGeom>
-          <a:noFill/>
-          <a:ln>
-            <a:noFill/>
-          </a:ln>
-        </p:spPr>
-      </p:pic>
-    </p:spTree>
-    <p:extLst>
-      <p:ext uri="{BB962C8B-B14F-4D97-AF65-F5344CB8AC3E}">
-        <p14:creationId xmlns:p14="http://schemas.microsoft.com/office/powerpoint/2010/main" val="1173055635"/>
-      </p:ext>
-    </p:extLst>
-  </p:cSld>
-  <p:clrMapOvr>
-    <a:masterClrMapping/>
-  </p:clrMapOvr>
-</p:sld>
-</file>
-
-<file path=ppt/slides/slide8.xml><?xml version="1.0" encoding="utf-8"?>
-<p:sld xmlns:a="http://schemas.openxmlformats.org/drawingml/2006/main" xmlns:r="http://schemas.openxmlformats.org/officeDocument/2006/relationships" xmlns:p="http://schemas.openxmlformats.org/presentationml/2006/main">
-  <p:cSld>
-    <p:spTree>
-      <p:nvGrpSpPr>
-        <p:cNvPr id="1" name=""/>
-        <p:cNvGrpSpPr/>
-        <p:nvPr/>
-      </p:nvGrpSpPr>
-      <p:grpSpPr>
-        <a:xfrm>
-          <a:off x="0" y="0"/>
-          <a:ext cx="0" cy="0"/>
-          <a:chOff x="0" y="0"/>
-          <a:chExt cx="0" cy="0"/>
-        </a:xfrm>
-      </p:grpSpPr>
-      <p:grpSp>
-        <p:nvGrpSpPr>
-          <p:cNvPr id="4" name="Group 3"/>
-          <p:cNvGrpSpPr/>
-          <p:nvPr/>
-        </p:nvGrpSpPr>
-        <p:grpSpPr>
-          <a:xfrm>
-            <a:off x="8460432" y="6237312"/>
-            <a:ext cx="216000" cy="216000"/>
-            <a:chOff x="2772000" y="1932221"/>
-            <a:chExt cx="2340000" cy="2340000"/>
-          </a:xfrm>
-        </p:grpSpPr>
-        <p:sp>
-          <p:nvSpPr>
-            <p:cNvPr id="5" name="Rectangle 4"/>
-            <p:cNvSpPr/>
-            <p:nvPr/>
-          </p:nvSpPr>
-          <p:spPr>
-            <a:xfrm>
-              <a:off x="2772000" y="1932221"/>
-              <a:ext cx="2340000" cy="2340000"/>
-            </a:xfrm>
-            <a:prstGeom prst="rect">
-              <a:avLst/>
-            </a:prstGeom>
-            <a:solidFill>
-              <a:schemeClr val="bg1">
-                <a:lumMod val="75000"/>
-              </a:schemeClr>
-            </a:solidFill>
-            <a:ln>
-              <a:noFill/>
-            </a:ln>
-          </p:spPr>
-          <p:style>
-            <a:lnRef idx="2">
-              <a:schemeClr val="accent1">
-                <a:shade val="50000"/>
-              </a:schemeClr>
-            </a:lnRef>
-            <a:fillRef idx="1">
-              <a:schemeClr val="accent1"/>
-            </a:fillRef>
-            <a:effectRef idx="0">
-              <a:schemeClr val="accent1"/>
-            </a:effectRef>
-            <a:fontRef idx="minor">
-              <a:schemeClr val="lt1"/>
-            </a:fontRef>
-          </p:style>
-          <p:txBody>
-            <a:bodyPr rtlCol="0" anchor="ctr"/>
-            <a:lstStyle/>
-            <a:p>
-              <a:pPr algn="ctr"/>
-              <a:endParaRPr lang="en-US">
-                <a:ln>
-                  <a:solidFill>
-                    <a:schemeClr val="bg2">
-                      <a:lumMod val="75000"/>
-                    </a:schemeClr>
-                  </a:solidFill>
-                </a:ln>
-                <a:solidFill>
-                  <a:schemeClr val="tx1"/>
-                </a:solidFill>
-              </a:endParaRPr>
-            </a:p>
-          </p:txBody>
-        </p:sp>
-        <p:sp>
-          <p:nvSpPr>
-            <p:cNvPr id="6" name="Rectangle 5"/>
-            <p:cNvSpPr/>
-            <p:nvPr/>
-          </p:nvSpPr>
-          <p:spPr>
-            <a:xfrm>
-              <a:off x="3546000" y="2706221"/>
-              <a:ext cx="792000" cy="792000"/>
-            </a:xfrm>
-            <a:prstGeom prst="rect">
-              <a:avLst/>
-            </a:prstGeom>
-            <a:solidFill>
-              <a:schemeClr val="bg1"/>
-            </a:solidFill>
-            <a:ln>
-              <a:noFill/>
-            </a:ln>
-          </p:spPr>
-          <p:style>
-            <a:lnRef idx="2">
-              <a:schemeClr val="accent1">
-                <a:shade val="50000"/>
-              </a:schemeClr>
-            </a:lnRef>
-            <a:fillRef idx="1">
-              <a:schemeClr val="accent1"/>
-            </a:fillRef>
-            <a:effectRef idx="0">
-              <a:schemeClr val="accent1"/>
-            </a:effectRef>
-            <a:fontRef idx="minor">
-              <a:schemeClr val="lt1"/>
-            </a:fontRef>
-          </p:style>
-          <p:txBody>
-            <a:bodyPr rtlCol="0" anchor="ctr"/>
-            <a:lstStyle/>
-            <a:p>
-              <a:pPr algn="ctr"/>
-              <a:endParaRPr lang="en-US">
-                <a:ln>
-                  <a:solidFill>
-                    <a:schemeClr val="bg2">
-                      <a:lumMod val="75000"/>
-                    </a:schemeClr>
-                  </a:solidFill>
-                </a:ln>
-                <a:solidFill>
-                  <a:schemeClr val="tx1"/>
-                </a:solidFill>
-              </a:endParaRPr>
-            </a:p>
-          </p:txBody>
-        </p:sp>
-      </p:grpSp>
-      <p:pic>
-        <p:nvPicPr>
-          <p:cNvPr id="2" name="Picture 1"/>
-          <p:cNvPicPr>
-            <a:picLocks noChangeAspect="1"/>
-          </p:cNvPicPr>
-          <p:nvPr/>
-        </p:nvPicPr>
-        <p:blipFill>
-          <a:blip r:embed="rId2" cstate="print">
-            <a:extLst>
-              <a:ext uri="{28A0092B-C50C-407E-A947-70E740481C1C}">
-                <a14:useLocalDpi xmlns:a14="http://schemas.microsoft.com/office/drawing/2010/main" val="0"/>
-              </a:ext>
-            </a:extLst>
-          </a:blip>
-          <a:stretch>
-            <a:fillRect/>
-          </a:stretch>
-        </p:blipFill>
-        <p:spPr>
-          <a:xfrm>
-            <a:off x="287524" y="260648"/>
-            <a:ext cx="1692188" cy="600822"/>
-          </a:xfrm>
-          <a:prstGeom prst="rect">
-            <a:avLst/>
-          </a:prstGeom>
-        </p:spPr>
-      </p:pic>
-      <p:sp>
-        <p:nvSpPr>
-          <p:cNvPr id="13" name="TextBox 12">
-            <a:extLst>
-              <a:ext uri="{FF2B5EF4-FFF2-40B4-BE49-F238E27FC236}">
-                <a16:creationId xmlns:a16="http://schemas.microsoft.com/office/drawing/2014/main" id="{649ECE41-5C33-D26B-835E-7DB29D4E17B8}"/>
-              </a:ext>
-            </a:extLst>
-          </p:cNvPr>
-          <p:cNvSpPr txBox="1"/>
-          <p:nvPr/>
-        </p:nvSpPr>
-        <p:spPr>
-          <a:xfrm>
-            <a:off x="457740" y="1101989"/>
-            <a:ext cx="4824206" cy="646331"/>
-          </a:xfrm>
-          <a:prstGeom prst="rect">
-            <a:avLst/>
-          </a:prstGeom>
-          <a:noFill/>
-        </p:spPr>
-        <p:txBody>
-          <a:bodyPr wrap="none" rtlCol="0">
-            <a:spAutoFit/>
-          </a:bodyPr>
-          <a:lstStyle/>
-          <a:p>
-            <a:r>
-              <a:rPr lang="ro-RO" sz="3600" dirty="0">
-                <a:latin typeface="UT Sans"/>
-              </a:rPr>
-              <a:t>Diagrama UML de actori</a:t>
-            </a:r>
-            <a:endParaRPr lang="en-US" sz="3600" dirty="0">
-              <a:latin typeface="UT Sans"/>
-            </a:endParaRPr>
-          </a:p>
-        </p:txBody>
-      </p:sp>
-      <p:pic>
-        <p:nvPicPr>
-          <p:cNvPr id="7" name="Picture 6">
-            <a:extLst>
-              <a:ext uri="{FF2B5EF4-FFF2-40B4-BE49-F238E27FC236}">
-                <a16:creationId xmlns:a16="http://schemas.microsoft.com/office/drawing/2014/main" id="{27B77C0D-C6F2-439B-5D27-16739C972303}"/>
-              </a:ext>
-            </a:extLst>
-          </p:cNvPr>
-          <p:cNvPicPr>
-            <a:picLocks noChangeAspect="1"/>
-          </p:cNvPicPr>
-          <p:nvPr/>
-        </p:nvPicPr>
-        <p:blipFill>
-          <a:blip r:embed="rId3" cstate="print">
-            <a:extLst>
-              <a:ext uri="{28A0092B-C50C-407E-A947-70E740481C1C}">
-                <a14:useLocalDpi xmlns:a14="http://schemas.microsoft.com/office/drawing/2010/main" val="0"/>
-              </a:ext>
-            </a:extLst>
-          </a:blip>
-          <a:srcRect/>
-          <a:stretch>
-            <a:fillRect/>
-          </a:stretch>
-        </p:blipFill>
-        <p:spPr bwMode="auto">
-          <a:xfrm>
-            <a:off x="1547664" y="1708666"/>
-            <a:ext cx="5915246" cy="4600092"/>
-          </a:xfrm>
-          <a:prstGeom prst="rect">
-            <a:avLst/>
-          </a:prstGeom>
-          <a:noFill/>
-          <a:ln>
-            <a:noFill/>
-          </a:ln>
-        </p:spPr>
-      </p:pic>
-    </p:spTree>
-    <p:extLst>
-      <p:ext uri="{BB962C8B-B14F-4D97-AF65-F5344CB8AC3E}">
-        <p14:creationId xmlns:p14="http://schemas.microsoft.com/office/powerpoint/2010/main" val="1074053174"/>
-      </p:ext>
-    </p:extLst>
-  </p:cSld>
-  <p:clrMapOvr>
-    <a:masterClrMapping/>
-  </p:clrMapOvr>
-</p:sld>
-</file>
-
-<file path=ppt/slides/slide9.xml><?xml version="1.0" encoding="utf-8"?>
-<p:sld xmlns:a="http://schemas.openxmlformats.org/drawingml/2006/main" xmlns:r="http://schemas.openxmlformats.org/officeDocument/2006/relationships" xmlns:p="http://schemas.openxmlformats.org/presentationml/2006/main">
-  <p:cSld>
-    <p:spTree>
-      <p:nvGrpSpPr>
-        <p:cNvPr id="1" name=""/>
-        <p:cNvGrpSpPr/>
-        <p:nvPr/>
-      </p:nvGrpSpPr>
-      <p:grpSpPr>
-        <a:xfrm>
-          <a:off x="0" y="0"/>
-          <a:ext cx="0" cy="0"/>
-          <a:chOff x="0" y="0"/>
-          <a:chExt cx="0" cy="0"/>
-        </a:xfrm>
-      </p:grpSpPr>
-      <p:grpSp>
-        <p:nvGrpSpPr>
-          <p:cNvPr id="4" name="Group 3"/>
-          <p:cNvGrpSpPr/>
-          <p:nvPr/>
-        </p:nvGrpSpPr>
-        <p:grpSpPr>
-          <a:xfrm>
-            <a:off x="8460432" y="6237312"/>
-            <a:ext cx="216000" cy="216000"/>
-            <a:chOff x="2772000" y="1932221"/>
-            <a:chExt cx="2340000" cy="2340000"/>
-          </a:xfrm>
-        </p:grpSpPr>
-        <p:sp>
-          <p:nvSpPr>
-            <p:cNvPr id="5" name="Rectangle 4"/>
-            <p:cNvSpPr/>
-            <p:nvPr/>
-          </p:nvSpPr>
-          <p:spPr>
-            <a:xfrm>
-              <a:off x="2772000" y="1932221"/>
-              <a:ext cx="2340000" cy="2340000"/>
-            </a:xfrm>
-            <a:prstGeom prst="rect">
-              <a:avLst/>
-            </a:prstGeom>
-            <a:solidFill>
-              <a:schemeClr val="bg1">
-                <a:lumMod val="75000"/>
-              </a:schemeClr>
-            </a:solidFill>
-            <a:ln>
-              <a:noFill/>
-            </a:ln>
-          </p:spPr>
-          <p:style>
-            <a:lnRef idx="2">
-              <a:schemeClr val="accent1">
-                <a:shade val="50000"/>
-              </a:schemeClr>
-            </a:lnRef>
-            <a:fillRef idx="1">
-              <a:schemeClr val="accent1"/>
-            </a:fillRef>
-            <a:effectRef idx="0">
-              <a:schemeClr val="accent1"/>
-            </a:effectRef>
-            <a:fontRef idx="minor">
-              <a:schemeClr val="lt1"/>
-            </a:fontRef>
-          </p:style>
-          <p:txBody>
-            <a:bodyPr rtlCol="0" anchor="ctr"/>
-            <a:lstStyle/>
-            <a:p>
-              <a:pPr algn="ctr"/>
-              <a:endParaRPr lang="en-US">
-                <a:ln>
-                  <a:solidFill>
-                    <a:schemeClr val="bg2">
-                      <a:lumMod val="75000"/>
-                    </a:schemeClr>
-                  </a:solidFill>
-                </a:ln>
-                <a:solidFill>
-                  <a:schemeClr val="tx1"/>
-                </a:solidFill>
-              </a:endParaRPr>
-            </a:p>
-          </p:txBody>
-        </p:sp>
-        <p:sp>
-          <p:nvSpPr>
-            <p:cNvPr id="6" name="Rectangle 5"/>
-            <p:cNvSpPr/>
-            <p:nvPr/>
-          </p:nvSpPr>
-          <p:spPr>
-            <a:xfrm>
-              <a:off x="3546000" y="2706221"/>
-              <a:ext cx="792000" cy="792000"/>
-            </a:xfrm>
-            <a:prstGeom prst="rect">
-              <a:avLst/>
-            </a:prstGeom>
-            <a:solidFill>
-              <a:schemeClr val="bg1"/>
-            </a:solidFill>
-            <a:ln>
-              <a:noFill/>
-            </a:ln>
-          </p:spPr>
-          <p:style>
-            <a:lnRef idx="2">
-              <a:schemeClr val="accent1">
-                <a:shade val="50000"/>
-              </a:schemeClr>
-            </a:lnRef>
-            <a:fillRef idx="1">
-              <a:schemeClr val="accent1"/>
-            </a:fillRef>
-            <a:effectRef idx="0">
-              <a:schemeClr val="accent1"/>
-            </a:effectRef>
-            <a:fontRef idx="minor">
-              <a:schemeClr val="lt1"/>
-            </a:fontRef>
-          </p:style>
-          <p:txBody>
-            <a:bodyPr rtlCol="0" anchor="ctr"/>
-            <a:lstStyle/>
-            <a:p>
-              <a:pPr algn="ctr"/>
-              <a:endParaRPr lang="en-US">
-                <a:ln>
-                  <a:solidFill>
-                    <a:schemeClr val="bg2">
-                      <a:lumMod val="75000"/>
-                    </a:schemeClr>
-                  </a:solidFill>
-                </a:ln>
-                <a:solidFill>
-                  <a:schemeClr val="tx1"/>
-                </a:solidFill>
-              </a:endParaRPr>
-            </a:p>
-          </p:txBody>
-        </p:sp>
-      </p:grpSp>
-      <p:pic>
-        <p:nvPicPr>
-          <p:cNvPr id="2" name="Picture 1"/>
-          <p:cNvPicPr>
-            <a:picLocks noChangeAspect="1"/>
-          </p:cNvPicPr>
-          <p:nvPr/>
-        </p:nvPicPr>
-        <p:blipFill>
-          <a:blip r:embed="rId2" cstate="print">
-            <a:extLst>
-              <a:ext uri="{28A0092B-C50C-407E-A947-70E740481C1C}">
-                <a14:useLocalDpi xmlns:a14="http://schemas.microsoft.com/office/drawing/2010/main" val="0"/>
-              </a:ext>
-            </a:extLst>
-          </a:blip>
-          <a:stretch>
-            <a:fillRect/>
-          </a:stretch>
-        </p:blipFill>
-        <p:spPr>
-          <a:xfrm>
-            <a:off x="287524" y="260648"/>
-            <a:ext cx="1692188" cy="600822"/>
-          </a:xfrm>
-          <a:prstGeom prst="rect">
-            <a:avLst/>
-          </a:prstGeom>
-        </p:spPr>
-      </p:pic>
-      <p:sp>
-        <p:nvSpPr>
-          <p:cNvPr id="13" name="TextBox 12">
-            <a:extLst>
-              <a:ext uri="{FF2B5EF4-FFF2-40B4-BE49-F238E27FC236}">
-                <a16:creationId xmlns:a16="http://schemas.microsoft.com/office/drawing/2014/main" id="{649ECE41-5C33-D26B-835E-7DB29D4E17B8}"/>
-              </a:ext>
-            </a:extLst>
-          </p:cNvPr>
-          <p:cNvSpPr txBox="1"/>
-          <p:nvPr/>
-        </p:nvSpPr>
-        <p:spPr>
-          <a:xfrm>
-            <a:off x="457740" y="1101989"/>
-            <a:ext cx="4567019" cy="646331"/>
-          </a:xfrm>
-          <a:prstGeom prst="rect">
-            <a:avLst/>
-          </a:prstGeom>
-          <a:noFill/>
-        </p:spPr>
-        <p:txBody>
-          <a:bodyPr wrap="none" rtlCol="0">
-            <a:spAutoFit/>
-          </a:bodyPr>
-          <a:lstStyle/>
-          <a:p>
-            <a:r>
-              <a:rPr lang="ro-RO" sz="3600" dirty="0">
-                <a:latin typeface="UT Sans"/>
-              </a:rPr>
-              <a:t>Diagrama bazei de date</a:t>
-            </a:r>
-            <a:endParaRPr lang="en-US" sz="3600" dirty="0">
-              <a:latin typeface="UT Sans"/>
-            </a:endParaRPr>
-          </a:p>
-        </p:txBody>
-      </p:sp>
-      <p:pic>
-        <p:nvPicPr>
-          <p:cNvPr id="3" name="Picture 2" descr="A computer screen shot of a computer&#10;&#10;Description automatically generated">
-            <a:extLst>
-              <a:ext uri="{FF2B5EF4-FFF2-40B4-BE49-F238E27FC236}">
-                <a16:creationId xmlns:a16="http://schemas.microsoft.com/office/drawing/2014/main" id="{402D0E33-B754-3F4A-1C48-032409928F58}"/>
-              </a:ext>
-            </a:extLst>
-          </p:cNvPr>
-          <p:cNvPicPr>
-            <a:picLocks noChangeAspect="1"/>
-          </p:cNvPicPr>
-          <p:nvPr/>
-        </p:nvPicPr>
-        <p:blipFill>
-          <a:blip r:embed="rId3"/>
-          <a:stretch>
-            <a:fillRect/>
-          </a:stretch>
-        </p:blipFill>
-        <p:spPr>
-          <a:xfrm>
-            <a:off x="1619672" y="1748320"/>
-            <a:ext cx="5756910" cy="5042535"/>
-          </a:xfrm>
-          <a:prstGeom prst="rect">
-            <a:avLst/>
-          </a:prstGeom>
-        </p:spPr>
-      </p:pic>
-    </p:spTree>
-    <p:extLst>
-      <p:ext uri="{BB962C8B-B14F-4D97-AF65-F5344CB8AC3E}">
-        <p14:creationId xmlns:p14="http://schemas.microsoft.com/office/powerpoint/2010/main" val="3051468121"/>
       </p:ext>
     </p:extLst>
   </p:cSld>
